--- a/slides/encoding apocalypse and empire ppt.pptx
+++ b/slides/encoding apocalypse and empire ppt.pptx
@@ -472,11 +472,11 @@
           <c:showBubbleSize val="0"/>
         </c:dLbls>
         <c:gapWidth val="150"/>
-        <c:axId val="44208128"/>
-        <c:axId val="44210048"/>
+        <c:axId val="45192320"/>
+        <c:axId val="45194240"/>
       </c:barChart>
       <c:catAx>
-        <c:axId val="44208128"/>
+        <c:axId val="45192320"/>
         <c:scaling>
           <c:orientation val="minMax"/>
         </c:scaling>
@@ -504,7 +504,7 @@
         <c:majorTickMark val="none"/>
         <c:minorTickMark val="none"/>
         <c:tickLblPos val="nextTo"/>
-        <c:crossAx val="44210048"/>
+        <c:crossAx val="45194240"/>
         <c:crosses val="autoZero"/>
         <c:auto val="1"/>
         <c:lblAlgn val="ctr"/>
@@ -512,7 +512,7 @@
         <c:noMultiLvlLbl val="0"/>
       </c:catAx>
       <c:valAx>
-        <c:axId val="44210048"/>
+        <c:axId val="45194240"/>
         <c:scaling>
           <c:orientation val="minMax"/>
         </c:scaling>
@@ -551,7 +551,7 @@
         <c:majorTickMark val="out"/>
         <c:minorTickMark val="none"/>
         <c:tickLblPos val="nextTo"/>
-        <c:crossAx val="44208128"/>
+        <c:crossAx val="45192320"/>
         <c:crosses val="autoZero"/>
         <c:crossBetween val="between"/>
       </c:valAx>
@@ -676,11 +676,11 @@
           <c:showBubbleSize val="0"/>
         </c:dLbls>
         <c:gapWidth val="150"/>
-        <c:axId val="44249472"/>
-        <c:axId val="44294912"/>
+        <c:axId val="45343104"/>
+        <c:axId val="45344640"/>
       </c:barChart>
       <c:catAx>
-        <c:axId val="44249472"/>
+        <c:axId val="45343104"/>
         <c:scaling>
           <c:orientation val="minMax"/>
         </c:scaling>
@@ -689,7 +689,7 @@
         <c:majorTickMark val="out"/>
         <c:minorTickMark val="none"/>
         <c:tickLblPos val="nextTo"/>
-        <c:crossAx val="44294912"/>
+        <c:crossAx val="45344640"/>
         <c:crosses val="autoZero"/>
         <c:auto val="1"/>
         <c:lblAlgn val="ctr"/>
@@ -697,7 +697,7 @@
         <c:noMultiLvlLbl val="0"/>
       </c:catAx>
       <c:valAx>
-        <c:axId val="44294912"/>
+        <c:axId val="45344640"/>
         <c:scaling>
           <c:orientation val="minMax"/>
         </c:scaling>
@@ -708,7 +708,7 @@
         <c:majorTickMark val="out"/>
         <c:minorTickMark val="none"/>
         <c:tickLblPos val="nextTo"/>
-        <c:crossAx val="44249472"/>
+        <c:crossAx val="45343104"/>
         <c:crosses val="autoZero"/>
         <c:crossBetween val="between"/>
       </c:valAx>
@@ -3802,6 +3802,13 @@
   <p:clrMapOvr>
     <a:masterClrMapping/>
   </p:clrMapOvr>
+  <p:timing>
+    <p:tnLst>
+      <p:par>
+        <p:cTn id="1" dur="indefinite" restart="never" nodeType="tmRoot"/>
+      </p:par>
+    </p:tnLst>
+  </p:timing>
 </p:sld>
 </file>
 

--- a/slides/encoding apocalypse and empire ppt.pptx
+++ b/slides/encoding apocalypse and empire ppt.pptx
@@ -2,20 +2,27 @@
 <file path=ppt/presentation.xml><?xml version="1.0" encoding="utf-8"?>
 <p:presentation xmlns:a="http://schemas.openxmlformats.org/drawingml/2006/main" xmlns:r="http://schemas.openxmlformats.org/officeDocument/2006/relationships" xmlns:p="http://schemas.openxmlformats.org/presentationml/2006/main" saveSubsetFonts="1">
   <p:sldMasterIdLst>
-    <p:sldMasterId id="2147483648" r:id="rId1"/>
+    <p:sldMasterId id="2147483660" r:id="rId1"/>
   </p:sldMasterIdLst>
+  <p:notesMasterIdLst>
+    <p:notesMasterId r:id="rId17"/>
+  </p:notesMasterIdLst>
   <p:sldIdLst>
     <p:sldId id="256" r:id="rId2"/>
-    <p:sldId id="257" r:id="rId3"/>
-    <p:sldId id="260" r:id="rId4"/>
-    <p:sldId id="259" r:id="rId5"/>
-    <p:sldId id="258" r:id="rId6"/>
-    <p:sldId id="267" r:id="rId7"/>
-    <p:sldId id="261" r:id="rId8"/>
-    <p:sldId id="265" r:id="rId9"/>
-    <p:sldId id="263" r:id="rId10"/>
-    <p:sldId id="266" r:id="rId11"/>
-    <p:sldId id="264" r:id="rId12"/>
+    <p:sldId id="273" r:id="rId3"/>
+    <p:sldId id="269" r:id="rId4"/>
+    <p:sldId id="257" r:id="rId5"/>
+    <p:sldId id="271" r:id="rId6"/>
+    <p:sldId id="259" r:id="rId7"/>
+    <p:sldId id="258" r:id="rId8"/>
+    <p:sldId id="267" r:id="rId9"/>
+    <p:sldId id="272" r:id="rId10"/>
+    <p:sldId id="261" r:id="rId11"/>
+    <p:sldId id="265" r:id="rId12"/>
+    <p:sldId id="263" r:id="rId13"/>
+    <p:sldId id="266" r:id="rId14"/>
+    <p:sldId id="268" r:id="rId15"/>
+    <p:sldId id="264" r:id="rId16"/>
   </p:sldIdLst>
   <p:sldSz cx="9144000" cy="6858000" type="screen4x3"/>
   <p:notesSz cx="6858000" cy="9144000"/>
@@ -138,22 +145,32 @@
           <a:bodyPr/>
           <a:lstStyle/>
           <a:p>
-            <a:pPr>
+            <a:pPr algn="ctr">
               <a:defRPr/>
             </a:pPr>
             <a:r>
               <a:rPr lang="en-US" dirty="0"/>
-              <a:t>Normalized Allusions to Prophetic Work per 1,000 </a:t>
+              <a:t>Normalized Allusions </a:t>
             </a:r>
             <a:r>
               <a:rPr lang="en-US" dirty="0" smtClean="0"/>
-              <a:t>words in Four New Testament Books</a:t>
-            </a:r>
-            <a:endParaRPr lang="en-US" dirty="0"/>
+              <a:t>in </a:t>
+            </a:r>
+            <a:r>
+              <a:rPr lang="en-US" dirty="0"/>
+              <a:t>Four New Testament Books</a:t>
+            </a:r>
           </a:p>
         </c:rich>
       </c:tx>
-      <c:layout/>
+      <c:layout>
+        <c:manualLayout>
+          <c:xMode val="edge"/>
+          <c:yMode val="edge"/>
+          <c:x val="0.18356564203513023"/>
+          <c:y val="3.1746031746031744E-2"/>
+        </c:manualLayout>
+      </c:layout>
       <c:overlay val="0"/>
     </c:title>
     <c:autoTitleDeleted val="0"/>
@@ -164,15 +181,90 @@
         <c:grouping val="clustered"/>
         <c:varyColors val="0"/>
         <c:ser>
-          <c:idx val="0"/>
+          <c:idx val="2"/>
           <c:order val="0"/>
+          <c:tx>
+            <c:strRef>
+              <c:f>'Normalized Data'!$C$3</c:f>
+              <c:strCache>
+                <c:ptCount val="1"/>
+                <c:pt idx="0">
+                  <c:v>Matthew*</c:v>
+                </c:pt>
+              </c:strCache>
+            </c:strRef>
+          </c:tx>
+          <c:invertIfNegative val="0"/>
+          <c:cat>
+            <c:strRef>
+              <c:f>'Normalized Data'!$D$1:$J$1</c:f>
+              <c:strCache>
+                <c:ptCount val="7"/>
+                <c:pt idx="0">
+                  <c:v>Moses</c:v>
+                </c:pt>
+                <c:pt idx="1">
+                  <c:v>David</c:v>
+                </c:pt>
+                <c:pt idx="2">
+                  <c:v>Isaiah</c:v>
+                </c:pt>
+                <c:pt idx="3">
+                  <c:v>Jeremiah</c:v>
+                </c:pt>
+                <c:pt idx="4">
+                  <c:v>Ezekiel</c:v>
+                </c:pt>
+                <c:pt idx="5">
+                  <c:v>Daniel</c:v>
+                </c:pt>
+                <c:pt idx="6">
+                  <c:v>Twelve</c:v>
+                </c:pt>
+              </c:strCache>
+            </c:strRef>
+          </c:cat>
+          <c:val>
+            <c:numRef>
+              <c:f>'Normalized Data'!$D$3:$J$3</c:f>
+              <c:numCache>
+                <c:formatCode>0.00</c:formatCode>
+                <c:ptCount val="7"/>
+                <c:pt idx="0">
+                  <c:v>5.3965658217497952</c:v>
+                </c:pt>
+                <c:pt idx="1">
+                  <c:v>4</c:v>
+                </c:pt>
+                <c:pt idx="2">
+                  <c:v>2.3984736985554647</c:v>
+                </c:pt>
+                <c:pt idx="3">
+                  <c:v>0.70863995639138733</c:v>
+                </c:pt>
+                <c:pt idx="4">
+                  <c:v>0.65412919051512675</c:v>
+                </c:pt>
+                <c:pt idx="5">
+                  <c:v>1.1992368492777323</c:v>
+                </c:pt>
+                <c:pt idx="6">
+                  <c:v>2.234941400926683</c:v>
+                </c:pt>
+              </c:numCache>
+            </c:numRef>
+          </c:val>
+        </c:ser>
+        <c:ser>
+          <c:idx val="1"/>
+          <c:order val="1"/>
           <c:tx>
             <c:strRef>
               <c:f>'Normalized Data'!$C$2</c:f>
               <c:strCache>
                 <c:ptCount val="1"/>
                 <c:pt idx="0">
-                  <c:v>Revelation*</c:v>
+                  <c:v>Romans*</c:v>
                 </c:pt>
               </c:strCache>
             </c:strRef>
@@ -214,81 +306,6 @@
                 <c:formatCode>0.00</c:formatCode>
                 <c:ptCount val="7"/>
                 <c:pt idx="0">
-                  <c:v>8.3231831100284204</c:v>
-                </c:pt>
-                <c:pt idx="1">
-                  <c:v>9.8457166057653271</c:v>
-                </c:pt>
-                <c:pt idx="2">
-                  <c:v>12.383272431993504</c:v>
-                </c:pt>
-                <c:pt idx="3">
-                  <c:v>4.8721071863581003</c:v>
-                </c:pt>
-                <c:pt idx="4">
-                  <c:v>8.424685343077547</c:v>
-                </c:pt>
-                <c:pt idx="5">
-                  <c:v>7.5111652456354037</c:v>
-                </c:pt>
-                <c:pt idx="6">
-                  <c:v>7.409663012586277</c:v>
-                </c:pt>
-              </c:numCache>
-            </c:numRef>
-          </c:val>
-        </c:ser>
-        <c:ser>
-          <c:idx val="1"/>
-          <c:order val="1"/>
-          <c:tx>
-            <c:strRef>
-              <c:f>'Normalized Data'!$C$3</c:f>
-              <c:strCache>
-                <c:ptCount val="1"/>
-                <c:pt idx="0">
-                  <c:v>Romans*</c:v>
-                </c:pt>
-              </c:strCache>
-            </c:strRef>
-          </c:tx>
-          <c:invertIfNegative val="0"/>
-          <c:cat>
-            <c:strRef>
-              <c:f>'Normalized Data'!$D$1:$J$1</c:f>
-              <c:strCache>
-                <c:ptCount val="7"/>
-                <c:pt idx="0">
-                  <c:v>Moses</c:v>
-                </c:pt>
-                <c:pt idx="1">
-                  <c:v>David</c:v>
-                </c:pt>
-                <c:pt idx="2">
-                  <c:v>Isaiah</c:v>
-                </c:pt>
-                <c:pt idx="3">
-                  <c:v>Jeremiah</c:v>
-                </c:pt>
-                <c:pt idx="4">
-                  <c:v>Ezekiel</c:v>
-                </c:pt>
-                <c:pt idx="5">
-                  <c:v>Daniel</c:v>
-                </c:pt>
-                <c:pt idx="6">
-                  <c:v>Twelve</c:v>
-                </c:pt>
-              </c:strCache>
-            </c:strRef>
-          </c:cat>
-          <c:val>
-            <c:numRef>
-              <c:f>'Normalized Data'!$D$3:$J$3</c:f>
-              <c:numCache>
-                <c:formatCode>0.00</c:formatCode>
-                <c:ptCount val="7"/>
-                <c:pt idx="0">
                   <c:v>8.4376318379974684</c:v>
                 </c:pt>
                 <c:pt idx="1">
@@ -314,7 +331,7 @@
           </c:val>
         </c:ser>
         <c:ser>
-          <c:idx val="2"/>
+          <c:idx val="3"/>
           <c:order val="2"/>
           <c:tx>
             <c:strRef>
@@ -322,7 +339,7 @@
               <c:strCache>
                 <c:ptCount val="1"/>
                 <c:pt idx="0">
-                  <c:v>Matthew*</c:v>
+                  <c:v>Hebrews*</c:v>
                 </c:pt>
               </c:strCache>
             </c:strRef>
@@ -364,32 +381,32 @@
                 <c:formatCode>0.00</c:formatCode>
                 <c:ptCount val="7"/>
                 <c:pt idx="0">
-                  <c:v>5.3965658217497952</c:v>
+                  <c:v>25.842923480718756</c:v>
                 </c:pt>
                 <c:pt idx="1">
-                  <c:v>4</c:v>
+                  <c:v>7.8740157480314963</c:v>
                 </c:pt>
                 <c:pt idx="2">
-                  <c:v>2.3984736985554647</c:v>
+                  <c:v>3.0284675953967293</c:v>
                 </c:pt>
                 <c:pt idx="3">
-                  <c:v>0.70863995639138733</c:v>
+                  <c:v>1.2113870381586918</c:v>
                 </c:pt>
                 <c:pt idx="4">
-                  <c:v>0.65412919051512675</c:v>
+                  <c:v>0.60569351907934588</c:v>
                 </c:pt>
                 <c:pt idx="5">
-                  <c:v>1.1992368492777323</c:v>
+                  <c:v>0.40379567938623057</c:v>
                 </c:pt>
                 <c:pt idx="6">
-                  <c:v>2.234941400926683</c:v>
+                  <c:v>0.80759135877246113</c:v>
                 </c:pt>
               </c:numCache>
             </c:numRef>
           </c:val>
         </c:ser>
         <c:ser>
-          <c:idx val="3"/>
+          <c:idx val="0"/>
           <c:order val="3"/>
           <c:tx>
             <c:strRef>
@@ -397,7 +414,7 @@
               <c:strCache>
                 <c:ptCount val="1"/>
                 <c:pt idx="0">
-                  <c:v>Hebrews*</c:v>
+                  <c:v>Revelation*</c:v>
                 </c:pt>
               </c:strCache>
             </c:strRef>
@@ -439,25 +456,25 @@
                 <c:formatCode>0.00</c:formatCode>
                 <c:ptCount val="7"/>
                 <c:pt idx="0">
-                  <c:v>25.842923480718756</c:v>
+                  <c:v>8.3231831100284204</c:v>
                 </c:pt>
                 <c:pt idx="1">
-                  <c:v>7.8740157480314963</c:v>
+                  <c:v>9.8457166057653271</c:v>
                 </c:pt>
                 <c:pt idx="2">
-                  <c:v>3.0284675953967293</c:v>
+                  <c:v>12.383272431993504</c:v>
                 </c:pt>
                 <c:pt idx="3">
-                  <c:v>1.2113870381586918</c:v>
+                  <c:v>4.8721071863581003</c:v>
                 </c:pt>
                 <c:pt idx="4">
-                  <c:v>0.60569351907934588</c:v>
+                  <c:v>8.424685343077547</c:v>
                 </c:pt>
                 <c:pt idx="5">
-                  <c:v>0.40379567938623057</c:v>
+                  <c:v>7.5111652456354037</c:v>
                 </c:pt>
                 <c:pt idx="6">
-                  <c:v>0.80759135877246113</c:v>
+                  <c:v>7.409663012586277</c:v>
                 </c:pt>
               </c:numCache>
             </c:numRef>
@@ -472,11 +489,11 @@
           <c:showBubbleSize val="0"/>
         </c:dLbls>
         <c:gapWidth val="150"/>
-        <c:axId val="45192320"/>
-        <c:axId val="45194240"/>
+        <c:axId val="33247232"/>
+        <c:axId val="33249152"/>
       </c:barChart>
       <c:catAx>
-        <c:axId val="45192320"/>
+        <c:axId val="33247232"/>
         <c:scaling>
           <c:orientation val="minMax"/>
         </c:scaling>
@@ -504,7 +521,7 @@
         <c:majorTickMark val="none"/>
         <c:minorTickMark val="none"/>
         <c:tickLblPos val="nextTo"/>
-        <c:crossAx val="45194240"/>
+        <c:crossAx val="33249152"/>
         <c:crosses val="autoZero"/>
         <c:auto val="1"/>
         <c:lblAlgn val="ctr"/>
@@ -512,7 +529,7 @@
         <c:noMultiLvlLbl val="0"/>
       </c:catAx>
       <c:valAx>
-        <c:axId val="45194240"/>
+        <c:axId val="33249152"/>
         <c:scaling>
           <c:orientation val="minMax"/>
         </c:scaling>
@@ -530,17 +547,8 @@
                 </a:pPr>
                 <a:r>
                   <a:rPr lang="en-US"/>
-                  <a:t>ALlusions per 1000 Words (UBS</a:t>
+                  <a:t>ALlusions per 1000 Words (UBS3)</a:t>
                 </a:r>
-                <a:r>
-                  <a:rPr lang="en-US" baseline="30000"/>
-                  <a:t>3</a:t>
-                </a:r>
-                <a:r>
-                  <a:rPr lang="en-US" baseline="0"/>
-                  <a:t>)</a:t>
-                </a:r>
-                <a:endParaRPr lang="en-US"/>
               </a:p>
             </c:rich>
           </c:tx>
@@ -551,7 +559,7 @@
         <c:majorTickMark val="out"/>
         <c:minorTickMark val="none"/>
         <c:tickLblPos val="nextTo"/>
-        <c:crossAx val="45192320"/>
+        <c:crossAx val="33247232"/>
         <c:crosses val="autoZero"/>
         <c:crossBetween val="between"/>
       </c:valAx>
@@ -565,6 +573,18 @@
     <c:dispBlanksAs val="gap"/>
     <c:showDLblsOverMax val="0"/>
   </c:chart>
+  <c:txPr>
+    <a:bodyPr/>
+    <a:lstStyle/>
+    <a:p>
+      <a:pPr>
+        <a:defRPr baseline="0">
+          <a:latin typeface="Garamond" panose="02020404030301010803" pitchFamily="18" charset="0"/>
+        </a:defRPr>
+      </a:pPr>
+      <a:endParaRPr lang="en-US"/>
+    </a:p>
+  </c:txPr>
   <c:externalData r:id="rId2">
     <c:autoUpdate val="0"/>
   </c:externalData>
@@ -585,7 +605,11 @@
     </mc:Fallback>
   </mc:AlternateContent>
   <c:chart>
-    <c:autoTitleDeleted val="1"/>
+    <c:title>
+      <c:layout/>
+      <c:overlay val="0"/>
+    </c:title>
+    <c:autoTitleDeleted val="0"/>
     <c:plotArea>
       <c:layout/>
       <c:barChart>
@@ -676,20 +700,20 @@
           <c:showBubbleSize val="0"/>
         </c:dLbls>
         <c:gapWidth val="150"/>
-        <c:axId val="45343104"/>
-        <c:axId val="45344640"/>
+        <c:axId val="33283072"/>
+        <c:axId val="31564544"/>
       </c:barChart>
       <c:catAx>
-        <c:axId val="45343104"/>
+        <c:axId val="33283072"/>
         <c:scaling>
           <c:orientation val="minMax"/>
         </c:scaling>
         <c:delete val="0"/>
         <c:axPos val="b"/>
-        <c:majorTickMark val="out"/>
+        <c:majorTickMark val="none"/>
         <c:minorTickMark val="none"/>
         <c:tickLblPos val="nextTo"/>
-        <c:crossAx val="45344640"/>
+        <c:crossAx val="31564544"/>
         <c:crosses val="autoZero"/>
         <c:auto val="1"/>
         <c:lblAlgn val="ctr"/>
@@ -697,7 +721,7 @@
         <c:noMultiLvlLbl val="0"/>
       </c:catAx>
       <c:valAx>
-        <c:axId val="45344640"/>
+        <c:axId val="31564544"/>
         <c:scaling>
           <c:orientation val="minMax"/>
         </c:scaling>
@@ -705,10 +729,10 @@
         <c:axPos val="l"/>
         <c:majorGridlines/>
         <c:numFmt formatCode="General" sourceLinked="1"/>
-        <c:majorTickMark val="out"/>
+        <c:majorTickMark val="none"/>
         <c:minorTickMark val="none"/>
         <c:tickLblPos val="nextTo"/>
-        <c:crossAx val="45343104"/>
+        <c:crossAx val="33283072"/>
         <c:crosses val="autoZero"/>
         <c:crossBetween val="between"/>
       </c:valAx>
@@ -738,6 +762,440 @@
 </c:chartSpace>
 </file>
 
+<file path=ppt/notesMasters/notesMaster1.xml><?xml version="1.0" encoding="utf-8"?>
+<p:notesMaster xmlns:a="http://schemas.openxmlformats.org/drawingml/2006/main" xmlns:r="http://schemas.openxmlformats.org/officeDocument/2006/relationships" xmlns:p="http://schemas.openxmlformats.org/presentationml/2006/main">
+  <p:cSld>
+    <p:bg>
+      <p:bgRef idx="1001">
+        <a:schemeClr val="bg1"/>
+      </p:bgRef>
+    </p:bg>
+    <p:spTree>
+      <p:nvGrpSpPr>
+        <p:cNvPr id="1" name=""/>
+        <p:cNvGrpSpPr/>
+        <p:nvPr/>
+      </p:nvGrpSpPr>
+      <p:grpSpPr>
+        <a:xfrm>
+          <a:off x="0" y="0"/>
+          <a:ext cx="0" cy="0"/>
+          <a:chOff x="0" y="0"/>
+          <a:chExt cx="0" cy="0"/>
+        </a:xfrm>
+      </p:grpSpPr>
+      <p:sp>
+        <p:nvSpPr>
+          <p:cNvPr id="2" name="Header Placeholder 1"/>
+          <p:cNvSpPr>
+            <a:spLocks noGrp="1"/>
+          </p:cNvSpPr>
+          <p:nvPr>
+            <p:ph type="hdr" sz="quarter"/>
+          </p:nvPr>
+        </p:nvSpPr>
+        <p:spPr>
+          <a:xfrm>
+            <a:off x="0" y="0"/>
+            <a:ext cx="2971800" cy="457200"/>
+          </a:xfrm>
+          <a:prstGeom prst="rect">
+            <a:avLst/>
+          </a:prstGeom>
+        </p:spPr>
+        <p:txBody>
+          <a:bodyPr vert="horz" lIns="91440" tIns="45720" rIns="91440" bIns="45720" rtlCol="0"/>
+          <a:lstStyle>
+            <a:lvl1pPr algn="l">
+              <a:defRPr sz="1200"/>
+            </a:lvl1pPr>
+          </a:lstStyle>
+          <a:p>
+            <a:endParaRPr lang="en-US"/>
+          </a:p>
+        </p:txBody>
+      </p:sp>
+      <p:sp>
+        <p:nvSpPr>
+          <p:cNvPr id="3" name="Date Placeholder 2"/>
+          <p:cNvSpPr>
+            <a:spLocks noGrp="1"/>
+          </p:cNvSpPr>
+          <p:nvPr>
+            <p:ph type="dt" idx="1"/>
+          </p:nvPr>
+        </p:nvSpPr>
+        <p:spPr>
+          <a:xfrm>
+            <a:off x="3884613" y="0"/>
+            <a:ext cx="2971800" cy="457200"/>
+          </a:xfrm>
+          <a:prstGeom prst="rect">
+            <a:avLst/>
+          </a:prstGeom>
+        </p:spPr>
+        <p:txBody>
+          <a:bodyPr vert="horz" lIns="91440" tIns="45720" rIns="91440" bIns="45720" rtlCol="0"/>
+          <a:lstStyle>
+            <a:lvl1pPr algn="r">
+              <a:defRPr sz="1200"/>
+            </a:lvl1pPr>
+          </a:lstStyle>
+          <a:p>
+            <a:fld id="{B12C6722-22E0-4C51-8CE3-000AC6AADAFF}" type="datetimeFigureOut">
+              <a:rPr lang="en-US" smtClean="0"/>
+              <a:t>11/22/2014</a:t>
+            </a:fld>
+            <a:endParaRPr lang="en-US"/>
+          </a:p>
+        </p:txBody>
+      </p:sp>
+      <p:sp>
+        <p:nvSpPr>
+          <p:cNvPr id="4" name="Slide Image Placeholder 3"/>
+          <p:cNvSpPr>
+            <a:spLocks noGrp="1" noRot="1" noChangeAspect="1"/>
+          </p:cNvSpPr>
+          <p:nvPr>
+            <p:ph type="sldImg" idx="2"/>
+          </p:nvPr>
+        </p:nvSpPr>
+        <p:spPr>
+          <a:xfrm>
+            <a:off x="1143000" y="685800"/>
+            <a:ext cx="4572000" cy="3429000"/>
+          </a:xfrm>
+          <a:prstGeom prst="rect">
+            <a:avLst/>
+          </a:prstGeom>
+          <a:noFill/>
+          <a:ln w="12700">
+            <a:solidFill>
+              <a:prstClr val="black"/>
+            </a:solidFill>
+          </a:ln>
+        </p:spPr>
+        <p:txBody>
+          <a:bodyPr vert="horz" lIns="91440" tIns="45720" rIns="91440" bIns="45720" rtlCol="0" anchor="ctr"/>
+          <a:lstStyle/>
+          <a:p>
+            <a:endParaRPr lang="en-US"/>
+          </a:p>
+        </p:txBody>
+      </p:sp>
+      <p:sp>
+        <p:nvSpPr>
+          <p:cNvPr id="5" name="Notes Placeholder 4"/>
+          <p:cNvSpPr>
+            <a:spLocks noGrp="1"/>
+          </p:cNvSpPr>
+          <p:nvPr>
+            <p:ph type="body" sz="quarter" idx="3"/>
+          </p:nvPr>
+        </p:nvSpPr>
+        <p:spPr>
+          <a:xfrm>
+            <a:off x="685800" y="4343400"/>
+            <a:ext cx="5486400" cy="4114800"/>
+          </a:xfrm>
+          <a:prstGeom prst="rect">
+            <a:avLst/>
+          </a:prstGeom>
+        </p:spPr>
+        <p:txBody>
+          <a:bodyPr vert="horz" lIns="91440" tIns="45720" rIns="91440" bIns="45720" rtlCol="0"/>
+          <a:lstStyle/>
+          <a:p>
+            <a:pPr lvl="0"/>
+            <a:r>
+              <a:rPr lang="en-US" smtClean="0"/>
+              <a:t>Click to edit Master text styles</a:t>
+            </a:r>
+          </a:p>
+          <a:p>
+            <a:pPr lvl="1"/>
+            <a:r>
+              <a:rPr lang="en-US" smtClean="0"/>
+              <a:t>Second level</a:t>
+            </a:r>
+          </a:p>
+          <a:p>
+            <a:pPr lvl="2"/>
+            <a:r>
+              <a:rPr lang="en-US" smtClean="0"/>
+              <a:t>Third level</a:t>
+            </a:r>
+          </a:p>
+          <a:p>
+            <a:pPr lvl="3"/>
+            <a:r>
+              <a:rPr lang="en-US" smtClean="0"/>
+              <a:t>Fourth level</a:t>
+            </a:r>
+          </a:p>
+          <a:p>
+            <a:pPr lvl="4"/>
+            <a:r>
+              <a:rPr lang="en-US" smtClean="0"/>
+              <a:t>Fifth level</a:t>
+            </a:r>
+            <a:endParaRPr lang="en-US"/>
+          </a:p>
+        </p:txBody>
+      </p:sp>
+      <p:sp>
+        <p:nvSpPr>
+          <p:cNvPr id="6" name="Footer Placeholder 5"/>
+          <p:cNvSpPr>
+            <a:spLocks noGrp="1"/>
+          </p:cNvSpPr>
+          <p:nvPr>
+            <p:ph type="ftr" sz="quarter" idx="4"/>
+          </p:nvPr>
+        </p:nvSpPr>
+        <p:spPr>
+          <a:xfrm>
+            <a:off x="0" y="8685213"/>
+            <a:ext cx="2971800" cy="457200"/>
+          </a:xfrm>
+          <a:prstGeom prst="rect">
+            <a:avLst/>
+          </a:prstGeom>
+        </p:spPr>
+        <p:txBody>
+          <a:bodyPr vert="horz" lIns="91440" tIns="45720" rIns="91440" bIns="45720" rtlCol="0" anchor="b"/>
+          <a:lstStyle>
+            <a:lvl1pPr algn="l">
+              <a:defRPr sz="1200"/>
+            </a:lvl1pPr>
+          </a:lstStyle>
+          <a:p>
+            <a:endParaRPr lang="en-US"/>
+          </a:p>
+        </p:txBody>
+      </p:sp>
+      <p:sp>
+        <p:nvSpPr>
+          <p:cNvPr id="7" name="Slide Number Placeholder 6"/>
+          <p:cNvSpPr>
+            <a:spLocks noGrp="1"/>
+          </p:cNvSpPr>
+          <p:nvPr>
+            <p:ph type="sldNum" sz="quarter" idx="5"/>
+          </p:nvPr>
+        </p:nvSpPr>
+        <p:spPr>
+          <a:xfrm>
+            <a:off x="3884613" y="8685213"/>
+            <a:ext cx="2971800" cy="457200"/>
+          </a:xfrm>
+          <a:prstGeom prst="rect">
+            <a:avLst/>
+          </a:prstGeom>
+        </p:spPr>
+        <p:txBody>
+          <a:bodyPr vert="horz" lIns="91440" tIns="45720" rIns="91440" bIns="45720" rtlCol="0" anchor="b"/>
+          <a:lstStyle>
+            <a:lvl1pPr algn="r">
+              <a:defRPr sz="1200"/>
+            </a:lvl1pPr>
+          </a:lstStyle>
+          <a:p>
+            <a:fld id="{739BF4F2-C3EF-47B5-99C4-3F8EEAD6AB87}" type="slidenum">
+              <a:rPr lang="en-US" smtClean="0"/>
+              <a:t>‹#›</a:t>
+            </a:fld>
+            <a:endParaRPr lang="en-US"/>
+          </a:p>
+        </p:txBody>
+      </p:sp>
+    </p:spTree>
+    <p:extLst>
+      <p:ext uri="{BB962C8B-B14F-4D97-AF65-F5344CB8AC3E}">
+        <p14:creationId xmlns:p14="http://schemas.microsoft.com/office/powerpoint/2010/main" val="4108594946"/>
+      </p:ext>
+    </p:extLst>
+  </p:cSld>
+  <p:clrMap bg1="lt1" tx1="dk1" bg2="lt2" tx2="dk2" accent1="accent1" accent2="accent2" accent3="accent3" accent4="accent4" accent5="accent5" accent6="accent6" hlink="hlink" folHlink="folHlink"/>
+  <p:notesStyle>
+    <a:lvl1pPr marL="0" algn="l" defTabSz="914400" rtl="0" eaLnBrk="1" latinLnBrk="0" hangingPunct="1">
+      <a:defRPr sz="1200" kern="1200">
+        <a:solidFill>
+          <a:schemeClr val="tx1"/>
+        </a:solidFill>
+        <a:latin typeface="+mn-lt"/>
+        <a:ea typeface="+mn-ea"/>
+        <a:cs typeface="+mn-cs"/>
+      </a:defRPr>
+    </a:lvl1pPr>
+    <a:lvl2pPr marL="457200" algn="l" defTabSz="914400" rtl="0" eaLnBrk="1" latinLnBrk="0" hangingPunct="1">
+      <a:defRPr sz="1200" kern="1200">
+        <a:solidFill>
+          <a:schemeClr val="tx1"/>
+        </a:solidFill>
+        <a:latin typeface="+mn-lt"/>
+        <a:ea typeface="+mn-ea"/>
+        <a:cs typeface="+mn-cs"/>
+      </a:defRPr>
+    </a:lvl2pPr>
+    <a:lvl3pPr marL="914400" algn="l" defTabSz="914400" rtl="0" eaLnBrk="1" latinLnBrk="0" hangingPunct="1">
+      <a:defRPr sz="1200" kern="1200">
+        <a:solidFill>
+          <a:schemeClr val="tx1"/>
+        </a:solidFill>
+        <a:latin typeface="+mn-lt"/>
+        <a:ea typeface="+mn-ea"/>
+        <a:cs typeface="+mn-cs"/>
+      </a:defRPr>
+    </a:lvl3pPr>
+    <a:lvl4pPr marL="1371600" algn="l" defTabSz="914400" rtl="0" eaLnBrk="1" latinLnBrk="0" hangingPunct="1">
+      <a:defRPr sz="1200" kern="1200">
+        <a:solidFill>
+          <a:schemeClr val="tx1"/>
+        </a:solidFill>
+        <a:latin typeface="+mn-lt"/>
+        <a:ea typeface="+mn-ea"/>
+        <a:cs typeface="+mn-cs"/>
+      </a:defRPr>
+    </a:lvl4pPr>
+    <a:lvl5pPr marL="1828800" algn="l" defTabSz="914400" rtl="0" eaLnBrk="1" latinLnBrk="0" hangingPunct="1">
+      <a:defRPr sz="1200" kern="1200">
+        <a:solidFill>
+          <a:schemeClr val="tx1"/>
+        </a:solidFill>
+        <a:latin typeface="+mn-lt"/>
+        <a:ea typeface="+mn-ea"/>
+        <a:cs typeface="+mn-cs"/>
+      </a:defRPr>
+    </a:lvl5pPr>
+    <a:lvl6pPr marL="2286000" algn="l" defTabSz="914400" rtl="0" eaLnBrk="1" latinLnBrk="0" hangingPunct="1">
+      <a:defRPr sz="1200" kern="1200">
+        <a:solidFill>
+          <a:schemeClr val="tx1"/>
+        </a:solidFill>
+        <a:latin typeface="+mn-lt"/>
+        <a:ea typeface="+mn-ea"/>
+        <a:cs typeface="+mn-cs"/>
+      </a:defRPr>
+    </a:lvl6pPr>
+    <a:lvl7pPr marL="2743200" algn="l" defTabSz="914400" rtl="0" eaLnBrk="1" latinLnBrk="0" hangingPunct="1">
+      <a:defRPr sz="1200" kern="1200">
+        <a:solidFill>
+          <a:schemeClr val="tx1"/>
+        </a:solidFill>
+        <a:latin typeface="+mn-lt"/>
+        <a:ea typeface="+mn-ea"/>
+        <a:cs typeface="+mn-cs"/>
+      </a:defRPr>
+    </a:lvl7pPr>
+    <a:lvl8pPr marL="3200400" algn="l" defTabSz="914400" rtl="0" eaLnBrk="1" latinLnBrk="0" hangingPunct="1">
+      <a:defRPr sz="1200" kern="1200">
+        <a:solidFill>
+          <a:schemeClr val="tx1"/>
+        </a:solidFill>
+        <a:latin typeface="+mn-lt"/>
+        <a:ea typeface="+mn-ea"/>
+        <a:cs typeface="+mn-cs"/>
+      </a:defRPr>
+    </a:lvl8pPr>
+    <a:lvl9pPr marL="3657600" algn="l" defTabSz="914400" rtl="0" eaLnBrk="1" latinLnBrk="0" hangingPunct="1">
+      <a:defRPr sz="1200" kern="1200">
+        <a:solidFill>
+          <a:schemeClr val="tx1"/>
+        </a:solidFill>
+        <a:latin typeface="+mn-lt"/>
+        <a:ea typeface="+mn-ea"/>
+        <a:cs typeface="+mn-cs"/>
+      </a:defRPr>
+    </a:lvl9pPr>
+  </p:notesStyle>
+</p:notesMaster>
+</file>
+
+<file path=ppt/notesSlides/notesSlide1.xml><?xml version="1.0" encoding="utf-8"?>
+<p:notes xmlns:a="http://schemas.openxmlformats.org/drawingml/2006/main" xmlns:r="http://schemas.openxmlformats.org/officeDocument/2006/relationships" xmlns:p="http://schemas.openxmlformats.org/presentationml/2006/main">
+  <p:cSld>
+    <p:spTree>
+      <p:nvGrpSpPr>
+        <p:cNvPr id="1" name=""/>
+        <p:cNvGrpSpPr/>
+        <p:nvPr/>
+      </p:nvGrpSpPr>
+      <p:grpSpPr>
+        <a:xfrm>
+          <a:off x="0" y="0"/>
+          <a:ext cx="0" cy="0"/>
+          <a:chOff x="0" y="0"/>
+          <a:chExt cx="0" cy="0"/>
+        </a:xfrm>
+      </p:grpSpPr>
+      <p:sp>
+        <p:nvSpPr>
+          <p:cNvPr id="2" name="Slide Image Placeholder 1"/>
+          <p:cNvSpPr>
+            <a:spLocks noGrp="1" noRot="1" noChangeAspect="1"/>
+          </p:cNvSpPr>
+          <p:nvPr>
+            <p:ph type="sldImg"/>
+          </p:nvPr>
+        </p:nvSpPr>
+        <p:spPr/>
+      </p:sp>
+      <p:sp>
+        <p:nvSpPr>
+          <p:cNvPr id="3" name="Notes Placeholder 2"/>
+          <p:cNvSpPr>
+            <a:spLocks noGrp="1"/>
+          </p:cNvSpPr>
+          <p:nvPr>
+            <p:ph type="body" idx="1"/>
+          </p:nvPr>
+        </p:nvSpPr>
+        <p:spPr/>
+        <p:txBody>
+          <a:bodyPr/>
+          <a:lstStyle/>
+          <a:p>
+            <a:endParaRPr lang="en-US"/>
+          </a:p>
+        </p:txBody>
+      </p:sp>
+      <p:sp>
+        <p:nvSpPr>
+          <p:cNvPr id="4" name="Slide Number Placeholder 3"/>
+          <p:cNvSpPr>
+            <a:spLocks noGrp="1"/>
+          </p:cNvSpPr>
+          <p:nvPr>
+            <p:ph type="sldNum" sz="quarter" idx="10"/>
+          </p:nvPr>
+        </p:nvSpPr>
+        <p:spPr/>
+        <p:txBody>
+          <a:bodyPr/>
+          <a:lstStyle/>
+          <a:p>
+            <a:fld id="{739BF4F2-C3EF-47B5-99C4-3F8EEAD6AB87}" type="slidenum">
+              <a:rPr lang="en-US" smtClean="0"/>
+              <a:t>1</a:t>
+            </a:fld>
+            <a:endParaRPr lang="en-US"/>
+          </a:p>
+        </p:txBody>
+      </p:sp>
+    </p:spTree>
+    <p:extLst>
+      <p:ext uri="{BB962C8B-B14F-4D97-AF65-F5344CB8AC3E}">
+        <p14:creationId xmlns:p14="http://schemas.microsoft.com/office/powerpoint/2010/main" val="3327178396"/>
+      </p:ext>
+    </p:extLst>
+  </p:cSld>
+  <p:clrMapOvr>
+    <a:masterClrMapping/>
+  </p:clrMapOvr>
+</p:notes>
+</file>
+
 <file path=ppt/slideLayouts/slideLayout1.xml><?xml version="1.0" encoding="utf-8"?>
 <p:sldLayout xmlns:a="http://schemas.openxmlformats.org/drawingml/2006/main" xmlns:r="http://schemas.openxmlformats.org/officeDocument/2006/relationships" xmlns:p="http://schemas.openxmlformats.org/presentationml/2006/main" type="title" preserve="1">
   <p:cSld name="Title Slide">
@@ -767,19 +1225,30 @@
         </p:nvSpPr>
         <p:spPr>
           <a:xfrm>
-            <a:off x="685800" y="2130425"/>
-            <a:ext cx="7772400" cy="1470025"/>
+            <a:off x="685800" y="1905000"/>
+            <a:ext cx="7543800" cy="2593975"/>
           </a:xfrm>
         </p:spPr>
         <p:txBody>
-          <a:bodyPr/>
-          <a:lstStyle/>
+          <a:bodyPr anchor="b"/>
+          <a:lstStyle>
+            <a:lvl1pPr>
+              <a:defRPr sz="6600">
+                <a:ln>
+                  <a:noFill/>
+                </a:ln>
+                <a:solidFill>
+                  <a:schemeClr val="tx2"/>
+                </a:solidFill>
+              </a:defRPr>
+            </a:lvl1pPr>
+          </a:lstStyle>
           <a:p>
             <a:r>
               <a:rPr lang="en-US" smtClean="0"/>
               <a:t>Click to edit Master title style</a:t>
             </a:r>
-            <a:endParaRPr lang="en-US"/>
+            <a:endParaRPr lang="en-US" dirty="0"/>
           </a:p>
         </p:txBody>
       </p:sp>
@@ -795,16 +1264,18 @@
         </p:nvSpPr>
         <p:spPr>
           <a:xfrm>
-            <a:off x="1371600" y="3886200"/>
-            <a:ext cx="6400800" cy="1752600"/>
+            <a:off x="685800" y="4572000"/>
+            <a:ext cx="6461760" cy="1066800"/>
           </a:xfrm>
         </p:spPr>
         <p:txBody>
-          <a:bodyPr/>
+          <a:bodyPr anchor="t">
+            <a:normAutofit/>
+          </a:bodyPr>
           <a:lstStyle>
-            <a:lvl1pPr marL="0" indent="0" algn="ctr">
+            <a:lvl1pPr marL="0" indent="0" algn="l">
               <a:buNone/>
-              <a:defRPr>
+              <a:defRPr sz="2000">
                 <a:solidFill>
                   <a:schemeClr val="tx1">
                     <a:tint val="75000"/>
@@ -898,7 +1369,7 @@
               <a:rPr lang="en-US" smtClean="0"/>
               <a:t>Click to edit Master subtitle style</a:t>
             </a:r>
-            <a:endParaRPr lang="en-US"/>
+            <a:endParaRPr lang="en-US" dirty="0"/>
           </a:p>
         </p:txBody>
       </p:sp>
@@ -917,9 +1388,9 @@
           <a:bodyPr/>
           <a:lstStyle/>
           <a:p>
-            <a:fld id="{09B03ECA-9DCD-420B-A44D-27CC9861B2B7}" type="datetimeFigureOut">
-              <a:rPr lang="en-US" smtClean="0"/>
-              <a:t>11/11/2014</a:t>
+            <a:fld id="{059FCABF-21F5-4E39-BF56-BB94D9DD679E}" type="datetime1">
+              <a:rPr lang="en-US" smtClean="0"/>
+              <a:t>11/22/2014</a:t>
             </a:fld>
             <a:endParaRPr lang="en-US"/>
           </a:p>
@@ -940,6 +1411,10 @@
           <a:bodyPr/>
           <a:lstStyle/>
           <a:p>
+            <a:r>
+              <a:rPr lang="en-US" smtClean="0"/>
+              <a:t>Encoding Apocalypse and Empire</a:t>
+            </a:r>
             <a:endParaRPr lang="en-US"/>
           </a:p>
         </p:txBody>
@@ -968,11 +1443,6 @@
         </p:txBody>
       </p:sp>
     </p:spTree>
-    <p:extLst>
-      <p:ext uri="{BB962C8B-B14F-4D97-AF65-F5344CB8AC3E}">
-        <p14:creationId xmlns:p14="http://schemas.microsoft.com/office/powerpoint/2010/main" val="1442193481"/>
-      </p:ext>
-    </p:extLst>
   </p:cSld>
   <p:clrMapOvr>
     <a:masterClrMapping/>
@@ -1087,9 +1557,9 @@
           <a:bodyPr/>
           <a:lstStyle/>
           <a:p>
-            <a:fld id="{09B03ECA-9DCD-420B-A44D-27CC9861B2B7}" type="datetimeFigureOut">
-              <a:rPr lang="en-US" smtClean="0"/>
-              <a:t>11/11/2014</a:t>
+            <a:fld id="{D3984F5E-5E0B-4507-AE19-5E4070C29756}" type="datetime1">
+              <a:rPr lang="en-US" smtClean="0"/>
+              <a:t>11/22/2014</a:t>
             </a:fld>
             <a:endParaRPr lang="en-US"/>
           </a:p>
@@ -1110,6 +1580,10 @@
           <a:bodyPr/>
           <a:lstStyle/>
           <a:p>
+            <a:r>
+              <a:rPr lang="en-US" smtClean="0"/>
+              <a:t>Encoding Apocalypse and Empire</a:t>
+            </a:r>
             <a:endParaRPr lang="en-US"/>
           </a:p>
         </p:txBody>
@@ -1138,11 +1612,6 @@
         </p:txBody>
       </p:sp>
     </p:spTree>
-    <p:extLst>
-      <p:ext uri="{BB962C8B-B14F-4D97-AF65-F5344CB8AC3E}">
-        <p14:creationId xmlns:p14="http://schemas.microsoft.com/office/powerpoint/2010/main" val="21192663"/>
-      </p:ext>
-    </p:extLst>
   </p:cSld>
   <p:clrMapOvr>
     <a:masterClrMapping/>
@@ -1180,18 +1649,18 @@
         <p:spPr>
           <a:xfrm>
             <a:off x="6629400" y="274638"/>
-            <a:ext cx="2057400" cy="5851525"/>
+            <a:ext cx="1752600" cy="5851525"/>
           </a:xfrm>
         </p:spPr>
         <p:txBody>
-          <a:bodyPr vert="eaVert"/>
+          <a:bodyPr vert="eaVert" anchor="b" anchorCtr="0"/>
           <a:lstStyle/>
           <a:p>
             <a:r>
               <a:rPr lang="en-US" smtClean="0"/>
               <a:t>Click to edit Master title style</a:t>
             </a:r>
-            <a:endParaRPr lang="en-US"/>
+            <a:endParaRPr lang="en-US" dirty="0"/>
           </a:p>
         </p:txBody>
       </p:sp>
@@ -1267,9 +1736,9 @@
           <a:bodyPr/>
           <a:lstStyle/>
           <a:p>
-            <a:fld id="{09B03ECA-9DCD-420B-A44D-27CC9861B2B7}" type="datetimeFigureOut">
-              <a:rPr lang="en-US" smtClean="0"/>
-              <a:t>11/11/2014</a:t>
+            <a:fld id="{DFA7CE81-649A-45AB-A058-B40F5B535F2D}" type="datetime1">
+              <a:rPr lang="en-US" smtClean="0"/>
+              <a:t>11/22/2014</a:t>
             </a:fld>
             <a:endParaRPr lang="en-US"/>
           </a:p>
@@ -1290,6 +1759,10 @@
           <a:bodyPr/>
           <a:lstStyle/>
           <a:p>
+            <a:r>
+              <a:rPr lang="en-US" smtClean="0"/>
+              <a:t>Encoding Apocalypse and Empire</a:t>
+            </a:r>
             <a:endParaRPr lang="en-US"/>
           </a:p>
         </p:txBody>
@@ -1318,11 +1791,6 @@
         </p:txBody>
       </p:sp>
     </p:spTree>
-    <p:extLst>
-      <p:ext uri="{BB962C8B-B14F-4D97-AF65-F5344CB8AC3E}">
-        <p14:creationId xmlns:p14="http://schemas.microsoft.com/office/powerpoint/2010/main" val="2064508254"/>
-      </p:ext>
-    </p:extLst>
   </p:cSld>
   <p:clrMapOvr>
     <a:masterClrMapping/>
@@ -1437,9 +1905,9 @@
           <a:bodyPr/>
           <a:lstStyle/>
           <a:p>
-            <a:fld id="{09B03ECA-9DCD-420B-A44D-27CC9861B2B7}" type="datetimeFigureOut">
-              <a:rPr lang="en-US" smtClean="0"/>
-              <a:t>11/11/2014</a:t>
+            <a:fld id="{6B79649A-1E94-43B3-8541-0B544EA11591}" type="datetime1">
+              <a:rPr lang="en-US" smtClean="0"/>
+              <a:t>11/22/2014</a:t>
             </a:fld>
             <a:endParaRPr lang="en-US"/>
           </a:p>
@@ -1460,6 +1928,10 @@
           <a:bodyPr/>
           <a:lstStyle/>
           <a:p>
+            <a:r>
+              <a:rPr lang="en-US" smtClean="0"/>
+              <a:t>Encoding Apocalypse and Empire</a:t>
+            </a:r>
             <a:endParaRPr lang="en-US"/>
           </a:p>
         </p:txBody>
@@ -1488,11 +1960,6 @@
         </p:txBody>
       </p:sp>
     </p:spTree>
-    <p:extLst>
-      <p:ext uri="{BB962C8B-B14F-4D97-AF65-F5344CB8AC3E}">
-        <p14:creationId xmlns:p14="http://schemas.microsoft.com/office/powerpoint/2010/main" val="371882790"/>
-      </p:ext>
-    </p:extLst>
   </p:cSld>
   <p:clrMapOvr>
     <a:masterClrMapping/>
@@ -1529,15 +1996,15 @@
         </p:nvSpPr>
         <p:spPr>
           <a:xfrm>
-            <a:off x="722313" y="4406900"/>
-            <a:ext cx="7772400" cy="1362075"/>
+            <a:off x="722313" y="5486400"/>
+            <a:ext cx="7659687" cy="1168400"/>
           </a:xfrm>
         </p:spPr>
         <p:txBody>
           <a:bodyPr anchor="t"/>
           <a:lstStyle>
             <a:lvl1pPr algn="l">
-              <a:defRPr sz="4000" b="1" cap="all"/>
+              <a:defRPr sz="3600" b="0" cap="all"/>
             </a:lvl1pPr>
           </a:lstStyle>
           <a:p>
@@ -1545,7 +2012,7 @@
               <a:rPr lang="en-US" smtClean="0"/>
               <a:t>Click to edit Master title style</a:t>
             </a:r>
-            <a:endParaRPr lang="en-US"/>
+            <a:endParaRPr lang="en-US" dirty="0"/>
           </a:p>
         </p:txBody>
       </p:sp>
@@ -1561,8 +2028,8 @@
         </p:nvSpPr>
         <p:spPr>
           <a:xfrm>
-            <a:off x="722313" y="2906713"/>
-            <a:ext cx="7772400" cy="1500187"/>
+            <a:off x="722313" y="3852863"/>
+            <a:ext cx="6135687" cy="1633538"/>
           </a:xfrm>
         </p:spPr>
         <p:txBody>
@@ -1683,9 +2150,9 @@
           <a:bodyPr/>
           <a:lstStyle/>
           <a:p>
-            <a:fld id="{09B03ECA-9DCD-420B-A44D-27CC9861B2B7}" type="datetimeFigureOut">
-              <a:rPr lang="en-US" smtClean="0"/>
-              <a:t>11/11/2014</a:t>
+            <a:fld id="{CB0BFD50-8C93-4C0B-B9AF-86A763484240}" type="datetime1">
+              <a:rPr lang="en-US" smtClean="0"/>
+              <a:t>11/22/2014</a:t>
             </a:fld>
             <a:endParaRPr lang="en-US"/>
           </a:p>
@@ -1706,6 +2173,10 @@
           <a:bodyPr/>
           <a:lstStyle/>
           <a:p>
+            <a:r>
+              <a:rPr lang="en-US" smtClean="0"/>
+              <a:t>Encoding Apocalypse and Empire</a:t>
+            </a:r>
             <a:endParaRPr lang="en-US"/>
           </a:p>
         </p:txBody>
@@ -1734,11 +2205,6 @@
         </p:txBody>
       </p:sp>
     </p:spTree>
-    <p:extLst>
-      <p:ext uri="{BB962C8B-B14F-4D97-AF65-F5344CB8AC3E}">
-        <p14:creationId xmlns:p14="http://schemas.microsoft.com/office/powerpoint/2010/main" val="1931315255"/>
-      </p:ext>
-    </p:extLst>
   </p:cSld>
   <p:clrMapOvr>
     <a:masterClrMapping/>
@@ -1798,8 +2264,8 @@
         </p:nvSpPr>
         <p:spPr>
           <a:xfrm>
-            <a:off x="457200" y="1600200"/>
-            <a:ext cx="4038600" cy="4525963"/>
+            <a:off x="457200" y="1536192"/>
+            <a:ext cx="3657600" cy="4590288"/>
           </a:xfrm>
         </p:spPr>
         <p:txBody>
@@ -1867,7 +2333,7 @@
               <a:rPr lang="en-US" smtClean="0"/>
               <a:t>Fifth level</a:t>
             </a:r>
-            <a:endParaRPr lang="en-US"/>
+            <a:endParaRPr lang="en-US" dirty="0"/>
           </a:p>
         </p:txBody>
       </p:sp>
@@ -1883,8 +2349,8 @@
         </p:nvSpPr>
         <p:spPr>
           <a:xfrm>
-            <a:off x="4648200" y="1600200"/>
-            <a:ext cx="4038600" cy="4525963"/>
+            <a:off x="4419600" y="1536192"/>
+            <a:ext cx="3657600" cy="4590288"/>
           </a:xfrm>
         </p:spPr>
         <p:txBody>
@@ -1952,7 +2418,7 @@
               <a:rPr lang="en-US" smtClean="0"/>
               <a:t>Fifth level</a:t>
             </a:r>
-            <a:endParaRPr lang="en-US"/>
+            <a:endParaRPr lang="en-US" dirty="0"/>
           </a:p>
         </p:txBody>
       </p:sp>
@@ -1971,9 +2437,9 @@
           <a:bodyPr/>
           <a:lstStyle/>
           <a:p>
-            <a:fld id="{09B03ECA-9DCD-420B-A44D-27CC9861B2B7}" type="datetimeFigureOut">
-              <a:rPr lang="en-US" smtClean="0"/>
-              <a:t>11/11/2014</a:t>
+            <a:fld id="{C49A492A-0792-4324-A0AA-1BAE9261C71E}" type="datetime1">
+              <a:rPr lang="en-US" smtClean="0"/>
+              <a:t>11/22/2014</a:t>
             </a:fld>
             <a:endParaRPr lang="en-US"/>
           </a:p>
@@ -1994,6 +2460,10 @@
           <a:bodyPr/>
           <a:lstStyle/>
           <a:p>
+            <a:r>
+              <a:rPr lang="en-US" smtClean="0"/>
+              <a:t>Encoding Apocalypse and Empire</a:t>
+            </a:r>
             <a:endParaRPr lang="en-US"/>
           </a:p>
         </p:txBody>
@@ -2022,11 +2492,6 @@
         </p:txBody>
       </p:sp>
     </p:spTree>
-    <p:extLst>
-      <p:ext uri="{BB962C8B-B14F-4D97-AF65-F5344CB8AC3E}">
-        <p14:creationId xmlns:p14="http://schemas.microsoft.com/office/powerpoint/2010/main" val="4258526450"/>
-      </p:ext>
-    </p:extLst>
   </p:cSld>
   <p:clrMapOvr>
     <a:masterClrMapping/>
@@ -2091,15 +2556,21 @@
         <p:spPr>
           <a:xfrm>
             <a:off x="457200" y="1535113"/>
-            <a:ext cx="4040188" cy="639762"/>
+            <a:ext cx="3657600" cy="639762"/>
           </a:xfrm>
         </p:spPr>
         <p:txBody>
-          <a:bodyPr anchor="b"/>
+          <a:bodyPr anchor="b">
+            <a:noAutofit/>
+          </a:bodyPr>
           <a:lstStyle>
-            <a:lvl1pPr marL="0" indent="0">
+            <a:lvl1pPr marL="0" indent="0" algn="ctr">
               <a:buNone/>
-              <a:defRPr sz="2400" b="1"/>
+              <a:defRPr sz="2000" b="1">
+                <a:solidFill>
+                  <a:schemeClr val="tx2"/>
+                </a:solidFill>
+              </a:defRPr>
             </a:lvl1pPr>
             <a:lvl2pPr marL="457200" indent="0">
               <a:buNone/>
@@ -2156,7 +2627,7 @@
         <p:spPr>
           <a:xfrm>
             <a:off x="457200" y="2174875"/>
-            <a:ext cx="4040188" cy="3951288"/>
+            <a:ext cx="3657600" cy="3951288"/>
           </a:xfrm>
         </p:spPr>
         <p:txBody>
@@ -2224,7 +2695,7 @@
               <a:rPr lang="en-US" smtClean="0"/>
               <a:t>Fifth level</a:t>
             </a:r>
-            <a:endParaRPr lang="en-US"/>
+            <a:endParaRPr lang="en-US" dirty="0"/>
           </a:p>
         </p:txBody>
       </p:sp>
@@ -2240,16 +2711,22 @@
         </p:nvSpPr>
         <p:spPr>
           <a:xfrm>
-            <a:off x="4645025" y="1535113"/>
-            <a:ext cx="4041775" cy="639762"/>
+            <a:off x="4419600" y="1535113"/>
+            <a:ext cx="3657600" cy="639762"/>
           </a:xfrm>
         </p:spPr>
         <p:txBody>
-          <a:bodyPr anchor="b"/>
+          <a:bodyPr anchor="b">
+            <a:noAutofit/>
+          </a:bodyPr>
           <a:lstStyle>
-            <a:lvl1pPr marL="0" indent="0">
+            <a:lvl1pPr marL="0" indent="0" algn="ctr">
               <a:buNone/>
-              <a:defRPr sz="2400" b="1"/>
+              <a:defRPr sz="2000" b="1">
+                <a:solidFill>
+                  <a:schemeClr val="tx2"/>
+                </a:solidFill>
+              </a:defRPr>
             </a:lvl1pPr>
             <a:lvl2pPr marL="457200" indent="0">
               <a:buNone/>
@@ -2305,8 +2782,8 @@
         </p:nvSpPr>
         <p:spPr>
           <a:xfrm>
-            <a:off x="4645025" y="2174875"/>
-            <a:ext cx="4041775" cy="3951288"/>
+            <a:off x="4419600" y="2174875"/>
+            <a:ext cx="3657600" cy="3951288"/>
           </a:xfrm>
         </p:spPr>
         <p:txBody>
@@ -2393,9 +2870,9 @@
           <a:bodyPr/>
           <a:lstStyle/>
           <a:p>
-            <a:fld id="{09B03ECA-9DCD-420B-A44D-27CC9861B2B7}" type="datetimeFigureOut">
-              <a:rPr lang="en-US" smtClean="0"/>
-              <a:t>11/11/2014</a:t>
+            <a:fld id="{03780378-BA13-43F3-9515-DE76FA2578F4}" type="datetime1">
+              <a:rPr lang="en-US" smtClean="0"/>
+              <a:t>11/22/2014</a:t>
             </a:fld>
             <a:endParaRPr lang="en-US"/>
           </a:p>
@@ -2416,6 +2893,10 @@
           <a:bodyPr/>
           <a:lstStyle/>
           <a:p>
+            <a:r>
+              <a:rPr lang="en-US" smtClean="0"/>
+              <a:t>Encoding Apocalypse and Empire</a:t>
+            </a:r>
             <a:endParaRPr lang="en-US"/>
           </a:p>
         </p:txBody>
@@ -2444,11 +2925,6 @@
         </p:txBody>
       </p:sp>
     </p:spTree>
-    <p:extLst>
-      <p:ext uri="{BB962C8B-B14F-4D97-AF65-F5344CB8AC3E}">
-        <p14:creationId xmlns:p14="http://schemas.microsoft.com/office/powerpoint/2010/main" val="77399880"/>
-      </p:ext>
-    </p:extLst>
   </p:cSld>
   <p:clrMapOvr>
     <a:masterClrMapping/>
@@ -2511,9 +2987,9 @@
           <a:bodyPr/>
           <a:lstStyle/>
           <a:p>
-            <a:fld id="{09B03ECA-9DCD-420B-A44D-27CC9861B2B7}" type="datetimeFigureOut">
-              <a:rPr lang="en-US" smtClean="0"/>
-              <a:t>11/11/2014</a:t>
+            <a:fld id="{A36BB5F9-885D-4990-8B7F-E6FE148BE5BD}" type="datetime1">
+              <a:rPr lang="en-US" smtClean="0"/>
+              <a:t>11/22/2014</a:t>
             </a:fld>
             <a:endParaRPr lang="en-US"/>
           </a:p>
@@ -2534,6 +3010,10 @@
           <a:bodyPr/>
           <a:lstStyle/>
           <a:p>
+            <a:r>
+              <a:rPr lang="en-US" smtClean="0"/>
+              <a:t>Encoding Apocalypse and Empire</a:t>
+            </a:r>
             <a:endParaRPr lang="en-US"/>
           </a:p>
         </p:txBody>
@@ -2562,11 +3042,6 @@
         </p:txBody>
       </p:sp>
     </p:spTree>
-    <p:extLst>
-      <p:ext uri="{BB962C8B-B14F-4D97-AF65-F5344CB8AC3E}">
-        <p14:creationId xmlns:p14="http://schemas.microsoft.com/office/powerpoint/2010/main" val="1142642039"/>
-      </p:ext>
-    </p:extLst>
   </p:cSld>
   <p:clrMapOvr>
     <a:masterClrMapping/>
@@ -2606,9 +3081,9 @@
           <a:bodyPr/>
           <a:lstStyle/>
           <a:p>
-            <a:fld id="{09B03ECA-9DCD-420B-A44D-27CC9861B2B7}" type="datetimeFigureOut">
-              <a:rPr lang="en-US" smtClean="0"/>
-              <a:t>11/11/2014</a:t>
+            <a:fld id="{D9BD8DC8-C1D9-4C68-90EC-65B319CCB882}" type="datetime1">
+              <a:rPr lang="en-US" smtClean="0"/>
+              <a:t>11/22/2014</a:t>
             </a:fld>
             <a:endParaRPr lang="en-US"/>
           </a:p>
@@ -2629,6 +3104,10 @@
           <a:bodyPr/>
           <a:lstStyle/>
           <a:p>
+            <a:r>
+              <a:rPr lang="en-US" smtClean="0"/>
+              <a:t>Encoding Apocalypse and Empire</a:t>
+            </a:r>
             <a:endParaRPr lang="en-US"/>
           </a:p>
         </p:txBody>
@@ -2657,11 +3136,6 @@
         </p:txBody>
       </p:sp>
     </p:spTree>
-    <p:extLst>
-      <p:ext uri="{BB962C8B-B14F-4D97-AF65-F5344CB8AC3E}">
-        <p14:creationId xmlns:p14="http://schemas.microsoft.com/office/powerpoint/2010/main" val="575965827"/>
-      </p:ext>
-    </p:extLst>
   </p:cSld>
   <p:clrMapOvr>
     <a:masterClrMapping/>
@@ -2698,15 +3172,15 @@
         </p:nvSpPr>
         <p:spPr>
           <a:xfrm>
-            <a:off x="457200" y="273050"/>
-            <a:ext cx="3008313" cy="1162050"/>
+            <a:off x="304801" y="5495544"/>
+            <a:ext cx="7772400" cy="594360"/>
           </a:xfrm>
         </p:spPr>
         <p:txBody>
           <a:bodyPr anchor="b"/>
           <a:lstStyle>
-            <a:lvl1pPr algn="l">
-              <a:defRPr sz="2000" b="1"/>
+            <a:lvl1pPr algn="ctr">
+              <a:defRPr sz="2200" b="1"/>
             </a:lvl1pPr>
           </a:lstStyle>
           <a:p>
@@ -2714,117 +3188,34 @@
               <a:rPr lang="en-US" smtClean="0"/>
               <a:t>Click to edit Master title style</a:t>
             </a:r>
-            <a:endParaRPr lang="en-US"/>
-          </a:p>
-        </p:txBody>
-      </p:sp>
-      <p:sp>
-        <p:nvSpPr>
-          <p:cNvPr id="3" name="Content Placeholder 2"/>
-          <p:cNvSpPr>
-            <a:spLocks noGrp="1"/>
-          </p:cNvSpPr>
-          <p:nvPr>
-            <p:ph idx="1"/>
+            <a:endParaRPr lang="en-US" dirty="0"/>
+          </a:p>
+        </p:txBody>
+      </p:sp>
+      <p:sp>
+        <p:nvSpPr>
+          <p:cNvPr id="4" name="Text Placeholder 3"/>
+          <p:cNvSpPr>
+            <a:spLocks noGrp="1"/>
+          </p:cNvSpPr>
+          <p:nvPr>
+            <p:ph type="body" sz="half" idx="2"/>
           </p:nvPr>
         </p:nvSpPr>
         <p:spPr>
           <a:xfrm>
-            <a:off x="3575050" y="273050"/>
-            <a:ext cx="5111750" cy="5853113"/>
+            <a:off x="304799" y="6096000"/>
+            <a:ext cx="7772401" cy="609600"/>
           </a:xfrm>
         </p:spPr>
         <p:txBody>
-          <a:bodyPr/>
+          <a:bodyPr>
+            <a:normAutofit/>
+          </a:bodyPr>
           <a:lstStyle>
-            <a:lvl1pPr>
-              <a:defRPr sz="3200"/>
-            </a:lvl1pPr>
-            <a:lvl2pPr>
-              <a:defRPr sz="2800"/>
-            </a:lvl2pPr>
-            <a:lvl3pPr>
-              <a:defRPr sz="2400"/>
-            </a:lvl3pPr>
-            <a:lvl4pPr>
-              <a:defRPr sz="2000"/>
-            </a:lvl4pPr>
-            <a:lvl5pPr>
-              <a:defRPr sz="2000"/>
-            </a:lvl5pPr>
-            <a:lvl6pPr>
-              <a:defRPr sz="2000"/>
-            </a:lvl6pPr>
-            <a:lvl7pPr>
-              <a:defRPr sz="2000"/>
-            </a:lvl7pPr>
-            <a:lvl8pPr>
-              <a:defRPr sz="2000"/>
-            </a:lvl8pPr>
-            <a:lvl9pPr>
-              <a:defRPr sz="2000"/>
-            </a:lvl9pPr>
-          </a:lstStyle>
-          <a:p>
-            <a:pPr lvl="0"/>
-            <a:r>
-              <a:rPr lang="en-US" smtClean="0"/>
-              <a:t>Click to edit Master text styles</a:t>
-            </a:r>
-          </a:p>
-          <a:p>
-            <a:pPr lvl="1"/>
-            <a:r>
-              <a:rPr lang="en-US" smtClean="0"/>
-              <a:t>Second level</a:t>
-            </a:r>
-          </a:p>
-          <a:p>
-            <a:pPr lvl="2"/>
-            <a:r>
-              <a:rPr lang="en-US" smtClean="0"/>
-              <a:t>Third level</a:t>
-            </a:r>
-          </a:p>
-          <a:p>
-            <a:pPr lvl="3"/>
-            <a:r>
-              <a:rPr lang="en-US" smtClean="0"/>
-              <a:t>Fourth level</a:t>
-            </a:r>
-          </a:p>
-          <a:p>
-            <a:pPr lvl="4"/>
-            <a:r>
-              <a:rPr lang="en-US" smtClean="0"/>
-              <a:t>Fifth level</a:t>
-            </a:r>
-            <a:endParaRPr lang="en-US"/>
-          </a:p>
-        </p:txBody>
-      </p:sp>
-      <p:sp>
-        <p:nvSpPr>
-          <p:cNvPr id="4" name="Text Placeholder 3"/>
-          <p:cNvSpPr>
-            <a:spLocks noGrp="1"/>
-          </p:cNvSpPr>
-          <p:nvPr>
-            <p:ph type="body" sz="half" idx="2"/>
-          </p:nvPr>
-        </p:nvSpPr>
-        <p:spPr>
-          <a:xfrm>
-            <a:off x="457200" y="1435100"/>
-            <a:ext cx="3008313" cy="4691063"/>
-          </a:xfrm>
-        </p:spPr>
-        <p:txBody>
-          <a:bodyPr/>
-          <a:lstStyle>
-            <a:lvl1pPr marL="0" indent="0">
+            <a:lvl1pPr marL="0" indent="0" algn="ctr">
               <a:buNone/>
-              <a:defRPr sz="1400"/>
+              <a:defRPr sz="1600"/>
             </a:lvl1pPr>
             <a:lvl2pPr marL="457200" indent="0">
               <a:buNone/>
@@ -2883,9 +3274,9 @@
           <a:bodyPr/>
           <a:lstStyle/>
           <a:p>
-            <a:fld id="{09B03ECA-9DCD-420B-A44D-27CC9861B2B7}" type="datetimeFigureOut">
-              <a:rPr lang="en-US" smtClean="0"/>
-              <a:t>11/11/2014</a:t>
+            <a:fld id="{D3B4040F-8F31-4A1B-A763-B0CE05A31B5F}" type="datetime1">
+              <a:rPr lang="en-US" smtClean="0"/>
+              <a:t>11/22/2014</a:t>
             </a:fld>
             <a:endParaRPr lang="en-US"/>
           </a:p>
@@ -2906,6 +3297,10 @@
           <a:bodyPr/>
           <a:lstStyle/>
           <a:p>
+            <a:r>
+              <a:rPr lang="en-US" smtClean="0"/>
+              <a:t>Encoding Apocalypse and Empire</a:t>
+            </a:r>
             <a:endParaRPr lang="en-US"/>
           </a:p>
         </p:txBody>
@@ -2933,12 +3328,64 @@
           </a:p>
         </p:txBody>
       </p:sp>
+      <p:sp>
+        <p:nvSpPr>
+          <p:cNvPr id="9" name="Content Placeholder 8"/>
+          <p:cNvSpPr>
+            <a:spLocks noGrp="1"/>
+          </p:cNvSpPr>
+          <p:nvPr>
+            <p:ph sz="quarter" idx="13"/>
+          </p:nvPr>
+        </p:nvSpPr>
+        <p:spPr>
+          <a:xfrm>
+            <a:off x="304800" y="381000"/>
+            <a:ext cx="7772400" cy="4942840"/>
+          </a:xfrm>
+        </p:spPr>
+        <p:txBody>
+          <a:bodyPr/>
+          <a:lstStyle/>
+          <a:p>
+            <a:pPr lvl="0"/>
+            <a:r>
+              <a:rPr lang="en-US" smtClean="0"/>
+              <a:t>Click to edit Master text styles</a:t>
+            </a:r>
+          </a:p>
+          <a:p>
+            <a:pPr lvl="1"/>
+            <a:r>
+              <a:rPr lang="en-US" smtClean="0"/>
+              <a:t>Second level</a:t>
+            </a:r>
+          </a:p>
+          <a:p>
+            <a:pPr lvl="2"/>
+            <a:r>
+              <a:rPr lang="en-US" smtClean="0"/>
+              <a:t>Third level</a:t>
+            </a:r>
+          </a:p>
+          <a:p>
+            <a:pPr lvl="3"/>
+            <a:r>
+              <a:rPr lang="en-US" smtClean="0"/>
+              <a:t>Fourth level</a:t>
+            </a:r>
+          </a:p>
+          <a:p>
+            <a:pPr lvl="4"/>
+            <a:r>
+              <a:rPr lang="en-US" smtClean="0"/>
+              <a:t>Fifth level</a:t>
+            </a:r>
+            <a:endParaRPr lang="en-US"/>
+          </a:p>
+        </p:txBody>
+      </p:sp>
     </p:spTree>
-    <p:extLst>
-      <p:ext uri="{BB962C8B-B14F-4D97-AF65-F5344CB8AC3E}">
-        <p14:creationId xmlns:p14="http://schemas.microsoft.com/office/powerpoint/2010/main" val="3625974574"/>
-      </p:ext>
-    </p:extLst>
   </p:cSld>
   <p:clrMapOvr>
     <a:masterClrMapping/>
@@ -2975,15 +3422,22 @@
         </p:nvSpPr>
         <p:spPr>
           <a:xfrm>
-            <a:off x="1792288" y="4800600"/>
-            <a:ext cx="5486400" cy="566738"/>
+            <a:off x="301752" y="5495278"/>
+            <a:ext cx="7772400" cy="594626"/>
           </a:xfrm>
         </p:spPr>
         <p:txBody>
           <a:bodyPr anchor="b"/>
           <a:lstStyle>
-            <a:lvl1pPr algn="l">
-              <a:defRPr sz="2000" b="1"/>
+            <a:lvl1pPr algn="ctr">
+              <a:defRPr sz="2200" b="1">
+                <a:ln>
+                  <a:noFill/>
+                </a:ln>
+                <a:solidFill>
+                  <a:schemeClr val="tx2"/>
+                </a:solidFill>
+              </a:defRPr>
             </a:lvl1pPr>
           </a:lstStyle>
           <a:p>
@@ -2991,7 +3445,7 @@
               <a:rPr lang="en-US" smtClean="0"/>
               <a:t>Click to edit Master title style</a:t>
             </a:r>
-            <a:endParaRPr lang="en-US"/>
+            <a:endParaRPr lang="en-US" dirty="0"/>
           </a:p>
         </p:txBody>
       </p:sp>
@@ -3007,8 +3461,8 @@
         </p:nvSpPr>
         <p:spPr>
           <a:xfrm>
-            <a:off x="1792288" y="612775"/>
-            <a:ext cx="5486400" cy="4114800"/>
+            <a:off x="0" y="0"/>
+            <a:ext cx="8458200" cy="5486400"/>
           </a:xfrm>
         </p:spPr>
         <p:txBody>
@@ -3052,7 +3506,11 @@
             </a:lvl9pPr>
           </a:lstStyle>
           <a:p>
-            <a:endParaRPr lang="en-US"/>
+            <a:r>
+              <a:rPr lang="en-US" smtClean="0"/>
+              <a:t>Click icon to add picture</a:t>
+            </a:r>
+            <a:endParaRPr lang="en-US" dirty="0"/>
           </a:p>
         </p:txBody>
       </p:sp>
@@ -3068,16 +3526,18 @@
         </p:nvSpPr>
         <p:spPr>
           <a:xfrm>
-            <a:off x="1792288" y="5367338"/>
-            <a:ext cx="5486400" cy="804862"/>
+            <a:off x="301752" y="6096000"/>
+            <a:ext cx="7772400" cy="612648"/>
           </a:xfrm>
         </p:spPr>
         <p:txBody>
-          <a:bodyPr/>
+          <a:bodyPr>
+            <a:normAutofit/>
+          </a:bodyPr>
           <a:lstStyle>
-            <a:lvl1pPr marL="0" indent="0">
+            <a:lvl1pPr marL="0" indent="0" algn="ctr">
               <a:buNone/>
-              <a:defRPr sz="1400"/>
+              <a:defRPr sz="1600"/>
             </a:lvl1pPr>
             <a:lvl2pPr marL="457200" indent="0">
               <a:buNone/>
@@ -3123,7 +3583,7 @@
       </p:sp>
       <p:sp>
         <p:nvSpPr>
-          <p:cNvPr id="5" name="Date Placeholder 4"/>
+          <p:cNvPr id="8" name="Date Placeholder 7"/>
           <p:cNvSpPr>
             <a:spLocks noGrp="1"/>
           </p:cNvSpPr>
@@ -3136,9 +3596,9 @@
           <a:bodyPr/>
           <a:lstStyle/>
           <a:p>
-            <a:fld id="{09B03ECA-9DCD-420B-A44D-27CC9861B2B7}" type="datetimeFigureOut">
-              <a:rPr lang="en-US" smtClean="0"/>
-              <a:t>11/11/2014</a:t>
+            <a:fld id="{013EBA1C-3767-4E29-B320-28DE4C6BA9FD}" type="datetime1">
+              <a:rPr lang="en-US" smtClean="0"/>
+              <a:t>11/22/2014</a:t>
             </a:fld>
             <a:endParaRPr lang="en-US"/>
           </a:p>
@@ -3146,31 +3606,12 @@
       </p:sp>
       <p:sp>
         <p:nvSpPr>
-          <p:cNvPr id="6" name="Footer Placeholder 5"/>
-          <p:cNvSpPr>
-            <a:spLocks noGrp="1"/>
-          </p:cNvSpPr>
-          <p:nvPr>
-            <p:ph type="ftr" sz="quarter" idx="11"/>
-          </p:nvPr>
-        </p:nvSpPr>
-        <p:spPr/>
-        <p:txBody>
-          <a:bodyPr/>
-          <a:lstStyle/>
-          <a:p>
-            <a:endParaRPr lang="en-US"/>
-          </a:p>
-        </p:txBody>
-      </p:sp>
-      <p:sp>
-        <p:nvSpPr>
-          <p:cNvPr id="7" name="Slide Number Placeholder 6"/>
-          <p:cNvSpPr>
-            <a:spLocks noGrp="1"/>
-          </p:cNvSpPr>
-          <p:nvPr>
-            <p:ph type="sldNum" sz="quarter" idx="12"/>
+          <p:cNvPr id="9" name="Slide Number Placeholder 8"/>
+          <p:cNvSpPr>
+            <a:spLocks noGrp="1"/>
+          </p:cNvSpPr>
+          <p:nvPr>
+            <p:ph type="sldNum" sz="quarter" idx="11"/>
           </p:nvPr>
         </p:nvSpPr>
         <p:spPr/>
@@ -3186,12 +3627,30 @@
           </a:p>
         </p:txBody>
       </p:sp>
+      <p:sp>
+        <p:nvSpPr>
+          <p:cNvPr id="10" name="Footer Placeholder 9"/>
+          <p:cNvSpPr>
+            <a:spLocks noGrp="1"/>
+          </p:cNvSpPr>
+          <p:nvPr>
+            <p:ph type="ftr" sz="quarter" idx="12"/>
+          </p:nvPr>
+        </p:nvSpPr>
+        <p:spPr/>
+        <p:txBody>
+          <a:bodyPr/>
+          <a:lstStyle/>
+          <a:p>
+            <a:r>
+              <a:rPr lang="en-US" smtClean="0"/>
+              <a:t>Encoding Apocalypse and Empire</a:t>
+            </a:r>
+            <a:endParaRPr lang="en-US"/>
+          </a:p>
+        </p:txBody>
+      </p:sp>
     </p:spTree>
-    <p:extLst>
-      <p:ext uri="{BB962C8B-B14F-4D97-AF65-F5344CB8AC3E}">
-        <p14:creationId xmlns:p14="http://schemas.microsoft.com/office/powerpoint/2010/main" val="269145666"/>
-      </p:ext>
-    </p:extLst>
   </p:cSld>
   <p:clrMapOvr>
     <a:masterClrMapping/>
@@ -3203,7 +3662,7 @@
 <p:sldMaster xmlns:a="http://schemas.openxmlformats.org/drawingml/2006/main" xmlns:r="http://schemas.openxmlformats.org/officeDocument/2006/relationships" xmlns:p="http://schemas.openxmlformats.org/presentationml/2006/main">
   <p:cSld>
     <p:bg>
-      <p:bgRef idx="1001">
+      <p:bgRef idx="1002">
         <a:schemeClr val="bg1"/>
       </p:bgRef>
     </p:bg>
@@ -3234,7 +3693,7 @@
         <p:spPr>
           <a:xfrm>
             <a:off x="457200" y="274638"/>
-            <a:ext cx="8229600" cy="1143000"/>
+            <a:ext cx="7620000" cy="1143000"/>
           </a:xfrm>
           <a:prstGeom prst="rect">
             <a:avLst/>
@@ -3242,7 +3701,7 @@
         </p:spPr>
         <p:txBody>
           <a:bodyPr vert="horz" lIns="91440" tIns="45720" rIns="91440" bIns="45720" rtlCol="0" anchor="ctr">
-            <a:normAutofit/>
+            <a:noAutofit/>
           </a:bodyPr>
           <a:lstStyle/>
           <a:p>
@@ -3250,7 +3709,7 @@
               <a:rPr lang="en-US" smtClean="0"/>
               <a:t>Click to edit Master title style</a:t>
             </a:r>
-            <a:endParaRPr lang="en-US"/>
+            <a:endParaRPr lang="en-US" dirty="0"/>
           </a:p>
         </p:txBody>
       </p:sp>
@@ -3267,7 +3726,7 @@
         <p:spPr>
           <a:xfrm>
             <a:off x="457200" y="1600200"/>
-            <a:ext cx="8229600" cy="4525963"/>
+            <a:ext cx="7620000" cy="4800600"/>
           </a:xfrm>
           <a:prstGeom prst="rect">
             <a:avLst/>
@@ -3312,24 +3771,162 @@
               <a:rPr lang="en-US" smtClean="0"/>
               <a:t>Fifth level</a:t>
             </a:r>
-            <a:endParaRPr lang="en-US"/>
-          </a:p>
-        </p:txBody>
-      </p:sp>
-      <p:sp>
-        <p:nvSpPr>
-          <p:cNvPr id="4" name="Date Placeholder 3"/>
-          <p:cNvSpPr>
-            <a:spLocks noGrp="1"/>
-          </p:cNvSpPr>
-          <p:nvPr>
-            <p:ph type="dt" sz="half" idx="2"/>
-          </p:nvPr>
+            <a:endParaRPr lang="en-US" dirty="0"/>
+          </a:p>
+        </p:txBody>
+      </p:sp>
+      <p:sp>
+        <p:nvSpPr>
+          <p:cNvPr id="7" name="Rectangle 6"/>
+          <p:cNvSpPr/>
+          <p:nvPr/>
         </p:nvSpPr>
         <p:spPr>
           <a:xfrm>
-            <a:off x="457200" y="6356350"/>
-            <a:ext cx="2133600" cy="365125"/>
+            <a:off x="8458200" y="0"/>
+            <a:ext cx="685800" cy="6858000"/>
+          </a:xfrm>
+          <a:prstGeom prst="rect">
+            <a:avLst/>
+          </a:prstGeom>
+          <a:solidFill>
+            <a:schemeClr val="tx2"/>
+          </a:solidFill>
+          <a:ln>
+            <a:noFill/>
+          </a:ln>
+        </p:spPr>
+        <p:style>
+          <a:lnRef idx="2">
+            <a:schemeClr val="accent1">
+              <a:shade val="50000"/>
+            </a:schemeClr>
+          </a:lnRef>
+          <a:fillRef idx="1">
+            <a:schemeClr val="accent1"/>
+          </a:fillRef>
+          <a:effectRef idx="0">
+            <a:schemeClr val="accent1"/>
+          </a:effectRef>
+          <a:fontRef idx="minor">
+            <a:schemeClr val="lt1"/>
+          </a:fontRef>
+        </p:style>
+        <p:txBody>
+          <a:bodyPr rtlCol="0" anchor="ctr"/>
+          <a:lstStyle/>
+          <a:p>
+            <a:pPr algn="ctr"/>
+            <a:endParaRPr lang="en-US"/>
+          </a:p>
+        </p:txBody>
+      </p:sp>
+      <p:sp>
+        <p:nvSpPr>
+          <p:cNvPr id="8" name="Rectangle 7"/>
+          <p:cNvSpPr/>
+          <p:nvPr/>
+        </p:nvSpPr>
+        <p:spPr>
+          <a:xfrm>
+            <a:off x="8458200" y="5486400"/>
+            <a:ext cx="685800" cy="685800"/>
+          </a:xfrm>
+          <a:prstGeom prst="rect">
+            <a:avLst/>
+          </a:prstGeom>
+          <a:solidFill>
+            <a:schemeClr val="accent1"/>
+          </a:solidFill>
+          <a:ln>
+            <a:noFill/>
+          </a:ln>
+        </p:spPr>
+        <p:style>
+          <a:lnRef idx="2">
+            <a:schemeClr val="accent1">
+              <a:shade val="50000"/>
+            </a:schemeClr>
+          </a:lnRef>
+          <a:fillRef idx="1">
+            <a:schemeClr val="accent1"/>
+          </a:fillRef>
+          <a:effectRef idx="0">
+            <a:schemeClr val="accent1"/>
+          </a:effectRef>
+          <a:fontRef idx="minor">
+            <a:schemeClr val="lt1"/>
+          </a:fontRef>
+        </p:style>
+        <p:txBody>
+          <a:bodyPr rtlCol="0" anchor="ctr"/>
+          <a:lstStyle/>
+          <a:p>
+            <a:pPr algn="ctr"/>
+            <a:endParaRPr lang="en-US"/>
+          </a:p>
+        </p:txBody>
+      </p:sp>
+      <p:sp>
+        <p:nvSpPr>
+          <p:cNvPr id="6" name="Slide Number Placeholder 5"/>
+          <p:cNvSpPr>
+            <a:spLocks noGrp="1"/>
+          </p:cNvSpPr>
+          <p:nvPr>
+            <p:ph type="sldNum" sz="quarter" idx="4"/>
+          </p:nvPr>
+        </p:nvSpPr>
+        <p:spPr>
+          <a:xfrm>
+            <a:off x="8531788" y="5648960"/>
+            <a:ext cx="548640" cy="396240"/>
+          </a:xfrm>
+          <a:prstGeom prst="bracketPair">
+            <a:avLst>
+              <a:gd name="adj" fmla="val 17949"/>
+            </a:avLst>
+          </a:prstGeom>
+          <a:ln w="19050">
+            <a:solidFill>
+              <a:srgbClr val="FFFFFF"/>
+            </a:solidFill>
+          </a:ln>
+        </p:spPr>
+        <p:txBody>
+          <a:bodyPr vert="horz" lIns="0" tIns="0" rIns="0" bIns="0" rtlCol="0" anchor="ctr"/>
+          <a:lstStyle>
+            <a:lvl1pPr algn="ctr">
+              <a:defRPr sz="1800">
+                <a:solidFill>
+                  <a:srgbClr val="FFFFFF"/>
+                </a:solidFill>
+              </a:defRPr>
+            </a:lvl1pPr>
+          </a:lstStyle>
+          <a:p>
+            <a:fld id="{B54884B7-6C20-497E-907D-B5AAC07785D1}" type="slidenum">
+              <a:rPr lang="en-US" smtClean="0"/>
+              <a:t>‹#›</a:t>
+            </a:fld>
+            <a:endParaRPr lang="en-US"/>
+          </a:p>
+        </p:txBody>
+      </p:sp>
+      <p:sp>
+        <p:nvSpPr>
+          <p:cNvPr id="5" name="Footer Placeholder 4"/>
+          <p:cNvSpPr>
+            <a:spLocks noGrp="1"/>
+          </p:cNvSpPr>
+          <p:nvPr>
+            <p:ph type="ftr" sz="quarter" idx="3"/>
+          </p:nvPr>
+        </p:nvSpPr>
+        <p:spPr>
+          <a:xfrm rot="16200000">
+            <a:off x="7586910" y="4048760"/>
+            <a:ext cx="2367281" cy="365760"/>
           </a:xfrm>
           <a:prstGeom prst="rect">
             <a:avLst/>
@@ -3338,39 +3935,37 @@
         <p:txBody>
           <a:bodyPr vert="horz" lIns="91440" tIns="45720" rIns="91440" bIns="45720" rtlCol="0" anchor="ctr"/>
           <a:lstStyle>
-            <a:lvl1pPr algn="l">
+            <a:lvl1pPr algn="r">
               <a:defRPr sz="1200">
                 <a:solidFill>
-                  <a:schemeClr val="tx1">
-                    <a:tint val="75000"/>
-                  </a:schemeClr>
+                  <a:schemeClr val="bg2"/>
                 </a:solidFill>
               </a:defRPr>
             </a:lvl1pPr>
           </a:lstStyle>
           <a:p>
-            <a:fld id="{09B03ECA-9DCD-420B-A44D-27CC9861B2B7}" type="datetimeFigureOut">
-              <a:rPr lang="en-US" smtClean="0"/>
-              <a:t>11/11/2014</a:t>
-            </a:fld>
+            <a:r>
+              <a:rPr lang="en-US" smtClean="0"/>
+              <a:t>Encoding Apocalypse and Empire</a:t>
+            </a:r>
             <a:endParaRPr lang="en-US"/>
           </a:p>
         </p:txBody>
       </p:sp>
       <p:sp>
         <p:nvSpPr>
-          <p:cNvPr id="5" name="Footer Placeholder 4"/>
-          <p:cNvSpPr>
-            <a:spLocks noGrp="1"/>
-          </p:cNvSpPr>
-          <p:nvPr>
-            <p:ph type="ftr" sz="quarter" idx="3"/>
+          <p:cNvPr id="4" name="Date Placeholder 3"/>
+          <p:cNvSpPr>
+            <a:spLocks noGrp="1"/>
+          </p:cNvSpPr>
+          <p:nvPr>
+            <p:ph type="dt" sz="half" idx="2"/>
           </p:nvPr>
         </p:nvSpPr>
         <p:spPr>
-          <a:xfrm>
-            <a:off x="3124200" y="6356350"/>
-            <a:ext cx="2895600" cy="365125"/>
+          <a:xfrm rot="16200000">
+            <a:off x="7551351" y="1645920"/>
+            <a:ext cx="2438399" cy="365760"/>
           </a:xfrm>
           <a:prstGeom prst="rect">
             <a:avLst/>
@@ -3379,94 +3974,55 @@
         <p:txBody>
           <a:bodyPr vert="horz" lIns="91440" tIns="45720" rIns="91440" bIns="45720" rtlCol="0" anchor="ctr"/>
           <a:lstStyle>
-            <a:lvl1pPr algn="ctr">
+            <a:lvl1pPr algn="l">
               <a:defRPr sz="1200">
                 <a:solidFill>
-                  <a:schemeClr val="tx1">
-                    <a:tint val="75000"/>
-                  </a:schemeClr>
+                  <a:schemeClr val="bg2"/>
                 </a:solidFill>
               </a:defRPr>
             </a:lvl1pPr>
           </a:lstStyle>
           <a:p>
-            <a:endParaRPr lang="en-US"/>
-          </a:p>
-        </p:txBody>
-      </p:sp>
-      <p:sp>
-        <p:nvSpPr>
-          <p:cNvPr id="6" name="Slide Number Placeholder 5"/>
-          <p:cNvSpPr>
-            <a:spLocks noGrp="1"/>
-          </p:cNvSpPr>
-          <p:nvPr>
-            <p:ph type="sldNum" sz="quarter" idx="4"/>
-          </p:nvPr>
-        </p:nvSpPr>
-        <p:spPr>
-          <a:xfrm>
-            <a:off x="6553200" y="6356350"/>
-            <a:ext cx="2133600" cy="365125"/>
-          </a:xfrm>
-          <a:prstGeom prst="rect">
-            <a:avLst/>
-          </a:prstGeom>
-        </p:spPr>
-        <p:txBody>
-          <a:bodyPr vert="horz" lIns="91440" tIns="45720" rIns="91440" bIns="45720" rtlCol="0" anchor="ctr"/>
-          <a:lstStyle>
-            <a:lvl1pPr algn="r">
-              <a:defRPr sz="1200">
-                <a:solidFill>
-                  <a:schemeClr val="tx1">
-                    <a:tint val="75000"/>
-                  </a:schemeClr>
-                </a:solidFill>
-              </a:defRPr>
-            </a:lvl1pPr>
-          </a:lstStyle>
-          <a:p>
-            <a:fld id="{B54884B7-6C20-497E-907D-B5AAC07785D1}" type="slidenum">
-              <a:rPr lang="en-US" smtClean="0"/>
-              <a:t>‹#›</a:t>
+            <a:fld id="{66481E23-8D0A-41E5-B41D-A0E08FFE4BC9}" type="datetime1">
+              <a:rPr lang="en-US" smtClean="0"/>
+              <a:t>11/22/2014</a:t>
             </a:fld>
             <a:endParaRPr lang="en-US"/>
           </a:p>
         </p:txBody>
       </p:sp>
     </p:spTree>
-    <p:extLst>
-      <p:ext uri="{BB962C8B-B14F-4D97-AF65-F5344CB8AC3E}">
-        <p14:creationId xmlns:p14="http://schemas.microsoft.com/office/powerpoint/2010/main" val="2445323590"/>
-      </p:ext>
-    </p:extLst>
   </p:cSld>
   <p:clrMap bg1="lt1" tx1="dk1" bg2="lt2" tx2="dk2" accent1="accent1" accent2="accent2" accent3="accent3" accent4="accent4" accent5="accent5" accent6="accent6" hlink="hlink" folHlink="folHlink"/>
   <p:sldLayoutIdLst>
-    <p:sldLayoutId id="2147483649" r:id="rId1"/>
-    <p:sldLayoutId id="2147483650" r:id="rId2"/>
-    <p:sldLayoutId id="2147483651" r:id="rId3"/>
-    <p:sldLayoutId id="2147483652" r:id="rId4"/>
-    <p:sldLayoutId id="2147483653" r:id="rId5"/>
-    <p:sldLayoutId id="2147483654" r:id="rId6"/>
-    <p:sldLayoutId id="2147483655" r:id="rId7"/>
-    <p:sldLayoutId id="2147483656" r:id="rId8"/>
-    <p:sldLayoutId id="2147483657" r:id="rId9"/>
-    <p:sldLayoutId id="2147483658" r:id="rId10"/>
-    <p:sldLayoutId id="2147483659" r:id="rId11"/>
+    <p:sldLayoutId id="2147483661" r:id="rId1"/>
+    <p:sldLayoutId id="2147483662" r:id="rId2"/>
+    <p:sldLayoutId id="2147483663" r:id="rId3"/>
+    <p:sldLayoutId id="2147483664" r:id="rId4"/>
+    <p:sldLayoutId id="2147483665" r:id="rId5"/>
+    <p:sldLayoutId id="2147483666" r:id="rId6"/>
+    <p:sldLayoutId id="2147483667" r:id="rId7"/>
+    <p:sldLayoutId id="2147483668" r:id="rId8"/>
+    <p:sldLayoutId id="2147483669" r:id="rId9"/>
+    <p:sldLayoutId id="2147483670" r:id="rId10"/>
+    <p:sldLayoutId id="2147483671" r:id="rId11"/>
   </p:sldLayoutIdLst>
+  <p:hf hdr="0" dt="0"/>
   <p:txStyles>
     <p:titleStyle>
-      <a:lvl1pPr algn="ctr" defTabSz="914400" rtl="0" eaLnBrk="1" latinLnBrk="0" hangingPunct="1">
+      <a:lvl1pPr algn="l" defTabSz="914400" rtl="0" eaLnBrk="1" latinLnBrk="0" hangingPunct="1">
         <a:spcBef>
           <a:spcPct val="0"/>
         </a:spcBef>
         <a:buNone/>
-        <a:defRPr sz="4400" kern="1200">
+        <a:defRPr sz="4600" kern="1200" cap="none" spc="-100" baseline="0">
+          <a:ln>
+            <a:noFill/>
+          </a:ln>
           <a:solidFill>
-            <a:schemeClr val="tx1"/>
+            <a:schemeClr val="tx2"/>
           </a:solidFill>
+          <a:effectLst/>
           <a:latin typeface="+mj-lt"/>
           <a:ea typeface="+mj-ea"/>
           <a:cs typeface="+mj-cs"/>
@@ -3474,13 +4030,16 @@
       </a:lvl1pPr>
     </p:titleStyle>
     <p:bodyStyle>
-      <a:lvl1pPr marL="342900" indent="-342900" algn="l" defTabSz="914400" rtl="0" eaLnBrk="1" latinLnBrk="0" hangingPunct="1">
+      <a:lvl1pPr marL="342900" indent="-228600" algn="l" defTabSz="914400" rtl="0" eaLnBrk="1" latinLnBrk="0" hangingPunct="1">
         <a:spcBef>
           <a:spcPct val="20000"/>
         </a:spcBef>
-        <a:buFont typeface="Arial" panose="020B0604020202020204" pitchFamily="34" charset="0"/>
+        <a:buClr>
+          <a:schemeClr val="accent1"/>
+        </a:buClr>
+        <a:buFont typeface="Arial" pitchFamily="34" charset="0"/>
         <a:buChar char="•"/>
-        <a:defRPr sz="3200" kern="1200">
+        <a:defRPr sz="2200" kern="1200">
           <a:solidFill>
             <a:schemeClr val="tx1"/>
           </a:solidFill>
@@ -3489,71 +4048,14 @@
           <a:cs typeface="+mn-cs"/>
         </a:defRPr>
       </a:lvl1pPr>
-      <a:lvl2pPr marL="742950" indent="-285750" algn="l" defTabSz="914400" rtl="0" eaLnBrk="1" latinLnBrk="0" hangingPunct="1">
+      <a:lvl2pPr marL="640080" indent="-228600" algn="l" defTabSz="914400" rtl="0" eaLnBrk="1" latinLnBrk="0" hangingPunct="1">
         <a:spcBef>
           <a:spcPct val="20000"/>
         </a:spcBef>
-        <a:buFont typeface="Arial" panose="020B0604020202020204" pitchFamily="34" charset="0"/>
-        <a:buChar char="–"/>
-        <a:defRPr sz="2800" kern="1200">
-          <a:solidFill>
-            <a:schemeClr val="tx1"/>
-          </a:solidFill>
-          <a:latin typeface="+mn-lt"/>
-          <a:ea typeface="+mn-ea"/>
-          <a:cs typeface="+mn-cs"/>
-        </a:defRPr>
-      </a:lvl2pPr>
-      <a:lvl3pPr marL="1143000" indent="-228600" algn="l" defTabSz="914400" rtl="0" eaLnBrk="1" latinLnBrk="0" hangingPunct="1">
-        <a:spcBef>
-          <a:spcPct val="20000"/>
-        </a:spcBef>
-        <a:buFont typeface="Arial" panose="020B0604020202020204" pitchFamily="34" charset="0"/>
-        <a:buChar char="•"/>
-        <a:defRPr sz="2400" kern="1200">
-          <a:solidFill>
-            <a:schemeClr val="tx1"/>
-          </a:solidFill>
-          <a:latin typeface="+mn-lt"/>
-          <a:ea typeface="+mn-ea"/>
-          <a:cs typeface="+mn-cs"/>
-        </a:defRPr>
-      </a:lvl3pPr>
-      <a:lvl4pPr marL="1600200" indent="-228600" algn="l" defTabSz="914400" rtl="0" eaLnBrk="1" latinLnBrk="0" hangingPunct="1">
-        <a:spcBef>
-          <a:spcPct val="20000"/>
-        </a:spcBef>
-        <a:buFont typeface="Arial" panose="020B0604020202020204" pitchFamily="34" charset="0"/>
-        <a:buChar char="–"/>
-        <a:defRPr sz="2000" kern="1200">
-          <a:solidFill>
-            <a:schemeClr val="tx1"/>
-          </a:solidFill>
-          <a:latin typeface="+mn-lt"/>
-          <a:ea typeface="+mn-ea"/>
-          <a:cs typeface="+mn-cs"/>
-        </a:defRPr>
-      </a:lvl4pPr>
-      <a:lvl5pPr marL="2057400" indent="-228600" algn="l" defTabSz="914400" rtl="0" eaLnBrk="1" latinLnBrk="0" hangingPunct="1">
-        <a:spcBef>
-          <a:spcPct val="20000"/>
-        </a:spcBef>
-        <a:buFont typeface="Arial" panose="020B0604020202020204" pitchFamily="34" charset="0"/>
-        <a:buChar char="»"/>
-        <a:defRPr sz="2000" kern="1200">
-          <a:solidFill>
-            <a:schemeClr val="tx1"/>
-          </a:solidFill>
-          <a:latin typeface="+mn-lt"/>
-          <a:ea typeface="+mn-ea"/>
-          <a:cs typeface="+mn-cs"/>
-        </a:defRPr>
-      </a:lvl5pPr>
-      <a:lvl6pPr marL="2514600" indent="-228600" algn="l" defTabSz="914400" rtl="0" eaLnBrk="1" latinLnBrk="0" hangingPunct="1">
-        <a:spcBef>
-          <a:spcPct val="20000"/>
-        </a:spcBef>
-        <a:buFont typeface="Arial" panose="020B0604020202020204" pitchFamily="34" charset="0"/>
+        <a:buClr>
+          <a:schemeClr val="accent2"/>
+        </a:buClr>
+        <a:buFont typeface="Arial" pitchFamily="34" charset="0"/>
         <a:buChar char="•"/>
         <a:defRPr sz="2000" kern="1200">
           <a:solidFill>
@@ -3563,14 +4065,89 @@
           <a:ea typeface="+mn-ea"/>
           <a:cs typeface="+mn-cs"/>
         </a:defRPr>
-      </a:lvl6pPr>
-      <a:lvl7pPr marL="2971800" indent="-228600" algn="l" defTabSz="914400" rtl="0" eaLnBrk="1" latinLnBrk="0" hangingPunct="1">
+      </a:lvl2pPr>
+      <a:lvl3pPr marL="1005840" indent="-228600" algn="l" defTabSz="914400" rtl="0" eaLnBrk="1" latinLnBrk="0" hangingPunct="1">
         <a:spcBef>
           <a:spcPct val="20000"/>
         </a:spcBef>
-        <a:buFont typeface="Arial" panose="020B0604020202020204" pitchFamily="34" charset="0"/>
+        <a:buClr>
+          <a:schemeClr val="accent3"/>
+        </a:buClr>
+        <a:buFont typeface="Arial" pitchFamily="34" charset="0"/>
         <a:buChar char="•"/>
-        <a:defRPr sz="2000" kern="1200">
+        <a:defRPr sz="1800" kern="1200">
+          <a:solidFill>
+            <a:schemeClr val="tx1"/>
+          </a:solidFill>
+          <a:latin typeface="+mn-lt"/>
+          <a:ea typeface="+mn-ea"/>
+          <a:cs typeface="+mn-cs"/>
+        </a:defRPr>
+      </a:lvl3pPr>
+      <a:lvl4pPr marL="1280160" indent="-228600" algn="l" defTabSz="914400" rtl="0" eaLnBrk="1" latinLnBrk="0" hangingPunct="1">
+        <a:spcBef>
+          <a:spcPct val="20000"/>
+        </a:spcBef>
+        <a:buClr>
+          <a:schemeClr val="accent4"/>
+        </a:buClr>
+        <a:buFont typeface="Arial" pitchFamily="34" charset="0"/>
+        <a:buChar char="•"/>
+        <a:defRPr sz="1600" kern="1200">
+          <a:solidFill>
+            <a:schemeClr val="tx1"/>
+          </a:solidFill>
+          <a:latin typeface="+mn-lt"/>
+          <a:ea typeface="+mn-ea"/>
+          <a:cs typeface="+mn-cs"/>
+        </a:defRPr>
+      </a:lvl4pPr>
+      <a:lvl5pPr marL="1554480" indent="-228600" algn="l" defTabSz="914400" rtl="0" eaLnBrk="1" latinLnBrk="0" hangingPunct="1">
+        <a:spcBef>
+          <a:spcPct val="20000"/>
+        </a:spcBef>
+        <a:buClr>
+          <a:schemeClr val="accent5"/>
+        </a:buClr>
+        <a:buFont typeface="Arial" pitchFamily="34" charset="0"/>
+        <a:buChar char="•"/>
+        <a:defRPr sz="1400" kern="1200" baseline="0">
+          <a:solidFill>
+            <a:schemeClr val="tx1"/>
+          </a:solidFill>
+          <a:latin typeface="+mn-lt"/>
+          <a:ea typeface="+mn-ea"/>
+          <a:cs typeface="+mn-cs"/>
+        </a:defRPr>
+      </a:lvl5pPr>
+      <a:lvl6pPr marL="1737360" indent="-182880" algn="l" defTabSz="914400" rtl="0" eaLnBrk="1" latinLnBrk="0" hangingPunct="1">
+        <a:spcBef>
+          <a:spcPct val="20000"/>
+        </a:spcBef>
+        <a:buClr>
+          <a:schemeClr val="accent1"/>
+        </a:buClr>
+        <a:buFont typeface="Arial" pitchFamily="34" charset="0"/>
+        <a:buChar char="•"/>
+        <a:defRPr sz="1400" kern="1200" baseline="0">
+          <a:solidFill>
+            <a:schemeClr val="tx1"/>
+          </a:solidFill>
+          <a:latin typeface="+mn-lt"/>
+          <a:ea typeface="+mn-ea"/>
+          <a:cs typeface="+mn-cs"/>
+        </a:defRPr>
+      </a:lvl6pPr>
+      <a:lvl7pPr marL="1920240" indent="-182880" algn="l" defTabSz="914400" rtl="0" eaLnBrk="1" latinLnBrk="0" hangingPunct="1">
+        <a:spcBef>
+          <a:spcPct val="20000"/>
+        </a:spcBef>
+        <a:buClr>
+          <a:schemeClr val="accent2"/>
+        </a:buClr>
+        <a:buFont typeface="Arial" pitchFamily="34" charset="0"/>
+        <a:buChar char="•"/>
+        <a:defRPr sz="1400" kern="1200">
           <a:solidFill>
             <a:schemeClr val="tx1"/>
           </a:solidFill>
@@ -3579,13 +4156,16 @@
           <a:cs typeface="+mn-cs"/>
         </a:defRPr>
       </a:lvl7pPr>
-      <a:lvl8pPr marL="3429000" indent="-228600" algn="l" defTabSz="914400" rtl="0" eaLnBrk="1" latinLnBrk="0" hangingPunct="1">
+      <a:lvl8pPr marL="2103120" indent="-182880" algn="l" defTabSz="914400" rtl="0" eaLnBrk="1" latinLnBrk="0" hangingPunct="1">
         <a:spcBef>
           <a:spcPct val="20000"/>
         </a:spcBef>
-        <a:buFont typeface="Arial" panose="020B0604020202020204" pitchFamily="34" charset="0"/>
+        <a:buClr>
+          <a:schemeClr val="accent3"/>
+        </a:buClr>
+        <a:buFont typeface="Arial" pitchFamily="34" charset="0"/>
         <a:buChar char="•"/>
-        <a:defRPr sz="2000" kern="1200">
+        <a:defRPr sz="1400" kern="1200">
           <a:solidFill>
             <a:schemeClr val="tx1"/>
           </a:solidFill>
@@ -3594,13 +4174,16 @@
           <a:cs typeface="+mn-cs"/>
         </a:defRPr>
       </a:lvl8pPr>
-      <a:lvl9pPr marL="3886200" indent="-228600" algn="l" defTabSz="914400" rtl="0" eaLnBrk="1" latinLnBrk="0" hangingPunct="1">
+      <a:lvl9pPr marL="2286000" indent="-182880" algn="l" defTabSz="914400" rtl="0" eaLnBrk="1" latinLnBrk="0" hangingPunct="1">
         <a:spcBef>
           <a:spcPct val="20000"/>
         </a:spcBef>
-        <a:buFont typeface="Arial" panose="020B0604020202020204" pitchFamily="34" charset="0"/>
+        <a:buClr>
+          <a:schemeClr val="accent4"/>
+        </a:buClr>
+        <a:buFont typeface="Arial" pitchFamily="34" charset="0"/>
         <a:buChar char="•"/>
-        <a:defRPr sz="2000" kern="1200">
+        <a:defRPr sz="1400" kern="1200">
           <a:solidFill>
             <a:schemeClr val="tx1"/>
           </a:solidFill>
@@ -3744,15 +4327,19 @@
         </p:spPr>
         <p:txBody>
           <a:bodyPr>
-            <a:normAutofit fontScale="90000"/>
+            <a:noAutofit/>
           </a:bodyPr>
           <a:lstStyle/>
           <a:p>
             <a:r>
-              <a:rPr lang="en-US" dirty="0" smtClean="0"/>
-              <a:t>Encoding Apocalypse and Empire: Online Editions of Rev 17:1–18:24 and 21:1–22:7 and the Display of Intertextual Allusions</a:t>
-            </a:r>
-            <a:endParaRPr lang="en-US" dirty="0"/>
+              <a:rPr lang="en-US" sz="4000" dirty="0" smtClean="0"/>
+              <a:t>Encoding Apocalypse and Empire: Online Editions of Rev 17:1–18:24 and 21:1–22:7 and the Display of Intertextual </a:t>
+            </a:r>
+            <a:r>
+              <a:rPr lang="en-US" sz="4000" dirty="0" smtClean="0"/>
+              <a:t>Allusions</a:t>
+            </a:r>
+            <a:endParaRPr lang="en-US" sz="4000" dirty="0"/>
           </a:p>
         </p:txBody>
       </p:sp>
@@ -3768,8 +4355,8 @@
         </p:nvSpPr>
         <p:spPr>
           <a:xfrm>
-            <a:off x="1371600" y="5105400"/>
-            <a:ext cx="6400800" cy="1219200"/>
+            <a:off x="685800" y="5105400"/>
+            <a:ext cx="7086600" cy="1219200"/>
           </a:xfrm>
         </p:spPr>
         <p:txBody>
@@ -3786,9 +4373,69 @@
           <a:p>
             <a:r>
               <a:rPr lang="en-US" i="1" dirty="0" smtClean="0"/>
-              <a:t>Boston College</a:t>
-            </a:r>
-            <a:endParaRPr lang="en-US" i="1" dirty="0"/>
+              <a:t>Boston </a:t>
+            </a:r>
+            <a:r>
+              <a:rPr lang="en-US" i="1" dirty="0" smtClean="0"/>
+              <a:t>College</a:t>
+            </a:r>
+          </a:p>
+          <a:p>
+            <a:r>
+              <a:rPr lang="en-US" sz="1900" b="1" dirty="0" smtClean="0"/>
+              <a:t>tinyurl.com/</a:t>
+            </a:r>
+            <a:r>
+              <a:rPr lang="en-US" sz="1900" b="1" dirty="0" err="1" smtClean="0"/>
+              <a:t>apocalypseandempire</a:t>
+            </a:r>
+            <a:endParaRPr lang="en-US" sz="1900" b="1" i="1" dirty="0"/>
+          </a:p>
+        </p:txBody>
+      </p:sp>
+      <p:sp>
+        <p:nvSpPr>
+          <p:cNvPr id="4" name="Footer Placeholder 3"/>
+          <p:cNvSpPr>
+            <a:spLocks noGrp="1"/>
+          </p:cNvSpPr>
+          <p:nvPr>
+            <p:ph type="ftr" sz="quarter" idx="11"/>
+          </p:nvPr>
+        </p:nvSpPr>
+        <p:spPr/>
+        <p:txBody>
+          <a:bodyPr/>
+          <a:lstStyle/>
+          <a:p>
+            <a:r>
+              <a:rPr lang="en-US" smtClean="0"/>
+              <a:t>Encoding Apocalypse and Empire</a:t>
+            </a:r>
+            <a:endParaRPr lang="en-US"/>
+          </a:p>
+        </p:txBody>
+      </p:sp>
+      <p:sp>
+        <p:nvSpPr>
+          <p:cNvPr id="5" name="Slide Number Placeholder 4"/>
+          <p:cNvSpPr>
+            <a:spLocks noGrp="1"/>
+          </p:cNvSpPr>
+          <p:nvPr>
+            <p:ph type="sldNum" sz="quarter" idx="12"/>
+          </p:nvPr>
+        </p:nvSpPr>
+        <p:spPr/>
+        <p:txBody>
+          <a:bodyPr/>
+          <a:lstStyle/>
+          <a:p>
+            <a:fld id="{B54884B7-6C20-497E-907D-B5AAC07785D1}" type="slidenum">
+              <a:rPr lang="en-US" smtClean="0"/>
+              <a:t>1</a:t>
+            </a:fld>
+            <a:endParaRPr lang="en-US"/>
           </a:p>
         </p:txBody>
       </p:sp>
@@ -3831,7 +4478,7 @@
       </p:grpSpPr>
       <p:sp>
         <p:nvSpPr>
-          <p:cNvPr id="4" name="Title 3"/>
+          <p:cNvPr id="2" name="Title 1"/>
           <p:cNvSpPr>
             <a:spLocks noGrp="1"/>
           </p:cNvSpPr>
@@ -3846,88 +4493,100 @@
           <a:p>
             <a:r>
               <a:rPr lang="en-US" dirty="0" smtClean="0"/>
-              <a:t>SBLGNT and NA</a:t>
-            </a:r>
-            <a:r>
-              <a:rPr lang="en-US" baseline="30000" dirty="0" smtClean="0"/>
-              <a:t>28</a:t>
-            </a:r>
-            <a:r>
-              <a:rPr lang="en-US" dirty="0" smtClean="0"/>
-              <a:t> Online</a:t>
-            </a:r>
-            <a:endParaRPr lang="en-US" baseline="30000" dirty="0"/>
-          </a:p>
-        </p:txBody>
-      </p:sp>
-      <p:pic>
-        <p:nvPicPr>
-          <p:cNvPr id="8" name="Content Placeholder 7"/>
-          <p:cNvPicPr>
-            <a:picLocks noGrp="1" noChangeAspect="1"/>
-          </p:cNvPicPr>
-          <p:nvPr>
-            <p:ph sz="half" idx="1"/>
-          </p:nvPr>
-        </p:nvPicPr>
-        <p:blipFill>
-          <a:blip r:embed="rId2">
-            <a:extLst>
-              <a:ext uri="{28A0092B-C50C-407E-A947-70E740481C1C}">
-                <a14:useLocalDpi xmlns:a14="http://schemas.microsoft.com/office/drawing/2010/main" val="0"/>
-              </a:ext>
-            </a:extLst>
-          </a:blip>
-          <a:stretch>
-            <a:fillRect/>
-          </a:stretch>
-        </p:blipFill>
-        <p:spPr>
-          <a:xfrm>
-            <a:off x="457200" y="1820063"/>
-            <a:ext cx="4038600" cy="4086237"/>
-          </a:xfrm>
-        </p:spPr>
-      </p:pic>
-      <p:pic>
-        <p:nvPicPr>
-          <p:cNvPr id="7" name="Content Placeholder 6"/>
-          <p:cNvPicPr>
-            <a:picLocks noGrp="1" noChangeAspect="1"/>
-          </p:cNvPicPr>
-          <p:nvPr>
-            <p:ph sz="half" idx="2"/>
-          </p:nvPr>
-        </p:nvPicPr>
-        <p:blipFill>
-          <a:blip r:embed="rId3">
-            <a:extLst>
-              <a:ext uri="{28A0092B-C50C-407E-A947-70E740481C1C}">
-                <a14:useLocalDpi xmlns:a14="http://schemas.microsoft.com/office/drawing/2010/main" val="0"/>
-              </a:ext>
-            </a:extLst>
-          </a:blip>
-          <a:stretch>
-            <a:fillRect/>
-          </a:stretch>
-        </p:blipFill>
-        <p:spPr>
-          <a:xfrm>
-            <a:off x="4648200" y="1735825"/>
-            <a:ext cx="4038600" cy="4254712"/>
-          </a:xfrm>
-        </p:spPr>
-      </p:pic>
+              <a:t>Revelation and the Prophets</a:t>
+            </a:r>
+            <a:endParaRPr lang="en-US" dirty="0"/>
+          </a:p>
+        </p:txBody>
+      </p:sp>
+      <p:graphicFrame>
+        <p:nvGraphicFramePr>
+          <p:cNvPr id="4" name="Content Placeholder 3"/>
+          <p:cNvGraphicFramePr>
+            <a:graphicFrameLocks noGrp="1"/>
+          </p:cNvGraphicFramePr>
+          <p:nvPr>
+            <p:ph idx="1"/>
+            <p:extLst>
+              <p:ext uri="{D42A27DB-BD31-4B8C-83A1-F6EECF244321}">
+                <p14:modId xmlns:p14="http://schemas.microsoft.com/office/powerpoint/2010/main" val="2211929933"/>
+              </p:ext>
+            </p:extLst>
+          </p:nvPr>
+        </p:nvGraphicFramePr>
+        <p:xfrm>
+          <a:off x="457200" y="1600200"/>
+          <a:ext cx="7924800" cy="4800600"/>
+        </p:xfrm>
+        <a:graphic>
+          <a:graphicData uri="http://schemas.openxmlformats.org/drawingml/2006/chart">
+            <c:chart xmlns:c="http://schemas.openxmlformats.org/drawingml/2006/chart" xmlns:r="http://schemas.openxmlformats.org/officeDocument/2006/relationships" r:id="rId2"/>
+          </a:graphicData>
+        </a:graphic>
+      </p:graphicFrame>
+      <p:sp>
+        <p:nvSpPr>
+          <p:cNvPr id="3" name="Footer Placeholder 2"/>
+          <p:cNvSpPr>
+            <a:spLocks noGrp="1"/>
+          </p:cNvSpPr>
+          <p:nvPr>
+            <p:ph type="ftr" sz="quarter" idx="11"/>
+          </p:nvPr>
+        </p:nvSpPr>
+        <p:spPr/>
+        <p:txBody>
+          <a:bodyPr/>
+          <a:lstStyle/>
+          <a:p>
+            <a:r>
+              <a:rPr lang="en-US" smtClean="0"/>
+              <a:t>Encoding Apocalypse and Empire</a:t>
+            </a:r>
+            <a:endParaRPr lang="en-US"/>
+          </a:p>
+        </p:txBody>
+      </p:sp>
+      <p:sp>
+        <p:nvSpPr>
+          <p:cNvPr id="5" name="Slide Number Placeholder 4"/>
+          <p:cNvSpPr>
+            <a:spLocks noGrp="1"/>
+          </p:cNvSpPr>
+          <p:nvPr>
+            <p:ph type="sldNum" sz="quarter" idx="12"/>
+          </p:nvPr>
+        </p:nvSpPr>
+        <p:spPr/>
+        <p:txBody>
+          <a:bodyPr/>
+          <a:lstStyle/>
+          <a:p>
+            <a:fld id="{B54884B7-6C20-497E-907D-B5AAC07785D1}" type="slidenum">
+              <a:rPr lang="en-US" smtClean="0"/>
+              <a:t>10</a:t>
+            </a:fld>
+            <a:endParaRPr lang="en-US"/>
+          </a:p>
+        </p:txBody>
+      </p:sp>
     </p:spTree>
     <p:extLst>
       <p:ext uri="{BB962C8B-B14F-4D97-AF65-F5344CB8AC3E}">
-        <p14:creationId xmlns:p14="http://schemas.microsoft.com/office/powerpoint/2010/main" val="2982528296"/>
+        <p14:creationId xmlns:p14="http://schemas.microsoft.com/office/powerpoint/2010/main" val="2693517650"/>
       </p:ext>
     </p:extLst>
   </p:cSld>
   <p:clrMapOvr>
     <a:masterClrMapping/>
   </p:clrMapOvr>
+  <p:timing>
+    <p:tnLst>
+      <p:par>
+        <p:cTn id="1" dur="indefinite" restart="never" nodeType="tmRoot"/>
+      </p:par>
+    </p:tnLst>
+  </p:timing>
 </p:sld>
 </file>
 
@@ -3958,6 +4617,612 @@
             <p:ph type="title"/>
           </p:nvPr>
         </p:nvSpPr>
+        <p:spPr>
+          <a:xfrm>
+            <a:off x="457200" y="381000"/>
+            <a:ext cx="7620000" cy="1143000"/>
+          </a:xfrm>
+        </p:spPr>
+        <p:txBody>
+          <a:bodyPr/>
+          <a:lstStyle/>
+          <a:p>
+            <a:r>
+              <a:rPr lang="en-US" dirty="0" smtClean="0"/>
+              <a:t>Enumerated </a:t>
+            </a:r>
+            <a:r>
+              <a:rPr lang="en-US" dirty="0" smtClean="0"/>
+              <a:t>Allusions </a:t>
+            </a:r>
+            <a:endParaRPr lang="en-US" dirty="0"/>
+          </a:p>
+        </p:txBody>
+      </p:sp>
+      <p:graphicFrame>
+        <p:nvGraphicFramePr>
+          <p:cNvPr id="4" name="Content Placeholder 3"/>
+          <p:cNvGraphicFramePr>
+            <a:graphicFrameLocks noGrp="1"/>
+          </p:cNvGraphicFramePr>
+          <p:nvPr>
+            <p:ph idx="1"/>
+            <p:extLst>
+              <p:ext uri="{D42A27DB-BD31-4B8C-83A1-F6EECF244321}">
+                <p14:modId xmlns:p14="http://schemas.microsoft.com/office/powerpoint/2010/main" val="1067827090"/>
+              </p:ext>
+            </p:extLst>
+          </p:nvPr>
+        </p:nvGraphicFramePr>
+        <p:xfrm>
+          <a:off x="457200" y="1600200"/>
+          <a:ext cx="7620000" cy="4800600"/>
+        </p:xfrm>
+        <a:graphic>
+          <a:graphicData uri="http://schemas.openxmlformats.org/drawingml/2006/chart">
+            <c:chart xmlns:c="http://schemas.openxmlformats.org/drawingml/2006/chart" xmlns:r="http://schemas.openxmlformats.org/officeDocument/2006/relationships" r:id="rId2"/>
+          </a:graphicData>
+        </a:graphic>
+      </p:graphicFrame>
+      <p:sp>
+        <p:nvSpPr>
+          <p:cNvPr id="3" name="Footer Placeholder 2"/>
+          <p:cNvSpPr>
+            <a:spLocks noGrp="1"/>
+          </p:cNvSpPr>
+          <p:nvPr>
+            <p:ph type="ftr" sz="quarter" idx="11"/>
+          </p:nvPr>
+        </p:nvSpPr>
+        <p:spPr/>
+        <p:txBody>
+          <a:bodyPr/>
+          <a:lstStyle/>
+          <a:p>
+            <a:r>
+              <a:rPr lang="en-US" smtClean="0"/>
+              <a:t>Encoding Apocalypse and Empire</a:t>
+            </a:r>
+            <a:endParaRPr lang="en-US"/>
+          </a:p>
+        </p:txBody>
+      </p:sp>
+      <p:sp>
+        <p:nvSpPr>
+          <p:cNvPr id="5" name="Slide Number Placeholder 4"/>
+          <p:cNvSpPr>
+            <a:spLocks noGrp="1"/>
+          </p:cNvSpPr>
+          <p:nvPr>
+            <p:ph type="sldNum" sz="quarter" idx="12"/>
+          </p:nvPr>
+        </p:nvSpPr>
+        <p:spPr/>
+        <p:txBody>
+          <a:bodyPr/>
+          <a:lstStyle/>
+          <a:p>
+            <a:fld id="{B54884B7-6C20-497E-907D-B5AAC07785D1}" type="slidenum">
+              <a:rPr lang="en-US" smtClean="0"/>
+              <a:t>11</a:t>
+            </a:fld>
+            <a:endParaRPr lang="en-US"/>
+          </a:p>
+        </p:txBody>
+      </p:sp>
+    </p:spTree>
+    <p:extLst>
+      <p:ext uri="{BB962C8B-B14F-4D97-AF65-F5344CB8AC3E}">
+        <p14:creationId xmlns:p14="http://schemas.microsoft.com/office/powerpoint/2010/main" val="2080665493"/>
+      </p:ext>
+    </p:extLst>
+  </p:cSld>
+  <p:clrMapOvr>
+    <a:masterClrMapping/>
+  </p:clrMapOvr>
+  <p:timing>
+    <p:tnLst>
+      <p:par>
+        <p:cTn id="1" dur="indefinite" restart="never" nodeType="tmRoot"/>
+      </p:par>
+    </p:tnLst>
+  </p:timing>
+</p:sld>
+</file>
+
+<file path=ppt/slides/slide12.xml><?xml version="1.0" encoding="utf-8"?>
+<p:sld xmlns:a="http://schemas.openxmlformats.org/drawingml/2006/main" xmlns:r="http://schemas.openxmlformats.org/officeDocument/2006/relationships" xmlns:p="http://schemas.openxmlformats.org/presentationml/2006/main">
+  <p:cSld>
+    <p:spTree>
+      <p:nvGrpSpPr>
+        <p:cNvPr id="1" name=""/>
+        <p:cNvGrpSpPr/>
+        <p:nvPr/>
+      </p:nvGrpSpPr>
+      <p:grpSpPr>
+        <a:xfrm>
+          <a:off x="0" y="0"/>
+          <a:ext cx="0" cy="0"/>
+          <a:chOff x="0" y="0"/>
+          <a:chExt cx="0" cy="0"/>
+        </a:xfrm>
+      </p:grpSpPr>
+      <p:sp>
+        <p:nvSpPr>
+          <p:cNvPr id="2" name="Title 1"/>
+          <p:cNvSpPr>
+            <a:spLocks noGrp="1"/>
+          </p:cNvSpPr>
+          <p:nvPr>
+            <p:ph type="title"/>
+          </p:nvPr>
+        </p:nvSpPr>
+        <p:spPr/>
+        <p:txBody>
+          <a:bodyPr/>
+          <a:lstStyle/>
+          <a:p>
+            <a:r>
+              <a:rPr lang="en-US" dirty="0" smtClean="0"/>
+              <a:t>Expanding Allusions</a:t>
+            </a:r>
+            <a:endParaRPr lang="en-US" dirty="0"/>
+          </a:p>
+        </p:txBody>
+      </p:sp>
+      <p:pic>
+        <p:nvPicPr>
+          <p:cNvPr id="3" name="Picture 3"/>
+          <p:cNvPicPr>
+            <a:picLocks noChangeAspect="1" noChangeArrowheads="1"/>
+          </p:cNvPicPr>
+          <p:nvPr/>
+        </p:nvPicPr>
+        <p:blipFill>
+          <a:blip r:embed="rId2">
+            <a:extLst>
+              <a:ext uri="{28A0092B-C50C-407E-A947-70E740481C1C}">
+                <a14:useLocalDpi xmlns:a14="http://schemas.microsoft.com/office/drawing/2010/main" val="0"/>
+              </a:ext>
+            </a:extLst>
+          </a:blip>
+          <a:srcRect/>
+          <a:stretch>
+            <a:fillRect/>
+          </a:stretch>
+        </p:blipFill>
+        <p:spPr bwMode="auto">
+          <a:xfrm>
+            <a:off x="1676400" y="1295400"/>
+            <a:ext cx="6076950" cy="5124450"/>
+          </a:xfrm>
+          <a:prstGeom prst="rect">
+            <a:avLst/>
+          </a:prstGeom>
+          <a:noFill/>
+          <a:ln>
+            <a:noFill/>
+          </a:ln>
+          <a:extLst>
+            <a:ext uri="{909E8E84-426E-40DD-AFC4-6F175D3DCCD1}">
+              <a14:hiddenFill xmlns:a14="http://schemas.microsoft.com/office/drawing/2010/main">
+                <a:solidFill>
+                  <a:schemeClr val="accent1"/>
+                </a:solidFill>
+              </a14:hiddenFill>
+            </a:ext>
+            <a:ext uri="{91240B29-F687-4F45-9708-019B960494DF}">
+              <a14:hiddenLine xmlns:a14="http://schemas.microsoft.com/office/drawing/2010/main" w="9525">
+                <a:solidFill>
+                  <a:schemeClr val="tx1"/>
+                </a:solidFill>
+                <a:miter lim="800000"/>
+                <a:headEnd/>
+                <a:tailEnd/>
+              </a14:hiddenLine>
+            </a:ext>
+          </a:extLst>
+        </p:spPr>
+      </p:pic>
+      <p:sp>
+        <p:nvSpPr>
+          <p:cNvPr id="4" name="Footer Placeholder 3"/>
+          <p:cNvSpPr>
+            <a:spLocks noGrp="1"/>
+          </p:cNvSpPr>
+          <p:nvPr>
+            <p:ph type="ftr" sz="quarter" idx="11"/>
+          </p:nvPr>
+        </p:nvSpPr>
+        <p:spPr/>
+        <p:txBody>
+          <a:bodyPr/>
+          <a:lstStyle/>
+          <a:p>
+            <a:r>
+              <a:rPr lang="en-US" smtClean="0"/>
+              <a:t>Encoding Apocalypse and Empire</a:t>
+            </a:r>
+            <a:endParaRPr lang="en-US"/>
+          </a:p>
+        </p:txBody>
+      </p:sp>
+      <p:sp>
+        <p:nvSpPr>
+          <p:cNvPr id="5" name="Slide Number Placeholder 4"/>
+          <p:cNvSpPr>
+            <a:spLocks noGrp="1"/>
+          </p:cNvSpPr>
+          <p:nvPr>
+            <p:ph type="sldNum" sz="quarter" idx="12"/>
+          </p:nvPr>
+        </p:nvSpPr>
+        <p:spPr/>
+        <p:txBody>
+          <a:bodyPr/>
+          <a:lstStyle/>
+          <a:p>
+            <a:fld id="{B54884B7-6C20-497E-907D-B5AAC07785D1}" type="slidenum">
+              <a:rPr lang="en-US" smtClean="0"/>
+              <a:t>12</a:t>
+            </a:fld>
+            <a:endParaRPr lang="en-US"/>
+          </a:p>
+        </p:txBody>
+      </p:sp>
+    </p:spTree>
+    <p:extLst>
+      <p:ext uri="{BB962C8B-B14F-4D97-AF65-F5344CB8AC3E}">
+        <p14:creationId xmlns:p14="http://schemas.microsoft.com/office/powerpoint/2010/main" val="3852568507"/>
+      </p:ext>
+    </p:extLst>
+  </p:cSld>
+  <p:clrMapOvr>
+    <a:masterClrMapping/>
+  </p:clrMapOvr>
+  <p:timing>
+    <p:tnLst>
+      <p:par>
+        <p:cTn id="1" dur="indefinite" restart="never" nodeType="tmRoot"/>
+      </p:par>
+    </p:tnLst>
+  </p:timing>
+</p:sld>
+</file>
+
+<file path=ppt/slides/slide13.xml><?xml version="1.0" encoding="utf-8"?>
+<p:sld xmlns:a="http://schemas.openxmlformats.org/drawingml/2006/main" xmlns:r="http://schemas.openxmlformats.org/officeDocument/2006/relationships" xmlns:p="http://schemas.openxmlformats.org/presentationml/2006/main">
+  <p:cSld>
+    <p:spTree>
+      <p:nvGrpSpPr>
+        <p:cNvPr id="1" name=""/>
+        <p:cNvGrpSpPr/>
+        <p:nvPr/>
+      </p:nvGrpSpPr>
+      <p:grpSpPr>
+        <a:xfrm>
+          <a:off x="0" y="0"/>
+          <a:ext cx="0" cy="0"/>
+          <a:chOff x="0" y="0"/>
+          <a:chExt cx="0" cy="0"/>
+        </a:xfrm>
+      </p:grpSpPr>
+      <p:sp>
+        <p:nvSpPr>
+          <p:cNvPr id="4" name="Title 3"/>
+          <p:cNvSpPr>
+            <a:spLocks noGrp="1"/>
+          </p:cNvSpPr>
+          <p:nvPr>
+            <p:ph type="title"/>
+          </p:nvPr>
+        </p:nvSpPr>
+        <p:spPr/>
+        <p:txBody>
+          <a:bodyPr/>
+          <a:lstStyle/>
+          <a:p>
+            <a:r>
+              <a:rPr lang="en-US" dirty="0" smtClean="0"/>
+              <a:t>SBLGNT and NA</a:t>
+            </a:r>
+            <a:r>
+              <a:rPr lang="en-US" baseline="30000" dirty="0" smtClean="0"/>
+              <a:t>28</a:t>
+            </a:r>
+            <a:r>
+              <a:rPr lang="en-US" dirty="0" smtClean="0"/>
+              <a:t> Online</a:t>
+            </a:r>
+            <a:endParaRPr lang="en-US" baseline="30000" dirty="0"/>
+          </a:p>
+        </p:txBody>
+      </p:sp>
+      <p:pic>
+        <p:nvPicPr>
+          <p:cNvPr id="8" name="Content Placeholder 7"/>
+          <p:cNvPicPr>
+            <a:picLocks noGrp="1" noChangeAspect="1"/>
+          </p:cNvPicPr>
+          <p:nvPr>
+            <p:ph sz="half" idx="1"/>
+          </p:nvPr>
+        </p:nvPicPr>
+        <p:blipFill>
+          <a:blip r:embed="rId2">
+            <a:extLst>
+              <a:ext uri="{28A0092B-C50C-407E-A947-70E740481C1C}">
+                <a14:useLocalDpi xmlns:a14="http://schemas.microsoft.com/office/drawing/2010/main" val="0"/>
+              </a:ext>
+            </a:extLst>
+          </a:blip>
+          <a:stretch>
+            <a:fillRect/>
+          </a:stretch>
+        </p:blipFill>
+        <p:spPr>
+          <a:xfrm>
+            <a:off x="457200" y="1981060"/>
+            <a:ext cx="3657600" cy="3700743"/>
+          </a:xfrm>
+        </p:spPr>
+      </p:pic>
+      <p:pic>
+        <p:nvPicPr>
+          <p:cNvPr id="7" name="Content Placeholder 6"/>
+          <p:cNvPicPr>
+            <a:picLocks noGrp="1" noChangeAspect="1"/>
+          </p:cNvPicPr>
+          <p:nvPr>
+            <p:ph sz="half" idx="2"/>
+          </p:nvPr>
+        </p:nvPicPr>
+        <p:blipFill>
+          <a:blip r:embed="rId3">
+            <a:extLst>
+              <a:ext uri="{28A0092B-C50C-407E-A947-70E740481C1C}">
+                <a14:useLocalDpi xmlns:a14="http://schemas.microsoft.com/office/drawing/2010/main" val="0"/>
+              </a:ext>
+            </a:extLst>
+          </a:blip>
+          <a:stretch>
+            <a:fillRect/>
+          </a:stretch>
+        </p:blipFill>
+        <p:spPr>
+          <a:xfrm>
+            <a:off x="4419600" y="1904769"/>
+            <a:ext cx="3657600" cy="3853324"/>
+          </a:xfrm>
+        </p:spPr>
+      </p:pic>
+      <p:sp>
+        <p:nvSpPr>
+          <p:cNvPr id="2" name="Footer Placeholder 1"/>
+          <p:cNvSpPr>
+            <a:spLocks noGrp="1"/>
+          </p:cNvSpPr>
+          <p:nvPr>
+            <p:ph type="ftr" sz="quarter" idx="11"/>
+          </p:nvPr>
+        </p:nvSpPr>
+        <p:spPr/>
+        <p:txBody>
+          <a:bodyPr/>
+          <a:lstStyle/>
+          <a:p>
+            <a:r>
+              <a:rPr lang="en-US" smtClean="0"/>
+              <a:t>Encoding Apocalypse and Empire</a:t>
+            </a:r>
+            <a:endParaRPr lang="en-US"/>
+          </a:p>
+        </p:txBody>
+      </p:sp>
+      <p:sp>
+        <p:nvSpPr>
+          <p:cNvPr id="3" name="Slide Number Placeholder 2"/>
+          <p:cNvSpPr>
+            <a:spLocks noGrp="1"/>
+          </p:cNvSpPr>
+          <p:nvPr>
+            <p:ph type="sldNum" sz="quarter" idx="12"/>
+          </p:nvPr>
+        </p:nvSpPr>
+        <p:spPr/>
+        <p:txBody>
+          <a:bodyPr/>
+          <a:lstStyle/>
+          <a:p>
+            <a:fld id="{B54884B7-6C20-497E-907D-B5AAC07785D1}" type="slidenum">
+              <a:rPr lang="en-US" smtClean="0"/>
+              <a:t>13</a:t>
+            </a:fld>
+            <a:endParaRPr lang="en-US"/>
+          </a:p>
+        </p:txBody>
+      </p:sp>
+    </p:spTree>
+    <p:extLst>
+      <p:ext uri="{BB962C8B-B14F-4D97-AF65-F5344CB8AC3E}">
+        <p14:creationId xmlns:p14="http://schemas.microsoft.com/office/powerpoint/2010/main" val="2982528296"/>
+      </p:ext>
+    </p:extLst>
+  </p:cSld>
+  <p:clrMapOvr>
+    <a:masterClrMapping/>
+  </p:clrMapOvr>
+  <p:timing>
+    <p:tnLst>
+      <p:par>
+        <p:cTn id="1" dur="indefinite" restart="never" nodeType="tmRoot"/>
+      </p:par>
+    </p:tnLst>
+  </p:timing>
+</p:sld>
+</file>
+
+<file path=ppt/slides/slide14.xml><?xml version="1.0" encoding="utf-8"?>
+<p:sld xmlns:a="http://schemas.openxmlformats.org/drawingml/2006/main" xmlns:r="http://schemas.openxmlformats.org/officeDocument/2006/relationships" xmlns:p="http://schemas.openxmlformats.org/presentationml/2006/main">
+  <p:cSld>
+    <p:spTree>
+      <p:nvGrpSpPr>
+        <p:cNvPr id="1" name=""/>
+        <p:cNvGrpSpPr/>
+        <p:nvPr/>
+      </p:nvGrpSpPr>
+      <p:grpSpPr>
+        <a:xfrm>
+          <a:off x="0" y="0"/>
+          <a:ext cx="0" cy="0"/>
+          <a:chOff x="0" y="0"/>
+          <a:chExt cx="0" cy="0"/>
+        </a:xfrm>
+      </p:grpSpPr>
+      <p:sp>
+        <p:nvSpPr>
+          <p:cNvPr id="5" name="Title 4"/>
+          <p:cNvSpPr>
+            <a:spLocks noGrp="1"/>
+          </p:cNvSpPr>
+          <p:nvPr>
+            <p:ph type="title"/>
+          </p:nvPr>
+        </p:nvSpPr>
+        <p:spPr/>
+        <p:txBody>
+          <a:bodyPr/>
+          <a:lstStyle/>
+          <a:p>
+            <a:r>
+              <a:rPr lang="en-US" dirty="0" smtClean="0"/>
+              <a:t>Merchants of the Earth</a:t>
+            </a:r>
+            <a:endParaRPr lang="en-US" dirty="0"/>
+          </a:p>
+        </p:txBody>
+      </p:sp>
+      <p:sp>
+        <p:nvSpPr>
+          <p:cNvPr id="6" name="Content Placeholder 5"/>
+          <p:cNvSpPr>
+            <a:spLocks noGrp="1"/>
+          </p:cNvSpPr>
+          <p:nvPr>
+            <p:ph idx="1"/>
+          </p:nvPr>
+        </p:nvSpPr>
+        <p:spPr/>
+        <p:txBody>
+          <a:bodyPr/>
+          <a:lstStyle/>
+          <a:p>
+            <a:r>
+              <a:rPr lang="en-US" dirty="0" smtClean="0"/>
+              <a:t>Bible Works $359</a:t>
+            </a:r>
+          </a:p>
+          <a:p>
+            <a:r>
+              <a:rPr lang="en-US" dirty="0" smtClean="0"/>
+              <a:t>Accordance $299</a:t>
+            </a:r>
+          </a:p>
+          <a:p>
+            <a:r>
+              <a:rPr lang="en-US" dirty="0" smtClean="0"/>
+              <a:t>Logos $ -- networks down</a:t>
+            </a:r>
+            <a:endParaRPr lang="en-US" dirty="0"/>
+          </a:p>
+        </p:txBody>
+      </p:sp>
+      <p:sp>
+        <p:nvSpPr>
+          <p:cNvPr id="7" name="Footer Placeholder 6"/>
+          <p:cNvSpPr>
+            <a:spLocks noGrp="1"/>
+          </p:cNvSpPr>
+          <p:nvPr>
+            <p:ph type="ftr" sz="quarter" idx="11"/>
+          </p:nvPr>
+        </p:nvSpPr>
+        <p:spPr/>
+        <p:txBody>
+          <a:bodyPr/>
+          <a:lstStyle/>
+          <a:p>
+            <a:r>
+              <a:rPr lang="en-US" smtClean="0"/>
+              <a:t>Encoding Apocalypse and Empire</a:t>
+            </a:r>
+            <a:endParaRPr lang="en-US"/>
+          </a:p>
+        </p:txBody>
+      </p:sp>
+      <p:sp>
+        <p:nvSpPr>
+          <p:cNvPr id="8" name="Slide Number Placeholder 7"/>
+          <p:cNvSpPr>
+            <a:spLocks noGrp="1"/>
+          </p:cNvSpPr>
+          <p:nvPr>
+            <p:ph type="sldNum" sz="quarter" idx="12"/>
+          </p:nvPr>
+        </p:nvSpPr>
+        <p:spPr/>
+        <p:txBody>
+          <a:bodyPr/>
+          <a:lstStyle/>
+          <a:p>
+            <a:fld id="{B54884B7-6C20-497E-907D-B5AAC07785D1}" type="slidenum">
+              <a:rPr lang="en-US" smtClean="0"/>
+              <a:t>14</a:t>
+            </a:fld>
+            <a:endParaRPr lang="en-US"/>
+          </a:p>
+        </p:txBody>
+      </p:sp>
+    </p:spTree>
+    <p:extLst>
+      <p:ext uri="{BB962C8B-B14F-4D97-AF65-F5344CB8AC3E}">
+        <p14:creationId xmlns:p14="http://schemas.microsoft.com/office/powerpoint/2010/main" val="2157431465"/>
+      </p:ext>
+    </p:extLst>
+  </p:cSld>
+  <p:clrMapOvr>
+    <a:masterClrMapping/>
+  </p:clrMapOvr>
+</p:sld>
+</file>
+
+<file path=ppt/slides/slide15.xml><?xml version="1.0" encoding="utf-8"?>
+<p:sld xmlns:a="http://schemas.openxmlformats.org/drawingml/2006/main" xmlns:r="http://schemas.openxmlformats.org/officeDocument/2006/relationships" xmlns:p="http://schemas.openxmlformats.org/presentationml/2006/main">
+  <p:cSld>
+    <p:spTree>
+      <p:nvGrpSpPr>
+        <p:cNvPr id="1" name=""/>
+        <p:cNvGrpSpPr/>
+        <p:nvPr/>
+      </p:nvGrpSpPr>
+      <p:grpSpPr>
+        <a:xfrm>
+          <a:off x="0" y="0"/>
+          <a:ext cx="0" cy="0"/>
+          <a:chOff x="0" y="0"/>
+          <a:chExt cx="0" cy="0"/>
+        </a:xfrm>
+      </p:grpSpPr>
+      <p:sp>
+        <p:nvSpPr>
+          <p:cNvPr id="2" name="Title 1"/>
+          <p:cNvSpPr>
+            <a:spLocks noGrp="1"/>
+          </p:cNvSpPr>
+          <p:nvPr>
+            <p:ph type="title"/>
+          </p:nvPr>
+        </p:nvSpPr>
         <p:spPr/>
         <p:txBody>
           <a:bodyPr/>
@@ -3988,21 +5253,118 @@
           <a:p>
             <a:r>
               <a:rPr lang="en-US" dirty="0" smtClean="0"/>
-              <a:t>Go to </a:t>
-            </a:r>
-            <a:r>
-              <a:rPr lang="en-US" dirty="0" smtClean="0">
+              <a:t>Globally Accessible</a:t>
+            </a:r>
+          </a:p>
+          <a:p>
+            <a:r>
+              <a:rPr lang="en-US" dirty="0" err="1" smtClean="0"/>
+              <a:t>CreativeCommons</a:t>
+            </a:r>
+            <a:r>
+              <a:rPr lang="en-US" dirty="0" smtClean="0"/>
+              <a:t> Licensing</a:t>
+            </a:r>
+          </a:p>
+          <a:p>
+            <a:r>
+              <a:rPr lang="en-US" dirty="0" smtClean="0"/>
+              <a:t>Flexible to Research</a:t>
+            </a:r>
+          </a:p>
+          <a:p>
+            <a:r>
+              <a:rPr lang="en-US" dirty="0" smtClean="0"/>
+              <a:t>Translatable to other ancient texts</a:t>
+            </a:r>
+          </a:p>
+          <a:p>
+            <a:pPr marL="114300" indent="0">
+              <a:buNone/>
+            </a:pPr>
+            <a:endParaRPr lang="en-US" dirty="0" smtClean="0">
+              <a:hlinkClick r:id="rId2"/>
+            </a:endParaRPr>
+          </a:p>
+          <a:p>
+            <a:pPr marL="114300" indent="0">
+              <a:buNone/>
+            </a:pPr>
+            <a:endParaRPr lang="en-US" dirty="0">
+              <a:hlinkClick r:id="rId2"/>
+            </a:endParaRPr>
+          </a:p>
+          <a:p>
+            <a:pPr marL="114300" indent="0">
+              <a:buNone/>
+            </a:pPr>
+            <a:endParaRPr lang="en-US" dirty="0" smtClean="0">
+              <a:hlinkClick r:id="rId2"/>
+            </a:endParaRPr>
+          </a:p>
+          <a:p>
+            <a:pPr marL="114300" indent="0">
+              <a:buNone/>
+            </a:pPr>
+            <a:r>
+              <a:rPr lang="en-US" sz="1800" dirty="0" smtClean="0">
                 <a:hlinkClick r:id="rId2"/>
               </a:rPr>
               <a:t>http</a:t>
             </a:r>
             <a:r>
-              <a:rPr lang="en-US" dirty="0">
+              <a:rPr lang="en-US" sz="1800" dirty="0">
                 <a:hlinkClick r:id="rId2"/>
               </a:rPr>
               <a:t>://encodingrevelation.github.io/revelation/revelation/chapter/ap17.html</a:t>
             </a:r>
-            <a:endParaRPr lang="en-US" dirty="0"/>
+            <a:endParaRPr lang="en-US" sz="1800" dirty="0"/>
+          </a:p>
+        </p:txBody>
+      </p:sp>
+      <p:sp>
+        <p:nvSpPr>
+          <p:cNvPr id="4" name="Footer Placeholder 3"/>
+          <p:cNvSpPr>
+            <a:spLocks noGrp="1"/>
+          </p:cNvSpPr>
+          <p:nvPr>
+            <p:ph type="ftr" sz="quarter" idx="11"/>
+          </p:nvPr>
+        </p:nvSpPr>
+        <p:spPr/>
+        <p:txBody>
+          <a:bodyPr/>
+          <a:lstStyle/>
+          <a:p>
+            <a:r>
+              <a:rPr lang="en-US" smtClean="0"/>
+              <a:t>Encoding Apocalypse and Empire</a:t>
+            </a:r>
+            <a:endParaRPr lang="en-US"/>
+          </a:p>
+        </p:txBody>
+      </p:sp>
+      <p:sp>
+        <p:nvSpPr>
+          <p:cNvPr id="5" name="Slide Number Placeholder 4"/>
+          <p:cNvSpPr>
+            <a:spLocks noGrp="1"/>
+          </p:cNvSpPr>
+          <p:nvPr>
+            <p:ph type="sldNum" sz="quarter" idx="12"/>
+          </p:nvPr>
+        </p:nvSpPr>
+        <p:spPr/>
+        <p:txBody>
+          <a:bodyPr/>
+          <a:lstStyle/>
+          <a:p>
+            <a:fld id="{B54884B7-6C20-497E-907D-B5AAC07785D1}" type="slidenum">
+              <a:rPr lang="en-US" smtClean="0"/>
+              <a:t>15</a:t>
+            </a:fld>
+            <a:endParaRPr lang="en-US"/>
           </a:p>
         </p:txBody>
       </p:sp>
@@ -4016,6 +5378,13 @@
   <p:clrMapOvr>
     <a:masterClrMapping/>
   </p:clrMapOvr>
+  <p:timing>
+    <p:tnLst>
+      <p:par>
+        <p:cTn id="1" dur="indefinite" restart="never" nodeType="tmRoot"/>
+      </p:par>
+    </p:tnLst>
+  </p:timing>
 </p:sld>
 </file>
 
@@ -4048,99 +5417,337 @@
         </p:nvSpPr>
         <p:spPr/>
         <p:txBody>
+          <a:bodyPr>
+            <a:noAutofit/>
+          </a:bodyPr>
+          <a:lstStyle/>
+          <a:p>
+            <a:r>
+              <a:rPr lang="en-US" sz="3600" dirty="0" smtClean="0"/>
+              <a:t>Revelation as Apocalypse and Prophecy</a:t>
+            </a:r>
+            <a:endParaRPr lang="en-US" sz="3600" dirty="0"/>
+          </a:p>
+        </p:txBody>
+      </p:sp>
+      <p:sp>
+        <p:nvSpPr>
+          <p:cNvPr id="3" name="Content Placeholder 2"/>
+          <p:cNvSpPr>
+            <a:spLocks noGrp="1"/>
+          </p:cNvSpPr>
+          <p:nvPr>
+            <p:ph idx="1"/>
+          </p:nvPr>
+        </p:nvSpPr>
+        <p:spPr/>
+        <p:txBody>
+          <a:bodyPr>
+            <a:normAutofit/>
+          </a:bodyPr>
+          <a:lstStyle/>
+          <a:p>
+            <a:pPr marL="114300" indent="0">
+              <a:buNone/>
+            </a:pPr>
+            <a:r>
+              <a:rPr lang="en-US" dirty="0" smtClean="0"/>
+              <a:t>A </a:t>
+            </a:r>
+            <a:r>
+              <a:rPr lang="en-US" dirty="0" smtClean="0">
+                <a:solidFill>
+                  <a:srgbClr val="FF0000"/>
+                </a:solidFill>
+              </a:rPr>
+              <a:t>revelation</a:t>
+            </a:r>
+            <a:r>
+              <a:rPr lang="en-US" dirty="0" smtClean="0"/>
+              <a:t> (</a:t>
+            </a:r>
+            <a:r>
+              <a:rPr lang="el-GR" b="1" dirty="0">
+                <a:latin typeface="Times New Roman" panose="02020603050405020304" pitchFamily="18" charset="0"/>
+                <a:cs typeface="Times New Roman" panose="02020603050405020304" pitchFamily="18" charset="0"/>
+              </a:rPr>
+              <a:t>Ἀποκάλυψις</a:t>
+            </a:r>
+            <a:r>
+              <a:rPr lang="en-US" dirty="0" smtClean="0"/>
+              <a:t>)of </a:t>
+            </a:r>
+            <a:r>
+              <a:rPr lang="en-US" dirty="0"/>
+              <a:t>Jesus Christ which God granted to him to show </a:t>
+            </a:r>
+            <a:r>
+              <a:rPr lang="en-US" dirty="0">
+                <a:solidFill>
+                  <a:srgbClr val="FF0000"/>
+                </a:solidFill>
+              </a:rPr>
+              <a:t>to his servants the things which must </a:t>
+            </a:r>
+            <a:r>
+              <a:rPr lang="en-US" dirty="0" smtClean="0">
+                <a:solidFill>
+                  <a:srgbClr val="FF0000"/>
+                </a:solidFill>
+              </a:rPr>
+              <a:t>happen </a:t>
+            </a:r>
+            <a:r>
+              <a:rPr lang="en-US" dirty="0"/>
+              <a:t>(</a:t>
+            </a:r>
+            <a:r>
+              <a:rPr lang="el-GR" b="1" dirty="0">
+                <a:latin typeface="Times New Roman" panose="02020603050405020304" pitchFamily="18" charset="0"/>
+                <a:cs typeface="Times New Roman" panose="02020603050405020304" pitchFamily="18" charset="0"/>
+              </a:rPr>
+              <a:t>ἃ δεῖ γενέσθαι</a:t>
+            </a:r>
+            <a:r>
+              <a:rPr lang="en-US" dirty="0"/>
+              <a:t>) </a:t>
+            </a:r>
+            <a:r>
+              <a:rPr lang="en-US" dirty="0" smtClean="0"/>
+              <a:t>soon, and he made it known by sending his angle to his servant John… </a:t>
+            </a:r>
+            <a:r>
+              <a:rPr lang="en-US" dirty="0" smtClean="0">
+                <a:solidFill>
+                  <a:srgbClr val="FF0000"/>
+                </a:solidFill>
+              </a:rPr>
+              <a:t> </a:t>
+            </a:r>
+            <a:r>
+              <a:rPr lang="en-US" dirty="0" smtClean="0"/>
+              <a:t>Blessed </a:t>
+            </a:r>
+            <a:r>
+              <a:rPr lang="en-US" dirty="0"/>
+              <a:t>is the one who reads and those who hear the words of prophecy and keep the things which are written in it</a:t>
+            </a:r>
+            <a:r>
+              <a:rPr lang="en-US" dirty="0" smtClean="0"/>
+              <a:t>”</a:t>
+            </a:r>
+          </a:p>
+          <a:p>
+            <a:r>
+              <a:rPr lang="en-US" dirty="0" smtClean="0"/>
+              <a:t>Surely </a:t>
+            </a:r>
+            <a:r>
+              <a:rPr lang="en-US" dirty="0"/>
+              <a:t>the Lord GOD does nothing, without </a:t>
+            </a:r>
+            <a:r>
+              <a:rPr lang="en-US" dirty="0">
+                <a:solidFill>
+                  <a:srgbClr val="FF0000"/>
+                </a:solidFill>
+              </a:rPr>
+              <a:t>revealing</a:t>
+            </a:r>
+            <a:r>
+              <a:rPr lang="en-US" dirty="0"/>
+              <a:t> </a:t>
+            </a:r>
+            <a:r>
+              <a:rPr lang="en-US" dirty="0" smtClean="0"/>
+              <a:t>(</a:t>
+            </a:r>
+            <a:r>
+              <a:rPr lang="el-GR" b="1" dirty="0" smtClean="0">
+                <a:latin typeface="Times New Roman" panose="02020603050405020304" pitchFamily="18" charset="0"/>
+                <a:cs typeface="Times New Roman" panose="02020603050405020304" pitchFamily="18" charset="0"/>
+              </a:rPr>
+              <a:t>ἀποκαλύψῃ</a:t>
+            </a:r>
+            <a:r>
+              <a:rPr lang="en-US" dirty="0" smtClean="0">
+                <a:latin typeface="Times New Roman" panose="02020603050405020304" pitchFamily="18" charset="0"/>
+                <a:cs typeface="Times New Roman" panose="02020603050405020304" pitchFamily="18" charset="0"/>
+              </a:rPr>
+              <a:t>) </a:t>
+            </a:r>
+            <a:r>
+              <a:rPr lang="en-US" dirty="0" smtClean="0"/>
+              <a:t>his </a:t>
+            </a:r>
+            <a:r>
+              <a:rPr lang="en-US" dirty="0"/>
+              <a:t>secret </a:t>
+            </a:r>
+            <a:r>
+              <a:rPr lang="en-US" dirty="0">
+                <a:solidFill>
+                  <a:srgbClr val="FF0000"/>
+                </a:solidFill>
+              </a:rPr>
+              <a:t>to his servants </a:t>
+            </a:r>
+            <a:r>
+              <a:rPr lang="en-US" dirty="0"/>
+              <a:t>the prophets. (</a:t>
+            </a:r>
+            <a:r>
+              <a:rPr lang="en-US" dirty="0" smtClean="0"/>
+              <a:t>Amos </a:t>
+            </a:r>
+            <a:r>
+              <a:rPr lang="en-US" dirty="0"/>
+              <a:t>3:7 </a:t>
+            </a:r>
+            <a:r>
+              <a:rPr lang="en-US" dirty="0" smtClean="0"/>
+              <a:t>NRSV)</a:t>
+            </a:r>
+          </a:p>
+          <a:p>
+            <a:r>
+              <a:rPr lang="en-US" dirty="0"/>
+              <a:t>but there is a God in heaven who reveals mysteries, and he has disclosed to King Nebuchadnezzar </a:t>
+            </a:r>
+            <a:r>
+              <a:rPr lang="en-US" dirty="0">
+                <a:solidFill>
+                  <a:srgbClr val="FF0000"/>
+                </a:solidFill>
+              </a:rPr>
+              <a:t>what will happen </a:t>
+            </a:r>
+            <a:r>
+              <a:rPr lang="en-US" dirty="0" smtClean="0"/>
+              <a:t>(</a:t>
+            </a:r>
+            <a:r>
+              <a:rPr lang="el-GR" b="1" dirty="0">
+                <a:latin typeface="Times New Roman" panose="02020603050405020304" pitchFamily="18" charset="0"/>
+                <a:cs typeface="Times New Roman" panose="02020603050405020304" pitchFamily="18" charset="0"/>
+              </a:rPr>
+              <a:t>ἃ δεῖ </a:t>
+            </a:r>
+            <a:r>
+              <a:rPr lang="el-GR" b="1" dirty="0" smtClean="0">
+                <a:latin typeface="Times New Roman" panose="02020603050405020304" pitchFamily="18" charset="0"/>
+                <a:cs typeface="Times New Roman" panose="02020603050405020304" pitchFamily="18" charset="0"/>
+              </a:rPr>
+              <a:t>γενέσθαι</a:t>
+            </a:r>
+            <a:r>
+              <a:rPr lang="en-US" dirty="0" smtClean="0"/>
+              <a:t>) at </a:t>
+            </a:r>
+            <a:r>
+              <a:rPr lang="en-US" dirty="0"/>
+              <a:t>the end of </a:t>
+            </a:r>
+            <a:r>
+              <a:rPr lang="en-US" dirty="0" smtClean="0"/>
+              <a:t>days…. </a:t>
+            </a:r>
+            <a:r>
+              <a:rPr lang="en-US" dirty="0"/>
+              <a:t>The great God has </a:t>
+            </a:r>
+            <a:r>
+              <a:rPr lang="en-US" dirty="0" smtClean="0">
+                <a:solidFill>
+                  <a:srgbClr val="FF0000"/>
+                </a:solidFill>
+              </a:rPr>
+              <a:t>informed</a:t>
+            </a:r>
+            <a:r>
+              <a:rPr lang="en-US" dirty="0" smtClean="0"/>
+              <a:t> (</a:t>
+            </a:r>
+            <a:r>
+              <a:rPr lang="el-GR" b="1" dirty="0" smtClean="0">
+                <a:latin typeface="Times New Roman" panose="02020603050405020304" pitchFamily="18" charset="0"/>
+                <a:cs typeface="Times New Roman" panose="02020603050405020304" pitchFamily="18" charset="0"/>
+              </a:rPr>
+              <a:t>ἐσήμανεν</a:t>
+            </a:r>
+            <a:r>
+              <a:rPr lang="en-US" b="1" dirty="0" smtClean="0"/>
+              <a:t>)</a:t>
+            </a:r>
+            <a:r>
+              <a:rPr lang="en-US" dirty="0" smtClean="0"/>
+              <a:t> </a:t>
+            </a:r>
+            <a:r>
+              <a:rPr lang="en-US" dirty="0"/>
+              <a:t>the king what shall be hereafter. The dream is certain, and its interpretation trustworthy." (Dan </a:t>
+            </a:r>
+            <a:r>
+              <a:rPr lang="en-US" dirty="0" smtClean="0"/>
+              <a:t>2:28, 45 NRSV)</a:t>
+            </a:r>
+            <a:endParaRPr lang="el-GR" dirty="0">
+              <a:latin typeface="Times New Roman" panose="02020603050405020304" pitchFamily="18" charset="0"/>
+              <a:cs typeface="Times New Roman" panose="02020603050405020304" pitchFamily="18" charset="0"/>
+            </a:endParaRPr>
+          </a:p>
+        </p:txBody>
+      </p:sp>
+      <p:sp>
+        <p:nvSpPr>
+          <p:cNvPr id="4" name="Footer Placeholder 3"/>
+          <p:cNvSpPr>
+            <a:spLocks noGrp="1"/>
+          </p:cNvSpPr>
+          <p:nvPr>
+            <p:ph type="ftr" sz="quarter" idx="11"/>
+          </p:nvPr>
+        </p:nvSpPr>
+        <p:spPr/>
+        <p:txBody>
           <a:bodyPr/>
           <a:lstStyle/>
           <a:p>
             <a:r>
-              <a:rPr lang="en-US" dirty="0" smtClean="0"/>
-              <a:t>Intertextual References</a:t>
-            </a:r>
-            <a:endParaRPr lang="en-US" dirty="0"/>
-          </a:p>
-        </p:txBody>
-      </p:sp>
-      <p:sp>
-        <p:nvSpPr>
-          <p:cNvPr id="3" name="Content Placeholder 2"/>
-          <p:cNvSpPr>
-            <a:spLocks noGrp="1"/>
-          </p:cNvSpPr>
-          <p:nvPr>
-            <p:ph sz="half" idx="1"/>
-          </p:nvPr>
-        </p:nvSpPr>
-        <p:spPr>
-          <a:xfrm>
-            <a:off x="457200" y="1600200"/>
-            <a:ext cx="3657600" cy="4525963"/>
-          </a:xfrm>
-        </p:spPr>
+              <a:rPr lang="en-US" smtClean="0"/>
+              <a:t>Encoding Apocalypse and Empire</a:t>
+            </a:r>
+            <a:endParaRPr lang="en-US"/>
+          </a:p>
+        </p:txBody>
+      </p:sp>
+      <p:sp>
+        <p:nvSpPr>
+          <p:cNvPr id="5" name="Slide Number Placeholder 4"/>
+          <p:cNvSpPr>
+            <a:spLocks noGrp="1"/>
+          </p:cNvSpPr>
+          <p:nvPr>
+            <p:ph type="sldNum" sz="quarter" idx="12"/>
+          </p:nvPr>
+        </p:nvSpPr>
+        <p:spPr/>
         <p:txBody>
           <a:bodyPr/>
           <a:lstStyle/>
           <a:p>
-            <a:r>
-              <a:rPr lang="en-US" dirty="0" smtClean="0"/>
-              <a:t>Quotation: The </a:t>
-            </a:r>
-            <a:r>
-              <a:rPr lang="en-US" dirty="0"/>
-              <a:t>use of a </a:t>
-            </a:r>
-            <a:r>
-              <a:rPr lang="en-US" dirty="0" smtClean="0"/>
-              <a:t>pre-existing </a:t>
-            </a:r>
-            <a:r>
-              <a:rPr lang="en-US" dirty="0"/>
-              <a:t>phrase, sentence, or paragraph which is taken from another </a:t>
-            </a:r>
-            <a:r>
-              <a:rPr lang="en-US" dirty="0" smtClean="0"/>
-              <a:t>source</a:t>
-            </a:r>
-          </a:p>
-          <a:p>
-            <a:endParaRPr lang="en-US" dirty="0" smtClean="0"/>
-          </a:p>
-          <a:p>
-            <a:endParaRPr lang="en-US" dirty="0"/>
-          </a:p>
-        </p:txBody>
-      </p:sp>
-      <p:pic>
-        <p:nvPicPr>
-          <p:cNvPr id="12" name="Content Placeholder 11"/>
-          <p:cNvPicPr>
-            <a:picLocks noGrp="1" noChangeAspect="1"/>
-          </p:cNvPicPr>
-          <p:nvPr>
-            <p:ph sz="half" idx="2"/>
-          </p:nvPr>
-        </p:nvPicPr>
-        <p:blipFill>
-          <a:blip r:embed="rId2">
-            <a:extLst>
-              <a:ext uri="{28A0092B-C50C-407E-A947-70E740481C1C}">
-                <a14:useLocalDpi xmlns:a14="http://schemas.microsoft.com/office/drawing/2010/main" val="0"/>
-              </a:ext>
-            </a:extLst>
-          </a:blip>
-          <a:stretch>
-            <a:fillRect/>
-          </a:stretch>
-        </p:blipFill>
-        <p:spPr>
-          <a:xfrm>
-            <a:off x="3962400" y="2286000"/>
-            <a:ext cx="4956197" cy="3609577"/>
-          </a:xfrm>
-        </p:spPr>
-      </p:pic>
+            <a:fld id="{B54884B7-6C20-497E-907D-B5AAC07785D1}" type="slidenum">
+              <a:rPr lang="en-US" smtClean="0"/>
+              <a:t>2</a:t>
+            </a:fld>
+            <a:endParaRPr lang="en-US"/>
+          </a:p>
+        </p:txBody>
+      </p:sp>
     </p:spTree>
     <p:extLst>
       <p:ext uri="{BB962C8B-B14F-4D97-AF65-F5344CB8AC3E}">
-        <p14:creationId xmlns:p14="http://schemas.microsoft.com/office/powerpoint/2010/main" val="848651576"/>
+        <p14:creationId xmlns:p14="http://schemas.microsoft.com/office/powerpoint/2010/main" val="128368312"/>
       </p:ext>
     </p:extLst>
   </p:cSld>
@@ -4184,7 +5791,7 @@
           <a:p>
             <a:r>
               <a:rPr lang="en-US" dirty="0" smtClean="0"/>
-              <a:t>Intertextual References</a:t>
+              <a:t>Taxonomy of Intertextuality</a:t>
             </a:r>
             <a:endParaRPr lang="en-US" dirty="0"/>
           </a:p>
@@ -4197,62 +5804,84 @@
             <a:spLocks noGrp="1"/>
           </p:cNvSpPr>
           <p:nvPr>
-            <p:ph sz="half" idx="1"/>
-          </p:nvPr>
-        </p:nvSpPr>
-        <p:spPr>
-          <a:xfrm>
-            <a:off x="457200" y="1600200"/>
-            <a:ext cx="3962400" cy="4525963"/>
-          </a:xfrm>
-        </p:spPr>
+            <p:ph idx="1"/>
+          </p:nvPr>
+        </p:nvSpPr>
+        <p:spPr/>
         <p:txBody>
           <a:bodyPr/>
           <a:lstStyle/>
           <a:p>
             <a:r>
               <a:rPr lang="en-US" dirty="0" smtClean="0"/>
-              <a:t>Allusion: Intentional reference to another text through the use of extended verbal parallel or “catchwords”</a:t>
-            </a:r>
-          </a:p>
-          <a:p>
+              <a:t>Quotation</a:t>
+            </a:r>
+          </a:p>
+          <a:p>
+            <a:r>
+              <a:rPr lang="en-US" dirty="0" smtClean="0"/>
+              <a:t>Allusion</a:t>
+            </a:r>
+          </a:p>
+          <a:p>
+            <a:r>
+              <a:rPr lang="en-US" dirty="0" smtClean="0"/>
+              <a:t>Thematic parallel</a:t>
+            </a:r>
             <a:endParaRPr lang="en-US" dirty="0"/>
           </a:p>
         </p:txBody>
       </p:sp>
-      <p:pic>
-        <p:nvPicPr>
-          <p:cNvPr id="5" name="Content Placeholder 4"/>
-          <p:cNvPicPr>
-            <a:picLocks noGrp="1" noChangeAspect="1"/>
-          </p:cNvPicPr>
-          <p:nvPr>
-            <p:ph sz="half" idx="2"/>
-          </p:nvPr>
-        </p:nvPicPr>
-        <p:blipFill>
-          <a:blip r:embed="rId2">
-            <a:extLst>
-              <a:ext uri="{28A0092B-C50C-407E-A947-70E740481C1C}">
-                <a14:useLocalDpi xmlns:a14="http://schemas.microsoft.com/office/drawing/2010/main" val="0"/>
-              </a:ext>
-            </a:extLst>
-          </a:blip>
-          <a:stretch>
-            <a:fillRect/>
-          </a:stretch>
-        </p:blipFill>
-        <p:spPr>
-          <a:xfrm>
-            <a:off x="4648200" y="1751951"/>
-            <a:ext cx="4038600" cy="4222460"/>
-          </a:xfrm>
-        </p:spPr>
-      </p:pic>
+      <p:sp>
+        <p:nvSpPr>
+          <p:cNvPr id="4" name="Footer Placeholder 3"/>
+          <p:cNvSpPr>
+            <a:spLocks noGrp="1"/>
+          </p:cNvSpPr>
+          <p:nvPr>
+            <p:ph type="ftr" sz="quarter" idx="11"/>
+          </p:nvPr>
+        </p:nvSpPr>
+        <p:spPr/>
+        <p:txBody>
+          <a:bodyPr/>
+          <a:lstStyle/>
+          <a:p>
+            <a:r>
+              <a:rPr lang="en-US" smtClean="0"/>
+              <a:t>Encoding Apocalypse and Empire</a:t>
+            </a:r>
+            <a:endParaRPr lang="en-US"/>
+          </a:p>
+        </p:txBody>
+      </p:sp>
+      <p:sp>
+        <p:nvSpPr>
+          <p:cNvPr id="5" name="Slide Number Placeholder 4"/>
+          <p:cNvSpPr>
+            <a:spLocks noGrp="1"/>
+          </p:cNvSpPr>
+          <p:nvPr>
+            <p:ph type="sldNum" sz="quarter" idx="12"/>
+          </p:nvPr>
+        </p:nvSpPr>
+        <p:spPr/>
+        <p:txBody>
+          <a:bodyPr/>
+          <a:lstStyle/>
+          <a:p>
+            <a:fld id="{B54884B7-6C20-497E-907D-B5AAC07785D1}" type="slidenum">
+              <a:rPr lang="en-US" smtClean="0"/>
+              <a:t>3</a:t>
+            </a:fld>
+            <a:endParaRPr lang="en-US"/>
+          </a:p>
+        </p:txBody>
+      </p:sp>
     </p:spTree>
     <p:extLst>
       <p:ext uri="{BB962C8B-B14F-4D97-AF65-F5344CB8AC3E}">
-        <p14:creationId xmlns:p14="http://schemas.microsoft.com/office/powerpoint/2010/main" val="1361400412"/>
+        <p14:creationId xmlns:p14="http://schemas.microsoft.com/office/powerpoint/2010/main" val="632624564"/>
       </p:ext>
     </p:extLst>
   </p:cSld>
@@ -4291,25 +5920,346 @@
         </p:nvSpPr>
         <p:spPr/>
         <p:txBody>
+          <a:bodyPr>
+            <a:noAutofit/>
+          </a:bodyPr>
+          <a:lstStyle/>
+          <a:p>
+            <a:r>
+              <a:rPr lang="en-US" sz="2800" dirty="0"/>
+              <a:t>Quotation: The use of a pre-existing phrase, sentence, or paragraph which is taken from another source</a:t>
+            </a:r>
+            <a:endParaRPr lang="en-US" sz="2800" dirty="0"/>
+          </a:p>
+        </p:txBody>
+      </p:sp>
+      <p:graphicFrame>
+        <p:nvGraphicFramePr>
+          <p:cNvPr id="7" name="Content Placeholder 6"/>
+          <p:cNvGraphicFramePr>
+            <a:graphicFrameLocks noGrp="1"/>
+          </p:cNvGraphicFramePr>
+          <p:nvPr>
+            <p:ph idx="1"/>
+            <p:extLst>
+              <p:ext uri="{D42A27DB-BD31-4B8C-83A1-F6EECF244321}">
+                <p14:modId xmlns:p14="http://schemas.microsoft.com/office/powerpoint/2010/main" val="581319599"/>
+              </p:ext>
+            </p:extLst>
+          </p:nvPr>
+        </p:nvGraphicFramePr>
+        <p:xfrm>
+          <a:off x="457200" y="1600200"/>
+          <a:ext cx="7620000" cy="5059680"/>
+        </p:xfrm>
+        <a:graphic>
+          <a:graphicData uri="http://schemas.openxmlformats.org/drawingml/2006/table">
+            <a:tbl>
+              <a:tblPr firstRow="1" bandRow="1">
+                <a:tableStyleId>{2D5ABB26-0587-4C30-8999-92F81FD0307C}</a:tableStyleId>
+              </a:tblPr>
+              <a:tblGrid>
+                <a:gridCol w="3810000"/>
+                <a:gridCol w="3810000"/>
+              </a:tblGrid>
+              <a:tr h="381000">
+                <a:tc>
+                  <a:txBody>
+                    <a:bodyPr/>
+                    <a:lstStyle/>
+                    <a:p>
+                      <a:pPr algn="ctr"/>
+                      <a:r>
+                        <a:rPr lang="en-US" sz="2000" dirty="0" smtClean="0">
+                          <a:latin typeface="Times New Roman" panose="02020603050405020304" pitchFamily="18" charset="0"/>
+                          <a:cs typeface="Times New Roman" panose="02020603050405020304" pitchFamily="18" charset="0"/>
+                        </a:rPr>
+                        <a:t>Amos 1:2</a:t>
+                      </a:r>
+                      <a:endParaRPr lang="en-US" sz="2000" dirty="0">
+                        <a:latin typeface="Times New Roman" panose="02020603050405020304" pitchFamily="18" charset="0"/>
+                        <a:cs typeface="Times New Roman" panose="02020603050405020304" pitchFamily="18" charset="0"/>
+                      </a:endParaRPr>
+                    </a:p>
+                  </a:txBody>
+                  <a:tcPr marL="84667" marR="84667"/>
+                </a:tc>
+                <a:tc>
+                  <a:txBody>
+                    <a:bodyPr/>
+                    <a:lstStyle/>
+                    <a:p>
+                      <a:pPr algn="ctr"/>
+                      <a:r>
+                        <a:rPr lang="en-US" sz="2000" dirty="0" smtClean="0">
+                          <a:latin typeface="Times New Roman" panose="02020603050405020304" pitchFamily="18" charset="0"/>
+                          <a:cs typeface="Times New Roman" panose="02020603050405020304" pitchFamily="18" charset="0"/>
+                        </a:rPr>
+                        <a:t>Joel</a:t>
+                      </a:r>
+                      <a:r>
+                        <a:rPr lang="en-US" sz="2000" baseline="0" dirty="0" smtClean="0">
+                          <a:latin typeface="Times New Roman" panose="02020603050405020304" pitchFamily="18" charset="0"/>
+                          <a:cs typeface="Times New Roman" panose="02020603050405020304" pitchFamily="18" charset="0"/>
+                        </a:rPr>
+                        <a:t> 4:16 (ET 3:16)</a:t>
+                      </a:r>
+                      <a:endParaRPr lang="en-US" sz="2000" dirty="0">
+                        <a:latin typeface="Times New Roman" panose="02020603050405020304" pitchFamily="18" charset="0"/>
+                        <a:cs typeface="Times New Roman" panose="02020603050405020304" pitchFamily="18" charset="0"/>
+                      </a:endParaRPr>
+                    </a:p>
+                  </a:txBody>
+                  <a:tcPr marL="84667" marR="84667"/>
+                </a:tc>
+              </a:tr>
+              <a:tr h="370840">
+                <a:tc>
+                  <a:txBody>
+                    <a:bodyPr/>
+                    <a:lstStyle/>
+                    <a:p>
+                      <a:r>
+                        <a:rPr lang="he-IL" sz="3200" dirty="0" smtClean="0">
+                          <a:solidFill>
+                            <a:schemeClr val="tx1"/>
+                          </a:solidFill>
+                          <a:latin typeface="Times New Roman" panose="02020603050405020304" pitchFamily="18" charset="0"/>
+                          <a:cs typeface="Times New Roman" panose="02020603050405020304" pitchFamily="18" charset="0"/>
+                        </a:rPr>
+                        <a:t> וַיֹּאמַר </a:t>
+                      </a:r>
+                      <a:r>
+                        <a:rPr lang="he-IL" sz="3200" dirty="0" smtClean="0">
+                          <a:solidFill>
+                            <a:srgbClr val="FF0000"/>
+                          </a:solidFill>
+                          <a:latin typeface="Times New Roman" panose="02020603050405020304" pitchFamily="18" charset="0"/>
+                          <a:cs typeface="Times New Roman" panose="02020603050405020304" pitchFamily="18" charset="0"/>
+                        </a:rPr>
+                        <a:t>יְהוָה מִצִּיּוֹן יִשְׁאָג וּמִירוּשָׁלִַם יִתֵּן קוֹלוֹ </a:t>
+                      </a:r>
+                      <a:r>
+                        <a:rPr lang="he-IL" sz="3200" dirty="0" smtClean="0">
+                          <a:latin typeface="Times New Roman" panose="02020603050405020304" pitchFamily="18" charset="0"/>
+                          <a:cs typeface="Times New Roman" panose="02020603050405020304" pitchFamily="18" charset="0"/>
+                        </a:rPr>
+                        <a:t>וְאָבְלוּ נְאוֹת הָרֹעִים וְיָבֵשׁ  רֹאשׁ הַכַּרְמֶל</a:t>
+                      </a:r>
+                    </a:p>
+                  </a:txBody>
+                  <a:tcPr marL="84667" marR="84667"/>
+                </a:tc>
+                <a:tc>
+                  <a:txBody>
+                    <a:bodyPr/>
+                    <a:lstStyle/>
+                    <a:p>
+                      <a:pPr rtl="1"/>
+                      <a:r>
+                        <a:rPr lang="he-IL" sz="3200" b="0" i="0" u="none" strike="noStrike" kern="1200" baseline="0" dirty="0" smtClean="0">
+                          <a:solidFill>
+                            <a:schemeClr val="tx1"/>
+                          </a:solidFill>
+                          <a:latin typeface="Times New Roman" panose="02020603050405020304" pitchFamily="18" charset="0"/>
+                          <a:ea typeface="+mn-ea"/>
+                          <a:cs typeface="Times New Roman" panose="02020603050405020304" pitchFamily="18" charset="0"/>
+                        </a:rPr>
+                        <a:t> וַיהוָה </a:t>
+                      </a:r>
+                      <a:r>
+                        <a:rPr lang="he-IL" sz="3200" b="0" i="0" u="none" strike="noStrike" kern="1200" baseline="0" dirty="0" smtClean="0">
+                          <a:solidFill>
+                            <a:srgbClr val="FF0000"/>
+                          </a:solidFill>
+                          <a:latin typeface="Times New Roman" panose="02020603050405020304" pitchFamily="18" charset="0"/>
+                          <a:ea typeface="+mn-ea"/>
+                          <a:cs typeface="Times New Roman" panose="02020603050405020304" pitchFamily="18" charset="0"/>
+                        </a:rPr>
+                        <a:t>מִצִּיּוֹן יִשְׁאָג וּמִירוּשָׁלִַם</a:t>
+                      </a:r>
+                      <a:r>
+                        <a:rPr lang="he-IL" sz="3200" b="0" i="0" u="none" strike="noStrike" kern="1200" baseline="0" dirty="0" smtClean="0">
+                          <a:solidFill>
+                            <a:schemeClr val="tx1"/>
+                          </a:solidFill>
+                          <a:latin typeface="Times New Roman" panose="02020603050405020304" pitchFamily="18" charset="0"/>
+                          <a:ea typeface="+mn-ea"/>
+                          <a:cs typeface="Times New Roman" panose="02020603050405020304" pitchFamily="18" charset="0"/>
+                        </a:rPr>
+                        <a:t> </a:t>
+                      </a:r>
+                      <a:r>
+                        <a:rPr lang="he-IL" sz="3200" b="0" i="0" u="none" strike="noStrike" kern="1200" baseline="0" dirty="0" smtClean="0">
+                          <a:solidFill>
+                            <a:srgbClr val="FF0000"/>
+                          </a:solidFill>
+                          <a:latin typeface="Times New Roman" panose="02020603050405020304" pitchFamily="18" charset="0"/>
+                          <a:ea typeface="+mn-ea"/>
+                          <a:cs typeface="Times New Roman" panose="02020603050405020304" pitchFamily="18" charset="0"/>
+                        </a:rPr>
+                        <a:t>יִתֵּן קוֹלוֹ </a:t>
+                      </a:r>
+                      <a:r>
+                        <a:rPr lang="he-IL" sz="3200" b="0" i="0" u="none" strike="noStrike" kern="1200" baseline="0" dirty="0" smtClean="0">
+                          <a:solidFill>
+                            <a:schemeClr val="tx1"/>
+                          </a:solidFill>
+                          <a:latin typeface="Times New Roman" panose="02020603050405020304" pitchFamily="18" charset="0"/>
+                          <a:ea typeface="+mn-ea"/>
+                          <a:cs typeface="Times New Roman" panose="02020603050405020304" pitchFamily="18" charset="0"/>
+                        </a:rPr>
+                        <a:t>וְרָעֲשׁוּ שָׁמַיִם וָאָרֶץ וַיהוָה מַחֲסֶה לְעַמּוֹ וּמָעוֹז לִבְנֵי יִשְׂרָאֵל</a:t>
+                      </a:r>
+                    </a:p>
+                    <a:p>
+                      <a:pPr rtl="1"/>
+                      <a:endParaRPr lang="en-US" sz="2000" dirty="0">
+                        <a:latin typeface="Times New Roman" panose="02020603050405020304" pitchFamily="18" charset="0"/>
+                        <a:cs typeface="Times New Roman" panose="02020603050405020304" pitchFamily="18" charset="0"/>
+                      </a:endParaRPr>
+                    </a:p>
+                  </a:txBody>
+                  <a:tcPr marL="84667" marR="84667"/>
+                </a:tc>
+              </a:tr>
+              <a:tr h="370840">
+                <a:tc>
+                  <a:txBody>
+                    <a:bodyPr/>
+                    <a:lstStyle/>
+                    <a:p>
+                      <a:r>
+                        <a:rPr lang="en-US" sz="2000" u="none" strike="noStrike" kern="1200" baseline="0" dirty="0" smtClean="0">
+                          <a:latin typeface="+mn-lt"/>
+                          <a:cs typeface="Times New Roman" panose="02020603050405020304" pitchFamily="18" charset="0"/>
+                        </a:rPr>
+                        <a:t>And he said: </a:t>
+                      </a:r>
+                      <a:r>
+                        <a:rPr lang="en-US" sz="2000" u="none" strike="noStrike" kern="1200" baseline="0" dirty="0" smtClean="0">
+                          <a:solidFill>
+                            <a:srgbClr val="FF0000"/>
+                          </a:solidFill>
+                          <a:latin typeface="+mn-lt"/>
+                          <a:cs typeface="Times New Roman" panose="02020603050405020304" pitchFamily="18" charset="0"/>
+                        </a:rPr>
+                        <a:t>The LORD roars from Zion, and utters his voice from Jerusalem</a:t>
+                      </a:r>
+                      <a:r>
+                        <a:rPr lang="en-US" sz="2000" u="none" strike="noStrike" kern="1200" baseline="0" dirty="0" smtClean="0">
+                          <a:latin typeface="+mn-lt"/>
+                          <a:cs typeface="Times New Roman" panose="02020603050405020304" pitchFamily="18" charset="0"/>
+                        </a:rPr>
+                        <a:t>; the pastures of the shepherds wither, and the top of Carmel dries up.</a:t>
+                      </a:r>
+                      <a:endParaRPr lang="en-US" sz="2000" dirty="0">
+                        <a:latin typeface="+mn-lt"/>
+                        <a:cs typeface="Times New Roman" panose="02020603050405020304" pitchFamily="18" charset="0"/>
+                      </a:endParaRPr>
+                    </a:p>
+                  </a:txBody>
+                  <a:tcPr marL="84667" marR="84667"/>
+                </a:tc>
+                <a:tc>
+                  <a:txBody>
+                    <a:bodyPr/>
+                    <a:lstStyle/>
+                    <a:p>
+                      <a:r>
+                        <a:rPr lang="en-US" sz="2000" b="0" i="0" u="none" strike="noStrike" kern="1200" baseline="0" dirty="0" smtClean="0">
+                          <a:solidFill>
+                            <a:srgbClr val="FF0000"/>
+                          </a:solidFill>
+                          <a:latin typeface="+mn-lt"/>
+                          <a:ea typeface="+mn-ea"/>
+                          <a:cs typeface="+mn-cs"/>
+                        </a:rPr>
+                        <a:t>The LORD roars from Zion, and utters his voice from Jerusalem</a:t>
+                      </a:r>
+                      <a:r>
+                        <a:rPr lang="en-US" sz="2000" b="0" i="0" u="none" strike="noStrike" kern="1200" baseline="0" dirty="0" smtClean="0">
+                          <a:solidFill>
+                            <a:schemeClr val="tx1"/>
+                          </a:solidFill>
+                          <a:latin typeface="+mn-lt"/>
+                          <a:ea typeface="+mn-ea"/>
+                          <a:cs typeface="+mn-cs"/>
+                        </a:rPr>
+                        <a:t>, and the heavens and the earth shake. But the LORD is a refuge for his people, a stronghold for the people of Israel. </a:t>
+                      </a:r>
+                      <a:endParaRPr lang="en-US" sz="2400" dirty="0">
+                        <a:latin typeface="+mn-lt"/>
+                        <a:cs typeface="Times New Roman" panose="02020603050405020304" pitchFamily="18" charset="0"/>
+                      </a:endParaRPr>
+                    </a:p>
+                  </a:txBody>
+                  <a:tcPr marL="84667" marR="84667"/>
+                </a:tc>
+              </a:tr>
+              <a:tr h="370840">
+                <a:tc>
+                  <a:txBody>
+                    <a:bodyPr/>
+                    <a:lstStyle/>
+                    <a:p>
+                      <a:endParaRPr lang="en-US" sz="2000" dirty="0">
+                        <a:latin typeface="Times New Roman" panose="02020603050405020304" pitchFamily="18" charset="0"/>
+                        <a:cs typeface="Times New Roman" panose="02020603050405020304" pitchFamily="18" charset="0"/>
+                      </a:endParaRPr>
+                    </a:p>
+                  </a:txBody>
+                  <a:tcPr marL="84667" marR="84667"/>
+                </a:tc>
+                <a:tc>
+                  <a:txBody>
+                    <a:bodyPr/>
+                    <a:lstStyle/>
+                    <a:p>
+                      <a:endParaRPr lang="en-US" sz="2000" dirty="0">
+                        <a:latin typeface="Times New Roman" panose="02020603050405020304" pitchFamily="18" charset="0"/>
+                        <a:cs typeface="Times New Roman" panose="02020603050405020304" pitchFamily="18" charset="0"/>
+                      </a:endParaRPr>
+                    </a:p>
+                  </a:txBody>
+                  <a:tcPr marL="84667" marR="84667"/>
+                </a:tc>
+              </a:tr>
+            </a:tbl>
+          </a:graphicData>
+        </a:graphic>
+      </p:graphicFrame>
+      <p:sp>
+        <p:nvSpPr>
+          <p:cNvPr id="8" name="Footer Placeholder 7"/>
+          <p:cNvSpPr>
+            <a:spLocks noGrp="1"/>
+          </p:cNvSpPr>
+          <p:nvPr>
+            <p:ph type="ftr" sz="quarter" idx="11"/>
+          </p:nvPr>
+        </p:nvSpPr>
+        <p:spPr/>
+        <p:txBody>
           <a:bodyPr/>
           <a:lstStyle/>
           <a:p>
             <a:r>
-              <a:rPr lang="en-US" dirty="0" smtClean="0"/>
-              <a:t>Intertextual References</a:t>
-            </a:r>
-            <a:endParaRPr lang="en-US" dirty="0"/>
-          </a:p>
-        </p:txBody>
-      </p:sp>
-      <p:sp>
-        <p:nvSpPr>
-          <p:cNvPr id="3" name="Content Placeholder 2"/>
-          <p:cNvSpPr>
-            <a:spLocks noGrp="1"/>
-          </p:cNvSpPr>
-          <p:nvPr>
-            <p:ph idx="1"/>
+              <a:rPr lang="en-US" smtClean="0"/>
+              <a:t>Encoding Apocalypse and Empire</a:t>
+            </a:r>
+            <a:endParaRPr lang="en-US"/>
+          </a:p>
+        </p:txBody>
+      </p:sp>
+      <p:sp>
+        <p:nvSpPr>
+          <p:cNvPr id="10" name="Slide Number Placeholder 9"/>
+          <p:cNvSpPr>
+            <a:spLocks noGrp="1"/>
+          </p:cNvSpPr>
+          <p:nvPr>
+            <p:ph type="sldNum" sz="quarter" idx="12"/>
           </p:nvPr>
         </p:nvSpPr>
         <p:spPr/>
@@ -4317,70 +6267,31 @@
           <a:bodyPr/>
           <a:lstStyle/>
           <a:p>
-            <a:r>
-              <a:rPr lang="en-US" dirty="0" smtClean="0"/>
-              <a:t>Thematic Parallels: Literary </a:t>
-            </a:r>
-            <a:r>
-              <a:rPr lang="en-US" dirty="0"/>
-              <a:t>devices </a:t>
-            </a:r>
-            <a:r>
-              <a:rPr lang="en-US" dirty="0" smtClean="0"/>
-              <a:t>that a sophisticated </a:t>
-            </a:r>
-            <a:r>
-              <a:rPr lang="en-US" dirty="0"/>
-              <a:t>author can embed into a text for a sophisticated reader to </a:t>
-            </a:r>
-            <a:r>
-              <a:rPr lang="en-US" dirty="0" smtClean="0"/>
-              <a:t>“recognize</a:t>
-            </a:r>
-            <a:r>
-              <a:rPr lang="en-US" dirty="0"/>
-              <a:t>, analyze, and </a:t>
-            </a:r>
-            <a:r>
-              <a:rPr lang="en-US" dirty="0" smtClean="0"/>
-              <a:t>assimilate” </a:t>
-            </a:r>
-            <a:r>
-              <a:rPr lang="en-US" dirty="0"/>
-              <a:t>in order to convey meaning</a:t>
-            </a:r>
-            <a:r>
-              <a:rPr lang="en-US" dirty="0" smtClean="0"/>
-              <a:t>.</a:t>
-            </a:r>
-          </a:p>
-          <a:p>
-            <a:pPr lvl="1"/>
-            <a:r>
-              <a:rPr lang="en-US" dirty="0" smtClean="0"/>
-              <a:t>Desolated cities being repopulated with wild beasts</a:t>
-            </a:r>
-          </a:p>
-          <a:p>
-            <a:pPr lvl="1"/>
-            <a:r>
-              <a:rPr lang="en-US" dirty="0" smtClean="0"/>
-              <a:t>Locusts as a foreign army</a:t>
-            </a:r>
-            <a:endParaRPr lang="en-US" dirty="0"/>
+            <a:fld id="{B54884B7-6C20-497E-907D-B5AAC07785D1}" type="slidenum">
+              <a:rPr lang="en-US" smtClean="0"/>
+              <a:t>4</a:t>
+            </a:fld>
+            <a:endParaRPr lang="en-US"/>
           </a:p>
         </p:txBody>
       </p:sp>
     </p:spTree>
     <p:extLst>
       <p:ext uri="{BB962C8B-B14F-4D97-AF65-F5344CB8AC3E}">
-        <p14:creationId xmlns:p14="http://schemas.microsoft.com/office/powerpoint/2010/main" val="1350359438"/>
+        <p14:creationId xmlns:p14="http://schemas.microsoft.com/office/powerpoint/2010/main" val="848651576"/>
       </p:ext>
     </p:extLst>
   </p:cSld>
   <p:clrMapOvr>
     <a:masterClrMapping/>
   </p:clrMapOvr>
+  <p:timing>
+    <p:tnLst>
+      <p:par>
+        <p:cTn id="1" dur="indefinite" restart="never" nodeType="tmRoot"/>
+      </p:par>
+    </p:tnLst>
+  </p:timing>
 </p:sld>
 </file>
 
@@ -4413,25 +6324,650 @@
         </p:nvSpPr>
         <p:spPr/>
         <p:txBody>
+          <a:bodyPr>
+            <a:noAutofit/>
+          </a:bodyPr>
+          <a:lstStyle/>
+          <a:p>
+            <a:r>
+              <a:rPr lang="en-US" sz="2800" dirty="0" smtClean="0"/>
+              <a:t>Allusion: Intentional </a:t>
+            </a:r>
+            <a:r>
+              <a:rPr lang="en-US" sz="2800" dirty="0"/>
+              <a:t>reference to another text through the use of extended verbal parallel or “catchwords”</a:t>
+            </a:r>
+            <a:endParaRPr lang="en-US" sz="2800" dirty="0"/>
+          </a:p>
+        </p:txBody>
+      </p:sp>
+      <p:graphicFrame>
+        <p:nvGraphicFramePr>
+          <p:cNvPr id="7" name="Content Placeholder 6"/>
+          <p:cNvGraphicFramePr>
+            <a:graphicFrameLocks noGrp="1"/>
+          </p:cNvGraphicFramePr>
+          <p:nvPr>
+            <p:ph idx="1"/>
+            <p:extLst>
+              <p:ext uri="{D42A27DB-BD31-4B8C-83A1-F6EECF244321}">
+                <p14:modId xmlns:p14="http://schemas.microsoft.com/office/powerpoint/2010/main" val="563683697"/>
+              </p:ext>
+            </p:extLst>
+          </p:nvPr>
+        </p:nvGraphicFramePr>
+        <p:xfrm>
+          <a:off x="457200" y="1600200"/>
+          <a:ext cx="7620000" cy="4693920"/>
+        </p:xfrm>
+        <a:graphic>
+          <a:graphicData uri="http://schemas.openxmlformats.org/drawingml/2006/table">
+            <a:tbl>
+              <a:tblPr firstRow="1" bandRow="1">
+                <a:tableStyleId>{2D5ABB26-0587-4C30-8999-92F81FD0307C}</a:tableStyleId>
+              </a:tblPr>
+              <a:tblGrid>
+                <a:gridCol w="3810000"/>
+                <a:gridCol w="3810000"/>
+              </a:tblGrid>
+              <a:tr h="381000">
+                <a:tc>
+                  <a:txBody>
+                    <a:bodyPr/>
+                    <a:lstStyle/>
+                    <a:p>
+                      <a:pPr algn="ctr"/>
+                      <a:r>
+                        <a:rPr lang="en-US" sz="2000" dirty="0" smtClean="0">
+                          <a:latin typeface="Times New Roman" panose="02020603050405020304" pitchFamily="18" charset="0"/>
+                          <a:cs typeface="Times New Roman" panose="02020603050405020304" pitchFamily="18" charset="0"/>
+                        </a:rPr>
+                        <a:t>Jeremiah</a:t>
+                      </a:r>
+                      <a:r>
+                        <a:rPr lang="en-US" sz="2000" baseline="0" dirty="0" smtClean="0">
+                          <a:latin typeface="Times New Roman" panose="02020603050405020304" pitchFamily="18" charset="0"/>
+                          <a:cs typeface="Times New Roman" panose="02020603050405020304" pitchFamily="18" charset="0"/>
+                        </a:rPr>
+                        <a:t> 29:4-5</a:t>
+                      </a:r>
+                      <a:endParaRPr lang="en-US" sz="2000" dirty="0">
+                        <a:latin typeface="Times New Roman" panose="02020603050405020304" pitchFamily="18" charset="0"/>
+                        <a:cs typeface="Times New Roman" panose="02020603050405020304" pitchFamily="18" charset="0"/>
+                      </a:endParaRPr>
+                    </a:p>
+                  </a:txBody>
+                  <a:tcPr marL="84667" marR="84667"/>
+                </a:tc>
+                <a:tc>
+                  <a:txBody>
+                    <a:bodyPr/>
+                    <a:lstStyle/>
+                    <a:p>
+                      <a:pPr algn="ctr"/>
+                      <a:r>
+                        <a:rPr lang="en-US" sz="2000" dirty="0" smtClean="0">
+                          <a:latin typeface="Times New Roman" panose="02020603050405020304" pitchFamily="18" charset="0"/>
+                          <a:cs typeface="Times New Roman" panose="02020603050405020304" pitchFamily="18" charset="0"/>
+                        </a:rPr>
+                        <a:t>Isaiah</a:t>
+                      </a:r>
+                      <a:r>
+                        <a:rPr lang="en-US" sz="2000" baseline="0" dirty="0" smtClean="0">
+                          <a:latin typeface="Times New Roman" panose="02020603050405020304" pitchFamily="18" charset="0"/>
+                          <a:cs typeface="Times New Roman" panose="02020603050405020304" pitchFamily="18" charset="0"/>
+                        </a:rPr>
+                        <a:t> 65:19a, 21-22</a:t>
+                      </a:r>
+                      <a:endParaRPr lang="en-US" sz="2000" dirty="0">
+                        <a:latin typeface="Times New Roman" panose="02020603050405020304" pitchFamily="18" charset="0"/>
+                        <a:cs typeface="Times New Roman" panose="02020603050405020304" pitchFamily="18" charset="0"/>
+                      </a:endParaRPr>
+                    </a:p>
+                  </a:txBody>
+                  <a:tcPr marL="84667" marR="84667"/>
+                </a:tc>
+              </a:tr>
+              <a:tr h="370840">
+                <a:tc>
+                  <a:txBody>
+                    <a:bodyPr/>
+                    <a:lstStyle/>
+                    <a:p>
+                      <a:pPr rtl="1"/>
+                      <a:r>
+                        <a:rPr lang="he-IL" sz="2400" b="0" i="0" u="none" strike="noStrike" kern="1200" baseline="0" dirty="0" smtClean="0">
+                          <a:solidFill>
+                            <a:schemeClr val="tx1"/>
+                          </a:solidFill>
+                          <a:latin typeface="Times New Roman" panose="02020603050405020304" pitchFamily="18" charset="0"/>
+                          <a:ea typeface="+mn-ea"/>
+                          <a:cs typeface="Times New Roman" panose="02020603050405020304" pitchFamily="18" charset="0"/>
+                        </a:rPr>
+                        <a:t> כֹּה אָמַר יְהוָה צְבָאוֹת אֱלֹהֵי יִשְׂרָאֵל לְכָל־</a:t>
+                      </a:r>
+                      <a:r>
+                        <a:rPr lang="he-IL" sz="2400" b="0" i="0" u="none" strike="noStrike" kern="1200" baseline="0" dirty="0" smtClean="0">
+                          <a:solidFill>
+                            <a:srgbClr val="FF0000"/>
+                          </a:solidFill>
+                          <a:latin typeface="Times New Roman" panose="02020603050405020304" pitchFamily="18" charset="0"/>
+                          <a:ea typeface="+mn-ea"/>
+                          <a:cs typeface="Times New Roman" panose="02020603050405020304" pitchFamily="18" charset="0"/>
+                        </a:rPr>
+                        <a:t>הַגּוֹלָה</a:t>
+                      </a:r>
+                      <a:r>
+                        <a:rPr lang="he-IL" sz="2400" b="0" i="0" u="none" strike="noStrike" kern="1200" baseline="0" dirty="0" smtClean="0">
+                          <a:solidFill>
+                            <a:schemeClr val="tx1"/>
+                          </a:solidFill>
+                          <a:latin typeface="Times New Roman" panose="02020603050405020304" pitchFamily="18" charset="0"/>
+                          <a:ea typeface="+mn-ea"/>
+                          <a:cs typeface="Times New Roman" panose="02020603050405020304" pitchFamily="18" charset="0"/>
+                        </a:rPr>
+                        <a:t> </a:t>
+                      </a:r>
+                      <a:r>
+                        <a:rPr lang="he-IL" sz="2400" b="0" i="0" u="none" strike="noStrike" kern="1200" baseline="0" dirty="0" smtClean="0">
+                          <a:solidFill>
+                            <a:srgbClr val="FF0000"/>
+                          </a:solidFill>
+                          <a:latin typeface="Times New Roman" panose="02020603050405020304" pitchFamily="18" charset="0"/>
+                          <a:ea typeface="+mn-ea"/>
+                          <a:cs typeface="Times New Roman" panose="02020603050405020304" pitchFamily="18" charset="0"/>
+                        </a:rPr>
+                        <a:t>אֲשֶׁר־הִגְלֵיתִי מִירוּשָׁלִַם </a:t>
+                      </a:r>
+                      <a:endParaRPr lang="en-US" sz="2400" b="0" i="0" u="none" strike="noStrike" kern="1200" baseline="0" dirty="0" smtClean="0">
+                        <a:solidFill>
+                          <a:srgbClr val="FF0000"/>
+                        </a:solidFill>
+                        <a:latin typeface="Times New Roman" panose="02020603050405020304" pitchFamily="18" charset="0"/>
+                        <a:ea typeface="+mn-ea"/>
+                        <a:cs typeface="Times New Roman" panose="02020603050405020304" pitchFamily="18" charset="0"/>
+                      </a:endParaRPr>
+                    </a:p>
+                    <a:p>
+                      <a:pPr rtl="1"/>
+                      <a:r>
+                        <a:rPr lang="he-IL" sz="2400" b="0" i="0" u="none" strike="noStrike" kern="1200" baseline="0" dirty="0" smtClean="0">
+                          <a:solidFill>
+                            <a:schemeClr val="tx1"/>
+                          </a:solidFill>
+                          <a:latin typeface="Times New Roman" panose="02020603050405020304" pitchFamily="18" charset="0"/>
+                          <a:ea typeface="+mn-ea"/>
+                          <a:cs typeface="Times New Roman" panose="02020603050405020304" pitchFamily="18" charset="0"/>
+                        </a:rPr>
+                        <a:t>בָּבֶלָה</a:t>
+                      </a:r>
+                      <a:r>
+                        <a:rPr lang="en-US" sz="2400" b="0" i="0" u="none" strike="noStrike" kern="1200" baseline="0" dirty="0" smtClean="0">
+                          <a:solidFill>
+                            <a:schemeClr val="tx1"/>
+                          </a:solidFill>
+                          <a:latin typeface="Times New Roman" panose="02020603050405020304" pitchFamily="18" charset="0"/>
+                          <a:ea typeface="+mn-ea"/>
+                          <a:cs typeface="Times New Roman" panose="02020603050405020304" pitchFamily="18" charset="0"/>
+                        </a:rPr>
+                        <a:t> </a:t>
+                      </a:r>
+                      <a:r>
+                        <a:rPr lang="he-IL" sz="2400" b="0" i="0" u="none" strike="noStrike" kern="1200" baseline="0" dirty="0" smtClean="0">
+                          <a:solidFill>
+                            <a:srgbClr val="FF0000"/>
+                          </a:solidFill>
+                          <a:latin typeface="Times New Roman" panose="02020603050405020304" pitchFamily="18" charset="0"/>
+                          <a:ea typeface="+mn-ea"/>
+                          <a:cs typeface="Times New Roman" panose="02020603050405020304" pitchFamily="18" charset="0"/>
+                        </a:rPr>
+                        <a:t>בְּנוּ בָתִּים וְשֵׁבוּ וְנִטְעוּ </a:t>
+                      </a:r>
+                      <a:r>
+                        <a:rPr lang="he-IL" sz="2400" b="0" i="0" u="none" strike="noStrike" kern="1200" baseline="0" dirty="0" smtClean="0">
+                          <a:solidFill>
+                            <a:schemeClr val="tx1"/>
+                          </a:solidFill>
+                          <a:latin typeface="Times New Roman" panose="02020603050405020304" pitchFamily="18" charset="0"/>
+                          <a:ea typeface="+mn-ea"/>
+                          <a:cs typeface="Times New Roman" panose="02020603050405020304" pitchFamily="18" charset="0"/>
+                        </a:rPr>
+                        <a:t>גַנּוֹת</a:t>
+                      </a:r>
+                      <a:r>
+                        <a:rPr lang="he-IL" sz="2400" b="0" i="0" u="none" strike="noStrike" kern="1200" baseline="0" dirty="0" smtClean="0">
+                          <a:solidFill>
+                            <a:srgbClr val="FF0000"/>
+                          </a:solidFill>
+                          <a:latin typeface="Times New Roman" panose="02020603050405020304" pitchFamily="18" charset="0"/>
+                          <a:ea typeface="+mn-ea"/>
+                          <a:cs typeface="Times New Roman" panose="02020603050405020304" pitchFamily="18" charset="0"/>
+                        </a:rPr>
+                        <a:t> וְאִכְלוּ אֶת־פִּרְיָן</a:t>
+                      </a:r>
+                    </a:p>
+                    <a:p>
+                      <a:pPr rtl="1"/>
+                      <a:endParaRPr lang="he-IL" sz="2400" b="0" i="0" u="none" strike="noStrike" baseline="0" dirty="0" smtClean="0">
+                        <a:latin typeface="Times New Roman" panose="02020603050405020304" pitchFamily="18" charset="0"/>
+                        <a:cs typeface="Times New Roman" panose="02020603050405020304" pitchFamily="18" charset="0"/>
+                      </a:endParaRPr>
+                    </a:p>
+                  </a:txBody>
+                  <a:tcPr marL="84667" marR="84667"/>
+                </a:tc>
+                <a:tc>
+                  <a:txBody>
+                    <a:bodyPr/>
+                    <a:lstStyle/>
+                    <a:p>
+                      <a:pPr rtl="1"/>
+                      <a:r>
+                        <a:rPr lang="he-IL" sz="2400" b="0" i="0" u="none" strike="noStrike" kern="1200" baseline="0" dirty="0" smtClean="0">
+                          <a:solidFill>
+                            <a:schemeClr val="tx1"/>
+                          </a:solidFill>
+                          <a:latin typeface="Times New Roman" panose="02020603050405020304" pitchFamily="18" charset="0"/>
+                          <a:ea typeface="+mn-ea"/>
+                          <a:cs typeface="Times New Roman" panose="02020603050405020304" pitchFamily="18" charset="0"/>
+                        </a:rPr>
+                        <a:t> כִּי־אִם־שִׂישׂוּ </a:t>
+                      </a:r>
+                      <a:r>
+                        <a:rPr lang="he-IL" sz="2400" b="0" i="0" u="none" strike="noStrike" kern="1200" baseline="0" dirty="0" smtClean="0">
+                          <a:solidFill>
+                            <a:srgbClr val="FF0000"/>
+                          </a:solidFill>
+                          <a:latin typeface="Times New Roman" panose="02020603050405020304" pitchFamily="18" charset="0"/>
+                          <a:ea typeface="+mn-ea"/>
+                          <a:cs typeface="Times New Roman" panose="02020603050405020304" pitchFamily="18" charset="0"/>
+                        </a:rPr>
+                        <a:t>וְגִילוּ </a:t>
+                      </a:r>
+                      <a:r>
+                        <a:rPr lang="he-IL" sz="2400" b="0" i="0" u="none" strike="noStrike" kern="1200" baseline="0" dirty="0" smtClean="0">
+                          <a:solidFill>
+                            <a:schemeClr val="tx1"/>
+                          </a:solidFill>
+                          <a:latin typeface="Times New Roman" panose="02020603050405020304" pitchFamily="18" charset="0"/>
+                          <a:ea typeface="+mn-ea"/>
+                          <a:cs typeface="Times New Roman" panose="02020603050405020304" pitchFamily="18" charset="0"/>
+                        </a:rPr>
+                        <a:t>עֲדֵי־עַד אֲשֶׁר אֲנִי בוֹרֵא כִּי הִנְנִי בוֹרֵא </a:t>
+                      </a:r>
+                      <a:r>
+                        <a:rPr lang="he-IL" sz="2400" b="0" i="0" u="none" strike="noStrike" kern="1200" baseline="0" dirty="0" smtClean="0">
+                          <a:solidFill>
+                            <a:srgbClr val="FF0000"/>
+                          </a:solidFill>
+                          <a:latin typeface="Times New Roman" panose="02020603050405020304" pitchFamily="18" charset="0"/>
+                          <a:ea typeface="+mn-ea"/>
+                          <a:cs typeface="Times New Roman" panose="02020603050405020304" pitchFamily="18" charset="0"/>
+                        </a:rPr>
+                        <a:t>אֶת־יְרוּשָׁלִַם גִּילָה </a:t>
+                      </a:r>
+                      <a:r>
+                        <a:rPr lang="he-IL" sz="2400" b="0" i="0" u="none" strike="noStrike" kern="1200" baseline="0" dirty="0" smtClean="0">
+                          <a:solidFill>
+                            <a:schemeClr val="tx1"/>
+                          </a:solidFill>
+                          <a:latin typeface="Times New Roman" panose="02020603050405020304" pitchFamily="18" charset="0"/>
+                          <a:ea typeface="+mn-ea"/>
+                          <a:cs typeface="Times New Roman" panose="02020603050405020304" pitchFamily="18" charset="0"/>
+                        </a:rPr>
+                        <a:t>וְעַמָּהּ מָשׂוֹשׂ</a:t>
+                      </a:r>
+                      <a:r>
+                        <a:rPr lang="en-US" sz="2400" b="0" i="0" u="none" strike="noStrike" kern="1200" baseline="0" dirty="0" smtClean="0">
+                          <a:solidFill>
+                            <a:schemeClr val="tx1"/>
+                          </a:solidFill>
+                          <a:latin typeface="Times New Roman" panose="02020603050405020304" pitchFamily="18" charset="0"/>
+                          <a:ea typeface="+mn-ea"/>
+                          <a:cs typeface="Times New Roman" panose="02020603050405020304" pitchFamily="18" charset="0"/>
+                        </a:rPr>
+                        <a:t> </a:t>
+                      </a:r>
+                      <a:r>
+                        <a:rPr lang="he-IL" sz="2400" b="0" i="0" u="none" strike="noStrike" kern="1200" baseline="0" dirty="0" smtClean="0">
+                          <a:solidFill>
+                            <a:srgbClr val="FF0000"/>
+                          </a:solidFill>
+                          <a:latin typeface="Times New Roman" panose="02020603050405020304" pitchFamily="18" charset="0"/>
+                          <a:ea typeface="+mn-ea"/>
+                          <a:cs typeface="Times New Roman" panose="02020603050405020304" pitchFamily="18" charset="0"/>
+                        </a:rPr>
+                        <a:t>וְגַלְתִּי בִירוּשָׁלִַם וְשַׂשְׂתִּי </a:t>
+                      </a:r>
+                      <a:r>
+                        <a:rPr lang="en-US" sz="2400" b="0" i="0" u="none" strike="noStrike" kern="1200" baseline="0" dirty="0" smtClean="0">
+                          <a:solidFill>
+                            <a:schemeClr val="tx1"/>
+                          </a:solidFill>
+                          <a:latin typeface="Times New Roman" panose="02020603050405020304" pitchFamily="18" charset="0"/>
+                          <a:ea typeface="+mn-ea"/>
+                          <a:cs typeface="Times New Roman" panose="02020603050405020304" pitchFamily="18" charset="0"/>
+                        </a:rPr>
+                        <a:t>…</a:t>
+                      </a:r>
+                      <a:r>
+                        <a:rPr lang="he-IL" sz="2400" b="0" i="0" u="none" strike="noStrike" kern="1200" baseline="0" dirty="0" smtClean="0">
+                          <a:solidFill>
+                            <a:srgbClr val="FF0000"/>
+                          </a:solidFill>
+                          <a:latin typeface="Times New Roman" panose="02020603050405020304" pitchFamily="18" charset="0"/>
+                          <a:ea typeface="+mn-ea"/>
+                          <a:cs typeface="Times New Roman" panose="02020603050405020304" pitchFamily="18" charset="0"/>
+                        </a:rPr>
+                        <a:t>וּבָנוּ בָתִּים וְיָשָׁבוּ וְנָטְעוּ </a:t>
+                      </a:r>
+                      <a:r>
+                        <a:rPr lang="he-IL" sz="2400" b="0" i="0" u="none" strike="noStrike" kern="1200" baseline="0" dirty="0" smtClean="0">
+                          <a:solidFill>
+                            <a:schemeClr val="tx1"/>
+                          </a:solidFill>
+                          <a:latin typeface="Times New Roman" panose="02020603050405020304" pitchFamily="18" charset="0"/>
+                          <a:ea typeface="+mn-ea"/>
+                          <a:cs typeface="Times New Roman" panose="02020603050405020304" pitchFamily="18" charset="0"/>
+                        </a:rPr>
+                        <a:t>כְרָמִים</a:t>
+                      </a:r>
+                      <a:r>
+                        <a:rPr lang="he-IL" sz="2400" b="0" i="0" u="none" strike="noStrike" kern="1200" baseline="0" dirty="0" smtClean="0">
+                          <a:solidFill>
+                            <a:srgbClr val="FF0000"/>
+                          </a:solidFill>
+                          <a:latin typeface="Times New Roman" panose="02020603050405020304" pitchFamily="18" charset="0"/>
+                          <a:ea typeface="+mn-ea"/>
+                          <a:cs typeface="Times New Roman" panose="02020603050405020304" pitchFamily="18" charset="0"/>
+                        </a:rPr>
+                        <a:t> וְאָכְלוּ פִּרְיָם</a:t>
+                      </a:r>
+                    </a:p>
+                    <a:p>
+                      <a:pPr rtl="1"/>
+                      <a:endParaRPr lang="he-IL" sz="2400" b="0" i="0" u="none" strike="noStrike" baseline="0" dirty="0" smtClean="0">
+                        <a:latin typeface="Times New Roman" panose="02020603050405020304" pitchFamily="18" charset="0"/>
+                        <a:cs typeface="Times New Roman" panose="02020603050405020304" pitchFamily="18" charset="0"/>
+                      </a:endParaRPr>
+                    </a:p>
+                  </a:txBody>
+                  <a:tcPr marL="84667" marR="84667"/>
+                </a:tc>
+              </a:tr>
+              <a:tr h="370840">
+                <a:tc>
+                  <a:txBody>
+                    <a:bodyPr/>
+                    <a:lstStyle/>
+                    <a:p>
+                      <a:pPr rtl="0"/>
+                      <a:r>
+                        <a:rPr lang="en-US" sz="1800" b="0" i="0" u="none" strike="noStrike" kern="1200" baseline="0" dirty="0" smtClean="0">
+                          <a:solidFill>
+                            <a:schemeClr val="tx1"/>
+                          </a:solidFill>
+                          <a:latin typeface="+mn-lt"/>
+                          <a:ea typeface="+mn-ea"/>
+                          <a:cs typeface="+mn-cs"/>
+                        </a:rPr>
+                        <a:t>Thus says the LORD of hosts, the God of Israel, to all the </a:t>
+                      </a:r>
+                      <a:r>
+                        <a:rPr lang="en-US" sz="1800" b="0" i="0" u="none" strike="noStrike" kern="1200" baseline="0" dirty="0" smtClean="0">
+                          <a:solidFill>
+                            <a:srgbClr val="FF0000"/>
+                          </a:solidFill>
+                          <a:latin typeface="+mn-lt"/>
+                          <a:ea typeface="+mn-ea"/>
+                          <a:cs typeface="+mn-cs"/>
+                        </a:rPr>
+                        <a:t>exiles</a:t>
+                      </a:r>
+                      <a:r>
+                        <a:rPr lang="en-US" sz="1800" b="0" i="0" u="none" strike="noStrike" kern="1200" baseline="0" dirty="0" smtClean="0">
+                          <a:solidFill>
+                            <a:schemeClr val="tx1"/>
+                          </a:solidFill>
+                          <a:latin typeface="+mn-lt"/>
+                          <a:ea typeface="+mn-ea"/>
+                          <a:cs typeface="+mn-cs"/>
+                        </a:rPr>
+                        <a:t> whom </a:t>
+                      </a:r>
+                      <a:r>
+                        <a:rPr lang="en-US" sz="1800" b="0" i="0" u="none" strike="noStrike" kern="1200" baseline="0" dirty="0" smtClean="0">
+                          <a:solidFill>
+                            <a:srgbClr val="FF0000"/>
+                          </a:solidFill>
+                          <a:latin typeface="+mn-lt"/>
+                          <a:ea typeface="+mn-ea"/>
+                          <a:cs typeface="+mn-cs"/>
+                        </a:rPr>
+                        <a:t>I have sent into exile from Jerusalem </a:t>
+                      </a:r>
+                      <a:r>
+                        <a:rPr lang="en-US" sz="1800" b="0" i="0" u="none" strike="noStrike" kern="1200" baseline="0" dirty="0" smtClean="0">
+                          <a:solidFill>
+                            <a:schemeClr val="tx1"/>
+                          </a:solidFill>
+                          <a:latin typeface="+mn-lt"/>
+                          <a:ea typeface="+mn-ea"/>
+                          <a:cs typeface="+mn-cs"/>
+                        </a:rPr>
+                        <a:t>to Babylon:</a:t>
+                      </a:r>
+                    </a:p>
+                    <a:p>
+                      <a:pPr rtl="0"/>
+                      <a:r>
+                        <a:rPr lang="en-US" sz="1800" b="0" i="0" u="none" strike="noStrike" kern="1200" baseline="0" dirty="0" smtClean="0">
+                          <a:solidFill>
+                            <a:srgbClr val="FF0000"/>
+                          </a:solidFill>
+                          <a:latin typeface="+mn-lt"/>
+                          <a:ea typeface="+mn-ea"/>
+                          <a:cs typeface="+mn-cs"/>
+                        </a:rPr>
+                        <a:t>Build houses and live in them; plant</a:t>
+                      </a:r>
+                      <a:r>
+                        <a:rPr lang="en-US" sz="1800" b="0" i="0" u="none" strike="noStrike" kern="1200" baseline="0" dirty="0" smtClean="0">
+                          <a:solidFill>
+                            <a:schemeClr val="tx1"/>
+                          </a:solidFill>
+                          <a:latin typeface="+mn-lt"/>
+                          <a:ea typeface="+mn-ea"/>
+                          <a:cs typeface="+mn-cs"/>
+                        </a:rPr>
+                        <a:t> gardens </a:t>
+                      </a:r>
+                      <a:r>
+                        <a:rPr lang="en-US" sz="1800" b="0" i="0" u="none" strike="noStrike" kern="1200" baseline="0" dirty="0" smtClean="0">
+                          <a:solidFill>
+                            <a:srgbClr val="FF0000"/>
+                          </a:solidFill>
+                          <a:latin typeface="+mn-lt"/>
+                          <a:ea typeface="+mn-ea"/>
+                          <a:cs typeface="+mn-cs"/>
+                        </a:rPr>
+                        <a:t>and eat what they produce.</a:t>
+                      </a:r>
+                    </a:p>
+                  </a:txBody>
+                  <a:tcPr marL="84667" marR="84667"/>
+                </a:tc>
+                <a:tc>
+                  <a:txBody>
+                    <a:bodyPr/>
+                    <a:lstStyle/>
+                    <a:p>
+                      <a:pPr rtl="0"/>
+                      <a:r>
+                        <a:rPr lang="en-US" sz="1800" b="0" i="0" u="none" strike="noStrike" kern="1200" baseline="0" dirty="0" smtClean="0">
+                          <a:solidFill>
+                            <a:schemeClr val="tx1"/>
+                          </a:solidFill>
+                          <a:latin typeface="+mn-lt"/>
+                          <a:ea typeface="+mn-ea"/>
+                          <a:cs typeface="+mn-cs"/>
+                        </a:rPr>
+                        <a:t> But be glad and </a:t>
+                      </a:r>
+                      <a:r>
+                        <a:rPr lang="en-US" sz="1800" b="0" i="0" u="none" strike="noStrike" kern="1200" baseline="0" dirty="0" smtClean="0">
+                          <a:solidFill>
+                            <a:srgbClr val="FF0000"/>
+                          </a:solidFill>
+                          <a:latin typeface="+mn-lt"/>
+                          <a:ea typeface="+mn-ea"/>
+                          <a:cs typeface="+mn-cs"/>
+                        </a:rPr>
+                        <a:t>rejoice</a:t>
+                      </a:r>
+                      <a:r>
+                        <a:rPr lang="en-US" sz="1800" b="0" i="0" u="none" strike="noStrike" kern="1200" baseline="0" dirty="0" smtClean="0">
+                          <a:solidFill>
+                            <a:schemeClr val="tx1"/>
+                          </a:solidFill>
+                          <a:latin typeface="+mn-lt"/>
+                          <a:ea typeface="+mn-ea"/>
+                          <a:cs typeface="+mn-cs"/>
+                        </a:rPr>
+                        <a:t> forever in what I am creating; for I am about to create Jerusalem as a joy, and its people as a delight. </a:t>
+                      </a:r>
+                      <a:r>
+                        <a:rPr lang="en-US" sz="1800" b="0" i="0" u="none" strike="noStrike" kern="1200" baseline="0" dirty="0" smtClean="0">
+                          <a:solidFill>
+                            <a:srgbClr val="FF0000"/>
+                          </a:solidFill>
+                          <a:latin typeface="+mn-lt"/>
+                          <a:ea typeface="+mn-ea"/>
+                          <a:cs typeface="+mn-cs"/>
+                        </a:rPr>
+                        <a:t>I will rejoice in Jerusalem</a:t>
+                      </a:r>
+                      <a:r>
+                        <a:rPr lang="en-US" sz="1800" b="0" i="0" u="none" strike="noStrike" kern="1200" baseline="0" dirty="0" smtClean="0">
+                          <a:solidFill>
+                            <a:schemeClr val="tx1"/>
+                          </a:solidFill>
+                          <a:latin typeface="+mn-lt"/>
+                          <a:ea typeface="+mn-ea"/>
+                          <a:cs typeface="+mn-cs"/>
+                        </a:rPr>
+                        <a:t>…. </a:t>
+                      </a:r>
+                      <a:r>
+                        <a:rPr lang="en-US" sz="1800" b="0" i="0" u="none" strike="noStrike" kern="1200" baseline="0" dirty="0" smtClean="0">
+                          <a:solidFill>
+                            <a:srgbClr val="FF0000"/>
+                          </a:solidFill>
+                          <a:latin typeface="+mn-lt"/>
+                          <a:ea typeface="+mn-ea"/>
+                          <a:cs typeface="+mn-cs"/>
+                        </a:rPr>
+                        <a:t>They shall build houses and inhabit them</a:t>
+                      </a:r>
+                      <a:r>
+                        <a:rPr lang="en-US" sz="1800" b="0" i="0" u="none" strike="noStrike" kern="1200" baseline="0" dirty="0" smtClean="0">
+                          <a:solidFill>
+                            <a:schemeClr val="tx1"/>
+                          </a:solidFill>
+                          <a:latin typeface="+mn-lt"/>
+                          <a:ea typeface="+mn-ea"/>
+                          <a:cs typeface="+mn-cs"/>
+                        </a:rPr>
+                        <a:t>; </a:t>
+                      </a:r>
+                      <a:r>
+                        <a:rPr lang="en-US" sz="1800" b="0" i="0" u="none" strike="noStrike" kern="1200" baseline="0" dirty="0" smtClean="0">
+                          <a:solidFill>
+                            <a:srgbClr val="FF0000"/>
+                          </a:solidFill>
+                          <a:latin typeface="+mn-lt"/>
+                          <a:ea typeface="+mn-ea"/>
+                          <a:cs typeface="+mn-cs"/>
+                        </a:rPr>
+                        <a:t>they shall plant </a:t>
+                      </a:r>
+                      <a:r>
+                        <a:rPr lang="en-US" sz="1800" b="0" i="0" u="none" strike="noStrike" kern="1200" baseline="0" dirty="0" smtClean="0">
+                          <a:solidFill>
+                            <a:schemeClr val="tx1"/>
+                          </a:solidFill>
+                          <a:latin typeface="+mn-lt"/>
+                          <a:ea typeface="+mn-ea"/>
+                          <a:cs typeface="+mn-cs"/>
+                        </a:rPr>
+                        <a:t>vineyards and </a:t>
+                      </a:r>
+                      <a:r>
+                        <a:rPr lang="en-US" sz="1800" b="0" i="0" u="none" strike="noStrike" kern="1200" baseline="0" dirty="0" smtClean="0">
+                          <a:solidFill>
+                            <a:srgbClr val="FF0000"/>
+                          </a:solidFill>
+                          <a:latin typeface="+mn-lt"/>
+                          <a:ea typeface="+mn-ea"/>
+                          <a:cs typeface="+mn-cs"/>
+                        </a:rPr>
+                        <a:t>eat their fruit</a:t>
+                      </a:r>
+                      <a:r>
+                        <a:rPr lang="en-US" sz="1800" b="0" i="0" u="none" strike="noStrike" kern="1200" baseline="0" dirty="0" smtClean="0">
+                          <a:solidFill>
+                            <a:schemeClr val="tx1"/>
+                          </a:solidFill>
+                          <a:latin typeface="+mn-lt"/>
+                          <a:ea typeface="+mn-ea"/>
+                          <a:cs typeface="+mn-cs"/>
+                        </a:rPr>
+                        <a:t>. </a:t>
+                      </a:r>
+                      <a:endParaRPr lang="en-US" sz="2400" dirty="0">
+                        <a:latin typeface="Times New Roman" panose="02020603050405020304" pitchFamily="18" charset="0"/>
+                        <a:cs typeface="Times New Roman" panose="02020603050405020304" pitchFamily="18" charset="0"/>
+                      </a:endParaRPr>
+                    </a:p>
+                  </a:txBody>
+                  <a:tcPr marL="84667" marR="84667"/>
+                </a:tc>
+              </a:tr>
+            </a:tbl>
+          </a:graphicData>
+        </a:graphic>
+      </p:graphicFrame>
+      <p:sp>
+        <p:nvSpPr>
+          <p:cNvPr id="3" name="Footer Placeholder 2"/>
+          <p:cNvSpPr>
+            <a:spLocks noGrp="1"/>
+          </p:cNvSpPr>
+          <p:nvPr>
+            <p:ph type="ftr" sz="quarter" idx="11"/>
+          </p:nvPr>
+        </p:nvSpPr>
+        <p:spPr/>
+        <p:txBody>
           <a:bodyPr/>
           <a:lstStyle/>
           <a:p>
             <a:r>
-              <a:rPr lang="en-US" dirty="0" smtClean="0"/>
-              <a:t>Citation Formulae</a:t>
-            </a:r>
-            <a:endParaRPr lang="en-US" dirty="0"/>
-          </a:p>
-        </p:txBody>
-      </p:sp>
-      <p:sp>
-        <p:nvSpPr>
-          <p:cNvPr id="3" name="Content Placeholder 2"/>
-          <p:cNvSpPr>
-            <a:spLocks noGrp="1"/>
-          </p:cNvSpPr>
-          <p:nvPr>
-            <p:ph idx="1"/>
+              <a:rPr lang="en-US" smtClean="0"/>
+              <a:t>Encoding Apocalypse and Empire</a:t>
+            </a:r>
+            <a:endParaRPr lang="en-US"/>
+          </a:p>
+        </p:txBody>
+      </p:sp>
+      <p:sp>
+        <p:nvSpPr>
+          <p:cNvPr id="4" name="Slide Number Placeholder 3"/>
+          <p:cNvSpPr>
+            <a:spLocks noGrp="1"/>
+          </p:cNvSpPr>
+          <p:nvPr>
+            <p:ph type="sldNum" sz="quarter" idx="12"/>
           </p:nvPr>
         </p:nvSpPr>
         <p:spPr/>
@@ -4439,41 +6975,31 @@
           <a:bodyPr/>
           <a:lstStyle/>
           <a:p>
-            <a:r>
-              <a:rPr lang="en-US" dirty="0" smtClean="0"/>
-              <a:t>This was to fulfill what was spoken by the prophet Isaiah…</a:t>
-            </a:r>
-          </a:p>
-          <a:p>
-            <a:r>
-              <a:rPr lang="en-US" dirty="0" smtClean="0"/>
-              <a:t>As it is written…</a:t>
-            </a:r>
-          </a:p>
-          <a:p>
-            <a:r>
-              <a:rPr lang="en-US" dirty="0" smtClean="0"/>
-              <a:t>As for that which he said… interpreted, this concerns the Wicked Priest…</a:t>
-            </a:r>
-          </a:p>
-          <a:p>
-            <a:pPr marL="0" indent="0">
-              <a:buNone/>
-            </a:pPr>
-            <a:endParaRPr lang="en-US" dirty="0"/>
+            <a:fld id="{B54884B7-6C20-497E-907D-B5AAC07785D1}" type="slidenum">
+              <a:rPr lang="en-US" smtClean="0"/>
+              <a:t>5</a:t>
+            </a:fld>
+            <a:endParaRPr lang="en-US"/>
           </a:p>
         </p:txBody>
       </p:sp>
     </p:spTree>
     <p:extLst>
       <p:ext uri="{BB962C8B-B14F-4D97-AF65-F5344CB8AC3E}">
-        <p14:creationId xmlns:p14="http://schemas.microsoft.com/office/powerpoint/2010/main" val="3233610940"/>
+        <p14:creationId xmlns:p14="http://schemas.microsoft.com/office/powerpoint/2010/main" val="3204816313"/>
       </p:ext>
     </p:extLst>
   </p:cSld>
   <p:clrMapOvr>
     <a:masterClrMapping/>
   </p:clrMapOvr>
+  <p:timing>
+    <p:tnLst>
+      <p:par>
+        <p:cTn id="1" dur="indefinite" restart="never" nodeType="tmRoot"/>
+      </p:par>
+    </p:tnLst>
+  </p:timing>
 </p:sld>
 </file>
 
@@ -4504,1233 +7030,198 @@
             <p:ph type="title"/>
           </p:nvPr>
         </p:nvSpPr>
+        <p:spPr>
+          <a:xfrm>
+            <a:off x="457200" y="228600"/>
+            <a:ext cx="7620000" cy="1752600"/>
+          </a:xfrm>
+        </p:spPr>
+        <p:txBody>
+          <a:bodyPr>
+            <a:noAutofit/>
+          </a:bodyPr>
+          <a:lstStyle/>
+          <a:p>
+            <a:r>
+              <a:rPr lang="en-US" sz="2800" dirty="0"/>
+              <a:t>Thematic Parallels:  </a:t>
+            </a:r>
+            <a:r>
+              <a:rPr lang="en-US" sz="2800" dirty="0" smtClean="0"/>
+              <a:t>Literary </a:t>
+            </a:r>
+            <a:r>
+              <a:rPr lang="en-US" sz="2800" dirty="0"/>
+              <a:t>devices that a sophisticated author can embed into a text for a sophisticated reader to in order to convey meaning.</a:t>
+            </a:r>
+          </a:p>
+        </p:txBody>
+      </p:sp>
+      <p:sp>
+        <p:nvSpPr>
+          <p:cNvPr id="3" name="Content Placeholder 2"/>
+          <p:cNvSpPr>
+            <a:spLocks noGrp="1"/>
+          </p:cNvSpPr>
+          <p:nvPr>
+            <p:ph idx="1"/>
+          </p:nvPr>
+        </p:nvSpPr>
+        <p:spPr>
+          <a:xfrm>
+            <a:off x="457200" y="2057400"/>
+            <a:ext cx="7620000" cy="4343400"/>
+          </a:xfrm>
+        </p:spPr>
+        <p:txBody>
+          <a:bodyPr/>
+          <a:lstStyle/>
+          <a:p>
+            <a:r>
+              <a:rPr lang="en-US" dirty="0" smtClean="0"/>
+              <a:t>Desolated </a:t>
+            </a:r>
+            <a:r>
+              <a:rPr lang="en-US" dirty="0" smtClean="0"/>
+              <a:t>cities being repopulated with wild beasts </a:t>
+            </a:r>
+            <a:endParaRPr lang="en-US" dirty="0" smtClean="0"/>
+          </a:p>
+          <a:p>
+            <a:pPr lvl="1"/>
+            <a:r>
+              <a:rPr lang="en-US" dirty="0" smtClean="0"/>
+              <a:t>Isa </a:t>
+            </a:r>
+            <a:r>
+              <a:rPr lang="en-US" dirty="0" smtClean="0"/>
+              <a:t>13:21; </a:t>
+            </a:r>
+            <a:r>
+              <a:rPr lang="en-US" dirty="0" smtClean="0"/>
+              <a:t>34:11-14</a:t>
+            </a:r>
+          </a:p>
+          <a:p>
+            <a:pPr lvl="1"/>
+            <a:r>
+              <a:rPr lang="en-US" dirty="0" smtClean="0"/>
+              <a:t>Jer 9:10</a:t>
+            </a:r>
+          </a:p>
+          <a:p>
+            <a:pPr lvl="1"/>
+            <a:r>
+              <a:rPr lang="en-US" dirty="0" smtClean="0"/>
+              <a:t>Nah 3:4</a:t>
+            </a:r>
+            <a:endParaRPr lang="en-US" dirty="0" smtClean="0"/>
+          </a:p>
+          <a:p>
+            <a:r>
+              <a:rPr lang="en-US" dirty="0" smtClean="0"/>
+              <a:t>Locusts </a:t>
+            </a:r>
+            <a:r>
+              <a:rPr lang="en-US" dirty="0" smtClean="0"/>
+              <a:t>as a foreign </a:t>
+            </a:r>
+            <a:r>
+              <a:rPr lang="en-US" dirty="0" smtClean="0"/>
+              <a:t>army</a:t>
+            </a:r>
+          </a:p>
+          <a:p>
+            <a:pPr lvl="1"/>
+            <a:r>
+              <a:rPr lang="en-US" dirty="0" smtClean="0"/>
+              <a:t>Amos 4:9</a:t>
+            </a:r>
+          </a:p>
+          <a:p>
+            <a:pPr lvl="1"/>
+            <a:r>
+              <a:rPr lang="en-US" dirty="0"/>
+              <a:t>J</a:t>
+            </a:r>
+            <a:r>
+              <a:rPr lang="en-US" dirty="0" smtClean="0"/>
+              <a:t>oel 1-2</a:t>
+            </a:r>
+          </a:p>
+          <a:p>
+            <a:pPr lvl="1"/>
+            <a:r>
+              <a:rPr lang="en-US" dirty="0" smtClean="0"/>
+              <a:t>Nah 3:15</a:t>
+            </a:r>
+            <a:endParaRPr lang="en-US" dirty="0"/>
+          </a:p>
+        </p:txBody>
+      </p:sp>
+      <p:sp>
+        <p:nvSpPr>
+          <p:cNvPr id="4" name="Footer Placeholder 3"/>
+          <p:cNvSpPr>
+            <a:spLocks noGrp="1"/>
+          </p:cNvSpPr>
+          <p:nvPr>
+            <p:ph type="ftr" sz="quarter" idx="11"/>
+          </p:nvPr>
+        </p:nvSpPr>
         <p:spPr/>
         <p:txBody>
           <a:bodyPr/>
           <a:lstStyle/>
           <a:p>
             <a:r>
-              <a:rPr lang="en-US" dirty="0" smtClean="0"/>
-              <a:t>Text-Forms and Recensions</a:t>
-            </a:r>
-            <a:endParaRPr lang="en-US" dirty="0"/>
-          </a:p>
-        </p:txBody>
-      </p:sp>
-      <p:graphicFrame>
-        <p:nvGraphicFramePr>
-          <p:cNvPr id="7" name="Content Placeholder 6"/>
-          <p:cNvGraphicFramePr>
-            <a:graphicFrameLocks noGrp="1"/>
-          </p:cNvGraphicFramePr>
-          <p:nvPr>
-            <p:ph sz="half" idx="1"/>
-            <p:extLst>
-              <p:ext uri="{D42A27DB-BD31-4B8C-83A1-F6EECF244321}">
-                <p14:modId xmlns:p14="http://schemas.microsoft.com/office/powerpoint/2010/main" val="4149059408"/>
-              </p:ext>
-            </p:extLst>
-          </p:nvPr>
-        </p:nvGraphicFramePr>
-        <p:xfrm>
-          <a:off x="457200" y="1600200"/>
-          <a:ext cx="4038600" cy="4577080"/>
-        </p:xfrm>
-        <a:graphic>
-          <a:graphicData uri="http://schemas.openxmlformats.org/drawingml/2006/table">
-            <a:tbl>
-              <a:tblPr firstRow="1" bandRow="1">
-                <a:tableStyleId>{5C22544A-7EE6-4342-B048-85BDC9FD1C3A}</a:tableStyleId>
-              </a:tblPr>
-              <a:tblGrid>
-                <a:gridCol w="1346200"/>
-                <a:gridCol w="1346200"/>
-                <a:gridCol w="1346200"/>
-              </a:tblGrid>
-              <a:tr h="370840">
-                <a:tc>
-                  <a:txBody>
-                    <a:bodyPr/>
-                    <a:lstStyle/>
-                    <a:p>
-                      <a:pPr marL="0" marR="0" algn="ctr">
-                        <a:lnSpc>
-                          <a:spcPct val="100000"/>
-                        </a:lnSpc>
-                        <a:spcBef>
-                          <a:spcPts val="0"/>
-                        </a:spcBef>
-                        <a:spcAft>
-                          <a:spcPts val="0"/>
-                        </a:spcAft>
-                      </a:pPr>
-                      <a:r>
-                        <a:rPr lang="en-US" sz="1200" dirty="0">
-                          <a:effectLst/>
-                          <a:latin typeface="Times New Roman"/>
-                          <a:ea typeface="Calibri"/>
-                          <a:cs typeface="Times New Roman"/>
-                        </a:rPr>
-                        <a:t>Rev 1:4-5</a:t>
-                      </a:r>
-                      <a:endParaRPr lang="en-US" sz="1200" dirty="0">
-                        <a:effectLst/>
-                        <a:latin typeface="Times New Roman"/>
-                        <a:ea typeface="Calibri"/>
-                        <a:cs typeface="Arial"/>
-                      </a:endParaRPr>
-                    </a:p>
-                  </a:txBody>
-                  <a:tcPr marL="33655" marR="33655" marT="0" marB="0"/>
-                </a:tc>
-                <a:tc>
-                  <a:txBody>
-                    <a:bodyPr/>
-                    <a:lstStyle/>
-                    <a:p>
-                      <a:pPr marL="0" marR="0" algn="ctr">
-                        <a:lnSpc>
-                          <a:spcPct val="100000"/>
-                        </a:lnSpc>
-                        <a:spcBef>
-                          <a:spcPts val="0"/>
-                        </a:spcBef>
-                        <a:spcAft>
-                          <a:spcPts val="0"/>
-                        </a:spcAft>
-                      </a:pPr>
-                      <a:r>
-                        <a:rPr lang="en-US" sz="1200">
-                          <a:effectLst/>
-                          <a:latin typeface="Times New Roman"/>
-                          <a:ea typeface="Calibri"/>
-                          <a:cs typeface="Times New Roman"/>
-                        </a:rPr>
-                        <a:t>Exod 3:14 LXX</a:t>
-                      </a:r>
-                      <a:endParaRPr lang="en-US" sz="1200">
-                        <a:effectLst/>
-                        <a:latin typeface="Times New Roman"/>
-                        <a:ea typeface="Calibri"/>
-                        <a:cs typeface="Arial"/>
-                      </a:endParaRPr>
-                    </a:p>
-                  </a:txBody>
-                  <a:tcPr marL="33655" marR="33655" marT="0" marB="0"/>
-                </a:tc>
-                <a:tc>
-                  <a:txBody>
-                    <a:bodyPr/>
-                    <a:lstStyle/>
-                    <a:p>
-                      <a:pPr marL="0" marR="0" algn="ctr">
-                        <a:lnSpc>
-                          <a:spcPct val="100000"/>
-                        </a:lnSpc>
-                        <a:spcBef>
-                          <a:spcPts val="0"/>
-                        </a:spcBef>
-                        <a:spcAft>
-                          <a:spcPts val="0"/>
-                        </a:spcAft>
-                      </a:pPr>
-                      <a:r>
-                        <a:rPr lang="en-US" sz="1200">
-                          <a:effectLst/>
-                          <a:latin typeface="Times New Roman"/>
-                          <a:ea typeface="Calibri"/>
-                          <a:cs typeface="Times New Roman"/>
-                        </a:rPr>
-                        <a:t>Ps 88:37-38 LXX</a:t>
-                      </a:r>
-                      <a:endParaRPr lang="en-US" sz="1200">
-                        <a:effectLst/>
-                        <a:latin typeface="Times New Roman"/>
-                        <a:ea typeface="Calibri"/>
-                        <a:cs typeface="Arial"/>
-                      </a:endParaRPr>
-                    </a:p>
-                  </a:txBody>
-                  <a:tcPr marL="33655" marR="33655" marT="0" marB="0"/>
-                </a:tc>
-              </a:tr>
-              <a:tr h="370840">
-                <a:tc>
-                  <a:txBody>
-                    <a:bodyPr/>
-                    <a:lstStyle/>
-                    <a:p>
-                      <a:pPr marL="0" marR="0">
-                        <a:lnSpc>
-                          <a:spcPct val="100000"/>
-                        </a:lnSpc>
-                        <a:spcBef>
-                          <a:spcPts val="0"/>
-                        </a:spcBef>
-                        <a:spcAft>
-                          <a:spcPts val="0"/>
-                        </a:spcAft>
-                      </a:pPr>
-                      <a:r>
-                        <a:rPr lang="el-GR" sz="1200" dirty="0" smtClean="0">
-                          <a:effectLst/>
-                          <a:latin typeface="Times New Roman"/>
-                          <a:ea typeface="Calibri"/>
-                          <a:cs typeface="Times New Roman"/>
-                        </a:rPr>
-                        <a:t>· </a:t>
-                      </a:r>
-                      <a:r>
-                        <a:rPr lang="el-GR" sz="1200" dirty="0">
-                          <a:effectLst/>
-                          <a:latin typeface="Times New Roman"/>
-                          <a:ea typeface="Calibri"/>
-                          <a:cs typeface="Times New Roman"/>
-                        </a:rPr>
-                        <a:t>χάρις ὑμῖν καὶ εἰρήνη </a:t>
-                      </a:r>
-                      <a:r>
-                        <a:rPr lang="el-GR" sz="1200" dirty="0">
-                          <a:solidFill>
-                            <a:srgbClr val="FF0000"/>
-                          </a:solidFill>
-                          <a:effectLst/>
-                          <a:latin typeface="Times New Roman"/>
-                          <a:ea typeface="Calibri"/>
-                          <a:cs typeface="Times New Roman"/>
-                        </a:rPr>
-                        <a:t>ἀπὸ ὁ ὢν </a:t>
-                      </a:r>
-                      <a:r>
-                        <a:rPr lang="el-GR" sz="1200" dirty="0">
-                          <a:effectLst/>
-                          <a:latin typeface="Times New Roman"/>
-                          <a:ea typeface="Calibri"/>
-                          <a:cs typeface="Times New Roman"/>
-                        </a:rPr>
-                        <a:t>καὶ ὁ ἦν καὶ ὁ ἐρχόμενος καὶ ἀπὸ τῶν ἑπτὰ πνευμάτων ἃ ἐνώπιον τοῦ θρόνου αὐτοῦ καὶ ἀπὸ Ἰησοῦ Χριστοῦ, </a:t>
-                      </a:r>
-                      <a:r>
-                        <a:rPr lang="el-GR" sz="1200" dirty="0">
-                          <a:solidFill>
-                            <a:srgbClr val="FF0000"/>
-                          </a:solidFill>
-                          <a:effectLst/>
-                          <a:latin typeface="Times New Roman"/>
-                          <a:ea typeface="Calibri"/>
-                          <a:cs typeface="Times New Roman"/>
-                        </a:rPr>
-                        <a:t>ὁ μάρτυς, ὁ πιστός</a:t>
-                      </a:r>
-                      <a:r>
-                        <a:rPr lang="el-GR" sz="1200" dirty="0">
-                          <a:effectLst/>
-                          <a:latin typeface="Times New Roman"/>
-                          <a:ea typeface="Calibri"/>
-                          <a:cs typeface="Times New Roman"/>
-                        </a:rPr>
-                        <a:t>, </a:t>
-                      </a:r>
-                      <a:r>
-                        <a:rPr lang="el-GR" sz="1200" dirty="0" smtClean="0">
-                          <a:effectLst/>
-                          <a:latin typeface="Times New Roman"/>
-                          <a:ea typeface="Calibri"/>
-                          <a:cs typeface="Times New Roman"/>
-                        </a:rPr>
-                        <a:t> </a:t>
-                      </a:r>
-                      <a:r>
-                        <a:rPr lang="en-US" sz="1200" dirty="0" smtClean="0">
-                          <a:effectLst/>
-                          <a:latin typeface="Times New Roman"/>
-                          <a:ea typeface="Calibri"/>
-                          <a:cs typeface="Times New Roman"/>
-                        </a:rPr>
-                        <a:t>…</a:t>
-                      </a:r>
-                      <a:endParaRPr lang="en-US" sz="1200" dirty="0">
-                        <a:effectLst/>
-                        <a:latin typeface="Times New Roman"/>
-                        <a:ea typeface="Calibri"/>
-                        <a:cs typeface="Arial"/>
-                      </a:endParaRPr>
-                    </a:p>
-                    <a:p>
-                      <a:pPr marL="0" marR="0">
-                        <a:lnSpc>
-                          <a:spcPct val="100000"/>
-                        </a:lnSpc>
-                        <a:spcBef>
-                          <a:spcPts val="0"/>
-                        </a:spcBef>
-                        <a:spcAft>
-                          <a:spcPts val="0"/>
-                        </a:spcAft>
-                      </a:pPr>
-                      <a:r>
-                        <a:rPr lang="en-US" sz="1200" dirty="0">
-                          <a:effectLst/>
-                          <a:latin typeface="Times New Roman"/>
-                          <a:ea typeface="Calibri"/>
-                          <a:cs typeface="Times New Roman"/>
-                        </a:rPr>
-                        <a:t> </a:t>
-                      </a:r>
-                      <a:endParaRPr lang="en-US" sz="1200" dirty="0">
-                        <a:effectLst/>
-                        <a:latin typeface="Times New Roman"/>
-                        <a:ea typeface="Calibri"/>
-                        <a:cs typeface="Arial"/>
-                      </a:endParaRPr>
-                    </a:p>
-                  </a:txBody>
-                  <a:tcPr marL="33655" marR="33655" marT="0" marB="0"/>
-                </a:tc>
-                <a:tc>
-                  <a:txBody>
-                    <a:bodyPr/>
-                    <a:lstStyle/>
-                    <a:p>
-                      <a:pPr marL="0" marR="0">
-                        <a:lnSpc>
-                          <a:spcPct val="100000"/>
-                        </a:lnSpc>
-                        <a:spcBef>
-                          <a:spcPts val="0"/>
-                        </a:spcBef>
-                        <a:spcAft>
-                          <a:spcPts val="0"/>
-                        </a:spcAft>
-                      </a:pPr>
-                      <a:r>
-                        <a:rPr lang="el-GR" sz="1200" dirty="0">
-                          <a:effectLst/>
-                          <a:latin typeface="Times New Roman"/>
-                          <a:ea typeface="Calibri"/>
-                          <a:cs typeface="Times New Roman"/>
-                        </a:rPr>
-                        <a:t>καὶ εἶπεν ὁ θεὸς πρὸς Μωυσῆν ἐγώ εἰμι </a:t>
-                      </a:r>
-                      <a:r>
-                        <a:rPr lang="el-GR" sz="1200" dirty="0">
-                          <a:solidFill>
-                            <a:srgbClr val="FF0000"/>
-                          </a:solidFill>
-                          <a:effectLst/>
-                          <a:latin typeface="Times New Roman"/>
-                          <a:ea typeface="Calibri"/>
-                          <a:cs typeface="Times New Roman"/>
-                        </a:rPr>
-                        <a:t>ὁ ὤν </a:t>
-                      </a:r>
-                      <a:r>
-                        <a:rPr lang="el-GR" sz="1200" dirty="0">
-                          <a:effectLst/>
-                          <a:latin typeface="Times New Roman"/>
-                          <a:ea typeface="Calibri"/>
-                          <a:cs typeface="Times New Roman"/>
-                        </a:rPr>
-                        <a:t>καὶ εἶπεν οὕτως ἐρεῖς τοῖς υἱοῖς Ισραηλ ὁ ὢν ἀπέσταλκέν με πρὸς ὑμᾶς </a:t>
-                      </a:r>
-                      <a:endParaRPr lang="en-US" sz="1200" dirty="0">
-                        <a:effectLst/>
-                        <a:latin typeface="Times New Roman"/>
-                        <a:ea typeface="Calibri"/>
-                        <a:cs typeface="Arial"/>
-                      </a:endParaRPr>
-                    </a:p>
-                  </a:txBody>
-                  <a:tcPr marL="33655" marR="33655" marT="0" marB="0"/>
-                </a:tc>
-                <a:tc>
-                  <a:txBody>
-                    <a:bodyPr/>
-                    <a:lstStyle/>
-                    <a:p>
-                      <a:pPr marL="197485" marR="0" indent="-197485">
-                        <a:lnSpc>
-                          <a:spcPct val="100000"/>
-                        </a:lnSpc>
-                        <a:spcBef>
-                          <a:spcPts val="0"/>
-                        </a:spcBef>
-                        <a:spcAft>
-                          <a:spcPts val="0"/>
-                        </a:spcAft>
-                      </a:pPr>
-                      <a:r>
-                        <a:rPr lang="el-GR" sz="1200" dirty="0">
-                          <a:effectLst/>
-                          <a:latin typeface="Times New Roman"/>
-                          <a:ea typeface="Calibri"/>
-                          <a:cs typeface="Times New Roman"/>
-                        </a:rPr>
-                        <a:t>τὸ σπέρμα αὐτοῦ εἰς τὸν αἰῶνα μενεῖ </a:t>
-                      </a:r>
-                      <a:endParaRPr lang="en-US" sz="1200" dirty="0">
-                        <a:effectLst/>
-                        <a:latin typeface="Times New Roman"/>
-                        <a:ea typeface="Calibri"/>
-                        <a:cs typeface="Arial"/>
-                      </a:endParaRPr>
-                    </a:p>
-                    <a:p>
-                      <a:pPr marL="197485" marR="0" indent="-197485">
-                        <a:lnSpc>
-                          <a:spcPct val="100000"/>
-                        </a:lnSpc>
-                        <a:spcBef>
-                          <a:spcPts val="0"/>
-                        </a:spcBef>
-                        <a:spcAft>
-                          <a:spcPts val="0"/>
-                        </a:spcAft>
-                      </a:pPr>
-                      <a:r>
-                        <a:rPr lang="el-GR" sz="1200" dirty="0">
-                          <a:effectLst/>
-                          <a:latin typeface="Times New Roman"/>
-                          <a:ea typeface="Calibri"/>
-                          <a:cs typeface="Times New Roman"/>
-                        </a:rPr>
-                        <a:t>καὶ ὁ θρόνος αὐτοῦ ὡς ὁ ἥλιος ἐναντίον μου </a:t>
-                      </a:r>
-                      <a:endParaRPr lang="en-US" sz="1200" dirty="0">
-                        <a:effectLst/>
-                        <a:latin typeface="Times New Roman"/>
-                        <a:ea typeface="Calibri"/>
-                        <a:cs typeface="Arial"/>
-                      </a:endParaRPr>
-                    </a:p>
-                    <a:p>
-                      <a:pPr marL="197485" marR="0" indent="-197485">
-                        <a:lnSpc>
-                          <a:spcPct val="100000"/>
-                        </a:lnSpc>
-                        <a:spcBef>
-                          <a:spcPts val="0"/>
-                        </a:spcBef>
-                        <a:spcAft>
-                          <a:spcPts val="0"/>
-                        </a:spcAft>
-                      </a:pPr>
-                      <a:r>
-                        <a:rPr lang="el-GR" sz="1200" dirty="0">
-                          <a:effectLst/>
-                          <a:latin typeface="Times New Roman"/>
-                          <a:ea typeface="Calibri"/>
-                          <a:cs typeface="Times New Roman"/>
-                        </a:rPr>
-                        <a:t>καὶ ὡς ἡ σελήνη κατηρτισμένη εἰς τὸν αἰῶνα </a:t>
-                      </a:r>
-                      <a:endParaRPr lang="en-US" sz="1200" dirty="0">
-                        <a:effectLst/>
-                        <a:latin typeface="Times New Roman"/>
-                        <a:ea typeface="Calibri"/>
-                        <a:cs typeface="Arial"/>
-                      </a:endParaRPr>
-                    </a:p>
-                    <a:p>
-                      <a:pPr marL="197485" marR="0" indent="-197485">
-                        <a:lnSpc>
-                          <a:spcPct val="100000"/>
-                        </a:lnSpc>
-                        <a:spcBef>
-                          <a:spcPts val="0"/>
-                        </a:spcBef>
-                        <a:spcAft>
-                          <a:spcPts val="0"/>
-                        </a:spcAft>
-                      </a:pPr>
-                      <a:r>
-                        <a:rPr lang="el-GR" sz="1200" dirty="0">
-                          <a:effectLst/>
-                          <a:latin typeface="Times New Roman"/>
-                          <a:ea typeface="Calibri"/>
-                          <a:cs typeface="Times New Roman"/>
-                        </a:rPr>
-                        <a:t>καὶ </a:t>
-                      </a:r>
-                      <a:r>
-                        <a:rPr lang="el-GR" sz="1200" dirty="0">
-                          <a:solidFill>
-                            <a:srgbClr val="FF0000"/>
-                          </a:solidFill>
-                          <a:effectLst/>
-                          <a:latin typeface="Times New Roman"/>
-                          <a:ea typeface="Calibri"/>
-                          <a:cs typeface="Times New Roman"/>
-                        </a:rPr>
-                        <a:t>ὁ μάρτυς </a:t>
-                      </a:r>
-                      <a:r>
-                        <a:rPr lang="el-GR" sz="1200" dirty="0">
-                          <a:effectLst/>
-                          <a:latin typeface="Times New Roman"/>
-                          <a:ea typeface="Calibri"/>
-                          <a:cs typeface="Times New Roman"/>
-                        </a:rPr>
-                        <a:t>ἐν οὐρανῷ </a:t>
-                      </a:r>
-                      <a:r>
-                        <a:rPr lang="el-GR" sz="1200" dirty="0">
-                          <a:solidFill>
-                            <a:srgbClr val="FF0000"/>
-                          </a:solidFill>
-                          <a:effectLst/>
-                          <a:latin typeface="Times New Roman"/>
-                          <a:ea typeface="Calibri"/>
-                          <a:cs typeface="Times New Roman"/>
-                        </a:rPr>
-                        <a:t>πιστός</a:t>
-                      </a:r>
-                      <a:r>
-                        <a:rPr lang="en-US" sz="1200" dirty="0">
-                          <a:effectLst/>
-                          <a:latin typeface="Times New Roman"/>
-                          <a:ea typeface="Calibri"/>
-                          <a:cs typeface="Times New Roman"/>
-                        </a:rPr>
-                        <a:t>. </a:t>
-                      </a:r>
-                      <a:endParaRPr lang="en-US" sz="1200" dirty="0">
-                        <a:effectLst/>
-                        <a:latin typeface="Times New Roman"/>
-                        <a:ea typeface="Calibri"/>
-                        <a:cs typeface="Arial"/>
-                      </a:endParaRPr>
-                    </a:p>
-                  </a:txBody>
-                  <a:tcPr marL="33655" marR="33655" marT="0" marB="0"/>
-                </a:tc>
-              </a:tr>
-              <a:tr h="370840">
-                <a:tc>
-                  <a:txBody>
-                    <a:bodyPr/>
-                    <a:lstStyle/>
-                    <a:p>
-                      <a:pPr marL="0" marR="0">
-                        <a:lnSpc>
-                          <a:spcPct val="100000"/>
-                        </a:lnSpc>
-                        <a:spcBef>
-                          <a:spcPts val="0"/>
-                        </a:spcBef>
-                        <a:spcAft>
-                          <a:spcPts val="0"/>
-                        </a:spcAft>
-                      </a:pPr>
-                      <a:r>
-                        <a:rPr lang="en-US" sz="1200" dirty="0" smtClean="0">
-                          <a:effectLst/>
-                          <a:latin typeface="Times New Roman"/>
-                          <a:ea typeface="Calibri"/>
-                          <a:cs typeface="Times New Roman"/>
-                        </a:rPr>
-                        <a:t>Grace </a:t>
-                      </a:r>
-                      <a:r>
-                        <a:rPr lang="en-US" sz="1200" dirty="0">
-                          <a:effectLst/>
-                          <a:latin typeface="Times New Roman"/>
-                          <a:ea typeface="Calibri"/>
-                          <a:cs typeface="Times New Roman"/>
-                        </a:rPr>
-                        <a:t>to you and peace from </a:t>
-                      </a:r>
-                      <a:r>
-                        <a:rPr lang="en-US" sz="1200" dirty="0">
-                          <a:solidFill>
-                            <a:srgbClr val="FF0000"/>
-                          </a:solidFill>
-                          <a:effectLst/>
-                          <a:latin typeface="Times New Roman"/>
-                          <a:ea typeface="Calibri"/>
-                          <a:cs typeface="Times New Roman"/>
-                        </a:rPr>
-                        <a:t>the one who is</a:t>
-                      </a:r>
-                      <a:r>
-                        <a:rPr lang="en-US" sz="1200" dirty="0">
-                          <a:effectLst/>
-                          <a:latin typeface="Times New Roman"/>
-                          <a:ea typeface="Calibri"/>
-                          <a:cs typeface="Times New Roman"/>
-                        </a:rPr>
-                        <a:t> and the one who was, and the one who is coming, and from the seven spirits which are before his throne, and from Jesus Christ, </a:t>
-                      </a:r>
-                      <a:r>
-                        <a:rPr lang="en-US" sz="1200" dirty="0">
-                          <a:solidFill>
-                            <a:srgbClr val="FF0000"/>
-                          </a:solidFill>
-                          <a:effectLst/>
-                          <a:latin typeface="Times New Roman"/>
-                          <a:ea typeface="Calibri"/>
-                          <a:cs typeface="Times New Roman"/>
-                        </a:rPr>
-                        <a:t>the faithful witness,</a:t>
-                      </a:r>
-                      <a:r>
-                        <a:rPr lang="en-US" sz="1200" dirty="0">
-                          <a:effectLst/>
-                          <a:latin typeface="Times New Roman"/>
-                          <a:ea typeface="Calibri"/>
-                          <a:cs typeface="Times New Roman"/>
-                        </a:rPr>
-                        <a:t> </a:t>
-                      </a:r>
-                      <a:r>
-                        <a:rPr lang="en-US" sz="1200" dirty="0" smtClean="0">
-                          <a:effectLst/>
-                          <a:latin typeface="Times New Roman"/>
-                          <a:ea typeface="Calibri"/>
-                          <a:cs typeface="Times New Roman"/>
-                        </a:rPr>
-                        <a:t>…</a:t>
-                      </a:r>
-                      <a:endParaRPr lang="en-US" sz="1200" dirty="0">
-                        <a:effectLst/>
-                        <a:latin typeface="Times New Roman"/>
-                        <a:ea typeface="Calibri"/>
-                        <a:cs typeface="Arial"/>
-                      </a:endParaRPr>
-                    </a:p>
-                  </a:txBody>
-                  <a:tcPr marL="33655" marR="33655" marT="0" marB="0"/>
-                </a:tc>
-                <a:tc>
-                  <a:txBody>
-                    <a:bodyPr/>
-                    <a:lstStyle/>
-                    <a:p>
-                      <a:pPr marL="0" marR="0">
-                        <a:lnSpc>
-                          <a:spcPct val="100000"/>
-                        </a:lnSpc>
-                        <a:spcBef>
-                          <a:spcPts val="0"/>
-                        </a:spcBef>
-                        <a:spcAft>
-                          <a:spcPts val="0"/>
-                        </a:spcAft>
-                      </a:pPr>
-                      <a:r>
-                        <a:rPr lang="en-US" sz="1200" dirty="0">
-                          <a:effectLst/>
-                          <a:latin typeface="Times New Roman"/>
-                          <a:ea typeface="Calibri"/>
-                          <a:cs typeface="Times New Roman"/>
-                        </a:rPr>
-                        <a:t>And God said to Moses “I am </a:t>
-                      </a:r>
-                      <a:r>
-                        <a:rPr lang="en-US" sz="1200" dirty="0">
-                          <a:solidFill>
-                            <a:srgbClr val="FF0000"/>
-                          </a:solidFill>
-                          <a:effectLst/>
-                          <a:latin typeface="Times New Roman"/>
-                          <a:ea typeface="Calibri"/>
-                          <a:cs typeface="Times New Roman"/>
-                        </a:rPr>
-                        <a:t>the one who is</a:t>
-                      </a:r>
-                      <a:r>
-                        <a:rPr lang="en-US" sz="1200" dirty="0">
-                          <a:effectLst/>
-                          <a:latin typeface="Times New Roman"/>
-                          <a:ea typeface="Calibri"/>
-                          <a:cs typeface="Times New Roman"/>
-                        </a:rPr>
-                        <a:t>.” And he said “Thus you will say to the Israelites, ‘</a:t>
-                      </a:r>
-                      <a:r>
-                        <a:rPr lang="en-US" sz="1200" dirty="0">
-                          <a:solidFill>
-                            <a:srgbClr val="FF0000"/>
-                          </a:solidFill>
-                          <a:effectLst/>
-                          <a:latin typeface="Times New Roman"/>
-                          <a:ea typeface="Calibri"/>
-                          <a:cs typeface="Times New Roman"/>
-                        </a:rPr>
-                        <a:t>The one who is </a:t>
-                      </a:r>
-                      <a:r>
-                        <a:rPr lang="en-US" sz="1200" dirty="0">
-                          <a:effectLst/>
-                          <a:latin typeface="Times New Roman"/>
-                          <a:ea typeface="Calibri"/>
-                          <a:cs typeface="Times New Roman"/>
-                        </a:rPr>
-                        <a:t>has sent me to you.’”</a:t>
-                      </a:r>
-                      <a:endParaRPr lang="en-US" sz="1200" dirty="0">
-                        <a:effectLst/>
-                        <a:latin typeface="Times New Roman"/>
-                        <a:ea typeface="Calibri"/>
-                        <a:cs typeface="Arial"/>
-                      </a:endParaRPr>
-                    </a:p>
-                  </a:txBody>
-                  <a:tcPr marL="33655" marR="33655" marT="0" marB="0"/>
-                </a:tc>
-                <a:tc>
-                  <a:txBody>
-                    <a:bodyPr/>
-                    <a:lstStyle/>
-                    <a:p>
-                      <a:pPr marL="197485" marR="0" indent="-197485">
-                        <a:lnSpc>
-                          <a:spcPct val="100000"/>
-                        </a:lnSpc>
-                        <a:spcBef>
-                          <a:spcPts val="0"/>
-                        </a:spcBef>
-                        <a:spcAft>
-                          <a:spcPts val="0"/>
-                        </a:spcAft>
-                      </a:pPr>
-                      <a:r>
-                        <a:rPr lang="en-US" sz="1200" dirty="0">
-                          <a:effectLst/>
-                          <a:latin typeface="Times New Roman"/>
-                          <a:ea typeface="Calibri"/>
-                          <a:cs typeface="Times New Roman"/>
-                        </a:rPr>
-                        <a:t>His seed shall remain forever, </a:t>
-                      </a:r>
-                      <a:endParaRPr lang="en-US" sz="1200" dirty="0">
-                        <a:effectLst/>
-                        <a:latin typeface="Times New Roman"/>
-                        <a:ea typeface="Calibri"/>
-                        <a:cs typeface="Arial"/>
-                      </a:endParaRPr>
-                    </a:p>
-                    <a:p>
-                      <a:pPr marL="197485" marR="0" indent="-197485">
-                        <a:lnSpc>
-                          <a:spcPct val="100000"/>
-                        </a:lnSpc>
-                        <a:spcBef>
-                          <a:spcPts val="0"/>
-                        </a:spcBef>
-                        <a:spcAft>
-                          <a:spcPts val="0"/>
-                        </a:spcAft>
-                      </a:pPr>
-                      <a:r>
-                        <a:rPr lang="en-US" sz="1200" dirty="0">
-                          <a:effectLst/>
-                          <a:latin typeface="Times New Roman"/>
-                          <a:ea typeface="Calibri"/>
-                          <a:cs typeface="Times New Roman"/>
-                        </a:rPr>
-                        <a:t>and his throne [will be] as the sun before me </a:t>
-                      </a:r>
-                      <a:endParaRPr lang="en-US" sz="1200" dirty="0">
-                        <a:effectLst/>
-                        <a:latin typeface="Times New Roman"/>
-                        <a:ea typeface="Calibri"/>
-                        <a:cs typeface="Arial"/>
-                      </a:endParaRPr>
-                    </a:p>
-                    <a:p>
-                      <a:pPr marL="197485" marR="0" indent="-197485">
-                        <a:lnSpc>
-                          <a:spcPct val="100000"/>
-                        </a:lnSpc>
-                        <a:spcBef>
-                          <a:spcPts val="0"/>
-                        </a:spcBef>
-                        <a:spcAft>
-                          <a:spcPts val="0"/>
-                        </a:spcAft>
-                      </a:pPr>
-                      <a:r>
-                        <a:rPr lang="en-US" sz="1200" dirty="0">
-                          <a:effectLst/>
-                          <a:latin typeface="Times New Roman"/>
-                          <a:ea typeface="Calibri"/>
-                          <a:cs typeface="Times New Roman"/>
-                        </a:rPr>
-                        <a:t>and as the moon which is established forever, </a:t>
-                      </a:r>
-                      <a:endParaRPr lang="en-US" sz="1200" dirty="0">
-                        <a:effectLst/>
-                        <a:latin typeface="Times New Roman"/>
-                        <a:ea typeface="Calibri"/>
-                        <a:cs typeface="Arial"/>
-                      </a:endParaRPr>
-                    </a:p>
-                    <a:p>
-                      <a:pPr marL="197485" marR="0" indent="-197485">
-                        <a:lnSpc>
-                          <a:spcPct val="100000"/>
-                        </a:lnSpc>
-                        <a:spcBef>
-                          <a:spcPts val="0"/>
-                        </a:spcBef>
-                        <a:spcAft>
-                          <a:spcPts val="0"/>
-                        </a:spcAft>
-                      </a:pPr>
-                      <a:r>
-                        <a:rPr lang="en-US" sz="1200" dirty="0">
-                          <a:effectLst/>
-                          <a:latin typeface="Times New Roman"/>
-                          <a:ea typeface="Calibri"/>
-                          <a:cs typeface="Times New Roman"/>
-                        </a:rPr>
-                        <a:t>and it will be a </a:t>
-                      </a:r>
-                      <a:r>
-                        <a:rPr lang="en-US" sz="1200" dirty="0">
-                          <a:solidFill>
-                            <a:srgbClr val="FF0000"/>
-                          </a:solidFill>
-                          <a:effectLst/>
-                          <a:latin typeface="Times New Roman"/>
-                          <a:ea typeface="Calibri"/>
-                          <a:cs typeface="Times New Roman"/>
-                        </a:rPr>
-                        <a:t>faithful witness </a:t>
-                      </a:r>
-                      <a:r>
-                        <a:rPr lang="en-US" sz="1200" dirty="0">
-                          <a:effectLst/>
-                          <a:latin typeface="Times New Roman"/>
-                          <a:ea typeface="Calibri"/>
-                          <a:cs typeface="Times New Roman"/>
-                        </a:rPr>
-                        <a:t>in the heavens. </a:t>
-                      </a:r>
-                      <a:endParaRPr lang="en-US" sz="1200" dirty="0">
-                        <a:effectLst/>
-                        <a:latin typeface="Times New Roman"/>
-                        <a:ea typeface="Calibri"/>
-                        <a:cs typeface="Arial"/>
-                      </a:endParaRPr>
-                    </a:p>
-                  </a:txBody>
-                  <a:tcPr marL="33655" marR="33655" marT="0" marB="0"/>
-                </a:tc>
-              </a:tr>
-            </a:tbl>
-          </a:graphicData>
-        </a:graphic>
-      </p:graphicFrame>
-      <p:graphicFrame>
-        <p:nvGraphicFramePr>
-          <p:cNvPr id="9" name="Content Placeholder 8"/>
-          <p:cNvGraphicFramePr>
-            <a:graphicFrameLocks noGrp="1"/>
-          </p:cNvGraphicFramePr>
-          <p:nvPr>
-            <p:ph sz="half" idx="2"/>
-            <p:extLst>
-              <p:ext uri="{D42A27DB-BD31-4B8C-83A1-F6EECF244321}">
-                <p14:modId xmlns:p14="http://schemas.microsoft.com/office/powerpoint/2010/main" val="94238539"/>
-              </p:ext>
-            </p:extLst>
-          </p:nvPr>
-        </p:nvGraphicFramePr>
-        <p:xfrm>
-          <a:off x="4648200" y="1600200"/>
-          <a:ext cx="4038600" cy="1468120"/>
-        </p:xfrm>
-        <a:graphic>
-          <a:graphicData uri="http://schemas.openxmlformats.org/drawingml/2006/table">
-            <a:tbl>
-              <a:tblPr firstRow="1" bandRow="1">
-                <a:tableStyleId>{5C22544A-7EE6-4342-B048-85BDC9FD1C3A}</a:tableStyleId>
-              </a:tblPr>
-              <a:tblGrid>
-                <a:gridCol w="1346200"/>
-                <a:gridCol w="1346200"/>
-                <a:gridCol w="1346200"/>
-              </a:tblGrid>
-              <a:tr h="370840">
-                <a:tc>
-                  <a:txBody>
-                    <a:bodyPr/>
-                    <a:lstStyle/>
-                    <a:p>
-                      <a:pPr marL="0" marR="0" algn="ctr">
-                        <a:lnSpc>
-                          <a:spcPct val="100000"/>
-                        </a:lnSpc>
-                        <a:spcBef>
-                          <a:spcPts val="0"/>
-                        </a:spcBef>
-                        <a:spcAft>
-                          <a:spcPts val="0"/>
-                        </a:spcAft>
-                      </a:pPr>
-                      <a:r>
-                        <a:rPr lang="en-US" sz="1200" dirty="0">
-                          <a:effectLst/>
-                          <a:latin typeface="Times New Roman"/>
-                          <a:ea typeface="Calibri"/>
-                          <a:cs typeface="Times New Roman"/>
-                        </a:rPr>
-                        <a:t>Rev</a:t>
-                      </a:r>
-                      <a:endParaRPr lang="en-US" sz="1200" dirty="0">
-                        <a:effectLst/>
-                        <a:latin typeface="Times New Roman"/>
-                        <a:ea typeface="Calibri"/>
-                        <a:cs typeface="Arial"/>
-                      </a:endParaRPr>
-                    </a:p>
-                  </a:txBody>
-                  <a:tcPr marL="68580" marR="68580" marT="0" marB="0"/>
-                </a:tc>
-                <a:tc>
-                  <a:txBody>
-                    <a:bodyPr/>
-                    <a:lstStyle/>
-                    <a:p>
-                      <a:pPr marL="0" marR="0" algn="ctr">
-                        <a:lnSpc>
-                          <a:spcPct val="100000"/>
-                        </a:lnSpc>
-                        <a:spcBef>
-                          <a:spcPts val="0"/>
-                        </a:spcBef>
-                        <a:spcAft>
-                          <a:spcPts val="0"/>
-                        </a:spcAft>
-                      </a:pPr>
-                      <a:r>
-                        <a:rPr lang="en-US" sz="1200">
-                          <a:effectLst/>
-                          <a:latin typeface="Times New Roman"/>
-                          <a:ea typeface="Calibri"/>
-                          <a:cs typeface="Times New Roman"/>
-                        </a:rPr>
-                        <a:t>Jer 28:45 LXX</a:t>
-                      </a:r>
-                      <a:endParaRPr lang="en-US" sz="1200">
-                        <a:effectLst/>
-                        <a:latin typeface="Times New Roman"/>
-                        <a:ea typeface="Calibri"/>
-                        <a:cs typeface="Arial"/>
-                      </a:endParaRPr>
-                    </a:p>
-                  </a:txBody>
-                  <a:tcPr marL="68580" marR="68580" marT="0" marB="0"/>
-                </a:tc>
-                <a:tc>
-                  <a:txBody>
-                    <a:bodyPr/>
-                    <a:lstStyle/>
-                    <a:p>
-                      <a:pPr marL="0" marR="0" algn="ctr">
-                        <a:lnSpc>
-                          <a:spcPct val="100000"/>
-                        </a:lnSpc>
-                        <a:spcBef>
-                          <a:spcPts val="0"/>
-                        </a:spcBef>
-                        <a:spcAft>
-                          <a:spcPts val="0"/>
-                        </a:spcAft>
-                      </a:pPr>
-                      <a:r>
-                        <a:rPr lang="en-US" sz="1200">
-                          <a:effectLst/>
-                          <a:latin typeface="Times New Roman"/>
-                          <a:ea typeface="Calibri"/>
-                          <a:cs typeface="Times New Roman"/>
-                        </a:rPr>
-                        <a:t>Jer 51:45 MT</a:t>
-                      </a:r>
-                      <a:endParaRPr lang="en-US" sz="1200">
-                        <a:effectLst/>
-                        <a:latin typeface="Times New Roman"/>
-                        <a:ea typeface="Calibri"/>
-                        <a:cs typeface="Arial"/>
-                      </a:endParaRPr>
-                    </a:p>
-                  </a:txBody>
-                  <a:tcPr marL="68580" marR="68580" marT="0" marB="0"/>
-                </a:tc>
-              </a:tr>
-              <a:tr h="370840">
-                <a:tc>
-                  <a:txBody>
-                    <a:bodyPr/>
-                    <a:lstStyle/>
-                    <a:p>
-                      <a:pPr marL="0" marR="0">
-                        <a:lnSpc>
-                          <a:spcPct val="100000"/>
-                        </a:lnSpc>
-                        <a:spcBef>
-                          <a:spcPts val="0"/>
-                        </a:spcBef>
-                        <a:spcAft>
-                          <a:spcPts val="0"/>
-                        </a:spcAft>
-                      </a:pPr>
-                      <a:r>
-                        <a:rPr lang="el-GR" sz="1200" dirty="0">
-                          <a:solidFill>
-                            <a:srgbClr val="FF0000"/>
-                          </a:solidFill>
-                          <a:effectLst/>
-                          <a:latin typeface="Times New Roman"/>
-                          <a:ea typeface="Calibri"/>
-                          <a:cs typeface="Times New Roman"/>
-                        </a:rPr>
-                        <a:t>ἐξέλθατε ὁ λαός μου ἐξ αὐτῆς </a:t>
-                      </a:r>
-                      <a:r>
-                        <a:rPr lang="en-US" sz="1200" dirty="0">
-                          <a:effectLst/>
-                          <a:latin typeface="Times New Roman"/>
-                          <a:ea typeface="Calibri"/>
-                          <a:cs typeface="Times New Roman"/>
-                        </a:rPr>
-                        <a:t>(Rev 18:4b) </a:t>
-                      </a:r>
-                      <a:endParaRPr lang="en-US" sz="1200" dirty="0">
-                        <a:effectLst/>
-                        <a:latin typeface="Times New Roman"/>
-                        <a:ea typeface="Calibri"/>
-                        <a:cs typeface="Arial"/>
-                      </a:endParaRPr>
-                    </a:p>
-                  </a:txBody>
-                  <a:tcPr marL="68580" marR="68580" marT="0" marB="0"/>
-                </a:tc>
-                <a:tc>
-                  <a:txBody>
-                    <a:bodyPr/>
-                    <a:lstStyle/>
-                    <a:p>
-                      <a:pPr marL="0" marR="0" algn="ctr">
-                        <a:lnSpc>
-                          <a:spcPct val="100000"/>
-                        </a:lnSpc>
-                        <a:spcBef>
-                          <a:spcPts val="0"/>
-                        </a:spcBef>
-                        <a:spcAft>
-                          <a:spcPts val="0"/>
-                        </a:spcAft>
-                      </a:pPr>
-                      <a:r>
-                        <a:rPr lang="en-US" sz="1200">
-                          <a:effectLst/>
-                          <a:latin typeface="Times New Roman"/>
-                          <a:ea typeface="Calibri"/>
-                          <a:cs typeface="Times New Roman"/>
-                        </a:rPr>
-                        <a:t>[Lacking]</a:t>
-                      </a:r>
-                      <a:endParaRPr lang="en-US" sz="1200">
-                        <a:effectLst/>
-                        <a:latin typeface="Times New Roman"/>
-                        <a:ea typeface="Calibri"/>
-                        <a:cs typeface="Arial"/>
-                      </a:endParaRPr>
-                    </a:p>
-                  </a:txBody>
-                  <a:tcPr marL="68580" marR="68580" marT="0" marB="0"/>
-                </a:tc>
-                <a:tc>
-                  <a:txBody>
-                    <a:bodyPr/>
-                    <a:lstStyle/>
-                    <a:p>
-                      <a:pPr marL="0" marR="0" algn="r">
-                        <a:lnSpc>
-                          <a:spcPct val="100000"/>
-                        </a:lnSpc>
-                        <a:spcBef>
-                          <a:spcPts val="0"/>
-                        </a:spcBef>
-                        <a:spcAft>
-                          <a:spcPts val="0"/>
-                        </a:spcAft>
-                      </a:pPr>
-                      <a:r>
-                        <a:rPr lang="he-IL" sz="1200">
-                          <a:solidFill>
-                            <a:srgbClr val="FF0000"/>
-                          </a:solidFill>
-                          <a:effectLst/>
-                          <a:latin typeface="Times New Roman"/>
-                          <a:ea typeface="Calibri"/>
-                          <a:cs typeface="Times New Roman"/>
-                        </a:rPr>
-                        <a:t>יצְא֤וּ מִתּוֹכָהּ֙ עַמִּ֔</a:t>
-                      </a:r>
-                      <a:endParaRPr lang="en-US" sz="1200">
-                        <a:effectLst/>
-                        <a:latin typeface="Times New Roman"/>
-                        <a:ea typeface="Calibri"/>
-                        <a:cs typeface="Arial"/>
-                      </a:endParaRPr>
-                    </a:p>
-                  </a:txBody>
-                  <a:tcPr marL="68580" marR="68580" marT="0" marB="0"/>
-                </a:tc>
-              </a:tr>
-              <a:tr h="370840">
-                <a:tc>
-                  <a:txBody>
-                    <a:bodyPr/>
-                    <a:lstStyle/>
-                    <a:p>
-                      <a:pPr marL="0" marR="0">
-                        <a:lnSpc>
-                          <a:spcPct val="100000"/>
-                        </a:lnSpc>
-                        <a:spcBef>
-                          <a:spcPts val="0"/>
-                        </a:spcBef>
-                        <a:spcAft>
-                          <a:spcPts val="0"/>
-                        </a:spcAft>
-                      </a:pPr>
-                      <a:r>
-                        <a:rPr lang="en-US" sz="1200">
-                          <a:effectLst/>
-                          <a:latin typeface="Times New Roman"/>
-                          <a:ea typeface="Calibri"/>
-                          <a:cs typeface="Times New Roman"/>
-                        </a:rPr>
-                        <a:t>Come out from her my people!</a:t>
-                      </a:r>
-                      <a:endParaRPr lang="en-US" sz="1200">
-                        <a:effectLst/>
-                        <a:latin typeface="Times New Roman"/>
-                        <a:ea typeface="Calibri"/>
-                        <a:cs typeface="Arial"/>
-                      </a:endParaRPr>
-                    </a:p>
-                    <a:p>
-                      <a:pPr marL="0" marR="0">
-                        <a:lnSpc>
-                          <a:spcPct val="100000"/>
-                        </a:lnSpc>
-                        <a:spcBef>
-                          <a:spcPts val="0"/>
-                        </a:spcBef>
-                        <a:spcAft>
-                          <a:spcPts val="0"/>
-                        </a:spcAft>
-                      </a:pPr>
-                      <a:r>
-                        <a:rPr lang="el-GR" sz="1200">
-                          <a:effectLst/>
-                          <a:latin typeface="Times New Roman"/>
-                          <a:ea typeface="Calibri"/>
-                          <a:cs typeface="Times New Roman"/>
-                        </a:rPr>
-                        <a:t> </a:t>
-                      </a:r>
-                      <a:endParaRPr lang="en-US" sz="1200">
-                        <a:effectLst/>
-                        <a:latin typeface="Times New Roman"/>
-                        <a:ea typeface="Calibri"/>
-                        <a:cs typeface="Arial"/>
-                      </a:endParaRPr>
-                    </a:p>
-                  </a:txBody>
-                  <a:tcPr marL="68580" marR="68580" marT="0" marB="0"/>
-                </a:tc>
-                <a:tc>
-                  <a:txBody>
-                    <a:bodyPr/>
-                    <a:lstStyle/>
-                    <a:p>
-                      <a:pPr marL="0" marR="0" algn="ctr">
-                        <a:lnSpc>
-                          <a:spcPct val="100000"/>
-                        </a:lnSpc>
-                        <a:spcBef>
-                          <a:spcPts val="0"/>
-                        </a:spcBef>
-                        <a:spcAft>
-                          <a:spcPts val="0"/>
-                        </a:spcAft>
-                      </a:pPr>
-                      <a:r>
-                        <a:rPr lang="en-US" sz="1200" dirty="0">
-                          <a:effectLst/>
-                          <a:latin typeface="Times New Roman"/>
-                          <a:ea typeface="Calibri"/>
-                          <a:cs typeface="Times New Roman"/>
-                        </a:rPr>
-                        <a:t>[Lacking]</a:t>
-                      </a:r>
-                      <a:endParaRPr lang="en-US" sz="1200" dirty="0">
-                        <a:effectLst/>
-                        <a:latin typeface="Times New Roman"/>
-                        <a:ea typeface="Calibri"/>
-                        <a:cs typeface="Arial"/>
-                      </a:endParaRPr>
-                    </a:p>
-                  </a:txBody>
-                  <a:tcPr marL="68580" marR="68580" marT="0" marB="0"/>
-                </a:tc>
-                <a:tc>
-                  <a:txBody>
-                    <a:bodyPr/>
-                    <a:lstStyle/>
-                    <a:p>
-                      <a:pPr marL="0" marR="0">
-                        <a:lnSpc>
-                          <a:spcPct val="100000"/>
-                        </a:lnSpc>
-                        <a:spcBef>
-                          <a:spcPts val="0"/>
-                        </a:spcBef>
-                        <a:spcAft>
-                          <a:spcPts val="0"/>
-                        </a:spcAft>
-                      </a:pPr>
-                      <a:r>
-                        <a:rPr lang="en-US" sz="1200" dirty="0">
-                          <a:effectLst/>
-                          <a:latin typeface="Times New Roman"/>
-                          <a:ea typeface="Calibri"/>
-                          <a:cs typeface="Times New Roman"/>
-                        </a:rPr>
-                        <a:t>Come out from her midst my people! </a:t>
-                      </a:r>
-                      <a:endParaRPr lang="en-US" sz="1200" dirty="0">
-                        <a:effectLst/>
-                        <a:latin typeface="Times New Roman"/>
-                        <a:ea typeface="Calibri"/>
-                        <a:cs typeface="Arial"/>
-                      </a:endParaRPr>
-                    </a:p>
-                  </a:txBody>
-                  <a:tcPr marL="68580" marR="68580" marT="0" marB="0"/>
-                </a:tc>
-              </a:tr>
-            </a:tbl>
-          </a:graphicData>
-        </a:graphic>
-      </p:graphicFrame>
+              <a:rPr lang="en-US" smtClean="0"/>
+              <a:t>Encoding Apocalypse and Empire</a:t>
+            </a:r>
+            <a:endParaRPr lang="en-US"/>
+          </a:p>
+        </p:txBody>
+      </p:sp>
+      <p:sp>
+        <p:nvSpPr>
+          <p:cNvPr id="5" name="Slide Number Placeholder 4"/>
+          <p:cNvSpPr>
+            <a:spLocks noGrp="1"/>
+          </p:cNvSpPr>
+          <p:nvPr>
+            <p:ph type="sldNum" sz="quarter" idx="12"/>
+          </p:nvPr>
+        </p:nvSpPr>
+        <p:spPr/>
+        <p:txBody>
+          <a:bodyPr/>
+          <a:lstStyle/>
+          <a:p>
+            <a:fld id="{B54884B7-6C20-497E-907D-B5AAC07785D1}" type="slidenum">
+              <a:rPr lang="en-US" smtClean="0"/>
+              <a:t>6</a:t>
+            </a:fld>
+            <a:endParaRPr lang="en-US"/>
+          </a:p>
+        </p:txBody>
+      </p:sp>
     </p:spTree>
     <p:extLst>
       <p:ext uri="{BB962C8B-B14F-4D97-AF65-F5344CB8AC3E}">
-        <p14:creationId xmlns:p14="http://schemas.microsoft.com/office/powerpoint/2010/main" val="3906592764"/>
+        <p14:creationId xmlns:p14="http://schemas.microsoft.com/office/powerpoint/2010/main" val="1350359438"/>
       </p:ext>
     </p:extLst>
   </p:cSld>
   <p:clrMapOvr>
     <a:masterClrMapping/>
   </p:clrMapOvr>
+  <p:timing>
+    <p:tnLst>
+      <p:par>
+        <p:cTn id="1" dur="indefinite" restart="never" nodeType="tmRoot"/>
+      </p:par>
+    </p:tnLst>
+  </p:timing>
 </p:sld>
 </file>
 
@@ -5768,47 +7259,230 @@
           <a:p>
             <a:r>
               <a:rPr lang="en-US" dirty="0" smtClean="0"/>
-              <a:t>Revelation and the Prophets</a:t>
+              <a:t>Citation Formulae</a:t>
             </a:r>
             <a:endParaRPr lang="en-US" dirty="0"/>
           </a:p>
         </p:txBody>
       </p:sp>
-      <p:graphicFrame>
-        <p:nvGraphicFramePr>
-          <p:cNvPr id="4" name="Content Placeholder 3"/>
-          <p:cNvGraphicFramePr>
-            <a:graphicFrameLocks noGrp="1"/>
-          </p:cNvGraphicFramePr>
+      <p:sp>
+        <p:nvSpPr>
+          <p:cNvPr id="3" name="Content Placeholder 2"/>
+          <p:cNvSpPr>
+            <a:spLocks noGrp="1"/>
+          </p:cNvSpPr>
           <p:nvPr>
             <p:ph idx="1"/>
-            <p:extLst>
-              <p:ext uri="{D42A27DB-BD31-4B8C-83A1-F6EECF244321}">
-                <p14:modId xmlns:p14="http://schemas.microsoft.com/office/powerpoint/2010/main" val="1253377213"/>
-              </p:ext>
-            </p:extLst>
-          </p:nvPr>
-        </p:nvGraphicFramePr>
-        <p:xfrm>
-          <a:off x="457200" y="1600200"/>
-          <a:ext cx="8229600" cy="4525963"/>
-        </p:xfrm>
-        <a:graphic>
-          <a:graphicData uri="http://schemas.openxmlformats.org/drawingml/2006/chart">
-            <c:chart xmlns:c="http://schemas.openxmlformats.org/drawingml/2006/chart" xmlns:r="http://schemas.openxmlformats.org/officeDocument/2006/relationships" r:id="rId2"/>
-          </a:graphicData>
-        </a:graphic>
-      </p:graphicFrame>
+          </p:nvPr>
+        </p:nvSpPr>
+        <p:spPr/>
+        <p:txBody>
+          <a:bodyPr>
+            <a:normAutofit/>
+          </a:bodyPr>
+          <a:lstStyle/>
+          <a:p>
+            <a:r>
+              <a:rPr lang="en-US" dirty="0" smtClean="0"/>
+              <a:t>He </a:t>
+            </a:r>
+            <a:r>
+              <a:rPr lang="en-US" dirty="0"/>
+              <a:t>left Nazareth and made his home in Capernaum by the sea, in the territory of Zebulun and Naphtali</a:t>
+            </a:r>
+            <a:r>
+              <a:rPr lang="en-US" dirty="0" smtClean="0"/>
+              <a:t>, </a:t>
+            </a:r>
+            <a:r>
+              <a:rPr lang="en-US" dirty="0" smtClean="0">
+                <a:solidFill>
+                  <a:srgbClr val="FF0000"/>
+                </a:solidFill>
+              </a:rPr>
+              <a:t>so </a:t>
+            </a:r>
+            <a:r>
+              <a:rPr lang="en-US" dirty="0">
+                <a:solidFill>
+                  <a:srgbClr val="FF0000"/>
+                </a:solidFill>
+              </a:rPr>
+              <a:t>that what had been spoken through the prophet Isaiah might be </a:t>
+            </a:r>
+            <a:r>
+              <a:rPr lang="en-US" dirty="0" smtClean="0">
+                <a:solidFill>
+                  <a:srgbClr val="FF0000"/>
+                </a:solidFill>
+              </a:rPr>
+              <a:t>fulfilled: </a:t>
+            </a:r>
+            <a:r>
+              <a:rPr lang="en-US" i="1" dirty="0" smtClean="0"/>
+              <a:t>Land </a:t>
+            </a:r>
+            <a:r>
+              <a:rPr lang="en-US" i="1" dirty="0"/>
+              <a:t>of Zebulun, land of Naphtali, on the road by the sea, across the Jordan, Galilee of the </a:t>
+            </a:r>
+            <a:r>
+              <a:rPr lang="en-US" i="1" dirty="0" smtClean="0"/>
+              <a:t>Gentiles</a:t>
+            </a:r>
+            <a:r>
+              <a:rPr lang="en-US" dirty="0" smtClean="0"/>
+              <a:t> (Matt: 4:13-15)</a:t>
+            </a:r>
+          </a:p>
+          <a:p>
+            <a:r>
+              <a:rPr lang="en-US" dirty="0">
+                <a:solidFill>
+                  <a:srgbClr val="FF0000"/>
+                </a:solidFill>
+              </a:rPr>
+              <a:t>A</a:t>
+            </a:r>
+            <a:r>
+              <a:rPr lang="en-US" dirty="0" smtClean="0">
+                <a:solidFill>
+                  <a:srgbClr val="FF0000"/>
+                </a:solidFill>
+              </a:rPr>
+              <a:t>s </a:t>
+            </a:r>
+            <a:r>
+              <a:rPr lang="en-US" dirty="0">
+                <a:solidFill>
+                  <a:srgbClr val="FF0000"/>
+                </a:solidFill>
+              </a:rPr>
+              <a:t>it is </a:t>
+            </a:r>
+            <a:r>
+              <a:rPr lang="en-US" dirty="0" smtClean="0">
+                <a:solidFill>
+                  <a:srgbClr val="FF0000"/>
+                </a:solidFill>
+              </a:rPr>
+              <a:t>written: </a:t>
+            </a:r>
+            <a:r>
+              <a:rPr lang="en-US" i="1" dirty="0" smtClean="0"/>
+              <a:t>There </a:t>
+            </a:r>
+            <a:r>
+              <a:rPr lang="en-US" i="1" dirty="0"/>
+              <a:t>is no one who is righteous, not even </a:t>
+            </a:r>
+            <a:r>
+              <a:rPr lang="en-US" i="1" dirty="0" smtClean="0"/>
+              <a:t>one</a:t>
+            </a:r>
+            <a:r>
+              <a:rPr lang="en-US" dirty="0" smtClean="0"/>
+              <a:t>” (Rom 3:10)</a:t>
+            </a:r>
+          </a:p>
+          <a:p>
+            <a:r>
+              <a:rPr lang="en-US" i="1" dirty="0" smtClean="0"/>
+              <a:t>For there shall be yet another vision concerning the appointed time. It shall tell of the end and not lie. </a:t>
+            </a:r>
+            <a:r>
+              <a:rPr lang="en-US" dirty="0" smtClean="0">
+                <a:solidFill>
+                  <a:srgbClr val="FF0000"/>
+                </a:solidFill>
+              </a:rPr>
+              <a:t>Interpreted, this means </a:t>
+            </a:r>
+            <a:r>
+              <a:rPr lang="en-US" dirty="0" smtClean="0"/>
+              <a:t>that the final age shall be prolonged. </a:t>
+            </a:r>
+            <a:r>
+              <a:rPr lang="en-US" i="1" dirty="0" smtClean="0"/>
+              <a:t>If it tarries, wait for it… </a:t>
+            </a:r>
+            <a:r>
+              <a:rPr lang="en-US" dirty="0" smtClean="0"/>
+              <a:t>(1QpHab vii 6-10)</a:t>
+            </a:r>
+            <a:endParaRPr lang="en-US" i="1" dirty="0" smtClean="0"/>
+          </a:p>
+          <a:p>
+            <a:pPr marL="0" indent="0">
+              <a:buNone/>
+            </a:pPr>
+            <a:endParaRPr lang="en-US" dirty="0"/>
+          </a:p>
+        </p:txBody>
+      </p:sp>
+      <p:sp>
+        <p:nvSpPr>
+          <p:cNvPr id="4" name="Footer Placeholder 3"/>
+          <p:cNvSpPr>
+            <a:spLocks noGrp="1"/>
+          </p:cNvSpPr>
+          <p:nvPr>
+            <p:ph type="ftr" sz="quarter" idx="11"/>
+          </p:nvPr>
+        </p:nvSpPr>
+        <p:spPr/>
+        <p:txBody>
+          <a:bodyPr/>
+          <a:lstStyle/>
+          <a:p>
+            <a:r>
+              <a:rPr lang="en-US" smtClean="0"/>
+              <a:t>Encoding Apocalypse and Empire</a:t>
+            </a:r>
+            <a:endParaRPr lang="en-US"/>
+          </a:p>
+        </p:txBody>
+      </p:sp>
+      <p:sp>
+        <p:nvSpPr>
+          <p:cNvPr id="5" name="Slide Number Placeholder 4"/>
+          <p:cNvSpPr>
+            <a:spLocks noGrp="1"/>
+          </p:cNvSpPr>
+          <p:nvPr>
+            <p:ph type="sldNum" sz="quarter" idx="12"/>
+          </p:nvPr>
+        </p:nvSpPr>
+        <p:spPr/>
+        <p:txBody>
+          <a:bodyPr/>
+          <a:lstStyle/>
+          <a:p>
+            <a:fld id="{B54884B7-6C20-497E-907D-B5AAC07785D1}" type="slidenum">
+              <a:rPr lang="en-US" smtClean="0"/>
+              <a:t>7</a:t>
+            </a:fld>
+            <a:endParaRPr lang="en-US"/>
+          </a:p>
+        </p:txBody>
+      </p:sp>
     </p:spTree>
     <p:extLst>
       <p:ext uri="{BB962C8B-B14F-4D97-AF65-F5344CB8AC3E}">
-        <p14:creationId xmlns:p14="http://schemas.microsoft.com/office/powerpoint/2010/main" val="2693517650"/>
+        <p14:creationId xmlns:p14="http://schemas.microsoft.com/office/powerpoint/2010/main" val="3233610940"/>
       </p:ext>
     </p:extLst>
   </p:cSld>
   <p:clrMapOvr>
     <a:masterClrMapping/>
   </p:clrMapOvr>
+  <p:timing>
+    <p:tnLst>
+      <p:par>
+        <p:cTn id="1" dur="indefinite" restart="never" nodeType="tmRoot"/>
+      </p:par>
+    </p:tnLst>
+  </p:timing>
 </p:sld>
 </file>
 
@@ -5845,8 +7519,16 @@
           <a:lstStyle/>
           <a:p>
             <a:r>
-              <a:rPr lang="en-US" smtClean="0"/>
-              <a:t>Enumerated Allusions</a:t>
+              <a:rPr lang="en-US" dirty="0" smtClean="0"/>
+              <a:t>Greek </a:t>
+            </a:r>
+            <a:r>
+              <a:rPr lang="en-US" dirty="0" err="1" smtClean="0"/>
+              <a:t>Textforms</a:t>
+            </a:r>
+            <a:r>
+              <a:rPr lang="en-US" dirty="0" smtClean="0"/>
+              <a:t>?</a:t>
             </a:r>
             <a:endParaRPr lang="en-US" dirty="0"/>
           </a:p>
@@ -5854,7 +7536,7 @@
       </p:sp>
       <p:graphicFrame>
         <p:nvGraphicFramePr>
-          <p:cNvPr id="4" name="Content Placeholder 3"/>
+          <p:cNvPr id="7" name="Content Placeholder 6"/>
           <p:cNvGraphicFramePr>
             <a:graphicFrameLocks noGrp="1"/>
           </p:cNvGraphicFramePr>
@@ -5862,31 +7544,919 @@
             <p:ph idx="1"/>
             <p:extLst>
               <p:ext uri="{D42A27DB-BD31-4B8C-83A1-F6EECF244321}">
-                <p14:modId xmlns:p14="http://schemas.microsoft.com/office/powerpoint/2010/main" val="683910842"/>
+                <p14:modId xmlns:p14="http://schemas.microsoft.com/office/powerpoint/2010/main" val="431890483"/>
               </p:ext>
             </p:extLst>
           </p:nvPr>
         </p:nvGraphicFramePr>
         <p:xfrm>
-          <a:off x="457200" y="1600200"/>
-          <a:ext cx="8229600" cy="4525963"/>
+          <a:off x="457200" y="1295400"/>
+          <a:ext cx="7620000" cy="5308600"/>
         </p:xfrm>
         <a:graphic>
-          <a:graphicData uri="http://schemas.openxmlformats.org/drawingml/2006/chart">
-            <c:chart xmlns:c="http://schemas.openxmlformats.org/drawingml/2006/chart" xmlns:r="http://schemas.openxmlformats.org/officeDocument/2006/relationships" r:id="rId2"/>
+          <a:graphicData uri="http://schemas.openxmlformats.org/drawingml/2006/table">
+            <a:tbl>
+              <a:tblPr firstRow="1" bandRow="1">
+                <a:tableStyleId>{5C22544A-7EE6-4342-B048-85BDC9FD1C3A}</a:tableStyleId>
+              </a:tblPr>
+              <a:tblGrid>
+                <a:gridCol w="2540000"/>
+                <a:gridCol w="2540000"/>
+                <a:gridCol w="2540000"/>
+              </a:tblGrid>
+              <a:tr h="370840">
+                <a:tc>
+                  <a:txBody>
+                    <a:bodyPr/>
+                    <a:lstStyle/>
+                    <a:p>
+                      <a:pPr marL="0" marR="0" algn="ctr">
+                        <a:lnSpc>
+                          <a:spcPct val="100000"/>
+                        </a:lnSpc>
+                        <a:spcBef>
+                          <a:spcPts val="0"/>
+                        </a:spcBef>
+                        <a:spcAft>
+                          <a:spcPts val="0"/>
+                        </a:spcAft>
+                      </a:pPr>
+                      <a:r>
+                        <a:rPr lang="en-US" sz="1800" b="1" dirty="0">
+                          <a:solidFill>
+                            <a:schemeClr val="tx1"/>
+                          </a:solidFill>
+                          <a:effectLst/>
+                          <a:latin typeface="+mn-lt"/>
+                          <a:ea typeface="Calibri"/>
+                          <a:cs typeface="Times New Roman"/>
+                        </a:rPr>
+                        <a:t>Rev 1:4-5</a:t>
+                      </a:r>
+                      <a:endParaRPr lang="en-US" sz="1800" b="1" dirty="0">
+                        <a:solidFill>
+                          <a:schemeClr val="tx1"/>
+                        </a:solidFill>
+                        <a:effectLst/>
+                        <a:latin typeface="+mn-lt"/>
+                        <a:ea typeface="Calibri"/>
+                        <a:cs typeface="Arial"/>
+                      </a:endParaRPr>
+                    </a:p>
+                  </a:txBody>
+                  <a:tcPr marL="63500" marR="63500" marT="0" marB="0">
+                    <a:solidFill>
+                      <a:schemeClr val="bg1"/>
+                    </a:solidFill>
+                  </a:tcPr>
+                </a:tc>
+                <a:tc>
+                  <a:txBody>
+                    <a:bodyPr/>
+                    <a:lstStyle/>
+                    <a:p>
+                      <a:pPr marL="0" marR="0" algn="ctr">
+                        <a:lnSpc>
+                          <a:spcPct val="100000"/>
+                        </a:lnSpc>
+                        <a:spcBef>
+                          <a:spcPts val="0"/>
+                        </a:spcBef>
+                        <a:spcAft>
+                          <a:spcPts val="0"/>
+                        </a:spcAft>
+                      </a:pPr>
+                      <a:r>
+                        <a:rPr lang="en-US" sz="1800" b="1" dirty="0">
+                          <a:solidFill>
+                            <a:schemeClr val="tx1"/>
+                          </a:solidFill>
+                          <a:effectLst/>
+                          <a:latin typeface="+mn-lt"/>
+                          <a:ea typeface="Calibri"/>
+                          <a:cs typeface="Times New Roman"/>
+                        </a:rPr>
+                        <a:t>Exod 3:14 LXX</a:t>
+                      </a:r>
+                      <a:endParaRPr lang="en-US" sz="1800" b="1" dirty="0">
+                        <a:solidFill>
+                          <a:schemeClr val="tx1"/>
+                        </a:solidFill>
+                        <a:effectLst/>
+                        <a:latin typeface="+mn-lt"/>
+                        <a:ea typeface="Calibri"/>
+                        <a:cs typeface="Arial"/>
+                      </a:endParaRPr>
+                    </a:p>
+                  </a:txBody>
+                  <a:tcPr marL="63500" marR="63500" marT="0" marB="0">
+                    <a:solidFill>
+                      <a:schemeClr val="bg1"/>
+                    </a:solidFill>
+                  </a:tcPr>
+                </a:tc>
+                <a:tc>
+                  <a:txBody>
+                    <a:bodyPr/>
+                    <a:lstStyle/>
+                    <a:p>
+                      <a:pPr marL="0" marR="0" algn="ctr">
+                        <a:lnSpc>
+                          <a:spcPct val="100000"/>
+                        </a:lnSpc>
+                        <a:spcBef>
+                          <a:spcPts val="0"/>
+                        </a:spcBef>
+                        <a:spcAft>
+                          <a:spcPts val="0"/>
+                        </a:spcAft>
+                      </a:pPr>
+                      <a:r>
+                        <a:rPr lang="en-US" sz="1800" b="1" dirty="0">
+                          <a:solidFill>
+                            <a:schemeClr val="tx1"/>
+                          </a:solidFill>
+                          <a:effectLst/>
+                          <a:latin typeface="+mn-lt"/>
+                          <a:ea typeface="Calibri"/>
+                          <a:cs typeface="Times New Roman"/>
+                        </a:rPr>
+                        <a:t>Ps 88:37-38 LXX</a:t>
+                      </a:r>
+                      <a:endParaRPr lang="en-US" sz="1800" b="1" dirty="0">
+                        <a:solidFill>
+                          <a:schemeClr val="tx1"/>
+                        </a:solidFill>
+                        <a:effectLst/>
+                        <a:latin typeface="+mn-lt"/>
+                        <a:ea typeface="Calibri"/>
+                        <a:cs typeface="Arial"/>
+                      </a:endParaRPr>
+                    </a:p>
+                  </a:txBody>
+                  <a:tcPr marL="63500" marR="63500" marT="0" marB="0">
+                    <a:solidFill>
+                      <a:schemeClr val="bg1"/>
+                    </a:solidFill>
+                  </a:tcPr>
+                </a:tc>
+              </a:tr>
+              <a:tr h="370840">
+                <a:tc>
+                  <a:txBody>
+                    <a:bodyPr/>
+                    <a:lstStyle/>
+                    <a:p>
+                      <a:pPr marL="0" marR="0">
+                        <a:lnSpc>
+                          <a:spcPct val="100000"/>
+                        </a:lnSpc>
+                        <a:spcBef>
+                          <a:spcPts val="0"/>
+                        </a:spcBef>
+                        <a:spcAft>
+                          <a:spcPts val="0"/>
+                        </a:spcAft>
+                      </a:pPr>
+                      <a:r>
+                        <a:rPr lang="el-GR" sz="1800" dirty="0" smtClean="0">
+                          <a:effectLst/>
+                          <a:latin typeface="Times New Roman"/>
+                          <a:ea typeface="Calibri"/>
+                          <a:cs typeface="Times New Roman"/>
+                        </a:rPr>
+                        <a:t>χάρις </a:t>
+                      </a:r>
+                      <a:r>
+                        <a:rPr lang="el-GR" sz="1800" dirty="0">
+                          <a:effectLst/>
+                          <a:latin typeface="Times New Roman"/>
+                          <a:ea typeface="Calibri"/>
+                          <a:cs typeface="Times New Roman"/>
+                        </a:rPr>
+                        <a:t>ὑμῖν καὶ εἰρήνη </a:t>
+                      </a:r>
+                      <a:r>
+                        <a:rPr lang="el-GR" sz="1800" dirty="0">
+                          <a:solidFill>
+                            <a:srgbClr val="FF0000"/>
+                          </a:solidFill>
+                          <a:effectLst/>
+                          <a:latin typeface="Times New Roman"/>
+                          <a:ea typeface="Calibri"/>
+                          <a:cs typeface="Times New Roman"/>
+                        </a:rPr>
+                        <a:t>ἀπὸ ὁ ὢν </a:t>
+                      </a:r>
+                      <a:r>
+                        <a:rPr lang="el-GR" sz="1800" dirty="0">
+                          <a:effectLst/>
+                          <a:latin typeface="Times New Roman"/>
+                          <a:ea typeface="Calibri"/>
+                          <a:cs typeface="Times New Roman"/>
+                        </a:rPr>
+                        <a:t>καὶ ὁ ἦν καὶ ὁ ἐρχόμενος καὶ ἀπὸ τῶν ἑπτὰ πνευμάτων ἃ ἐνώπιον τοῦ θρόνου αὐτοῦ καὶ ἀπὸ Ἰησοῦ Χριστοῦ, </a:t>
+                      </a:r>
+                      <a:r>
+                        <a:rPr lang="el-GR" sz="1800" dirty="0">
+                          <a:solidFill>
+                            <a:srgbClr val="FF0000"/>
+                          </a:solidFill>
+                          <a:effectLst/>
+                          <a:latin typeface="Times New Roman"/>
+                          <a:ea typeface="Calibri"/>
+                          <a:cs typeface="Times New Roman"/>
+                        </a:rPr>
+                        <a:t>ὁ μάρτυς, ὁ πιστός</a:t>
+                      </a:r>
+                      <a:r>
+                        <a:rPr lang="el-GR" sz="1800" dirty="0">
+                          <a:effectLst/>
+                          <a:latin typeface="Times New Roman"/>
+                          <a:ea typeface="Calibri"/>
+                          <a:cs typeface="Times New Roman"/>
+                        </a:rPr>
+                        <a:t>, </a:t>
+                      </a:r>
+                      <a:r>
+                        <a:rPr lang="el-GR" sz="1800" dirty="0" smtClean="0">
+                          <a:effectLst/>
+                          <a:latin typeface="Times New Roman"/>
+                          <a:ea typeface="Calibri"/>
+                          <a:cs typeface="Times New Roman"/>
+                        </a:rPr>
+                        <a:t> </a:t>
+                      </a:r>
+                      <a:r>
+                        <a:rPr lang="en-US" sz="1800" dirty="0" smtClean="0">
+                          <a:effectLst/>
+                          <a:latin typeface="Times New Roman"/>
+                          <a:ea typeface="Calibri"/>
+                          <a:cs typeface="Times New Roman"/>
+                        </a:rPr>
+                        <a:t>…</a:t>
+                      </a:r>
+                      <a:endParaRPr lang="en-US" sz="1800" dirty="0">
+                        <a:effectLst/>
+                        <a:latin typeface="Times New Roman"/>
+                        <a:ea typeface="Calibri"/>
+                        <a:cs typeface="Arial"/>
+                      </a:endParaRPr>
+                    </a:p>
+                    <a:p>
+                      <a:pPr marL="0" marR="0">
+                        <a:lnSpc>
+                          <a:spcPct val="100000"/>
+                        </a:lnSpc>
+                        <a:spcBef>
+                          <a:spcPts val="0"/>
+                        </a:spcBef>
+                        <a:spcAft>
+                          <a:spcPts val="0"/>
+                        </a:spcAft>
+                      </a:pPr>
+                      <a:r>
+                        <a:rPr lang="en-US" sz="1800" dirty="0">
+                          <a:effectLst/>
+                          <a:latin typeface="Times New Roman"/>
+                          <a:ea typeface="Calibri"/>
+                          <a:cs typeface="Times New Roman"/>
+                        </a:rPr>
+                        <a:t> </a:t>
+                      </a:r>
+                      <a:endParaRPr lang="en-US" sz="1800" dirty="0">
+                        <a:effectLst/>
+                        <a:latin typeface="Times New Roman"/>
+                        <a:ea typeface="Calibri"/>
+                        <a:cs typeface="Arial"/>
+                      </a:endParaRPr>
+                    </a:p>
+                  </a:txBody>
+                  <a:tcPr marL="63500" marR="63500" marT="0" marB="0">
+                    <a:solidFill>
+                      <a:schemeClr val="bg1"/>
+                    </a:solidFill>
+                  </a:tcPr>
+                </a:tc>
+                <a:tc>
+                  <a:txBody>
+                    <a:bodyPr/>
+                    <a:lstStyle/>
+                    <a:p>
+                      <a:pPr marL="0" marR="0">
+                        <a:lnSpc>
+                          <a:spcPct val="100000"/>
+                        </a:lnSpc>
+                        <a:spcBef>
+                          <a:spcPts val="0"/>
+                        </a:spcBef>
+                        <a:spcAft>
+                          <a:spcPts val="0"/>
+                        </a:spcAft>
+                      </a:pPr>
+                      <a:r>
+                        <a:rPr lang="el-GR" sz="1800" dirty="0">
+                          <a:effectLst/>
+                          <a:latin typeface="Times New Roman"/>
+                          <a:ea typeface="Calibri"/>
+                          <a:cs typeface="Times New Roman"/>
+                        </a:rPr>
+                        <a:t>καὶ εἶπεν ὁ θεὸς πρὸς Μωυσῆν ἐγώ εἰμι </a:t>
+                      </a:r>
+                      <a:r>
+                        <a:rPr lang="el-GR" sz="1800" dirty="0">
+                          <a:solidFill>
+                            <a:srgbClr val="FF0000"/>
+                          </a:solidFill>
+                          <a:effectLst/>
+                          <a:latin typeface="Times New Roman"/>
+                          <a:ea typeface="Calibri"/>
+                          <a:cs typeface="Times New Roman"/>
+                        </a:rPr>
+                        <a:t>ὁ ὤν </a:t>
+                      </a:r>
+                      <a:r>
+                        <a:rPr lang="el-GR" sz="1800" dirty="0">
+                          <a:effectLst/>
+                          <a:latin typeface="Times New Roman"/>
+                          <a:ea typeface="Calibri"/>
+                          <a:cs typeface="Times New Roman"/>
+                        </a:rPr>
+                        <a:t>καὶ εἶπεν οὕτως ἐρεῖς τοῖς υἱοῖς Ισραηλ ὁ ὢν ἀπέσταλκέν με πρὸς ὑμᾶς </a:t>
+                      </a:r>
+                      <a:endParaRPr lang="en-US" sz="1800" dirty="0">
+                        <a:effectLst/>
+                        <a:latin typeface="Times New Roman"/>
+                        <a:ea typeface="Calibri"/>
+                        <a:cs typeface="Arial"/>
+                      </a:endParaRPr>
+                    </a:p>
+                  </a:txBody>
+                  <a:tcPr marL="63500" marR="63500" marT="0" marB="0">
+                    <a:solidFill>
+                      <a:schemeClr val="bg1"/>
+                    </a:solidFill>
+                  </a:tcPr>
+                </a:tc>
+                <a:tc>
+                  <a:txBody>
+                    <a:bodyPr/>
+                    <a:lstStyle/>
+                    <a:p>
+                      <a:pPr marL="197485" marR="0" indent="-197485">
+                        <a:lnSpc>
+                          <a:spcPct val="100000"/>
+                        </a:lnSpc>
+                        <a:spcBef>
+                          <a:spcPts val="0"/>
+                        </a:spcBef>
+                        <a:spcAft>
+                          <a:spcPts val="0"/>
+                        </a:spcAft>
+                      </a:pPr>
+                      <a:r>
+                        <a:rPr lang="el-GR" sz="1800" dirty="0">
+                          <a:effectLst/>
+                          <a:latin typeface="Times New Roman"/>
+                          <a:ea typeface="Calibri"/>
+                          <a:cs typeface="Times New Roman"/>
+                        </a:rPr>
+                        <a:t>τὸ σπέρμα αὐτοῦ εἰς τὸν αἰῶνα μενεῖ </a:t>
+                      </a:r>
+                      <a:endParaRPr lang="en-US" sz="1800" dirty="0">
+                        <a:effectLst/>
+                        <a:latin typeface="Times New Roman"/>
+                        <a:ea typeface="Calibri"/>
+                        <a:cs typeface="Arial"/>
+                      </a:endParaRPr>
+                    </a:p>
+                    <a:p>
+                      <a:pPr marL="197485" marR="0" indent="-197485">
+                        <a:lnSpc>
+                          <a:spcPct val="100000"/>
+                        </a:lnSpc>
+                        <a:spcBef>
+                          <a:spcPts val="0"/>
+                        </a:spcBef>
+                        <a:spcAft>
+                          <a:spcPts val="0"/>
+                        </a:spcAft>
+                      </a:pPr>
+                      <a:r>
+                        <a:rPr lang="el-GR" sz="1800" dirty="0">
+                          <a:effectLst/>
+                          <a:latin typeface="Times New Roman"/>
+                          <a:ea typeface="Calibri"/>
+                          <a:cs typeface="Times New Roman"/>
+                        </a:rPr>
+                        <a:t>καὶ ὁ θρόνος αὐτοῦ ὡς ὁ ἥλιος ἐναντίον μου </a:t>
+                      </a:r>
+                      <a:endParaRPr lang="en-US" sz="1800" dirty="0">
+                        <a:effectLst/>
+                        <a:latin typeface="Times New Roman"/>
+                        <a:ea typeface="Calibri"/>
+                        <a:cs typeface="Arial"/>
+                      </a:endParaRPr>
+                    </a:p>
+                    <a:p>
+                      <a:pPr marL="197485" marR="0" indent="-197485">
+                        <a:lnSpc>
+                          <a:spcPct val="100000"/>
+                        </a:lnSpc>
+                        <a:spcBef>
+                          <a:spcPts val="0"/>
+                        </a:spcBef>
+                        <a:spcAft>
+                          <a:spcPts val="0"/>
+                        </a:spcAft>
+                      </a:pPr>
+                      <a:r>
+                        <a:rPr lang="el-GR" sz="1800" dirty="0">
+                          <a:effectLst/>
+                          <a:latin typeface="Times New Roman"/>
+                          <a:ea typeface="Calibri"/>
+                          <a:cs typeface="Times New Roman"/>
+                        </a:rPr>
+                        <a:t>καὶ ὡς ἡ σελήνη κατηρτισμένη εἰς τὸν αἰῶνα </a:t>
+                      </a:r>
+                      <a:endParaRPr lang="en-US" sz="1800" dirty="0">
+                        <a:effectLst/>
+                        <a:latin typeface="Times New Roman"/>
+                        <a:ea typeface="Calibri"/>
+                        <a:cs typeface="Arial"/>
+                      </a:endParaRPr>
+                    </a:p>
+                    <a:p>
+                      <a:pPr marL="197485" marR="0" indent="-197485">
+                        <a:lnSpc>
+                          <a:spcPct val="100000"/>
+                        </a:lnSpc>
+                        <a:spcBef>
+                          <a:spcPts val="0"/>
+                        </a:spcBef>
+                        <a:spcAft>
+                          <a:spcPts val="0"/>
+                        </a:spcAft>
+                      </a:pPr>
+                      <a:r>
+                        <a:rPr lang="el-GR" sz="1800" dirty="0">
+                          <a:effectLst/>
+                          <a:latin typeface="Times New Roman"/>
+                          <a:ea typeface="Calibri"/>
+                          <a:cs typeface="Times New Roman"/>
+                        </a:rPr>
+                        <a:t>καὶ </a:t>
+                      </a:r>
+                      <a:r>
+                        <a:rPr lang="el-GR" sz="1800" dirty="0">
+                          <a:solidFill>
+                            <a:srgbClr val="FF0000"/>
+                          </a:solidFill>
+                          <a:effectLst/>
+                          <a:latin typeface="Times New Roman"/>
+                          <a:ea typeface="Calibri"/>
+                          <a:cs typeface="Times New Roman"/>
+                        </a:rPr>
+                        <a:t>ὁ μάρτυς </a:t>
+                      </a:r>
+                      <a:r>
+                        <a:rPr lang="el-GR" sz="1800" dirty="0">
+                          <a:effectLst/>
+                          <a:latin typeface="Times New Roman"/>
+                          <a:ea typeface="Calibri"/>
+                          <a:cs typeface="Times New Roman"/>
+                        </a:rPr>
+                        <a:t>ἐν οὐρανῷ </a:t>
+                      </a:r>
+                      <a:r>
+                        <a:rPr lang="el-GR" sz="1800" dirty="0">
+                          <a:solidFill>
+                            <a:srgbClr val="FF0000"/>
+                          </a:solidFill>
+                          <a:effectLst/>
+                          <a:latin typeface="Times New Roman"/>
+                          <a:ea typeface="Calibri"/>
+                          <a:cs typeface="Times New Roman"/>
+                        </a:rPr>
+                        <a:t>πιστός</a:t>
+                      </a:r>
+                      <a:r>
+                        <a:rPr lang="en-US" sz="1800" dirty="0">
+                          <a:effectLst/>
+                          <a:latin typeface="Times New Roman"/>
+                          <a:ea typeface="Calibri"/>
+                          <a:cs typeface="Times New Roman"/>
+                        </a:rPr>
+                        <a:t>. </a:t>
+                      </a:r>
+                      <a:endParaRPr lang="en-US" sz="1800" dirty="0">
+                        <a:effectLst/>
+                        <a:latin typeface="Times New Roman"/>
+                        <a:ea typeface="Calibri"/>
+                        <a:cs typeface="Arial"/>
+                      </a:endParaRPr>
+                    </a:p>
+                  </a:txBody>
+                  <a:tcPr marL="63500" marR="63500" marT="0" marB="0">
+                    <a:solidFill>
+                      <a:schemeClr val="bg1"/>
+                    </a:solidFill>
+                  </a:tcPr>
+                </a:tc>
+              </a:tr>
+              <a:tr h="370840">
+                <a:tc>
+                  <a:txBody>
+                    <a:bodyPr/>
+                    <a:lstStyle/>
+                    <a:p>
+                      <a:pPr marL="0" marR="0">
+                        <a:lnSpc>
+                          <a:spcPct val="100000"/>
+                        </a:lnSpc>
+                        <a:spcBef>
+                          <a:spcPts val="0"/>
+                        </a:spcBef>
+                        <a:spcAft>
+                          <a:spcPts val="0"/>
+                        </a:spcAft>
+                      </a:pPr>
+                      <a:r>
+                        <a:rPr lang="en-US" sz="1800" dirty="0" smtClean="0">
+                          <a:effectLst/>
+                          <a:latin typeface="+mn-lt"/>
+                          <a:ea typeface="Calibri"/>
+                          <a:cs typeface="Times New Roman"/>
+                        </a:rPr>
+                        <a:t>Grace </a:t>
+                      </a:r>
+                      <a:r>
+                        <a:rPr lang="en-US" sz="1800" dirty="0">
+                          <a:effectLst/>
+                          <a:latin typeface="+mn-lt"/>
+                          <a:ea typeface="Calibri"/>
+                          <a:cs typeface="Times New Roman"/>
+                        </a:rPr>
+                        <a:t>to you and peace from </a:t>
+                      </a:r>
+                      <a:r>
+                        <a:rPr lang="en-US" sz="1800" dirty="0">
+                          <a:solidFill>
+                            <a:srgbClr val="FF0000"/>
+                          </a:solidFill>
+                          <a:effectLst/>
+                          <a:latin typeface="+mn-lt"/>
+                          <a:ea typeface="Calibri"/>
+                          <a:cs typeface="Times New Roman"/>
+                        </a:rPr>
+                        <a:t>the one who is</a:t>
+                      </a:r>
+                      <a:r>
+                        <a:rPr lang="en-US" sz="1800" dirty="0">
+                          <a:effectLst/>
+                          <a:latin typeface="+mn-lt"/>
+                          <a:ea typeface="Calibri"/>
+                          <a:cs typeface="Times New Roman"/>
+                        </a:rPr>
+                        <a:t> and the one who was, and the one who is coming, and from the seven spirits which are before his throne, and from Jesus Christ, </a:t>
+                      </a:r>
+                      <a:r>
+                        <a:rPr lang="en-US" sz="1800" dirty="0">
+                          <a:solidFill>
+                            <a:srgbClr val="FF0000"/>
+                          </a:solidFill>
+                          <a:effectLst/>
+                          <a:latin typeface="+mn-lt"/>
+                          <a:ea typeface="Calibri"/>
+                          <a:cs typeface="Times New Roman"/>
+                        </a:rPr>
+                        <a:t>the faithful witness,</a:t>
+                      </a:r>
+                      <a:r>
+                        <a:rPr lang="en-US" sz="1800" dirty="0">
+                          <a:effectLst/>
+                          <a:latin typeface="+mn-lt"/>
+                          <a:ea typeface="Calibri"/>
+                          <a:cs typeface="Times New Roman"/>
+                        </a:rPr>
+                        <a:t> </a:t>
+                      </a:r>
+                      <a:r>
+                        <a:rPr lang="en-US" sz="1800" dirty="0" smtClean="0">
+                          <a:effectLst/>
+                          <a:latin typeface="+mn-lt"/>
+                          <a:ea typeface="Calibri"/>
+                          <a:cs typeface="Times New Roman"/>
+                        </a:rPr>
+                        <a:t>…</a:t>
+                      </a:r>
+                      <a:endParaRPr lang="en-US" sz="1800" dirty="0">
+                        <a:effectLst/>
+                        <a:latin typeface="+mn-lt"/>
+                        <a:ea typeface="Calibri"/>
+                        <a:cs typeface="Arial"/>
+                      </a:endParaRPr>
+                    </a:p>
+                  </a:txBody>
+                  <a:tcPr marL="63500" marR="63500" marT="0" marB="0">
+                    <a:solidFill>
+                      <a:schemeClr val="bg1"/>
+                    </a:solidFill>
+                  </a:tcPr>
+                </a:tc>
+                <a:tc>
+                  <a:txBody>
+                    <a:bodyPr/>
+                    <a:lstStyle/>
+                    <a:p>
+                      <a:pPr marL="0" marR="0">
+                        <a:lnSpc>
+                          <a:spcPct val="100000"/>
+                        </a:lnSpc>
+                        <a:spcBef>
+                          <a:spcPts val="0"/>
+                        </a:spcBef>
+                        <a:spcAft>
+                          <a:spcPts val="0"/>
+                        </a:spcAft>
+                      </a:pPr>
+                      <a:r>
+                        <a:rPr lang="en-US" sz="1800" dirty="0">
+                          <a:effectLst/>
+                          <a:latin typeface="+mn-lt"/>
+                          <a:ea typeface="Calibri"/>
+                          <a:cs typeface="Times New Roman"/>
+                        </a:rPr>
+                        <a:t>And God said to Moses “I am </a:t>
+                      </a:r>
+                      <a:r>
+                        <a:rPr lang="en-US" sz="1800" dirty="0">
+                          <a:solidFill>
+                            <a:srgbClr val="FF0000"/>
+                          </a:solidFill>
+                          <a:effectLst/>
+                          <a:latin typeface="+mn-lt"/>
+                          <a:ea typeface="Calibri"/>
+                          <a:cs typeface="Times New Roman"/>
+                        </a:rPr>
+                        <a:t>the one who is</a:t>
+                      </a:r>
+                      <a:r>
+                        <a:rPr lang="en-US" sz="1800" dirty="0">
+                          <a:effectLst/>
+                          <a:latin typeface="+mn-lt"/>
+                          <a:ea typeface="Calibri"/>
+                          <a:cs typeface="Times New Roman"/>
+                        </a:rPr>
+                        <a:t>.” And he said “Thus you will say to the Israelites, ‘</a:t>
+                      </a:r>
+                      <a:r>
+                        <a:rPr lang="en-US" sz="1800" dirty="0">
+                          <a:solidFill>
+                            <a:srgbClr val="FF0000"/>
+                          </a:solidFill>
+                          <a:effectLst/>
+                          <a:latin typeface="+mn-lt"/>
+                          <a:ea typeface="Calibri"/>
+                          <a:cs typeface="Times New Roman"/>
+                        </a:rPr>
+                        <a:t>The one who is </a:t>
+                      </a:r>
+                      <a:r>
+                        <a:rPr lang="en-US" sz="1800" dirty="0">
+                          <a:effectLst/>
+                          <a:latin typeface="+mn-lt"/>
+                          <a:ea typeface="Calibri"/>
+                          <a:cs typeface="Times New Roman"/>
+                        </a:rPr>
+                        <a:t>has sent me to you.’”</a:t>
+                      </a:r>
+                      <a:endParaRPr lang="en-US" sz="1800" dirty="0">
+                        <a:effectLst/>
+                        <a:latin typeface="+mn-lt"/>
+                        <a:ea typeface="Calibri"/>
+                        <a:cs typeface="Arial"/>
+                      </a:endParaRPr>
+                    </a:p>
+                  </a:txBody>
+                  <a:tcPr marL="63500" marR="63500" marT="0" marB="0">
+                    <a:solidFill>
+                      <a:schemeClr val="bg1"/>
+                    </a:solidFill>
+                  </a:tcPr>
+                </a:tc>
+                <a:tc>
+                  <a:txBody>
+                    <a:bodyPr/>
+                    <a:lstStyle/>
+                    <a:p>
+                      <a:pPr marL="197485" marR="0" indent="-197485">
+                        <a:lnSpc>
+                          <a:spcPct val="100000"/>
+                        </a:lnSpc>
+                        <a:spcBef>
+                          <a:spcPts val="0"/>
+                        </a:spcBef>
+                        <a:spcAft>
+                          <a:spcPts val="0"/>
+                        </a:spcAft>
+                      </a:pPr>
+                      <a:r>
+                        <a:rPr lang="en-US" sz="1800" dirty="0">
+                          <a:effectLst/>
+                          <a:latin typeface="+mn-lt"/>
+                          <a:ea typeface="Calibri"/>
+                          <a:cs typeface="Times New Roman"/>
+                        </a:rPr>
+                        <a:t>His seed shall remain forever, </a:t>
+                      </a:r>
+                      <a:endParaRPr lang="en-US" sz="1800" dirty="0">
+                        <a:effectLst/>
+                        <a:latin typeface="+mn-lt"/>
+                        <a:ea typeface="Calibri"/>
+                        <a:cs typeface="Arial"/>
+                      </a:endParaRPr>
+                    </a:p>
+                    <a:p>
+                      <a:pPr marL="197485" marR="0" indent="-197485">
+                        <a:lnSpc>
+                          <a:spcPct val="100000"/>
+                        </a:lnSpc>
+                        <a:spcBef>
+                          <a:spcPts val="0"/>
+                        </a:spcBef>
+                        <a:spcAft>
+                          <a:spcPts val="0"/>
+                        </a:spcAft>
+                      </a:pPr>
+                      <a:r>
+                        <a:rPr lang="en-US" sz="1800" dirty="0">
+                          <a:effectLst/>
+                          <a:latin typeface="+mn-lt"/>
+                          <a:ea typeface="Calibri"/>
+                          <a:cs typeface="Times New Roman"/>
+                        </a:rPr>
+                        <a:t>and his throne [will be] as the sun before me </a:t>
+                      </a:r>
+                      <a:endParaRPr lang="en-US" sz="1800" dirty="0">
+                        <a:effectLst/>
+                        <a:latin typeface="+mn-lt"/>
+                        <a:ea typeface="Calibri"/>
+                        <a:cs typeface="Arial"/>
+                      </a:endParaRPr>
+                    </a:p>
+                    <a:p>
+                      <a:pPr marL="197485" marR="0" indent="-197485">
+                        <a:lnSpc>
+                          <a:spcPct val="100000"/>
+                        </a:lnSpc>
+                        <a:spcBef>
+                          <a:spcPts val="0"/>
+                        </a:spcBef>
+                        <a:spcAft>
+                          <a:spcPts val="0"/>
+                        </a:spcAft>
+                      </a:pPr>
+                      <a:r>
+                        <a:rPr lang="en-US" sz="1800" dirty="0">
+                          <a:effectLst/>
+                          <a:latin typeface="+mn-lt"/>
+                          <a:ea typeface="Calibri"/>
+                          <a:cs typeface="Times New Roman"/>
+                        </a:rPr>
+                        <a:t>and as the moon which is established forever, </a:t>
+                      </a:r>
+                      <a:endParaRPr lang="en-US" sz="1800" dirty="0">
+                        <a:effectLst/>
+                        <a:latin typeface="+mn-lt"/>
+                        <a:ea typeface="Calibri"/>
+                        <a:cs typeface="Arial"/>
+                      </a:endParaRPr>
+                    </a:p>
+                    <a:p>
+                      <a:pPr marL="197485" marR="0" indent="-197485">
+                        <a:lnSpc>
+                          <a:spcPct val="100000"/>
+                        </a:lnSpc>
+                        <a:spcBef>
+                          <a:spcPts val="0"/>
+                        </a:spcBef>
+                        <a:spcAft>
+                          <a:spcPts val="0"/>
+                        </a:spcAft>
+                      </a:pPr>
+                      <a:r>
+                        <a:rPr lang="en-US" sz="1800" dirty="0">
+                          <a:effectLst/>
+                          <a:latin typeface="+mn-lt"/>
+                          <a:ea typeface="Calibri"/>
+                          <a:cs typeface="Times New Roman"/>
+                        </a:rPr>
+                        <a:t>and it will be a </a:t>
+                      </a:r>
+                      <a:r>
+                        <a:rPr lang="en-US" sz="1800" dirty="0">
+                          <a:solidFill>
+                            <a:srgbClr val="FF0000"/>
+                          </a:solidFill>
+                          <a:effectLst/>
+                          <a:latin typeface="+mn-lt"/>
+                          <a:ea typeface="Calibri"/>
+                          <a:cs typeface="Times New Roman"/>
+                        </a:rPr>
+                        <a:t>faithful witness </a:t>
+                      </a:r>
+                      <a:r>
+                        <a:rPr lang="en-US" sz="1800" dirty="0">
+                          <a:effectLst/>
+                          <a:latin typeface="+mn-lt"/>
+                          <a:ea typeface="Calibri"/>
+                          <a:cs typeface="Times New Roman"/>
+                        </a:rPr>
+                        <a:t>in the heavens. </a:t>
+                      </a:r>
+                      <a:endParaRPr lang="en-US" sz="1800" dirty="0">
+                        <a:effectLst/>
+                        <a:latin typeface="+mn-lt"/>
+                        <a:ea typeface="Calibri"/>
+                        <a:cs typeface="Arial"/>
+                      </a:endParaRPr>
+                    </a:p>
+                  </a:txBody>
+                  <a:tcPr marL="63500" marR="63500" marT="0" marB="0">
+                    <a:solidFill>
+                      <a:schemeClr val="bg1"/>
+                    </a:solidFill>
+                  </a:tcPr>
+                </a:tc>
+              </a:tr>
+            </a:tbl>
           </a:graphicData>
         </a:graphic>
       </p:graphicFrame>
+      <p:sp>
+        <p:nvSpPr>
+          <p:cNvPr id="5" name="Footer Placeholder 4"/>
+          <p:cNvSpPr>
+            <a:spLocks noGrp="1"/>
+          </p:cNvSpPr>
+          <p:nvPr>
+            <p:ph type="ftr" sz="quarter" idx="11"/>
+          </p:nvPr>
+        </p:nvSpPr>
+        <p:spPr/>
+        <p:txBody>
+          <a:bodyPr/>
+          <a:lstStyle/>
+          <a:p>
+            <a:r>
+              <a:rPr lang="en-US" smtClean="0"/>
+              <a:t>Encoding Apocalypse and Empire</a:t>
+            </a:r>
+            <a:endParaRPr lang="en-US"/>
+          </a:p>
+        </p:txBody>
+      </p:sp>
+      <p:sp>
+        <p:nvSpPr>
+          <p:cNvPr id="6" name="Slide Number Placeholder 5"/>
+          <p:cNvSpPr>
+            <a:spLocks noGrp="1"/>
+          </p:cNvSpPr>
+          <p:nvPr>
+            <p:ph type="sldNum" sz="quarter" idx="12"/>
+          </p:nvPr>
+        </p:nvSpPr>
+        <p:spPr/>
+        <p:txBody>
+          <a:bodyPr/>
+          <a:lstStyle/>
+          <a:p>
+            <a:fld id="{B54884B7-6C20-497E-907D-B5AAC07785D1}" type="slidenum">
+              <a:rPr lang="en-US" smtClean="0"/>
+              <a:t>8</a:t>
+            </a:fld>
+            <a:endParaRPr lang="en-US"/>
+          </a:p>
+        </p:txBody>
+      </p:sp>
     </p:spTree>
     <p:extLst>
       <p:ext uri="{BB962C8B-B14F-4D97-AF65-F5344CB8AC3E}">
-        <p14:creationId xmlns:p14="http://schemas.microsoft.com/office/powerpoint/2010/main" val="2080665493"/>
+        <p14:creationId xmlns:p14="http://schemas.microsoft.com/office/powerpoint/2010/main" val="3906592764"/>
       </p:ext>
     </p:extLst>
   </p:cSld>
   <p:clrMapOvr>
     <a:masterClrMapping/>
   </p:clrMapOvr>
+  <p:timing>
+    <p:tnLst>
+      <p:par>
+        <p:cTn id="1" dur="indefinite" restart="never" nodeType="tmRoot"/>
+      </p:par>
+    </p:tnLst>
+  </p:timing>
 </p:sld>
 </file>
 
@@ -5924,20 +8494,436 @@
           <a:p>
             <a:r>
               <a:rPr lang="en-US" dirty="0" smtClean="0"/>
-              <a:t>Expanding Allusions</a:t>
+              <a:t>Hebrew </a:t>
+            </a:r>
+            <a:r>
+              <a:rPr lang="en-US" dirty="0" err="1" smtClean="0"/>
+              <a:t>Textforms</a:t>
+            </a:r>
+            <a:r>
+              <a:rPr lang="en-US" dirty="0" smtClean="0"/>
+              <a:t>?</a:t>
             </a:r>
             <a:endParaRPr lang="en-US" dirty="0"/>
           </a:p>
         </p:txBody>
       </p:sp>
-      <p:sp>
-        <p:nvSpPr>
-          <p:cNvPr id="3" name="Content Placeholder 2"/>
-          <p:cNvSpPr>
-            <a:spLocks noGrp="1"/>
-          </p:cNvSpPr>
+      <p:graphicFrame>
+        <p:nvGraphicFramePr>
+          <p:cNvPr id="5" name="Content Placeholder 4"/>
+          <p:cNvGraphicFramePr>
+            <a:graphicFrameLocks noGrp="1"/>
+          </p:cNvGraphicFramePr>
           <p:nvPr>
             <p:ph idx="1"/>
+            <p:extLst>
+              <p:ext uri="{D42A27DB-BD31-4B8C-83A1-F6EECF244321}">
+                <p14:modId xmlns:p14="http://schemas.microsoft.com/office/powerpoint/2010/main" val="3569198277"/>
+              </p:ext>
+            </p:extLst>
+          </p:nvPr>
+        </p:nvGraphicFramePr>
+        <p:xfrm>
+          <a:off x="457200" y="1600200"/>
+          <a:ext cx="7620000" cy="2748280"/>
+        </p:xfrm>
+        <a:graphic>
+          <a:graphicData uri="http://schemas.openxmlformats.org/drawingml/2006/table">
+            <a:tbl>
+              <a:tblPr firstRow="1" bandRow="1">
+                <a:tableStyleId>{2D5ABB26-0587-4C30-8999-92F81FD0307C}</a:tableStyleId>
+              </a:tblPr>
+              <a:tblGrid>
+                <a:gridCol w="2540000"/>
+                <a:gridCol w="2184400"/>
+                <a:gridCol w="2895600"/>
+              </a:tblGrid>
+              <a:tr h="370840">
+                <a:tc>
+                  <a:txBody>
+                    <a:bodyPr/>
+                    <a:lstStyle/>
+                    <a:p>
+                      <a:pPr marL="0" marR="0" algn="ctr">
+                        <a:lnSpc>
+                          <a:spcPct val="100000"/>
+                        </a:lnSpc>
+                        <a:spcBef>
+                          <a:spcPts val="0"/>
+                        </a:spcBef>
+                        <a:spcAft>
+                          <a:spcPts val="0"/>
+                        </a:spcAft>
+                      </a:pPr>
+                      <a:r>
+                        <a:rPr lang="en-US" sz="1800" b="1" dirty="0" smtClean="0">
+                          <a:effectLst/>
+                        </a:rPr>
+                        <a:t>Rev</a:t>
+                      </a:r>
+                      <a:r>
+                        <a:rPr lang="en-US" sz="1800" b="1" baseline="0" dirty="0" smtClean="0">
+                          <a:effectLst/>
+                        </a:rPr>
+                        <a:t> 18:4b</a:t>
+                      </a:r>
+                      <a:endParaRPr lang="en-US" sz="1800" b="1" dirty="0">
+                        <a:effectLst/>
+                        <a:latin typeface="Times New Roman"/>
+                        <a:ea typeface="Calibri"/>
+                        <a:cs typeface="Arial"/>
+                      </a:endParaRPr>
+                    </a:p>
+                  </a:txBody>
+                  <a:tcPr marL="63500" marR="63500" marT="0" marB="0"/>
+                </a:tc>
+                <a:tc>
+                  <a:txBody>
+                    <a:bodyPr/>
+                    <a:lstStyle/>
+                    <a:p>
+                      <a:pPr marL="0" marR="0" algn="ctr">
+                        <a:lnSpc>
+                          <a:spcPct val="100000"/>
+                        </a:lnSpc>
+                        <a:spcBef>
+                          <a:spcPts val="0"/>
+                        </a:spcBef>
+                        <a:spcAft>
+                          <a:spcPts val="0"/>
+                        </a:spcAft>
+                      </a:pPr>
+                      <a:r>
+                        <a:rPr lang="en-US" sz="1800" b="1" dirty="0">
+                          <a:effectLst/>
+                        </a:rPr>
+                        <a:t>Jer 28:45 LXX</a:t>
+                      </a:r>
+                      <a:endParaRPr lang="en-US" sz="1800" b="1" dirty="0">
+                        <a:effectLst/>
+                        <a:latin typeface="Times New Roman"/>
+                        <a:ea typeface="Calibri"/>
+                        <a:cs typeface="Arial"/>
+                      </a:endParaRPr>
+                    </a:p>
+                  </a:txBody>
+                  <a:tcPr marL="63500" marR="63500" marT="0" marB="0"/>
+                </a:tc>
+                <a:tc>
+                  <a:txBody>
+                    <a:bodyPr/>
+                    <a:lstStyle/>
+                    <a:p>
+                      <a:pPr marL="0" marR="0" algn="ctr">
+                        <a:lnSpc>
+                          <a:spcPct val="100000"/>
+                        </a:lnSpc>
+                        <a:spcBef>
+                          <a:spcPts val="0"/>
+                        </a:spcBef>
+                        <a:spcAft>
+                          <a:spcPts val="0"/>
+                        </a:spcAft>
+                      </a:pPr>
+                      <a:r>
+                        <a:rPr lang="en-US" sz="1800" b="1" dirty="0">
+                          <a:effectLst/>
+                        </a:rPr>
+                        <a:t>Jer </a:t>
+                      </a:r>
+                      <a:r>
+                        <a:rPr lang="en-US" sz="1800" b="1" dirty="0" smtClean="0">
+                          <a:effectLst/>
+                        </a:rPr>
+                        <a:t>51:45a MT</a:t>
+                      </a:r>
+                      <a:endParaRPr lang="en-US" sz="1800" b="1" dirty="0">
+                        <a:effectLst/>
+                        <a:latin typeface="Times New Roman"/>
+                        <a:ea typeface="Calibri"/>
+                        <a:cs typeface="Arial"/>
+                      </a:endParaRPr>
+                    </a:p>
+                  </a:txBody>
+                  <a:tcPr marL="63500" marR="63500" marT="0" marB="0"/>
+                </a:tc>
+              </a:tr>
+              <a:tr h="370840">
+                <a:tc>
+                  <a:txBody>
+                    <a:bodyPr/>
+                    <a:lstStyle/>
+                    <a:p>
+                      <a:pPr marL="0" marR="0">
+                        <a:lnSpc>
+                          <a:spcPct val="100000"/>
+                        </a:lnSpc>
+                        <a:spcBef>
+                          <a:spcPts val="0"/>
+                        </a:spcBef>
+                        <a:spcAft>
+                          <a:spcPts val="0"/>
+                        </a:spcAft>
+                      </a:pPr>
+                      <a:r>
+                        <a:rPr lang="el-GR" sz="1800" dirty="0">
+                          <a:solidFill>
+                            <a:srgbClr val="FF0000"/>
+                          </a:solidFill>
+                          <a:effectLst/>
+                        </a:rPr>
+                        <a:t>ἐξέλθατε ὁ λαός μου ἐξ </a:t>
+                      </a:r>
+                      <a:r>
+                        <a:rPr lang="el-GR" sz="1800" dirty="0" smtClean="0">
+                          <a:solidFill>
+                            <a:srgbClr val="FF0000"/>
+                          </a:solidFill>
+                          <a:effectLst/>
+                        </a:rPr>
+                        <a:t>αὐτῆς</a:t>
+                      </a:r>
+                      <a:endParaRPr lang="en-US" sz="1800" dirty="0">
+                        <a:solidFill>
+                          <a:srgbClr val="FF0000"/>
+                        </a:solidFill>
+                        <a:effectLst/>
+                        <a:latin typeface="Times New Roman"/>
+                        <a:ea typeface="Calibri"/>
+                        <a:cs typeface="Arial"/>
+                      </a:endParaRPr>
+                    </a:p>
+                  </a:txBody>
+                  <a:tcPr marL="63500" marR="63500" marT="0" marB="0"/>
+                </a:tc>
+                <a:tc>
+                  <a:txBody>
+                    <a:bodyPr/>
+                    <a:lstStyle/>
+                    <a:p>
+                      <a:pPr marL="0" marR="0" algn="ctr">
+                        <a:lnSpc>
+                          <a:spcPct val="100000"/>
+                        </a:lnSpc>
+                        <a:spcBef>
+                          <a:spcPts val="0"/>
+                        </a:spcBef>
+                        <a:spcAft>
+                          <a:spcPts val="0"/>
+                        </a:spcAft>
+                      </a:pPr>
+                      <a:r>
+                        <a:rPr lang="en-US" sz="1800" dirty="0">
+                          <a:effectLst/>
+                        </a:rPr>
+                        <a:t>[Lacking]</a:t>
+                      </a:r>
+                      <a:endParaRPr lang="en-US" sz="1800" dirty="0">
+                        <a:effectLst/>
+                        <a:latin typeface="Times New Roman"/>
+                        <a:ea typeface="Calibri"/>
+                        <a:cs typeface="Arial"/>
+                      </a:endParaRPr>
+                    </a:p>
+                  </a:txBody>
+                  <a:tcPr marL="63500" marR="63500" marT="0" marB="0"/>
+                </a:tc>
+                <a:tc>
+                  <a:txBody>
+                    <a:bodyPr/>
+                    <a:lstStyle/>
+                    <a:p>
+                      <a:pPr marL="0" marR="0" algn="r">
+                        <a:lnSpc>
+                          <a:spcPct val="100000"/>
+                        </a:lnSpc>
+                        <a:spcBef>
+                          <a:spcPts val="0"/>
+                        </a:spcBef>
+                        <a:spcAft>
+                          <a:spcPts val="0"/>
+                        </a:spcAft>
+                      </a:pPr>
+                      <a:r>
+                        <a:rPr lang="he-IL" sz="2800" dirty="0" smtClean="0">
+                          <a:effectLst/>
+                          <a:latin typeface="Times New Roman" panose="02020603050405020304" pitchFamily="18" charset="0"/>
+                          <a:cs typeface="Times New Roman" panose="02020603050405020304" pitchFamily="18" charset="0"/>
+                        </a:rPr>
+                        <a:t> </a:t>
+                      </a:r>
+                      <a:r>
+                        <a:rPr lang="he-IL" sz="2800" dirty="0" smtClean="0">
+                          <a:solidFill>
+                            <a:srgbClr val="FF0000"/>
+                          </a:solidFill>
+                          <a:effectLst/>
+                          <a:latin typeface="Times New Roman" panose="02020603050405020304" pitchFamily="18" charset="0"/>
+                          <a:cs typeface="Times New Roman" panose="02020603050405020304" pitchFamily="18" charset="0"/>
+                        </a:rPr>
+                        <a:t>צְאוּ מִתּוֹכָהּ עַמִּי </a:t>
+                      </a:r>
+                      <a:r>
+                        <a:rPr lang="he-IL" sz="2800" dirty="0" smtClean="0">
+                          <a:effectLst/>
+                          <a:latin typeface="Times New Roman" panose="02020603050405020304" pitchFamily="18" charset="0"/>
+                          <a:cs typeface="Times New Roman" panose="02020603050405020304" pitchFamily="18" charset="0"/>
+                        </a:rPr>
+                        <a:t>וּמַלְּטוּ אִישׁ אֶת־נַפְשׁוֹ מֵחֲרוֹן אַף־יְהוָה </a:t>
+                      </a:r>
+                    </a:p>
+                    <a:p>
+                      <a:pPr marL="0" marR="0" algn="r">
+                        <a:lnSpc>
+                          <a:spcPct val="100000"/>
+                        </a:lnSpc>
+                        <a:spcBef>
+                          <a:spcPts val="0"/>
+                        </a:spcBef>
+                        <a:spcAft>
+                          <a:spcPts val="0"/>
+                        </a:spcAft>
+                      </a:pPr>
+                      <a:endParaRPr lang="en-US" sz="1800" dirty="0">
+                        <a:effectLst/>
+                        <a:latin typeface="Times New Roman"/>
+                        <a:ea typeface="Calibri"/>
+                        <a:cs typeface="Arial"/>
+                      </a:endParaRPr>
+                    </a:p>
+                  </a:txBody>
+                  <a:tcPr marL="63500" marR="63500" marT="0" marB="0"/>
+                </a:tc>
+              </a:tr>
+              <a:tr h="370840">
+                <a:tc>
+                  <a:txBody>
+                    <a:bodyPr/>
+                    <a:lstStyle/>
+                    <a:p>
+                      <a:pPr marL="0" marR="0">
+                        <a:lnSpc>
+                          <a:spcPct val="100000"/>
+                        </a:lnSpc>
+                        <a:spcBef>
+                          <a:spcPts val="0"/>
+                        </a:spcBef>
+                        <a:spcAft>
+                          <a:spcPts val="0"/>
+                        </a:spcAft>
+                      </a:pPr>
+                      <a:r>
+                        <a:rPr lang="en-US" sz="1800" dirty="0">
+                          <a:effectLst/>
+                        </a:rPr>
+                        <a:t>Come out from her my people!</a:t>
+                      </a:r>
+                    </a:p>
+                    <a:p>
+                      <a:pPr marL="0" marR="0">
+                        <a:lnSpc>
+                          <a:spcPct val="100000"/>
+                        </a:lnSpc>
+                        <a:spcBef>
+                          <a:spcPts val="0"/>
+                        </a:spcBef>
+                        <a:spcAft>
+                          <a:spcPts val="0"/>
+                        </a:spcAft>
+                      </a:pPr>
+                      <a:r>
+                        <a:rPr lang="el-GR" sz="1800" dirty="0">
+                          <a:effectLst/>
+                        </a:rPr>
+                        <a:t> </a:t>
+                      </a:r>
+                      <a:endParaRPr lang="en-US" sz="1800" dirty="0">
+                        <a:effectLst/>
+                        <a:latin typeface="Times New Roman"/>
+                        <a:ea typeface="Calibri"/>
+                        <a:cs typeface="Arial"/>
+                      </a:endParaRPr>
+                    </a:p>
+                  </a:txBody>
+                  <a:tcPr marL="63500" marR="63500" marT="0" marB="0"/>
+                </a:tc>
+                <a:tc>
+                  <a:txBody>
+                    <a:bodyPr/>
+                    <a:lstStyle/>
+                    <a:p>
+                      <a:pPr marL="0" marR="0" algn="ctr">
+                        <a:lnSpc>
+                          <a:spcPct val="100000"/>
+                        </a:lnSpc>
+                        <a:spcBef>
+                          <a:spcPts val="0"/>
+                        </a:spcBef>
+                        <a:spcAft>
+                          <a:spcPts val="0"/>
+                        </a:spcAft>
+                      </a:pPr>
+                      <a:r>
+                        <a:rPr lang="en-US" sz="1800" dirty="0">
+                          <a:effectLst/>
+                        </a:rPr>
+                        <a:t>[Lacking]</a:t>
+                      </a:r>
+                      <a:endParaRPr lang="en-US" sz="1800" dirty="0">
+                        <a:effectLst/>
+                        <a:latin typeface="Times New Roman"/>
+                        <a:ea typeface="Calibri"/>
+                        <a:cs typeface="Arial"/>
+                      </a:endParaRPr>
+                    </a:p>
+                  </a:txBody>
+                  <a:tcPr marL="63500" marR="63500" marT="0" marB="0"/>
+                </a:tc>
+                <a:tc>
+                  <a:txBody>
+                    <a:bodyPr/>
+                    <a:lstStyle/>
+                    <a:p>
+                      <a:pPr marL="0" marR="0">
+                        <a:lnSpc>
+                          <a:spcPct val="100000"/>
+                        </a:lnSpc>
+                        <a:spcBef>
+                          <a:spcPts val="0"/>
+                        </a:spcBef>
+                        <a:spcAft>
+                          <a:spcPts val="0"/>
+                        </a:spcAft>
+                      </a:pPr>
+                      <a:r>
+                        <a:rPr lang="en-US" sz="1800" dirty="0">
+                          <a:effectLst/>
+                        </a:rPr>
+                        <a:t>Come out from her midst my people! </a:t>
+                      </a:r>
+                      <a:endParaRPr lang="en-US" sz="1800" dirty="0">
+                        <a:effectLst/>
+                        <a:latin typeface="Times New Roman"/>
+                        <a:ea typeface="Calibri"/>
+                        <a:cs typeface="Arial"/>
+                      </a:endParaRPr>
+                    </a:p>
+                  </a:txBody>
+                  <a:tcPr marL="63500" marR="63500" marT="0" marB="0"/>
+                </a:tc>
+              </a:tr>
+            </a:tbl>
+          </a:graphicData>
+        </a:graphic>
+      </p:graphicFrame>
+      <p:sp>
+        <p:nvSpPr>
+          <p:cNvPr id="8" name="Footer Placeholder 7"/>
+          <p:cNvSpPr>
+            <a:spLocks noGrp="1"/>
+          </p:cNvSpPr>
+          <p:nvPr>
+            <p:ph type="ftr" sz="quarter" idx="11"/>
           </p:nvPr>
         </p:nvSpPr>
         <p:spPr/>
@@ -5945,24 +8931,231 @@
           <a:bodyPr/>
           <a:lstStyle/>
           <a:p>
-            <a:endParaRPr lang="en-US" dirty="0"/>
+            <a:r>
+              <a:rPr lang="en-US" smtClean="0"/>
+              <a:t>Encoding Apocalypse and Empire</a:t>
+            </a:r>
+            <a:endParaRPr lang="en-US"/>
+          </a:p>
+        </p:txBody>
+      </p:sp>
+      <p:sp>
+        <p:nvSpPr>
+          <p:cNvPr id="9" name="Slide Number Placeholder 8"/>
+          <p:cNvSpPr>
+            <a:spLocks noGrp="1"/>
+          </p:cNvSpPr>
+          <p:nvPr>
+            <p:ph type="sldNum" sz="quarter" idx="12"/>
+          </p:nvPr>
+        </p:nvSpPr>
+        <p:spPr/>
+        <p:txBody>
+          <a:bodyPr/>
+          <a:lstStyle/>
+          <a:p>
+            <a:fld id="{B54884B7-6C20-497E-907D-B5AAC07785D1}" type="slidenum">
+              <a:rPr lang="en-US" smtClean="0"/>
+              <a:t>9</a:t>
+            </a:fld>
+            <a:endParaRPr lang="en-US"/>
           </a:p>
         </p:txBody>
       </p:sp>
     </p:spTree>
     <p:extLst>
       <p:ext uri="{BB962C8B-B14F-4D97-AF65-F5344CB8AC3E}">
-        <p14:creationId xmlns:p14="http://schemas.microsoft.com/office/powerpoint/2010/main" val="3852568507"/>
+        <p14:creationId xmlns:p14="http://schemas.microsoft.com/office/powerpoint/2010/main" val="2465444243"/>
       </p:ext>
     </p:extLst>
   </p:cSld>
   <p:clrMapOvr>
     <a:masterClrMapping/>
   </p:clrMapOvr>
+  <p:timing>
+    <p:tnLst>
+      <p:par>
+        <p:cTn id="1" dur="indefinite" restart="never" nodeType="tmRoot"/>
+      </p:par>
+    </p:tnLst>
+  </p:timing>
 </p:sld>
 </file>
 
 <file path=ppt/theme/theme1.xml><?xml version="1.0" encoding="utf-8"?>
+<a:theme xmlns:a="http://schemas.openxmlformats.org/drawingml/2006/main" name="Adjacency">
+  <a:themeElements>
+    <a:clrScheme name="Adjacency">
+      <a:dk1>
+        <a:srgbClr val="2F2B20"/>
+      </a:dk1>
+      <a:lt1>
+        <a:srgbClr val="FFFFFF"/>
+      </a:lt1>
+      <a:dk2>
+        <a:srgbClr val="675E47"/>
+      </a:dk2>
+      <a:lt2>
+        <a:srgbClr val="DFDCB7"/>
+      </a:lt2>
+      <a:accent1>
+        <a:srgbClr val="A9A57C"/>
+      </a:accent1>
+      <a:accent2>
+        <a:srgbClr val="9CBEBD"/>
+      </a:accent2>
+      <a:accent3>
+        <a:srgbClr val="D2CB6C"/>
+      </a:accent3>
+      <a:accent4>
+        <a:srgbClr val="95A39D"/>
+      </a:accent4>
+      <a:accent5>
+        <a:srgbClr val="C89F5D"/>
+      </a:accent5>
+      <a:accent6>
+        <a:srgbClr val="B1A089"/>
+      </a:accent6>
+      <a:hlink>
+        <a:srgbClr val="D25814"/>
+      </a:hlink>
+      <a:folHlink>
+        <a:srgbClr val="849A0A"/>
+      </a:folHlink>
+    </a:clrScheme>
+    <a:fontScheme name="Serif Deluxe!">
+      <a:majorFont>
+        <a:latin typeface="Cambria"/>
+        <a:ea typeface=""/>
+        <a:cs typeface=""/>
+      </a:majorFont>
+      <a:minorFont>
+        <a:latin typeface="Garamond"/>
+        <a:ea typeface=""/>
+        <a:cs typeface=""/>
+      </a:minorFont>
+    </a:fontScheme>
+    <a:fmtScheme name="Adjacency">
+      <a:fillStyleLst>
+        <a:solidFill>
+          <a:schemeClr val="phClr"/>
+        </a:solidFill>
+        <a:solidFill>
+          <a:schemeClr val="phClr">
+            <a:tint val="55000"/>
+          </a:schemeClr>
+        </a:solidFill>
+        <a:solidFill>
+          <a:schemeClr val="phClr"/>
+        </a:solidFill>
+      </a:fillStyleLst>
+      <a:lnStyleLst>
+        <a:ln w="12700" cap="flat" cmpd="sng" algn="ctr">
+          <a:solidFill>
+            <a:schemeClr val="phClr">
+              <a:shade val="95000"/>
+              <a:satMod val="105000"/>
+            </a:schemeClr>
+          </a:solidFill>
+          <a:prstDash val="solid"/>
+        </a:ln>
+        <a:ln w="25400" cap="flat" cmpd="sng" algn="ctr">
+          <a:solidFill>
+            <a:schemeClr val="phClr"/>
+          </a:solidFill>
+          <a:prstDash val="solid"/>
+        </a:ln>
+        <a:ln w="38100" cap="flat" cmpd="sng" algn="ctr">
+          <a:solidFill>
+            <a:schemeClr val="phClr"/>
+          </a:solidFill>
+          <a:prstDash val="solid"/>
+        </a:ln>
+      </a:lnStyleLst>
+      <a:effectStyleLst>
+        <a:effectStyle>
+          <a:effectLst/>
+        </a:effectStyle>
+        <a:effectStyle>
+          <a:effectLst>
+            <a:outerShdw blurRad="50800" dist="25400" algn="bl" rotWithShape="0">
+              <a:srgbClr val="000000">
+                <a:alpha val="60000"/>
+              </a:srgbClr>
+            </a:outerShdw>
+          </a:effectLst>
+        </a:effectStyle>
+        <a:effectStyle>
+          <a:effectLst/>
+          <a:scene3d>
+            <a:camera prst="orthographicFront">
+              <a:rot lat="0" lon="0" rev="0"/>
+            </a:camera>
+            <a:lightRig rig="brightRoom" dir="tl">
+              <a:rot lat="0" lon="0" rev="1800000"/>
+            </a:lightRig>
+          </a:scene3d>
+          <a:sp3d contourW="10160" prstMaterial="dkEdge">
+            <a:bevelT w="38100" h="50800" prst="angle"/>
+            <a:contourClr>
+              <a:schemeClr val="phClr">
+                <a:shade val="40000"/>
+                <a:satMod val="150000"/>
+              </a:schemeClr>
+            </a:contourClr>
+          </a:sp3d>
+        </a:effectStyle>
+      </a:effectStyleLst>
+      <a:bgFillStyleLst>
+        <a:solidFill>
+          <a:schemeClr val="phClr"/>
+        </a:solidFill>
+        <a:gradFill rotWithShape="1">
+          <a:gsLst>
+            <a:gs pos="0">
+              <a:schemeClr val="phClr">
+                <a:tint val="90000"/>
+              </a:schemeClr>
+            </a:gs>
+            <a:gs pos="75000">
+              <a:schemeClr val="phClr">
+                <a:shade val="100000"/>
+                <a:satMod val="115000"/>
+              </a:schemeClr>
+            </a:gs>
+            <a:gs pos="100000">
+              <a:schemeClr val="phClr">
+                <a:shade val="70000"/>
+                <a:satMod val="130000"/>
+              </a:schemeClr>
+            </a:gs>
+          </a:gsLst>
+          <a:path path="circle">
+            <a:fillToRect l="20000" t="50000" r="100000" b="50000"/>
+          </a:path>
+        </a:gradFill>
+        <a:blipFill rotWithShape="1">
+          <a:blip xmlns:r="http://schemas.openxmlformats.org/officeDocument/2006/relationships" r:embed="rId1">
+            <a:duotone>
+              <a:schemeClr val="phClr">
+                <a:tint val="97000"/>
+              </a:schemeClr>
+              <a:schemeClr val="phClr">
+                <a:shade val="96000"/>
+              </a:schemeClr>
+            </a:duotone>
+          </a:blip>
+          <a:tile tx="0" ty="0" sx="32000" sy="32000" flip="none" algn="tl"/>
+        </a:blipFill>
+      </a:bgFillStyleLst>
+    </a:fmtScheme>
+  </a:themeElements>
+  <a:objectDefaults/>
+  <a:extraClrSchemeLst/>
+</a:theme>
+</file>
+
+<file path=ppt/theme/theme2.xml><?xml version="1.0" encoding="utf-8"?>
 <a:theme xmlns:a="http://schemas.openxmlformats.org/drawingml/2006/main" name="Office Theme">
   <a:themeElements>
     <a:clrScheme name="Office">
@@ -6003,16 +9196,76 @@
         <a:srgbClr val="800080"/>
       </a:folHlink>
     </a:clrScheme>
-    <a:fontScheme name="Times">
+    <a:fontScheme name="Office">
       <a:majorFont>
-        <a:latin typeface="Times New Roman"/>
+        <a:latin typeface="Calibri"/>
         <a:ea typeface=""/>
         <a:cs typeface=""/>
+        <a:font script="Jpan" typeface="ＭＳ Ｐゴシック"/>
+        <a:font script="Hang" typeface="맑은 고딕"/>
+        <a:font script="Hans" typeface="宋体"/>
+        <a:font script="Hant" typeface="新細明體"/>
+        <a:font script="Arab" typeface="Times New Roman"/>
+        <a:font script="Hebr" typeface="Times New Roman"/>
+        <a:font script="Thai" typeface="Angsana New"/>
+        <a:font script="Ethi" typeface="Nyala"/>
+        <a:font script="Beng" typeface="Vrinda"/>
+        <a:font script="Gujr" typeface="Shruti"/>
+        <a:font script="Khmr" typeface="MoolBoran"/>
+        <a:font script="Knda" typeface="Tunga"/>
+        <a:font script="Guru" typeface="Raavi"/>
+        <a:font script="Cans" typeface="Euphemia"/>
+        <a:font script="Cher" typeface="Plantagenet Cherokee"/>
+        <a:font script="Yiii" typeface="Microsoft Yi Baiti"/>
+        <a:font script="Tibt" typeface="Microsoft Himalaya"/>
+        <a:font script="Thaa" typeface="MV Boli"/>
+        <a:font script="Deva" typeface="Mangal"/>
+        <a:font script="Telu" typeface="Gautami"/>
+        <a:font script="Taml" typeface="Latha"/>
+        <a:font script="Syrc" typeface="Estrangelo Edessa"/>
+        <a:font script="Orya" typeface="Kalinga"/>
+        <a:font script="Mlym" typeface="Kartika"/>
+        <a:font script="Laoo" typeface="DokChampa"/>
+        <a:font script="Sinh" typeface="Iskoola Pota"/>
+        <a:font script="Mong" typeface="Mongolian Baiti"/>
+        <a:font script="Viet" typeface="Times New Roman"/>
+        <a:font script="Uigh" typeface="Microsoft Uighur"/>
+        <a:font script="Geor" typeface="Sylfaen"/>
       </a:majorFont>
       <a:minorFont>
-        <a:latin typeface="Times"/>
+        <a:latin typeface="Calibri"/>
         <a:ea typeface=""/>
         <a:cs typeface=""/>
+        <a:font script="Jpan" typeface="ＭＳ Ｐゴシック"/>
+        <a:font script="Hang" typeface="맑은 고딕"/>
+        <a:font script="Hans" typeface="宋体"/>
+        <a:font script="Hant" typeface="新細明體"/>
+        <a:font script="Arab" typeface="Arial"/>
+        <a:font script="Hebr" typeface="Arial"/>
+        <a:font script="Thai" typeface="Cordia New"/>
+        <a:font script="Ethi" typeface="Nyala"/>
+        <a:font script="Beng" typeface="Vrinda"/>
+        <a:font script="Gujr" typeface="Shruti"/>
+        <a:font script="Khmr" typeface="DaunPenh"/>
+        <a:font script="Knda" typeface="Tunga"/>
+        <a:font script="Guru" typeface="Raavi"/>
+        <a:font script="Cans" typeface="Euphemia"/>
+        <a:font script="Cher" typeface="Plantagenet Cherokee"/>
+        <a:font script="Yiii" typeface="Microsoft Yi Baiti"/>
+        <a:font script="Tibt" typeface="Microsoft Himalaya"/>
+        <a:font script="Thaa" typeface="MV Boli"/>
+        <a:font script="Deva" typeface="Mangal"/>
+        <a:font script="Telu" typeface="Gautami"/>
+        <a:font script="Taml" typeface="Latha"/>
+        <a:font script="Syrc" typeface="Estrangelo Edessa"/>
+        <a:font script="Orya" typeface="Kalinga"/>
+        <a:font script="Mlym" typeface="Kartika"/>
+        <a:font script="Laoo" typeface="DokChampa"/>
+        <a:font script="Sinh" typeface="Iskoola Pota"/>
+        <a:font script="Mong" typeface="Mongolian Baiti"/>
+        <a:font script="Viet" typeface="Arial"/>
+        <a:font script="Uigh" typeface="Microsoft Uighur"/>
+        <a:font script="Geor" typeface="Sylfaen"/>
       </a:minorFont>
     </a:fontScheme>
     <a:fmtScheme name="Office">

--- a/slides/encoding apocalypse and empire ppt.pptx
+++ b/slides/encoding apocalypse and empire ppt.pptx
@@ -5,7 +5,7 @@
     <p:sldMasterId id="2147483660" r:id="rId1"/>
   </p:sldMasterIdLst>
   <p:notesMasterIdLst>
-    <p:notesMasterId r:id="rId17"/>
+    <p:notesMasterId r:id="rId18"/>
   </p:notesMasterIdLst>
   <p:sldIdLst>
     <p:sldId id="256" r:id="rId2"/>
@@ -17,12 +17,13 @@
     <p:sldId id="258" r:id="rId8"/>
     <p:sldId id="267" r:id="rId9"/>
     <p:sldId id="272" r:id="rId10"/>
-    <p:sldId id="261" r:id="rId11"/>
-    <p:sldId id="265" r:id="rId12"/>
-    <p:sldId id="263" r:id="rId13"/>
-    <p:sldId id="266" r:id="rId14"/>
-    <p:sldId id="268" r:id="rId15"/>
-    <p:sldId id="264" r:id="rId16"/>
+    <p:sldId id="276" r:id="rId11"/>
+    <p:sldId id="261" r:id="rId12"/>
+    <p:sldId id="265" r:id="rId13"/>
+    <p:sldId id="263" r:id="rId14"/>
+    <p:sldId id="266" r:id="rId15"/>
+    <p:sldId id="268" r:id="rId16"/>
+    <p:sldId id="275" r:id="rId17"/>
   </p:sldIdLst>
   <p:sldSz cx="9144000" cy="6858000" type="screen4x3"/>
   <p:notesSz cx="6858000" cy="9144000"/>
@@ -489,11 +490,11 @@
           <c:showBubbleSize val="0"/>
         </c:dLbls>
         <c:gapWidth val="150"/>
-        <c:axId val="33247232"/>
-        <c:axId val="33249152"/>
+        <c:axId val="35084544"/>
+        <c:axId val="35099008"/>
       </c:barChart>
       <c:catAx>
-        <c:axId val="33247232"/>
+        <c:axId val="35084544"/>
         <c:scaling>
           <c:orientation val="minMax"/>
         </c:scaling>
@@ -521,7 +522,7 @@
         <c:majorTickMark val="none"/>
         <c:minorTickMark val="none"/>
         <c:tickLblPos val="nextTo"/>
-        <c:crossAx val="33249152"/>
+        <c:crossAx val="35099008"/>
         <c:crosses val="autoZero"/>
         <c:auto val="1"/>
         <c:lblAlgn val="ctr"/>
@@ -529,7 +530,7 @@
         <c:noMultiLvlLbl val="0"/>
       </c:catAx>
       <c:valAx>
-        <c:axId val="33249152"/>
+        <c:axId val="35099008"/>
         <c:scaling>
           <c:orientation val="minMax"/>
         </c:scaling>
@@ -559,7 +560,7 @@
         <c:majorTickMark val="out"/>
         <c:minorTickMark val="none"/>
         <c:tickLblPos val="nextTo"/>
-        <c:crossAx val="33247232"/>
+        <c:crossAx val="35084544"/>
         <c:crosses val="autoZero"/>
         <c:crossBetween val="between"/>
       </c:valAx>
@@ -700,11 +701,11 @@
           <c:showBubbleSize val="0"/>
         </c:dLbls>
         <c:gapWidth val="150"/>
-        <c:axId val="33283072"/>
-        <c:axId val="31564544"/>
+        <c:axId val="35125504"/>
+        <c:axId val="35139584"/>
       </c:barChart>
       <c:catAx>
-        <c:axId val="33283072"/>
+        <c:axId val="35125504"/>
         <c:scaling>
           <c:orientation val="minMax"/>
         </c:scaling>
@@ -713,7 +714,7 @@
         <c:majorTickMark val="none"/>
         <c:minorTickMark val="none"/>
         <c:tickLblPos val="nextTo"/>
-        <c:crossAx val="31564544"/>
+        <c:crossAx val="35139584"/>
         <c:crosses val="autoZero"/>
         <c:auto val="1"/>
         <c:lblAlgn val="ctr"/>
@@ -721,7 +722,7 @@
         <c:noMultiLvlLbl val="0"/>
       </c:catAx>
       <c:valAx>
-        <c:axId val="31564544"/>
+        <c:axId val="35139584"/>
         <c:scaling>
           <c:orientation val="minMax"/>
         </c:scaling>
@@ -732,7 +733,7 @@
         <c:majorTickMark val="none"/>
         <c:minorTickMark val="none"/>
         <c:tickLblPos val="nextTo"/>
-        <c:crossAx val="33283072"/>
+        <c:crossAx val="35125504"/>
         <c:crosses val="autoZero"/>
         <c:crossBetween val="between"/>
       </c:valAx>
@@ -844,7 +845,7 @@
           <a:p>
             <a:fld id="{B12C6722-22E0-4C51-8CE3-000AC6AADAFF}" type="datetimeFigureOut">
               <a:rPr lang="en-US" smtClean="0"/>
-              <a:t>11/22/2014</a:t>
+              <a:t>11/23/2014</a:t>
             </a:fld>
             <a:endParaRPr lang="en-US"/>
           </a:p>
@@ -1390,7 +1391,7 @@
           <a:p>
             <a:fld id="{059FCABF-21F5-4E39-BF56-BB94D9DD679E}" type="datetime1">
               <a:rPr lang="en-US" smtClean="0"/>
-              <a:t>11/22/2014</a:t>
+              <a:t>11/23/2014</a:t>
             </a:fld>
             <a:endParaRPr lang="en-US"/>
           </a:p>
@@ -1559,7 +1560,7 @@
           <a:p>
             <a:fld id="{D3984F5E-5E0B-4507-AE19-5E4070C29756}" type="datetime1">
               <a:rPr lang="en-US" smtClean="0"/>
-              <a:t>11/22/2014</a:t>
+              <a:t>11/23/2014</a:t>
             </a:fld>
             <a:endParaRPr lang="en-US"/>
           </a:p>
@@ -1738,7 +1739,7 @@
           <a:p>
             <a:fld id="{DFA7CE81-649A-45AB-A058-B40F5B535F2D}" type="datetime1">
               <a:rPr lang="en-US" smtClean="0"/>
-              <a:t>11/22/2014</a:t>
+              <a:t>11/23/2014</a:t>
             </a:fld>
             <a:endParaRPr lang="en-US"/>
           </a:p>
@@ -1907,7 +1908,7 @@
           <a:p>
             <a:fld id="{6B79649A-1E94-43B3-8541-0B544EA11591}" type="datetime1">
               <a:rPr lang="en-US" smtClean="0"/>
-              <a:t>11/22/2014</a:t>
+              <a:t>11/23/2014</a:t>
             </a:fld>
             <a:endParaRPr lang="en-US"/>
           </a:p>
@@ -2152,7 +2153,7 @@
           <a:p>
             <a:fld id="{CB0BFD50-8C93-4C0B-B9AF-86A763484240}" type="datetime1">
               <a:rPr lang="en-US" smtClean="0"/>
-              <a:t>11/22/2014</a:t>
+              <a:t>11/23/2014</a:t>
             </a:fld>
             <a:endParaRPr lang="en-US"/>
           </a:p>
@@ -2439,7 +2440,7 @@
           <a:p>
             <a:fld id="{C49A492A-0792-4324-A0AA-1BAE9261C71E}" type="datetime1">
               <a:rPr lang="en-US" smtClean="0"/>
-              <a:t>11/22/2014</a:t>
+              <a:t>11/23/2014</a:t>
             </a:fld>
             <a:endParaRPr lang="en-US"/>
           </a:p>
@@ -2872,7 +2873,7 @@
           <a:p>
             <a:fld id="{03780378-BA13-43F3-9515-DE76FA2578F4}" type="datetime1">
               <a:rPr lang="en-US" smtClean="0"/>
-              <a:t>11/22/2014</a:t>
+              <a:t>11/23/2014</a:t>
             </a:fld>
             <a:endParaRPr lang="en-US"/>
           </a:p>
@@ -2989,7 +2990,7 @@
           <a:p>
             <a:fld id="{A36BB5F9-885D-4990-8B7F-E6FE148BE5BD}" type="datetime1">
               <a:rPr lang="en-US" smtClean="0"/>
-              <a:t>11/22/2014</a:t>
+              <a:t>11/23/2014</a:t>
             </a:fld>
             <a:endParaRPr lang="en-US"/>
           </a:p>
@@ -3083,7 +3084,7 @@
           <a:p>
             <a:fld id="{D9BD8DC8-C1D9-4C68-90EC-65B319CCB882}" type="datetime1">
               <a:rPr lang="en-US" smtClean="0"/>
-              <a:t>11/22/2014</a:t>
+              <a:t>11/23/2014</a:t>
             </a:fld>
             <a:endParaRPr lang="en-US"/>
           </a:p>
@@ -3276,7 +3277,7 @@
           <a:p>
             <a:fld id="{D3B4040F-8F31-4A1B-A763-B0CE05A31B5F}" type="datetime1">
               <a:rPr lang="en-US" smtClean="0"/>
-              <a:t>11/22/2014</a:t>
+              <a:t>11/23/2014</a:t>
             </a:fld>
             <a:endParaRPr lang="en-US"/>
           </a:p>
@@ -3598,7 +3599,7 @@
           <a:p>
             <a:fld id="{013EBA1C-3767-4E29-B320-28DE4C6BA9FD}" type="datetime1">
               <a:rPr lang="en-US" smtClean="0"/>
-              <a:t>11/22/2014</a:t>
+              <a:t>11/23/2014</a:t>
             </a:fld>
             <a:endParaRPr lang="en-US"/>
           </a:p>
@@ -3985,7 +3986,7 @@
           <a:p>
             <a:fld id="{66481E23-8D0A-41E5-B41D-A0E08FFE4BC9}" type="datetime1">
               <a:rPr lang="en-US" smtClean="0"/>
-              <a:t>11/22/2014</a:t>
+              <a:t>11/23/2014</a:t>
             </a:fld>
             <a:endParaRPr lang="en-US"/>
           </a:p>
@@ -4333,11 +4334,7 @@
           <a:p>
             <a:r>
               <a:rPr lang="en-US" sz="4000" dirty="0" smtClean="0"/>
-              <a:t>Encoding Apocalypse and Empire: Online Editions of Rev 17:1–18:24 and 21:1–22:7 and the Display of Intertextual </a:t>
-            </a:r>
-            <a:r>
-              <a:rPr lang="en-US" sz="4000" dirty="0" smtClean="0"/>
-              <a:t>Allusions</a:t>
+              <a:t>Encoding Apocalypse and Empire: Online Editions of Rev 17:1–18:24 and 21:1–22:7 and the Display of Intertextual Allusions</a:t>
             </a:r>
             <a:endParaRPr lang="en-US" sz="4000" dirty="0"/>
           </a:p>
@@ -4373,11 +4370,7 @@
           <a:p>
             <a:r>
               <a:rPr lang="en-US" i="1" dirty="0" smtClean="0"/>
-              <a:t>Boston </a:t>
-            </a:r>
-            <a:r>
-              <a:rPr lang="en-US" i="1" dirty="0" smtClean="0"/>
-              <a:t>College</a:t>
+              <a:t>Boston College</a:t>
             </a:r>
           </a:p>
           <a:p>
@@ -4488,6 +4481,626 @@
         </p:nvSpPr>
         <p:spPr/>
         <p:txBody>
+          <a:bodyPr>
+            <a:noAutofit/>
+          </a:bodyPr>
+          <a:lstStyle/>
+          <a:p>
+            <a:r>
+              <a:rPr lang="en-US" sz="3600" dirty="0" smtClean="0"/>
+              <a:t>Density and Brevity</a:t>
+            </a:r>
+            <a:endParaRPr lang="en-US" sz="3600" dirty="0"/>
+          </a:p>
+        </p:txBody>
+      </p:sp>
+      <p:graphicFrame>
+        <p:nvGraphicFramePr>
+          <p:cNvPr id="6" name="Content Placeholder 5"/>
+          <p:cNvGraphicFramePr>
+            <a:graphicFrameLocks noGrp="1"/>
+          </p:cNvGraphicFramePr>
+          <p:nvPr>
+            <p:ph idx="1"/>
+            <p:extLst>
+              <p:ext uri="{D42A27DB-BD31-4B8C-83A1-F6EECF244321}">
+                <p14:modId xmlns:p14="http://schemas.microsoft.com/office/powerpoint/2010/main" val="1440678557"/>
+              </p:ext>
+            </p:extLst>
+          </p:nvPr>
+        </p:nvGraphicFramePr>
+        <p:xfrm>
+          <a:off x="457200" y="1600200"/>
+          <a:ext cx="7620000" cy="4302760"/>
+        </p:xfrm>
+        <a:graphic>
+          <a:graphicData uri="http://schemas.openxmlformats.org/drawingml/2006/table">
+            <a:tbl>
+              <a:tblPr firstRow="1" bandRow="1">
+                <a:tableStyleId>{5C22544A-7EE6-4342-B048-85BDC9FD1C3A}</a:tableStyleId>
+              </a:tblPr>
+              <a:tblGrid>
+                <a:gridCol w="2540000"/>
+                <a:gridCol w="2540000"/>
+                <a:gridCol w="2540000"/>
+              </a:tblGrid>
+              <a:tr h="370840">
+                <a:tc>
+                  <a:txBody>
+                    <a:bodyPr/>
+                    <a:lstStyle/>
+                    <a:p>
+                      <a:pPr algn="ctr"/>
+                      <a:r>
+                        <a:rPr lang="en-US" dirty="0" smtClean="0">
+                          <a:solidFill>
+                            <a:schemeClr val="tx1"/>
+                          </a:solidFill>
+                        </a:rPr>
+                        <a:t>Rev</a:t>
+                      </a:r>
+                      <a:r>
+                        <a:rPr lang="en-US" baseline="0" dirty="0" smtClean="0">
+                          <a:solidFill>
+                            <a:schemeClr val="tx1"/>
+                          </a:solidFill>
+                        </a:rPr>
+                        <a:t> 1:1</a:t>
+                      </a:r>
+                      <a:endParaRPr lang="en-US" dirty="0">
+                        <a:solidFill>
+                          <a:schemeClr val="tx1"/>
+                        </a:solidFill>
+                      </a:endParaRPr>
+                    </a:p>
+                  </a:txBody>
+                  <a:tcPr>
+                    <a:solidFill>
+                      <a:schemeClr val="bg1"/>
+                    </a:solidFill>
+                  </a:tcPr>
+                </a:tc>
+                <a:tc>
+                  <a:txBody>
+                    <a:bodyPr/>
+                    <a:lstStyle/>
+                    <a:p>
+                      <a:pPr algn="ctr"/>
+                      <a:r>
+                        <a:rPr lang="en-US" dirty="0" smtClean="0">
+                          <a:solidFill>
+                            <a:schemeClr val="tx1"/>
+                          </a:solidFill>
+                        </a:rPr>
+                        <a:t>Amos 3:7</a:t>
+                      </a:r>
+                      <a:endParaRPr lang="en-US" dirty="0">
+                        <a:solidFill>
+                          <a:schemeClr val="tx1"/>
+                        </a:solidFill>
+                      </a:endParaRPr>
+                    </a:p>
+                  </a:txBody>
+                  <a:tcPr>
+                    <a:solidFill>
+                      <a:schemeClr val="bg1"/>
+                    </a:solidFill>
+                  </a:tcPr>
+                </a:tc>
+                <a:tc>
+                  <a:txBody>
+                    <a:bodyPr/>
+                    <a:lstStyle/>
+                    <a:p>
+                      <a:pPr marL="0" marR="0" indent="0" algn="ctr" defTabSz="914400" rtl="0" eaLnBrk="1" fontAlgn="auto" latinLnBrk="0" hangingPunct="1">
+                        <a:lnSpc>
+                          <a:spcPct val="100000"/>
+                        </a:lnSpc>
+                        <a:spcBef>
+                          <a:spcPts val="0"/>
+                        </a:spcBef>
+                        <a:spcAft>
+                          <a:spcPts val="0"/>
+                        </a:spcAft>
+                        <a:buClrTx/>
+                        <a:buSzTx/>
+                        <a:buFontTx/>
+                        <a:buNone/>
+                        <a:tabLst/>
+                        <a:defRPr/>
+                      </a:pPr>
+                      <a:r>
+                        <a:rPr lang="en-US" dirty="0" smtClean="0">
+                          <a:solidFill>
+                            <a:schemeClr val="tx1"/>
+                          </a:solidFill>
+                        </a:rPr>
+                        <a:t>Dan 2:28, 45</a:t>
+                      </a:r>
+                    </a:p>
+                  </a:txBody>
+                  <a:tcPr>
+                    <a:solidFill>
+                      <a:schemeClr val="bg1"/>
+                    </a:solidFill>
+                  </a:tcPr>
+                </a:tc>
+              </a:tr>
+              <a:tr h="543560">
+                <a:tc>
+                  <a:txBody>
+                    <a:bodyPr/>
+                    <a:lstStyle/>
+                    <a:p>
+                      <a:pPr marL="114300" marR="0" indent="0" algn="l" defTabSz="914400" rtl="0" eaLnBrk="1" fontAlgn="auto" latinLnBrk="0" hangingPunct="1">
+                        <a:lnSpc>
+                          <a:spcPct val="100000"/>
+                        </a:lnSpc>
+                        <a:spcBef>
+                          <a:spcPts val="0"/>
+                        </a:spcBef>
+                        <a:spcAft>
+                          <a:spcPts val="0"/>
+                        </a:spcAft>
+                        <a:buClrTx/>
+                        <a:buSzTx/>
+                        <a:buFontTx/>
+                        <a:buNone/>
+                        <a:tabLst/>
+                        <a:defRPr/>
+                      </a:pPr>
+                      <a:r>
+                        <a:rPr lang="en-US" dirty="0" smtClean="0"/>
+                        <a:t>A </a:t>
+                      </a:r>
+                      <a:r>
+                        <a:rPr lang="en-US" dirty="0" smtClean="0">
+                          <a:solidFill>
+                            <a:srgbClr val="FF0000"/>
+                          </a:solidFill>
+                        </a:rPr>
+                        <a:t>revelation</a:t>
+                      </a:r>
+                      <a:r>
+                        <a:rPr lang="en-US" dirty="0" smtClean="0"/>
+                        <a:t> (</a:t>
+                      </a:r>
+                      <a:r>
+                        <a:rPr lang="el-GR" b="1" dirty="0" smtClean="0">
+                          <a:latin typeface="Times New Roman" panose="02020603050405020304" pitchFamily="18" charset="0"/>
+                          <a:cs typeface="Times New Roman" panose="02020603050405020304" pitchFamily="18" charset="0"/>
+                        </a:rPr>
+                        <a:t>Ἀποκάλυψις</a:t>
+                      </a:r>
+                      <a:r>
+                        <a:rPr lang="en-US" dirty="0" smtClean="0"/>
+                        <a:t>) of Jesus Christ which God granted to him to show </a:t>
+                      </a:r>
+                      <a:r>
+                        <a:rPr lang="en-US" dirty="0" smtClean="0">
+                          <a:solidFill>
+                            <a:srgbClr val="FF0000"/>
+                          </a:solidFill>
+                        </a:rPr>
+                        <a:t>to his servants </a:t>
+                      </a:r>
+                      <a:r>
+                        <a:rPr lang="en-US" dirty="0" smtClean="0">
+                          <a:solidFill>
+                            <a:schemeClr val="tx1"/>
+                          </a:solidFill>
+                          <a:latin typeface="Times New Roman" panose="02020603050405020304" pitchFamily="18" charset="0"/>
+                          <a:cs typeface="Times New Roman" panose="02020603050405020304" pitchFamily="18" charset="0"/>
+                        </a:rPr>
+                        <a:t>(</a:t>
+                      </a:r>
+                      <a:r>
+                        <a:rPr lang="el-GR" b="1" dirty="0" smtClean="0">
+                          <a:solidFill>
+                            <a:schemeClr val="tx1"/>
+                          </a:solidFill>
+                          <a:latin typeface="Times New Roman" panose="02020603050405020304" pitchFamily="18" charset="0"/>
+                          <a:cs typeface="Times New Roman" panose="02020603050405020304" pitchFamily="18" charset="0"/>
+                        </a:rPr>
+                        <a:t>τοῖς δούλοις αὐτοῦ</a:t>
+                      </a:r>
+                      <a:r>
+                        <a:rPr lang="en-US" b="1" dirty="0" smtClean="0">
+                          <a:solidFill>
+                            <a:schemeClr val="tx1"/>
+                          </a:solidFill>
+                          <a:latin typeface="Times New Roman" panose="02020603050405020304" pitchFamily="18" charset="0"/>
+                          <a:cs typeface="Times New Roman" panose="02020603050405020304" pitchFamily="18" charset="0"/>
+                        </a:rPr>
+                        <a:t>)</a:t>
+                      </a:r>
+                      <a:endParaRPr lang="en-US" dirty="0" smtClean="0">
+                        <a:solidFill>
+                          <a:schemeClr val="tx1"/>
+                        </a:solidFill>
+                        <a:latin typeface="Times New Roman" panose="02020603050405020304" pitchFamily="18" charset="0"/>
+                        <a:cs typeface="Times New Roman" panose="02020603050405020304" pitchFamily="18" charset="0"/>
+                      </a:endParaRPr>
+                    </a:p>
+                    <a:p>
+                      <a:pPr marL="114300" marR="0" indent="0" algn="l" defTabSz="914400" rtl="0" eaLnBrk="1" fontAlgn="auto" latinLnBrk="0" hangingPunct="1">
+                        <a:lnSpc>
+                          <a:spcPct val="100000"/>
+                        </a:lnSpc>
+                        <a:spcBef>
+                          <a:spcPts val="0"/>
+                        </a:spcBef>
+                        <a:spcAft>
+                          <a:spcPts val="0"/>
+                        </a:spcAft>
+                        <a:buClrTx/>
+                        <a:buSzTx/>
+                        <a:buFontTx/>
+                        <a:buNone/>
+                        <a:tabLst/>
+                        <a:defRPr/>
+                      </a:pPr>
+                      <a:r>
+                        <a:rPr lang="en-US" dirty="0" smtClean="0">
+                          <a:solidFill>
+                            <a:srgbClr val="FF0000"/>
+                          </a:solidFill>
+                        </a:rPr>
+                        <a:t>the things which must happen </a:t>
+                      </a:r>
+                      <a:r>
+                        <a:rPr lang="en-US" dirty="0" smtClean="0"/>
+                        <a:t>(</a:t>
+                      </a:r>
+                      <a:r>
+                        <a:rPr lang="el-GR" b="1" dirty="0" smtClean="0">
+                          <a:latin typeface="Times New Roman" panose="02020603050405020304" pitchFamily="18" charset="0"/>
+                          <a:cs typeface="Times New Roman" panose="02020603050405020304" pitchFamily="18" charset="0"/>
+                        </a:rPr>
+                        <a:t>ἃ δεῖ γενέσθαι</a:t>
+                      </a:r>
+                      <a:r>
+                        <a:rPr lang="en-US" dirty="0" smtClean="0"/>
+                        <a:t>) soon, and he </a:t>
+                      </a:r>
+                      <a:r>
+                        <a:rPr lang="en-US" dirty="0" smtClean="0">
+                          <a:solidFill>
+                            <a:srgbClr val="FF0000"/>
+                          </a:solidFill>
+                        </a:rPr>
+                        <a:t>made it known</a:t>
+                      </a:r>
+                      <a:r>
+                        <a:rPr lang="en-US" dirty="0" smtClean="0"/>
+                        <a:t> (</a:t>
+                      </a:r>
+                      <a:r>
+                        <a:rPr lang="el-GR" b="1" dirty="0" smtClean="0">
+                          <a:latin typeface="Times New Roman" panose="02020603050405020304" pitchFamily="18" charset="0"/>
+                          <a:cs typeface="Times New Roman" panose="02020603050405020304" pitchFamily="18" charset="0"/>
+                        </a:rPr>
+                        <a:t>ἐσήμανεν</a:t>
+                      </a:r>
+                      <a:r>
+                        <a:rPr lang="en-US" b="1" dirty="0" smtClean="0">
+                          <a:latin typeface="Times New Roman" panose="02020603050405020304" pitchFamily="18" charset="0"/>
+                          <a:cs typeface="Times New Roman" panose="02020603050405020304" pitchFamily="18" charset="0"/>
+                        </a:rPr>
+                        <a:t>) </a:t>
+                      </a:r>
+                      <a:r>
+                        <a:rPr lang="en-US" dirty="0" smtClean="0"/>
+                        <a:t>by sending his angle to his servant John…</a:t>
+                      </a:r>
+                    </a:p>
+                    <a:p>
+                      <a:pPr marL="114300" indent="0">
+                        <a:buNone/>
+                      </a:pPr>
+                      <a:endParaRPr lang="en-US" dirty="0" smtClean="0"/>
+                    </a:p>
+                  </a:txBody>
+                  <a:tcPr>
+                    <a:solidFill>
+                      <a:schemeClr val="bg1"/>
+                    </a:solidFill>
+                  </a:tcPr>
+                </a:tc>
+                <a:tc>
+                  <a:txBody>
+                    <a:bodyPr/>
+                    <a:lstStyle/>
+                    <a:p>
+                      <a:pPr marL="0" marR="0" indent="0" algn="l" defTabSz="914400" rtl="0" eaLnBrk="1" fontAlgn="auto" latinLnBrk="0" hangingPunct="1">
+                        <a:lnSpc>
+                          <a:spcPct val="100000"/>
+                        </a:lnSpc>
+                        <a:spcBef>
+                          <a:spcPts val="0"/>
+                        </a:spcBef>
+                        <a:spcAft>
+                          <a:spcPts val="0"/>
+                        </a:spcAft>
+                        <a:buClrTx/>
+                        <a:buSzTx/>
+                        <a:buFontTx/>
+                        <a:buNone/>
+                        <a:tabLst/>
+                        <a:defRPr/>
+                      </a:pPr>
+                      <a:r>
+                        <a:rPr lang="en-US" dirty="0" smtClean="0"/>
+                        <a:t>Surely the Lord GOD does nothing, without </a:t>
+                      </a:r>
+                      <a:r>
+                        <a:rPr lang="en-US" dirty="0" smtClean="0">
+                          <a:solidFill>
+                            <a:srgbClr val="FF0000"/>
+                          </a:solidFill>
+                        </a:rPr>
+                        <a:t>revealing</a:t>
+                      </a:r>
+                      <a:r>
+                        <a:rPr lang="en-US" dirty="0" smtClean="0"/>
+                        <a:t> (</a:t>
+                      </a:r>
+                      <a:r>
+                        <a:rPr lang="el-GR" b="1" dirty="0" smtClean="0">
+                          <a:latin typeface="Times New Roman" panose="02020603050405020304" pitchFamily="18" charset="0"/>
+                          <a:cs typeface="Times New Roman" panose="02020603050405020304" pitchFamily="18" charset="0"/>
+                        </a:rPr>
+                        <a:t>ἀποκαλύψῃ</a:t>
+                      </a:r>
+                      <a:r>
+                        <a:rPr lang="en-US" dirty="0" smtClean="0">
+                          <a:latin typeface="Times New Roman" panose="02020603050405020304" pitchFamily="18" charset="0"/>
+                          <a:cs typeface="Times New Roman" panose="02020603050405020304" pitchFamily="18" charset="0"/>
+                        </a:rPr>
+                        <a:t>) </a:t>
+                      </a:r>
+                      <a:r>
+                        <a:rPr lang="en-US" dirty="0" smtClean="0"/>
+                        <a:t>his secret </a:t>
+                      </a:r>
+                      <a:r>
+                        <a:rPr lang="en-US" dirty="0" smtClean="0">
+                          <a:solidFill>
+                            <a:srgbClr val="FF0000"/>
+                          </a:solidFill>
+                        </a:rPr>
+                        <a:t>to his servants </a:t>
+                      </a:r>
+                      <a:r>
+                        <a:rPr lang="en-US" dirty="0" smtClean="0">
+                          <a:solidFill>
+                            <a:schemeClr val="tx1"/>
+                          </a:solidFill>
+                          <a:latin typeface="Times New Roman" panose="02020603050405020304" pitchFamily="18" charset="0"/>
+                          <a:cs typeface="Times New Roman" panose="02020603050405020304" pitchFamily="18" charset="0"/>
+                        </a:rPr>
+                        <a:t>(</a:t>
+                      </a:r>
+                      <a:r>
+                        <a:rPr lang="el-GR" sz="1800" b="1" i="0" u="none" strike="noStrike" kern="1200" baseline="0" dirty="0" smtClean="0">
+                          <a:solidFill>
+                            <a:schemeClr val="dk1"/>
+                          </a:solidFill>
+                          <a:latin typeface="Times New Roman" panose="02020603050405020304" pitchFamily="18" charset="0"/>
+                          <a:ea typeface="+mn-ea"/>
+                          <a:cs typeface="Times New Roman" panose="02020603050405020304" pitchFamily="18" charset="0"/>
+                        </a:rPr>
+                        <a:t>τοὺς δούλους αὐτοῦ</a:t>
+                      </a:r>
+                      <a:r>
+                        <a:rPr lang="en-US" sz="1800" b="0" i="0" u="none" strike="noStrike" kern="1200" baseline="0" dirty="0" smtClean="0">
+                          <a:solidFill>
+                            <a:schemeClr val="dk1"/>
+                          </a:solidFill>
+                          <a:latin typeface="+mn-lt"/>
+                          <a:ea typeface="+mn-ea"/>
+                          <a:cs typeface="+mn-cs"/>
+                        </a:rPr>
+                        <a:t>) </a:t>
+                      </a:r>
+                      <a:r>
+                        <a:rPr lang="en-US" dirty="0" smtClean="0"/>
+                        <a:t>the prophets. (Amos 3:7 NRSV)</a:t>
+                      </a:r>
+                    </a:p>
+                    <a:p>
+                      <a:endParaRPr lang="en-US" dirty="0" smtClean="0"/>
+                    </a:p>
+                    <a:p>
+                      <a:endParaRPr lang="en-US" dirty="0"/>
+                    </a:p>
+                  </a:txBody>
+                  <a:tcPr>
+                    <a:solidFill>
+                      <a:schemeClr val="bg1"/>
+                    </a:solidFill>
+                  </a:tcPr>
+                </a:tc>
+                <a:tc>
+                  <a:txBody>
+                    <a:bodyPr/>
+                    <a:lstStyle/>
+                    <a:p>
+                      <a:pPr marL="0" marR="0" indent="0" algn="l" defTabSz="914400" rtl="0" eaLnBrk="1" fontAlgn="auto" latinLnBrk="0" hangingPunct="1">
+                        <a:lnSpc>
+                          <a:spcPct val="100000"/>
+                        </a:lnSpc>
+                        <a:spcBef>
+                          <a:spcPts val="0"/>
+                        </a:spcBef>
+                        <a:spcAft>
+                          <a:spcPts val="0"/>
+                        </a:spcAft>
+                        <a:buClrTx/>
+                        <a:buSzTx/>
+                        <a:buFontTx/>
+                        <a:buNone/>
+                        <a:tabLst/>
+                        <a:defRPr/>
+                      </a:pPr>
+                      <a:r>
+                        <a:rPr lang="en-US" dirty="0" smtClean="0"/>
+                        <a:t>but there is a God in heaven who reveals mysteries, and he has disclosed to King Nebuchadnezzar </a:t>
+                      </a:r>
+                      <a:r>
+                        <a:rPr lang="en-US" dirty="0" smtClean="0">
+                          <a:solidFill>
+                            <a:srgbClr val="FF0000"/>
+                          </a:solidFill>
+                        </a:rPr>
+                        <a:t>what will happen </a:t>
+                      </a:r>
+                      <a:r>
+                        <a:rPr lang="en-US" dirty="0" smtClean="0"/>
+                        <a:t>(</a:t>
+                      </a:r>
+                      <a:r>
+                        <a:rPr lang="el-GR" b="1" dirty="0" smtClean="0">
+                          <a:latin typeface="Times New Roman" panose="02020603050405020304" pitchFamily="18" charset="0"/>
+                          <a:cs typeface="Times New Roman" panose="02020603050405020304" pitchFamily="18" charset="0"/>
+                        </a:rPr>
+                        <a:t>ἃ δεῖ γενέσθαι</a:t>
+                      </a:r>
+                      <a:r>
+                        <a:rPr lang="en-US" dirty="0" smtClean="0"/>
+                        <a:t>) at the end of days…. The great God has </a:t>
+                      </a:r>
+                      <a:r>
+                        <a:rPr lang="en-US" dirty="0" smtClean="0">
+                          <a:solidFill>
+                            <a:srgbClr val="FF0000"/>
+                          </a:solidFill>
+                        </a:rPr>
+                        <a:t>informed</a:t>
+                      </a:r>
+                      <a:r>
+                        <a:rPr lang="en-US" dirty="0" smtClean="0"/>
+                        <a:t> (</a:t>
+                      </a:r>
+                      <a:r>
+                        <a:rPr lang="el-GR" b="1" dirty="0" smtClean="0">
+                          <a:latin typeface="Times New Roman" panose="02020603050405020304" pitchFamily="18" charset="0"/>
+                          <a:cs typeface="Times New Roman" panose="02020603050405020304" pitchFamily="18" charset="0"/>
+                        </a:rPr>
+                        <a:t>ἐσήμανεν</a:t>
+                      </a:r>
+                      <a:r>
+                        <a:rPr lang="en-US" b="1" dirty="0" smtClean="0"/>
+                        <a:t>)</a:t>
+                      </a:r>
+                      <a:r>
+                        <a:rPr lang="en-US" dirty="0" smtClean="0"/>
+                        <a:t> the king what shall be hereafter. The dream is certain, and its interpretation trustworthy." (</a:t>
+                      </a:r>
+                    </a:p>
+                    <a:p>
+                      <a:endParaRPr lang="en-US" dirty="0"/>
+                    </a:p>
+                  </a:txBody>
+                  <a:tcPr>
+                    <a:solidFill>
+                      <a:schemeClr val="bg1"/>
+                    </a:solidFill>
+                  </a:tcPr>
+                </a:tc>
+              </a:tr>
+            </a:tbl>
+          </a:graphicData>
+        </a:graphic>
+      </p:graphicFrame>
+      <p:sp>
+        <p:nvSpPr>
+          <p:cNvPr id="4" name="Footer Placeholder 3"/>
+          <p:cNvSpPr>
+            <a:spLocks noGrp="1"/>
+          </p:cNvSpPr>
+          <p:nvPr>
+            <p:ph type="ftr" sz="quarter" idx="11"/>
+          </p:nvPr>
+        </p:nvSpPr>
+        <p:spPr/>
+        <p:txBody>
+          <a:bodyPr/>
+          <a:lstStyle/>
+          <a:p>
+            <a:r>
+              <a:rPr lang="en-US" smtClean="0"/>
+              <a:t>Encoding Apocalypse and Empire</a:t>
+            </a:r>
+            <a:endParaRPr lang="en-US"/>
+          </a:p>
+        </p:txBody>
+      </p:sp>
+      <p:sp>
+        <p:nvSpPr>
+          <p:cNvPr id="5" name="Slide Number Placeholder 4"/>
+          <p:cNvSpPr>
+            <a:spLocks noGrp="1"/>
+          </p:cNvSpPr>
+          <p:nvPr>
+            <p:ph type="sldNum" sz="quarter" idx="12"/>
+          </p:nvPr>
+        </p:nvSpPr>
+        <p:spPr/>
+        <p:txBody>
+          <a:bodyPr/>
+          <a:lstStyle/>
+          <a:p>
+            <a:fld id="{B54884B7-6C20-497E-907D-B5AAC07785D1}" type="slidenum">
+              <a:rPr lang="en-US" smtClean="0"/>
+              <a:t>10</a:t>
+            </a:fld>
+            <a:endParaRPr lang="en-US"/>
+          </a:p>
+        </p:txBody>
+      </p:sp>
+    </p:spTree>
+    <p:extLst>
+      <p:ext uri="{BB962C8B-B14F-4D97-AF65-F5344CB8AC3E}">
+        <p14:creationId xmlns:p14="http://schemas.microsoft.com/office/powerpoint/2010/main" val="893997241"/>
+      </p:ext>
+    </p:extLst>
+  </p:cSld>
+  <p:clrMapOvr>
+    <a:masterClrMapping/>
+  </p:clrMapOvr>
+</p:sld>
+</file>
+
+<file path=ppt/slides/slide11.xml><?xml version="1.0" encoding="utf-8"?>
+<p:sld xmlns:a="http://schemas.openxmlformats.org/drawingml/2006/main" xmlns:r="http://schemas.openxmlformats.org/officeDocument/2006/relationships" xmlns:p="http://schemas.openxmlformats.org/presentationml/2006/main">
+  <p:cSld>
+    <p:spTree>
+      <p:nvGrpSpPr>
+        <p:cNvPr id="1" name=""/>
+        <p:cNvGrpSpPr/>
+        <p:nvPr/>
+      </p:nvGrpSpPr>
+      <p:grpSpPr>
+        <a:xfrm>
+          <a:off x="0" y="0"/>
+          <a:ext cx="0" cy="0"/>
+          <a:chOff x="0" y="0"/>
+          <a:chExt cx="0" cy="0"/>
+        </a:xfrm>
+      </p:grpSpPr>
+      <p:sp>
+        <p:nvSpPr>
+          <p:cNvPr id="2" name="Title 1"/>
+          <p:cNvSpPr>
+            <a:spLocks noGrp="1"/>
+          </p:cNvSpPr>
+          <p:nvPr>
+            <p:ph type="title"/>
+          </p:nvPr>
+        </p:nvSpPr>
+        <p:spPr/>
+        <p:txBody>
           <a:bodyPr/>
           <a:lstStyle/>
           <a:p>
@@ -4564,7 +5177,7 @@
           <a:p>
             <a:fld id="{B54884B7-6C20-497E-907D-B5AAC07785D1}" type="slidenum">
               <a:rPr lang="en-US" smtClean="0"/>
-              <a:t>10</a:t>
+              <a:t>11</a:t>
             </a:fld>
             <a:endParaRPr lang="en-US"/>
           </a:p>
@@ -4590,7 +5203,7 @@
 </p:sld>
 </file>
 
-<file path=ppt/slides/slide11.xml><?xml version="1.0" encoding="utf-8"?>
+<file path=ppt/slides/slide12.xml><?xml version="1.0" encoding="utf-8"?>
 <p:sld xmlns:a="http://schemas.openxmlformats.org/drawingml/2006/main" xmlns:r="http://schemas.openxmlformats.org/officeDocument/2006/relationships" xmlns:p="http://schemas.openxmlformats.org/presentationml/2006/main">
   <p:cSld>
     <p:spTree>
@@ -4629,11 +5242,7 @@
           <a:p>
             <a:r>
               <a:rPr lang="en-US" dirty="0" smtClean="0"/>
-              <a:t>Enumerated </a:t>
-            </a:r>
-            <a:r>
-              <a:rPr lang="en-US" dirty="0" smtClean="0"/>
-              <a:t>Allusions </a:t>
+              <a:t>Enumerated Allusions </a:t>
             </a:r>
             <a:endParaRPr lang="en-US" dirty="0"/>
           </a:p>
@@ -4704,7 +5313,7 @@
           <a:p>
             <a:fld id="{B54884B7-6C20-497E-907D-B5AAC07785D1}" type="slidenum">
               <a:rPr lang="en-US" smtClean="0"/>
-              <a:t>11</a:t>
+              <a:t>12</a:t>
             </a:fld>
             <a:endParaRPr lang="en-US"/>
           </a:p>
@@ -4730,7 +5339,7 @@
 </p:sld>
 </file>
 
-<file path=ppt/slides/slide12.xml><?xml version="1.0" encoding="utf-8"?>
+<file path=ppt/slides/slide13.xml><?xml version="1.0" encoding="utf-8"?>
 <p:sld xmlns:a="http://schemas.openxmlformats.org/drawingml/2006/main" xmlns:r="http://schemas.openxmlformats.org/officeDocument/2006/relationships" xmlns:p="http://schemas.openxmlformats.org/presentationml/2006/main">
   <p:cSld>
     <p:spTree>
@@ -4864,7 +5473,7 @@
           <a:p>
             <a:fld id="{B54884B7-6C20-497E-907D-B5AAC07785D1}" type="slidenum">
               <a:rPr lang="en-US" smtClean="0"/>
-              <a:t>12</a:t>
+              <a:t>13</a:t>
             </a:fld>
             <a:endParaRPr lang="en-US"/>
           </a:p>
@@ -4874,178 +5483,6 @@
     <p:extLst>
       <p:ext uri="{BB962C8B-B14F-4D97-AF65-F5344CB8AC3E}">
         <p14:creationId xmlns:p14="http://schemas.microsoft.com/office/powerpoint/2010/main" val="3852568507"/>
-      </p:ext>
-    </p:extLst>
-  </p:cSld>
-  <p:clrMapOvr>
-    <a:masterClrMapping/>
-  </p:clrMapOvr>
-  <p:timing>
-    <p:tnLst>
-      <p:par>
-        <p:cTn id="1" dur="indefinite" restart="never" nodeType="tmRoot"/>
-      </p:par>
-    </p:tnLst>
-  </p:timing>
-</p:sld>
-</file>
-
-<file path=ppt/slides/slide13.xml><?xml version="1.0" encoding="utf-8"?>
-<p:sld xmlns:a="http://schemas.openxmlformats.org/drawingml/2006/main" xmlns:r="http://schemas.openxmlformats.org/officeDocument/2006/relationships" xmlns:p="http://schemas.openxmlformats.org/presentationml/2006/main">
-  <p:cSld>
-    <p:spTree>
-      <p:nvGrpSpPr>
-        <p:cNvPr id="1" name=""/>
-        <p:cNvGrpSpPr/>
-        <p:nvPr/>
-      </p:nvGrpSpPr>
-      <p:grpSpPr>
-        <a:xfrm>
-          <a:off x="0" y="0"/>
-          <a:ext cx="0" cy="0"/>
-          <a:chOff x="0" y="0"/>
-          <a:chExt cx="0" cy="0"/>
-        </a:xfrm>
-      </p:grpSpPr>
-      <p:sp>
-        <p:nvSpPr>
-          <p:cNvPr id="4" name="Title 3"/>
-          <p:cNvSpPr>
-            <a:spLocks noGrp="1"/>
-          </p:cNvSpPr>
-          <p:nvPr>
-            <p:ph type="title"/>
-          </p:nvPr>
-        </p:nvSpPr>
-        <p:spPr/>
-        <p:txBody>
-          <a:bodyPr/>
-          <a:lstStyle/>
-          <a:p>
-            <a:r>
-              <a:rPr lang="en-US" dirty="0" smtClean="0"/>
-              <a:t>SBLGNT and NA</a:t>
-            </a:r>
-            <a:r>
-              <a:rPr lang="en-US" baseline="30000" dirty="0" smtClean="0"/>
-              <a:t>28</a:t>
-            </a:r>
-            <a:r>
-              <a:rPr lang="en-US" dirty="0" smtClean="0"/>
-              <a:t> Online</a:t>
-            </a:r>
-            <a:endParaRPr lang="en-US" baseline="30000" dirty="0"/>
-          </a:p>
-        </p:txBody>
-      </p:sp>
-      <p:pic>
-        <p:nvPicPr>
-          <p:cNvPr id="8" name="Content Placeholder 7"/>
-          <p:cNvPicPr>
-            <a:picLocks noGrp="1" noChangeAspect="1"/>
-          </p:cNvPicPr>
-          <p:nvPr>
-            <p:ph sz="half" idx="1"/>
-          </p:nvPr>
-        </p:nvPicPr>
-        <p:blipFill>
-          <a:blip r:embed="rId2">
-            <a:extLst>
-              <a:ext uri="{28A0092B-C50C-407E-A947-70E740481C1C}">
-                <a14:useLocalDpi xmlns:a14="http://schemas.microsoft.com/office/drawing/2010/main" val="0"/>
-              </a:ext>
-            </a:extLst>
-          </a:blip>
-          <a:stretch>
-            <a:fillRect/>
-          </a:stretch>
-        </p:blipFill>
-        <p:spPr>
-          <a:xfrm>
-            <a:off x="457200" y="1981060"/>
-            <a:ext cx="3657600" cy="3700743"/>
-          </a:xfrm>
-        </p:spPr>
-      </p:pic>
-      <p:pic>
-        <p:nvPicPr>
-          <p:cNvPr id="7" name="Content Placeholder 6"/>
-          <p:cNvPicPr>
-            <a:picLocks noGrp="1" noChangeAspect="1"/>
-          </p:cNvPicPr>
-          <p:nvPr>
-            <p:ph sz="half" idx="2"/>
-          </p:nvPr>
-        </p:nvPicPr>
-        <p:blipFill>
-          <a:blip r:embed="rId3">
-            <a:extLst>
-              <a:ext uri="{28A0092B-C50C-407E-A947-70E740481C1C}">
-                <a14:useLocalDpi xmlns:a14="http://schemas.microsoft.com/office/drawing/2010/main" val="0"/>
-              </a:ext>
-            </a:extLst>
-          </a:blip>
-          <a:stretch>
-            <a:fillRect/>
-          </a:stretch>
-        </p:blipFill>
-        <p:spPr>
-          <a:xfrm>
-            <a:off x="4419600" y="1904769"/>
-            <a:ext cx="3657600" cy="3853324"/>
-          </a:xfrm>
-        </p:spPr>
-      </p:pic>
-      <p:sp>
-        <p:nvSpPr>
-          <p:cNvPr id="2" name="Footer Placeholder 1"/>
-          <p:cNvSpPr>
-            <a:spLocks noGrp="1"/>
-          </p:cNvSpPr>
-          <p:nvPr>
-            <p:ph type="ftr" sz="quarter" idx="11"/>
-          </p:nvPr>
-        </p:nvSpPr>
-        <p:spPr/>
-        <p:txBody>
-          <a:bodyPr/>
-          <a:lstStyle/>
-          <a:p>
-            <a:r>
-              <a:rPr lang="en-US" smtClean="0"/>
-              <a:t>Encoding Apocalypse and Empire</a:t>
-            </a:r>
-            <a:endParaRPr lang="en-US"/>
-          </a:p>
-        </p:txBody>
-      </p:sp>
-      <p:sp>
-        <p:nvSpPr>
-          <p:cNvPr id="3" name="Slide Number Placeholder 2"/>
-          <p:cNvSpPr>
-            <a:spLocks noGrp="1"/>
-          </p:cNvSpPr>
-          <p:nvPr>
-            <p:ph type="sldNum" sz="quarter" idx="12"/>
-          </p:nvPr>
-        </p:nvSpPr>
-        <p:spPr/>
-        <p:txBody>
-          <a:bodyPr/>
-          <a:lstStyle/>
-          <a:p>
-            <a:fld id="{B54884B7-6C20-497E-907D-B5AAC07785D1}" type="slidenum">
-              <a:rPr lang="en-US" smtClean="0"/>
-              <a:t>13</a:t>
-            </a:fld>
-            <a:endParaRPr lang="en-US"/>
-          </a:p>
-        </p:txBody>
-      </p:sp>
-    </p:spTree>
-    <p:extLst>
-      <p:ext uri="{BB962C8B-B14F-4D97-AF65-F5344CB8AC3E}">
-        <p14:creationId xmlns:p14="http://schemas.microsoft.com/office/powerpoint/2010/main" val="2982528296"/>
       </p:ext>
     </p:extLst>
   </p:cSld>
@@ -5081,7 +5518,7 @@
       </p:grpSpPr>
       <p:sp>
         <p:nvSpPr>
-          <p:cNvPr id="5" name="Title 4"/>
+          <p:cNvPr id="4" name="Title 3"/>
           <p:cNvSpPr>
             <a:spLocks noGrp="1"/>
           </p:cNvSpPr>
@@ -5096,20 +5533,86 @@
           <a:p>
             <a:r>
               <a:rPr lang="en-US" dirty="0" smtClean="0"/>
-              <a:t>Merchants of the Earth</a:t>
-            </a:r>
-            <a:endParaRPr lang="en-US" dirty="0"/>
-          </a:p>
-        </p:txBody>
-      </p:sp>
-      <p:sp>
-        <p:nvSpPr>
-          <p:cNvPr id="6" name="Content Placeholder 5"/>
-          <p:cNvSpPr>
-            <a:spLocks noGrp="1"/>
-          </p:cNvSpPr>
-          <p:nvPr>
-            <p:ph idx="1"/>
+              <a:t>SBLGNT and NA</a:t>
+            </a:r>
+            <a:r>
+              <a:rPr lang="en-US" baseline="30000" dirty="0" smtClean="0"/>
+              <a:t>28</a:t>
+            </a:r>
+            <a:r>
+              <a:rPr lang="en-US" dirty="0" smtClean="0"/>
+              <a:t> Online</a:t>
+            </a:r>
+            <a:endParaRPr lang="en-US" baseline="30000" dirty="0"/>
+          </a:p>
+        </p:txBody>
+      </p:sp>
+      <p:pic>
+        <p:nvPicPr>
+          <p:cNvPr id="8" name="Content Placeholder 7"/>
+          <p:cNvPicPr>
+            <a:picLocks noGrp="1" noChangeAspect="1"/>
+          </p:cNvPicPr>
+          <p:nvPr>
+            <p:ph sz="half" idx="1"/>
+          </p:nvPr>
+        </p:nvPicPr>
+        <p:blipFill>
+          <a:blip r:embed="rId2">
+            <a:extLst>
+              <a:ext uri="{28A0092B-C50C-407E-A947-70E740481C1C}">
+                <a14:useLocalDpi xmlns:a14="http://schemas.microsoft.com/office/drawing/2010/main" val="0"/>
+              </a:ext>
+            </a:extLst>
+          </a:blip>
+          <a:stretch>
+            <a:fillRect/>
+          </a:stretch>
+        </p:blipFill>
+        <p:spPr>
+          <a:xfrm>
+            <a:off x="457200" y="1981060"/>
+            <a:ext cx="3657600" cy="3700743"/>
+          </a:xfrm>
+        </p:spPr>
+      </p:pic>
+      <p:pic>
+        <p:nvPicPr>
+          <p:cNvPr id="7" name="Content Placeholder 6"/>
+          <p:cNvPicPr>
+            <a:picLocks noGrp="1" noChangeAspect="1"/>
+          </p:cNvPicPr>
+          <p:nvPr>
+            <p:ph sz="half" idx="2"/>
+          </p:nvPr>
+        </p:nvPicPr>
+        <p:blipFill>
+          <a:blip r:embed="rId3">
+            <a:extLst>
+              <a:ext uri="{28A0092B-C50C-407E-A947-70E740481C1C}">
+                <a14:useLocalDpi xmlns:a14="http://schemas.microsoft.com/office/drawing/2010/main" val="0"/>
+              </a:ext>
+            </a:extLst>
+          </a:blip>
+          <a:stretch>
+            <a:fillRect/>
+          </a:stretch>
+        </p:blipFill>
+        <p:spPr>
+          <a:xfrm>
+            <a:off x="4419600" y="1904769"/>
+            <a:ext cx="3657600" cy="3853324"/>
+          </a:xfrm>
+        </p:spPr>
+      </p:pic>
+      <p:sp>
+        <p:nvSpPr>
+          <p:cNvPr id="2" name="Footer Placeholder 1"/>
+          <p:cNvSpPr>
+            <a:spLocks noGrp="1"/>
+          </p:cNvSpPr>
+          <p:nvPr>
+            <p:ph type="ftr" sz="quarter" idx="11"/>
           </p:nvPr>
         </p:nvSpPr>
         <p:spPr/>
@@ -5118,41 +5621,6 @@
           <a:lstStyle/>
           <a:p>
             <a:r>
-              <a:rPr lang="en-US" dirty="0" smtClean="0"/>
-              <a:t>Bible Works $359</a:t>
-            </a:r>
-          </a:p>
-          <a:p>
-            <a:r>
-              <a:rPr lang="en-US" dirty="0" smtClean="0"/>
-              <a:t>Accordance $299</a:t>
-            </a:r>
-          </a:p>
-          <a:p>
-            <a:r>
-              <a:rPr lang="en-US" dirty="0" smtClean="0"/>
-              <a:t>Logos $ -- networks down</a:t>
-            </a:r>
-            <a:endParaRPr lang="en-US" dirty="0"/>
-          </a:p>
-        </p:txBody>
-      </p:sp>
-      <p:sp>
-        <p:nvSpPr>
-          <p:cNvPr id="7" name="Footer Placeholder 6"/>
-          <p:cNvSpPr>
-            <a:spLocks noGrp="1"/>
-          </p:cNvSpPr>
-          <p:nvPr>
-            <p:ph type="ftr" sz="quarter" idx="11"/>
-          </p:nvPr>
-        </p:nvSpPr>
-        <p:spPr/>
-        <p:txBody>
-          <a:bodyPr/>
-          <a:lstStyle/>
-          <a:p>
-            <a:r>
               <a:rPr lang="en-US" smtClean="0"/>
               <a:t>Encoding Apocalypse and Empire</a:t>
             </a:r>
@@ -5162,7 +5630,7 @@
       </p:sp>
       <p:sp>
         <p:nvSpPr>
-          <p:cNvPr id="8" name="Slide Number Placeholder 7"/>
+          <p:cNvPr id="3" name="Slide Number Placeholder 2"/>
           <p:cNvSpPr>
             <a:spLocks noGrp="1"/>
           </p:cNvSpPr>
@@ -5186,13 +5654,20 @@
     </p:spTree>
     <p:extLst>
       <p:ext uri="{BB962C8B-B14F-4D97-AF65-F5344CB8AC3E}">
-        <p14:creationId xmlns:p14="http://schemas.microsoft.com/office/powerpoint/2010/main" val="2157431465"/>
+        <p14:creationId xmlns:p14="http://schemas.microsoft.com/office/powerpoint/2010/main" val="2982528296"/>
       </p:ext>
     </p:extLst>
   </p:cSld>
   <p:clrMapOvr>
     <a:masterClrMapping/>
   </p:clrMapOvr>
+  <p:timing>
+    <p:tnLst>
+      <p:par>
+        <p:cTn id="1" dur="indefinite" restart="never" nodeType="tmRoot"/>
+      </p:par>
+    </p:tnLst>
+  </p:timing>
 </p:sld>
 </file>
 
@@ -5215,6 +5690,144 @@
       </p:grpSpPr>
       <p:sp>
         <p:nvSpPr>
+          <p:cNvPr id="5" name="Title 4"/>
+          <p:cNvSpPr>
+            <a:spLocks noGrp="1"/>
+          </p:cNvSpPr>
+          <p:nvPr>
+            <p:ph type="title"/>
+          </p:nvPr>
+        </p:nvSpPr>
+        <p:spPr/>
+        <p:txBody>
+          <a:bodyPr/>
+          <a:lstStyle/>
+          <a:p>
+            <a:r>
+              <a:rPr lang="en-US" dirty="0" smtClean="0"/>
+              <a:t>Merchants of the Earth</a:t>
+            </a:r>
+            <a:endParaRPr lang="en-US" dirty="0"/>
+          </a:p>
+        </p:txBody>
+      </p:sp>
+      <p:sp>
+        <p:nvSpPr>
+          <p:cNvPr id="6" name="Content Placeholder 5"/>
+          <p:cNvSpPr>
+            <a:spLocks noGrp="1"/>
+          </p:cNvSpPr>
+          <p:nvPr>
+            <p:ph idx="1"/>
+          </p:nvPr>
+        </p:nvSpPr>
+        <p:spPr/>
+        <p:txBody>
+          <a:bodyPr/>
+          <a:lstStyle/>
+          <a:p>
+            <a:r>
+              <a:rPr lang="en-US" dirty="0" smtClean="0"/>
+              <a:t>Bible Works $359</a:t>
+            </a:r>
+          </a:p>
+          <a:p>
+            <a:r>
+              <a:rPr lang="en-US" dirty="0" smtClean="0"/>
+              <a:t>Accordance $299</a:t>
+            </a:r>
+          </a:p>
+          <a:p>
+            <a:r>
+              <a:rPr lang="en-US" dirty="0" smtClean="0"/>
+              <a:t>Logos $ -- networks </a:t>
+            </a:r>
+            <a:r>
+              <a:rPr lang="en-US" dirty="0" smtClean="0"/>
+              <a:t>down for SBL?</a:t>
+            </a:r>
+            <a:endParaRPr lang="en-US" dirty="0"/>
+          </a:p>
+        </p:txBody>
+      </p:sp>
+      <p:sp>
+        <p:nvSpPr>
+          <p:cNvPr id="7" name="Footer Placeholder 6"/>
+          <p:cNvSpPr>
+            <a:spLocks noGrp="1"/>
+          </p:cNvSpPr>
+          <p:nvPr>
+            <p:ph type="ftr" sz="quarter" idx="11"/>
+          </p:nvPr>
+        </p:nvSpPr>
+        <p:spPr/>
+        <p:txBody>
+          <a:bodyPr/>
+          <a:lstStyle/>
+          <a:p>
+            <a:r>
+              <a:rPr lang="en-US" smtClean="0"/>
+              <a:t>Encoding Apocalypse and Empire</a:t>
+            </a:r>
+            <a:endParaRPr lang="en-US"/>
+          </a:p>
+        </p:txBody>
+      </p:sp>
+      <p:sp>
+        <p:nvSpPr>
+          <p:cNvPr id="8" name="Slide Number Placeholder 7"/>
+          <p:cNvSpPr>
+            <a:spLocks noGrp="1"/>
+          </p:cNvSpPr>
+          <p:nvPr>
+            <p:ph type="sldNum" sz="quarter" idx="12"/>
+          </p:nvPr>
+        </p:nvSpPr>
+        <p:spPr/>
+        <p:txBody>
+          <a:bodyPr/>
+          <a:lstStyle/>
+          <a:p>
+            <a:fld id="{B54884B7-6C20-497E-907D-B5AAC07785D1}" type="slidenum">
+              <a:rPr lang="en-US" smtClean="0"/>
+              <a:t>15</a:t>
+            </a:fld>
+            <a:endParaRPr lang="en-US"/>
+          </a:p>
+        </p:txBody>
+      </p:sp>
+    </p:spTree>
+    <p:extLst>
+      <p:ext uri="{BB962C8B-B14F-4D97-AF65-F5344CB8AC3E}">
+        <p14:creationId xmlns:p14="http://schemas.microsoft.com/office/powerpoint/2010/main" val="2157431465"/>
+      </p:ext>
+    </p:extLst>
+  </p:cSld>
+  <p:clrMapOvr>
+    <a:masterClrMapping/>
+  </p:clrMapOvr>
+</p:sld>
+</file>
+
+<file path=ppt/slides/slide16.xml><?xml version="1.0" encoding="utf-8"?>
+<p:sld xmlns:a="http://schemas.openxmlformats.org/drawingml/2006/main" xmlns:r="http://schemas.openxmlformats.org/officeDocument/2006/relationships" xmlns:p="http://schemas.openxmlformats.org/presentationml/2006/main">
+  <p:cSld>
+    <p:spTree>
+      <p:nvGrpSpPr>
+        <p:cNvPr id="1" name=""/>
+        <p:cNvGrpSpPr/>
+        <p:nvPr/>
+      </p:nvGrpSpPr>
+      <p:grpSpPr>
+        <a:xfrm>
+          <a:off x="0" y="0"/>
+          <a:ext cx="0" cy="0"/>
+          <a:chOff x="0" y="0"/>
+          <a:chExt cx="0" cy="0"/>
+        </a:xfrm>
+      </p:grpSpPr>
+      <p:sp>
+        <p:nvSpPr>
           <p:cNvPr id="2" name="Title 1"/>
           <p:cNvSpPr>
             <a:spLocks noGrp="1"/>
@@ -5362,7 +5975,7 @@
           <a:p>
             <a:fld id="{B54884B7-6C20-497E-907D-B5AAC07785D1}" type="slidenum">
               <a:rPr lang="en-US" smtClean="0"/>
-              <a:t>15</a:t>
+              <a:t>16</a:t>
             </a:fld>
             <a:endParaRPr lang="en-US"/>
           </a:p>
@@ -5371,7 +5984,7 @@
     </p:spTree>
     <p:extLst>
       <p:ext uri="{BB962C8B-B14F-4D97-AF65-F5344CB8AC3E}">
-        <p14:creationId xmlns:p14="http://schemas.microsoft.com/office/powerpoint/2010/main" val="3776784992"/>
+        <p14:creationId xmlns:p14="http://schemas.microsoft.com/office/powerpoint/2010/main" val="893469334"/>
       </p:ext>
     </p:extLst>
   </p:cSld>
@@ -5451,11 +6064,11 @@
               <a:buNone/>
             </a:pPr>
             <a:r>
-              <a:rPr lang="en-US" dirty="0" smtClean="0"/>
+              <a:rPr lang="en-US" sz="2400" dirty="0" smtClean="0"/>
               <a:t>A </a:t>
             </a:r>
             <a:r>
-              <a:rPr lang="en-US" dirty="0" smtClean="0">
+              <a:rPr lang="en-US" sz="2400" dirty="0" smtClean="0">
                 <a:solidFill>
                   <a:srgbClr val="FF0000"/>
                 </a:solidFill>
@@ -5463,238 +6076,276 @@
               <a:t>revelation</a:t>
             </a:r>
             <a:r>
-              <a:rPr lang="en-US" dirty="0" smtClean="0"/>
-              <a:t> (</a:t>
-            </a:r>
-            <a:r>
-              <a:rPr lang="el-GR" b="1" dirty="0">
-                <a:latin typeface="Times New Roman" panose="02020603050405020304" pitchFamily="18" charset="0"/>
-                <a:cs typeface="Times New Roman" panose="02020603050405020304" pitchFamily="18" charset="0"/>
-              </a:rPr>
-              <a:t>Ἀποκάλυψις</a:t>
-            </a:r>
-            <a:r>
-              <a:rPr lang="en-US" dirty="0" smtClean="0"/>
-              <a:t>)of </a:t>
-            </a:r>
-            <a:r>
-              <a:rPr lang="en-US" dirty="0"/>
-              <a:t>Jesus Christ which God granted to him to show </a:t>
-            </a:r>
-            <a:r>
-              <a:rPr lang="en-US" dirty="0">
+              <a:rPr lang="en-US" sz="2400" dirty="0" smtClean="0"/>
+              <a:t> </a:t>
+            </a:r>
+            <a:r>
+              <a:rPr lang="en-US" sz="2400" dirty="0" smtClean="0"/>
+              <a:t>of </a:t>
+            </a:r>
+            <a:r>
+              <a:rPr lang="en-US" sz="2400" dirty="0" smtClean="0"/>
+              <a:t>Jesus </a:t>
+            </a:r>
+            <a:r>
+              <a:rPr lang="en-US" sz="2400" dirty="0"/>
+              <a:t>Christ which God granted to him to show to his servants the things which must </a:t>
+            </a:r>
+            <a:r>
+              <a:rPr lang="en-US" sz="2400" dirty="0" smtClean="0"/>
+              <a:t>happen </a:t>
+            </a:r>
+            <a:r>
+              <a:rPr lang="en-US" sz="2400" dirty="0" smtClean="0"/>
+              <a:t>soon</a:t>
+            </a:r>
+            <a:r>
+              <a:rPr lang="en-US" sz="2400" dirty="0" smtClean="0"/>
+              <a:t>, and he made it known </a:t>
+            </a:r>
+            <a:r>
+              <a:rPr lang="en-US" sz="2400" dirty="0" smtClean="0"/>
+              <a:t>by </a:t>
+            </a:r>
+            <a:r>
+              <a:rPr lang="en-US" sz="2400" dirty="0" smtClean="0"/>
+              <a:t>sending his angle to his servant John…  Blessed </a:t>
+            </a:r>
+            <a:r>
+              <a:rPr lang="en-US" sz="2400" dirty="0"/>
+              <a:t>is the </a:t>
+            </a:r>
+            <a:r>
+              <a:rPr lang="en-US" sz="2400" dirty="0">
                 <a:solidFill>
                   <a:srgbClr val="FF0000"/>
                 </a:solidFill>
               </a:rPr>
-              <a:t>to his servants the things which must </a:t>
+              <a:t>one who reads and those who hear the words of prophecy</a:t>
+            </a:r>
+            <a:r>
+              <a:rPr lang="en-US" sz="2400" dirty="0"/>
+              <a:t> and keep the things which are written in </a:t>
+            </a:r>
+            <a:r>
+              <a:rPr lang="en-US" sz="2400" dirty="0" smtClean="0"/>
+              <a:t>it, </a:t>
+            </a:r>
+            <a:r>
+              <a:rPr lang="en-US" sz="2400" smtClean="0"/>
+              <a:t>for the time is near.”</a:t>
+            </a:r>
+            <a:endParaRPr lang="en-US" sz="2400" dirty="0" smtClean="0"/>
+          </a:p>
+          <a:p>
+            <a:pPr marL="114300" indent="0">
+              <a:buNone/>
+            </a:pPr>
+            <a:endParaRPr lang="en-US" sz="2400" dirty="0" smtClean="0"/>
+          </a:p>
+          <a:p>
+            <a:pPr marL="114300" indent="0">
+              <a:buNone/>
+            </a:pPr>
+            <a:r>
+              <a:rPr lang="el-GR" dirty="0">
+                <a:solidFill>
+                  <a:srgbClr val="FF0000"/>
+                </a:solidFill>
+                <a:latin typeface="Times New Roman" panose="02020603050405020304" pitchFamily="18" charset="0"/>
+                <a:cs typeface="Times New Roman" panose="02020603050405020304" pitchFamily="18" charset="0"/>
+              </a:rPr>
+              <a:t>Ἀποκάλυψις</a:t>
+            </a:r>
+            <a:r>
+              <a:rPr lang="el-GR" dirty="0">
+                <a:latin typeface="Times New Roman" panose="02020603050405020304" pitchFamily="18" charset="0"/>
+                <a:cs typeface="Times New Roman" panose="02020603050405020304" pitchFamily="18" charset="0"/>
+              </a:rPr>
+              <a:t> Ἰησοῦ Χριστοῦ, ἣν ἔδωκεν αὐτῷ ὁ	</a:t>
+            </a:r>
+            <a:r>
+              <a:rPr lang="en-US" dirty="0" smtClean="0">
+                <a:latin typeface="Times New Roman" panose="02020603050405020304" pitchFamily="18" charset="0"/>
+                <a:cs typeface="Times New Roman" panose="02020603050405020304" pitchFamily="18" charset="0"/>
+              </a:rPr>
+              <a:t> </a:t>
+            </a:r>
+            <a:r>
+              <a:rPr lang="el-GR" dirty="0" smtClean="0">
+                <a:latin typeface="Times New Roman" panose="02020603050405020304" pitchFamily="18" charset="0"/>
+                <a:cs typeface="Times New Roman" panose="02020603050405020304" pitchFamily="18" charset="0"/>
+              </a:rPr>
+              <a:t>Θεός</a:t>
+            </a:r>
+            <a:r>
+              <a:rPr lang="el-GR" dirty="0">
+                <a:latin typeface="Times New Roman" panose="02020603050405020304" pitchFamily="18" charset="0"/>
+                <a:cs typeface="Times New Roman" panose="02020603050405020304" pitchFamily="18" charset="0"/>
+              </a:rPr>
+              <a:t>, δεῖξαι τοῖς δούλοις αὐτοῦ ἃ δεῖ γενέσθαι ἐν τάχει, </a:t>
+            </a:r>
+            <a:r>
+              <a:rPr lang="el-GR" dirty="0" smtClean="0">
+                <a:latin typeface="Times New Roman" panose="02020603050405020304" pitchFamily="18" charset="0"/>
+                <a:cs typeface="Times New Roman" panose="02020603050405020304" pitchFamily="18" charset="0"/>
+              </a:rPr>
+              <a:t>καὶ</a:t>
+            </a:r>
+            <a:r>
+              <a:rPr lang="en-US" dirty="0" smtClean="0">
+                <a:latin typeface="Times New Roman" panose="02020603050405020304" pitchFamily="18" charset="0"/>
+                <a:cs typeface="Times New Roman" panose="02020603050405020304" pitchFamily="18" charset="0"/>
+              </a:rPr>
+              <a:t> </a:t>
+            </a:r>
+            <a:r>
+              <a:rPr lang="el-GR" dirty="0" smtClean="0">
+                <a:latin typeface="Times New Roman" panose="02020603050405020304" pitchFamily="18" charset="0"/>
+                <a:cs typeface="Times New Roman" panose="02020603050405020304" pitchFamily="18" charset="0"/>
+              </a:rPr>
+              <a:t>ἐσήμανεν </a:t>
+            </a:r>
+            <a:r>
+              <a:rPr lang="el-GR" dirty="0">
+                <a:latin typeface="Times New Roman" panose="02020603050405020304" pitchFamily="18" charset="0"/>
+                <a:cs typeface="Times New Roman" panose="02020603050405020304" pitchFamily="18" charset="0"/>
+              </a:rPr>
+              <a:t>ἀποστείλας διὰ τοῦ ἀγγέλου αὐτοῦ, τῷ </a:t>
+            </a:r>
+            <a:r>
+              <a:rPr lang="el-GR" dirty="0" smtClean="0">
+                <a:latin typeface="Times New Roman" panose="02020603050405020304" pitchFamily="18" charset="0"/>
+                <a:cs typeface="Times New Roman" panose="02020603050405020304" pitchFamily="18" charset="0"/>
+              </a:rPr>
+              <a:t>δούλῳ</a:t>
+            </a:r>
+            <a:r>
+              <a:rPr lang="en-US" dirty="0" smtClean="0">
+                <a:latin typeface="Times New Roman" panose="02020603050405020304" pitchFamily="18" charset="0"/>
+                <a:cs typeface="Times New Roman" panose="02020603050405020304" pitchFamily="18" charset="0"/>
+              </a:rPr>
+              <a:t> </a:t>
+            </a:r>
+            <a:r>
+              <a:rPr lang="el-GR" dirty="0" smtClean="0">
+                <a:latin typeface="Times New Roman" panose="02020603050405020304" pitchFamily="18" charset="0"/>
+                <a:cs typeface="Times New Roman" panose="02020603050405020304" pitchFamily="18" charset="0"/>
+              </a:rPr>
+              <a:t>αὐτοῦ Ἰωάνῃ</a:t>
+            </a:r>
+            <a:r>
+              <a:rPr lang="en-US" dirty="0" smtClean="0">
+                <a:latin typeface="Times New Roman" panose="02020603050405020304" pitchFamily="18" charset="0"/>
+                <a:cs typeface="Times New Roman" panose="02020603050405020304" pitchFamily="18" charset="0"/>
+              </a:rPr>
+              <a:t>…</a:t>
+            </a:r>
+            <a:r>
+              <a:rPr lang="el-GR" dirty="0" smtClean="0">
+                <a:latin typeface="Times New Roman" panose="02020603050405020304" pitchFamily="18" charset="0"/>
+                <a:cs typeface="Times New Roman" panose="02020603050405020304" pitchFamily="18" charset="0"/>
+              </a:rPr>
+              <a:t> </a:t>
+            </a:r>
+            <a:r>
+              <a:rPr lang="el-GR" dirty="0">
+                <a:latin typeface="Times New Roman" panose="02020603050405020304" pitchFamily="18" charset="0"/>
+                <a:cs typeface="Times New Roman" panose="02020603050405020304" pitchFamily="18" charset="0"/>
+              </a:rPr>
+              <a:t>Μακάριος </a:t>
+            </a:r>
+            <a:r>
+              <a:rPr lang="el-GR" dirty="0" smtClean="0">
+                <a:solidFill>
+                  <a:srgbClr val="FF0000"/>
+                </a:solidFill>
+                <a:latin typeface="Times New Roman" panose="02020603050405020304" pitchFamily="18" charset="0"/>
+                <a:cs typeface="Times New Roman" panose="02020603050405020304" pitchFamily="18" charset="0"/>
+              </a:rPr>
+              <a:t>ὁ</a:t>
             </a:r>
             <a:r>
               <a:rPr lang="en-US" dirty="0" smtClean="0">
                 <a:solidFill>
                   <a:srgbClr val="FF0000"/>
                 </a:solidFill>
-              </a:rPr>
-              <a:t>happen </a:t>
-            </a:r>
-            <a:r>
-              <a:rPr lang="en-US" dirty="0"/>
-              <a:t>(</a:t>
-            </a:r>
-            <a:r>
-              <a:rPr lang="el-GR" b="1" dirty="0">
                 <a:latin typeface="Times New Roman" panose="02020603050405020304" pitchFamily="18" charset="0"/>
                 <a:cs typeface="Times New Roman" panose="02020603050405020304" pitchFamily="18" charset="0"/>
               </a:rPr>
-              <a:t>ἃ δεῖ γενέσθαι</a:t>
-            </a:r>
-            <a:r>
-              <a:rPr lang="en-US" dirty="0"/>
-              <a:t>) </a:t>
-            </a:r>
-            <a:r>
-              <a:rPr lang="en-US" dirty="0" smtClean="0"/>
-              <a:t>soon, and he made it known by sending his angle to his servant John… </a:t>
+              <a:t> </a:t>
+            </a:r>
+            <a:r>
+              <a:rPr lang="el-GR" dirty="0" smtClean="0">
+                <a:solidFill>
+                  <a:srgbClr val="FF0000"/>
+                </a:solidFill>
+                <a:latin typeface="Times New Roman" panose="02020603050405020304" pitchFamily="18" charset="0"/>
+                <a:cs typeface="Times New Roman" panose="02020603050405020304" pitchFamily="18" charset="0"/>
+              </a:rPr>
+              <a:t>ἀναγινώσκων </a:t>
+            </a:r>
+            <a:r>
+              <a:rPr lang="el-GR" dirty="0">
+                <a:solidFill>
+                  <a:srgbClr val="FF0000"/>
+                </a:solidFill>
+                <a:latin typeface="Times New Roman" panose="02020603050405020304" pitchFamily="18" charset="0"/>
+                <a:cs typeface="Times New Roman" panose="02020603050405020304" pitchFamily="18" charset="0"/>
+              </a:rPr>
+              <a:t>καὶ οἱ ἀκούοντες τοὺς λόγους τῆς </a:t>
+            </a:r>
+            <a:r>
+              <a:rPr lang="el-GR" dirty="0" smtClean="0">
+                <a:solidFill>
+                  <a:srgbClr val="FF0000"/>
+                </a:solidFill>
+                <a:latin typeface="Times New Roman" panose="02020603050405020304" pitchFamily="18" charset="0"/>
+                <a:cs typeface="Times New Roman" panose="02020603050405020304" pitchFamily="18" charset="0"/>
+              </a:rPr>
+              <a:t>προφητείας</a:t>
             </a:r>
             <a:r>
               <a:rPr lang="en-US" dirty="0" smtClean="0">
                 <a:solidFill>
                   <a:srgbClr val="FF0000"/>
                 </a:solidFill>
-              </a:rPr>
-              <a:t> </a:t>
-            </a:r>
-            <a:r>
-              <a:rPr lang="en-US" dirty="0" smtClean="0"/>
-              <a:t>Blessed </a:t>
-            </a:r>
-            <a:r>
-              <a:rPr lang="en-US" dirty="0"/>
-              <a:t>is the one who reads and those who hear the words of prophecy and keep the things which are written in it</a:t>
-            </a:r>
-            <a:r>
-              <a:rPr lang="en-US" dirty="0" smtClean="0"/>
-              <a:t>”</a:t>
-            </a:r>
-          </a:p>
-          <a:p>
-            <a:r>
-              <a:rPr lang="en-US" dirty="0" smtClean="0"/>
-              <a:t>Surely </a:t>
-            </a:r>
-            <a:r>
-              <a:rPr lang="en-US" dirty="0"/>
-              <a:t>the Lord GOD does nothing, without </a:t>
-            </a:r>
-            <a:r>
-              <a:rPr lang="en-US" dirty="0">
-                <a:solidFill>
-                  <a:srgbClr val="FF0000"/>
-                </a:solidFill>
-              </a:rPr>
-              <a:t>revealing</a:t>
-            </a:r>
-            <a:r>
-              <a:rPr lang="en-US" dirty="0"/>
-              <a:t> </a:t>
-            </a:r>
-            <a:r>
-              <a:rPr lang="en-US" dirty="0" smtClean="0"/>
-              <a:t>(</a:t>
-            </a:r>
-            <a:r>
-              <a:rPr lang="el-GR" b="1" dirty="0" smtClean="0">
                 <a:latin typeface="Times New Roman" panose="02020603050405020304" pitchFamily="18" charset="0"/>
                 <a:cs typeface="Times New Roman" panose="02020603050405020304" pitchFamily="18" charset="0"/>
               </a:rPr>
-              <a:t>ἀποκαλύψῃ</a:t>
-            </a:r>
-            <a:r>
-              <a:rPr lang="en-US" dirty="0" smtClean="0">
+              <a:t> </a:t>
+            </a:r>
+            <a:r>
+              <a:rPr lang="el-GR" dirty="0" smtClean="0">
                 <a:latin typeface="Times New Roman" panose="02020603050405020304" pitchFamily="18" charset="0"/>
                 <a:cs typeface="Times New Roman" panose="02020603050405020304" pitchFamily="18" charset="0"/>
               </a:rPr>
-              <a:t>) </a:t>
-            </a:r>
-            <a:r>
-              <a:rPr lang="en-US" dirty="0" smtClean="0"/>
-              <a:t>his </a:t>
-            </a:r>
-            <a:r>
-              <a:rPr lang="en-US" dirty="0"/>
-              <a:t>secret </a:t>
-            </a:r>
-            <a:r>
-              <a:rPr lang="en-US" dirty="0">
-                <a:solidFill>
-                  <a:srgbClr val="FF0000"/>
-                </a:solidFill>
-              </a:rPr>
-              <a:t>to his servants </a:t>
-            </a:r>
-            <a:r>
-              <a:rPr lang="en-US" dirty="0"/>
-              <a:t>the prophets. (</a:t>
-            </a:r>
-            <a:r>
-              <a:rPr lang="en-US" dirty="0" smtClean="0"/>
-              <a:t>Amos </a:t>
-            </a:r>
-            <a:r>
-              <a:rPr lang="en-US" dirty="0"/>
-              <a:t>3:7 </a:t>
-            </a:r>
-            <a:r>
-              <a:rPr lang="en-US" dirty="0" smtClean="0"/>
-              <a:t>NRSV)</a:t>
-            </a:r>
-          </a:p>
-          <a:p>
-            <a:r>
-              <a:rPr lang="en-US" dirty="0"/>
-              <a:t>but there is a God in heaven who reveals mysteries, and he has disclosed to King Nebuchadnezzar </a:t>
-            </a:r>
-            <a:r>
-              <a:rPr lang="en-US" dirty="0">
-                <a:solidFill>
-                  <a:srgbClr val="FF0000"/>
-                </a:solidFill>
-              </a:rPr>
-              <a:t>what will happen </a:t>
-            </a:r>
-            <a:r>
-              <a:rPr lang="en-US" dirty="0" smtClean="0"/>
-              <a:t>(</a:t>
-            </a:r>
-            <a:r>
-              <a:rPr lang="el-GR" b="1" dirty="0">
+              <a:t>καὶ </a:t>
+            </a:r>
+            <a:r>
+              <a:rPr lang="el-GR" dirty="0">
                 <a:latin typeface="Times New Roman" panose="02020603050405020304" pitchFamily="18" charset="0"/>
                 <a:cs typeface="Times New Roman" panose="02020603050405020304" pitchFamily="18" charset="0"/>
               </a:rPr>
-              <a:t>ἃ δεῖ </a:t>
-            </a:r>
-            <a:r>
-              <a:rPr lang="el-GR" b="1" dirty="0" smtClean="0">
+              <a:t>τηροῦντες τὰ ἐν αὐτῇ </a:t>
+            </a:r>
+            <a:r>
+              <a:rPr lang="el-GR" dirty="0" smtClean="0">
                 <a:latin typeface="Times New Roman" panose="02020603050405020304" pitchFamily="18" charset="0"/>
                 <a:cs typeface="Times New Roman" panose="02020603050405020304" pitchFamily="18" charset="0"/>
               </a:rPr>
-              <a:t>γενέσθαι</a:t>
-            </a:r>
-            <a:r>
-              <a:rPr lang="en-US" dirty="0" smtClean="0"/>
-              <a:t>) at </a:t>
-            </a:r>
-            <a:r>
-              <a:rPr lang="en-US" dirty="0"/>
-              <a:t>the end of </a:t>
-            </a:r>
-            <a:r>
-              <a:rPr lang="en-US" dirty="0" smtClean="0"/>
-              <a:t>days…. </a:t>
-            </a:r>
-            <a:r>
-              <a:rPr lang="en-US" dirty="0"/>
-              <a:t>The great God has </a:t>
-            </a:r>
-            <a:r>
-              <a:rPr lang="en-US" dirty="0" smtClean="0">
-                <a:solidFill>
-                  <a:srgbClr val="FF0000"/>
-                </a:solidFill>
-              </a:rPr>
-              <a:t>informed</a:t>
-            </a:r>
-            <a:r>
-              <a:rPr lang="en-US" dirty="0" smtClean="0"/>
-              <a:t> (</a:t>
-            </a:r>
-            <a:r>
-              <a:rPr lang="el-GR" b="1" dirty="0" smtClean="0">
-                <a:latin typeface="Times New Roman" panose="02020603050405020304" pitchFamily="18" charset="0"/>
-                <a:cs typeface="Times New Roman" panose="02020603050405020304" pitchFamily="18" charset="0"/>
-              </a:rPr>
-              <a:t>ἐσήμανεν</a:t>
-            </a:r>
-            <a:r>
-              <a:rPr lang="en-US" b="1" dirty="0" smtClean="0"/>
-              <a:t>)</a:t>
-            </a:r>
-            <a:r>
-              <a:rPr lang="en-US" dirty="0" smtClean="0"/>
-              <a:t> </a:t>
-            </a:r>
-            <a:r>
-              <a:rPr lang="en-US" dirty="0"/>
-              <a:t>the king what shall be hereafter. The dream is certain, and its interpretation trustworthy." (Dan </a:t>
-            </a:r>
-            <a:r>
-              <a:rPr lang="en-US" dirty="0" smtClean="0"/>
-              <a:t>2:28, 45 NRSV)</a:t>
-            </a:r>
-            <a:endParaRPr lang="el-GR" dirty="0">
+              <a:t>γεγραμμένα· ὁ γὰρ καιρὸς ἐγγύς.</a:t>
+            </a:r>
+            <a:endParaRPr lang="en-US" dirty="0" smtClean="0">
               <a:latin typeface="Times New Roman" panose="02020603050405020304" pitchFamily="18" charset="0"/>
               <a:cs typeface="Times New Roman" panose="02020603050405020304" pitchFamily="18" charset="0"/>
             </a:endParaRPr>
+          </a:p>
+          <a:p>
+            <a:pPr marL="114300" indent="0">
+              <a:buNone/>
+            </a:pPr>
+            <a:endParaRPr lang="en-US" sz="2400" dirty="0" smtClean="0"/>
           </a:p>
         </p:txBody>
       </p:sp>
@@ -5791,7 +6442,11 @@
           <a:p>
             <a:r>
               <a:rPr lang="en-US" dirty="0" smtClean="0"/>
-              <a:t>Taxonomy of Intertextuality</a:t>
+              <a:t>A Taxonomy </a:t>
+            </a:r>
+            <a:r>
+              <a:rPr lang="en-US" dirty="0" smtClean="0"/>
+              <a:t>of Intertextuality</a:t>
             </a:r>
             <a:endParaRPr lang="en-US" dirty="0"/>
           </a:p>
@@ -5929,7 +6584,6 @@
               <a:rPr lang="en-US" sz="2800" dirty="0"/>
               <a:t>Quotation: The use of a pre-existing phrase, sentence, or paragraph which is taken from another source</a:t>
             </a:r>
-            <a:endParaRPr lang="en-US" sz="2800" dirty="0"/>
           </a:p>
         </p:txBody>
       </p:sp>
@@ -6337,7 +6991,6 @@
               <a:rPr lang="en-US" sz="2800" dirty="0"/>
               <a:t>reference to another text through the use of extended verbal parallel or “catchwords”</a:t>
             </a:r>
-            <a:endParaRPr lang="en-US" sz="2800" dirty="0"/>
           </a:p>
         </p:txBody>
       </p:sp>
@@ -7079,27 +7732,14 @@
           <a:p>
             <a:r>
               <a:rPr lang="en-US" dirty="0" smtClean="0"/>
-              <a:t>Desolated </a:t>
-            </a:r>
+              <a:t>Desolated cities being repopulated with wild beasts </a:t>
+            </a:r>
+          </a:p>
+          <a:p>
+            <a:pPr lvl="1"/>
             <a:r>
               <a:rPr lang="en-US" dirty="0" smtClean="0"/>
-              <a:t>cities being repopulated with wild beasts </a:t>
-            </a:r>
-            <a:endParaRPr lang="en-US" dirty="0" smtClean="0"/>
-          </a:p>
-          <a:p>
-            <a:pPr lvl="1"/>
-            <a:r>
-              <a:rPr lang="en-US" dirty="0" smtClean="0"/>
-              <a:t>Isa </a:t>
-            </a:r>
-            <a:r>
-              <a:rPr lang="en-US" dirty="0" smtClean="0"/>
-              <a:t>13:21; </a:t>
-            </a:r>
-            <a:r>
-              <a:rPr lang="en-US" dirty="0" smtClean="0"/>
-              <a:t>34:11-14</a:t>
+              <a:t>Isa 13:21; 34:11-14</a:t>
             </a:r>
           </a:p>
           <a:p>
@@ -7115,20 +7755,11 @@
               <a:rPr lang="en-US" dirty="0" smtClean="0"/>
               <a:t>Nah 3:4</a:t>
             </a:r>
-            <a:endParaRPr lang="en-US" dirty="0" smtClean="0"/>
           </a:p>
           <a:p>
             <a:r>
               <a:rPr lang="en-US" dirty="0" smtClean="0"/>
-              <a:t>Locusts </a:t>
-            </a:r>
-            <a:r>
-              <a:rPr lang="en-US" dirty="0" smtClean="0"/>
-              <a:t>as a foreign </a:t>
-            </a:r>
-            <a:r>
-              <a:rPr lang="en-US" dirty="0" smtClean="0"/>
-              <a:t>army</a:t>
+              <a:t>Locusts as a foreign army</a:t>
             </a:r>
           </a:p>
           <a:p>

--- a/slides/encoding apocalypse and empire ppt.pptx
+++ b/slides/encoding apocalypse and empire ppt.pptx
@@ -490,11 +490,11 @@
           <c:showBubbleSize val="0"/>
         </c:dLbls>
         <c:gapWidth val="150"/>
-        <c:axId val="35084544"/>
-        <c:axId val="35099008"/>
+        <c:axId val="122020608"/>
+        <c:axId val="122022528"/>
       </c:barChart>
       <c:catAx>
-        <c:axId val="35084544"/>
+        <c:axId val="122020608"/>
         <c:scaling>
           <c:orientation val="minMax"/>
         </c:scaling>
@@ -522,7 +522,7 @@
         <c:majorTickMark val="none"/>
         <c:minorTickMark val="none"/>
         <c:tickLblPos val="nextTo"/>
-        <c:crossAx val="35099008"/>
+        <c:crossAx val="122022528"/>
         <c:crosses val="autoZero"/>
         <c:auto val="1"/>
         <c:lblAlgn val="ctr"/>
@@ -530,7 +530,7 @@
         <c:noMultiLvlLbl val="0"/>
       </c:catAx>
       <c:valAx>
-        <c:axId val="35099008"/>
+        <c:axId val="122022528"/>
         <c:scaling>
           <c:orientation val="minMax"/>
         </c:scaling>
@@ -560,7 +560,7 @@
         <c:majorTickMark val="out"/>
         <c:minorTickMark val="none"/>
         <c:tickLblPos val="nextTo"/>
-        <c:crossAx val="35084544"/>
+        <c:crossAx val="122020608"/>
         <c:crosses val="autoZero"/>
         <c:crossBetween val="between"/>
       </c:valAx>
@@ -701,11 +701,11 @@
           <c:showBubbleSize val="0"/>
         </c:dLbls>
         <c:gapWidth val="150"/>
-        <c:axId val="35125504"/>
-        <c:axId val="35139584"/>
+        <c:axId val="122681984"/>
+        <c:axId val="122691968"/>
       </c:barChart>
       <c:catAx>
-        <c:axId val="35125504"/>
+        <c:axId val="122681984"/>
         <c:scaling>
           <c:orientation val="minMax"/>
         </c:scaling>
@@ -714,7 +714,7 @@
         <c:majorTickMark val="none"/>
         <c:minorTickMark val="none"/>
         <c:tickLblPos val="nextTo"/>
-        <c:crossAx val="35139584"/>
+        <c:crossAx val="122691968"/>
         <c:crosses val="autoZero"/>
         <c:auto val="1"/>
         <c:lblAlgn val="ctr"/>
@@ -722,7 +722,7 @@
         <c:noMultiLvlLbl val="0"/>
       </c:catAx>
       <c:valAx>
-        <c:axId val="35139584"/>
+        <c:axId val="122691968"/>
         <c:scaling>
           <c:orientation val="minMax"/>
         </c:scaling>
@@ -733,7 +733,7 @@
         <c:majorTickMark val="none"/>
         <c:minorTickMark val="none"/>
         <c:tickLblPos val="nextTo"/>
-        <c:crossAx val="35125504"/>
+        <c:crossAx val="122681984"/>
         <c:crosses val="autoZero"/>
         <c:crossBetween val="between"/>
       </c:valAx>
@@ -5069,6 +5069,13 @@
   <p:clrMapOvr>
     <a:masterClrMapping/>
   </p:clrMapOvr>
+  <p:timing>
+    <p:tnLst>
+      <p:par>
+        <p:cTn id="1" dur="indefinite" restart="never" nodeType="tmRoot"/>
+      </p:par>
+    </p:tnLst>
+  </p:timing>
 </p:sld>
 </file>
 
@@ -5705,7 +5712,7 @@
           <a:p>
             <a:r>
               <a:rPr lang="en-US" dirty="0" smtClean="0"/>
-              <a:t>Merchants of the Earth</a:t>
+              <a:t>Bible Software</a:t>
             </a:r>
             <a:endParaRPr lang="en-US" dirty="0"/>
           </a:p>
@@ -5728,24 +5735,56 @@
           <a:p>
             <a:r>
               <a:rPr lang="en-US" dirty="0" smtClean="0"/>
-              <a:t>Bible Works $359</a:t>
-            </a:r>
-          </a:p>
-          <a:p>
+              <a:t>Proprietary software options</a:t>
+            </a:r>
+          </a:p>
+          <a:p>
+            <a:pPr lvl="1"/>
             <a:r>
               <a:rPr lang="en-US" dirty="0" smtClean="0"/>
-              <a:t>Accordance $299</a:t>
-            </a:r>
-          </a:p>
-          <a:p>
+              <a:t>Powerful</a:t>
+            </a:r>
+          </a:p>
+          <a:p>
+            <a:pPr lvl="1"/>
             <a:r>
               <a:rPr lang="en-US" dirty="0" smtClean="0"/>
-              <a:t>Logos $ -- networks </a:t>
-            </a:r>
+              <a:t>Customization through modular upgrades</a:t>
+            </a:r>
+          </a:p>
+          <a:p>
+            <a:pPr lvl="2"/>
             <a:r>
               <a:rPr lang="en-US" dirty="0" smtClean="0"/>
-              <a:t>down for SBL?</a:t>
-            </a:r>
+              <a:t>Defined tools</a:t>
+            </a:r>
+          </a:p>
+          <a:p>
+            <a:pPr lvl="2"/>
+            <a:r>
+              <a:rPr lang="en-US" dirty="0" smtClean="0"/>
+              <a:t>Costly</a:t>
+            </a:r>
+          </a:p>
+          <a:p>
+            <a:pPr lvl="1"/>
+            <a:r>
+              <a:rPr lang="en-US" dirty="0" smtClean="0"/>
+              <a:t>Copyright restrictions</a:t>
+            </a:r>
+          </a:p>
+          <a:p>
+            <a:pPr lvl="1"/>
+            <a:r>
+              <a:rPr lang="en-US" dirty="0" smtClean="0"/>
+              <a:t>Silos biblical </a:t>
+            </a:r>
+            <a:r>
+              <a:rPr lang="en-US" dirty="0" smtClean="0"/>
+              <a:t>scholarship within the academy</a:t>
+            </a:r>
+          </a:p>
+          <a:p>
             <a:endParaRPr lang="en-US" dirty="0"/>
           </a:p>
         </p:txBody>
@@ -5806,6 +5845,13 @@
   <p:clrMapOvr>
     <a:masterClrMapping/>
   </p:clrMapOvr>
+  <p:timing>
+    <p:tnLst>
+      <p:par>
+        <p:cTn id="1" dur="indefinite" restart="never" nodeType="tmRoot"/>
+      </p:par>
+    </p:tnLst>
+  </p:timing>
 </p:sld>
 </file>
 
@@ -5843,7 +5889,7 @@
           <a:p>
             <a:r>
               <a:rPr lang="en-US" dirty="0" smtClean="0"/>
-              <a:t>Digital Editions</a:t>
+              <a:t>Four Case Studies</a:t>
             </a:r>
             <a:endParaRPr lang="en-US" dirty="0"/>
           </a:p>
@@ -5863,38 +5909,50 @@
         <p:txBody>
           <a:bodyPr/>
           <a:lstStyle/>
-          <a:p>
-            <a:r>
-              <a:rPr lang="en-US" dirty="0" smtClean="0"/>
-              <a:t>Globally Accessible</a:t>
-            </a:r>
-          </a:p>
-          <a:p>
-            <a:r>
-              <a:rPr lang="en-US" dirty="0" err="1" smtClean="0"/>
-              <a:t>CreativeCommons</a:t>
-            </a:r>
-            <a:r>
-              <a:rPr lang="en-US" dirty="0" smtClean="0"/>
-              <a:t> Licensing</a:t>
-            </a:r>
-          </a:p>
-          <a:p>
-            <a:r>
-              <a:rPr lang="en-US" dirty="0" smtClean="0"/>
-              <a:t>Flexible to Research</a:t>
-            </a:r>
-          </a:p>
-          <a:p>
-            <a:r>
-              <a:rPr lang="en-US" dirty="0" smtClean="0"/>
-              <a:t>Translatable to other ancient texts</a:t>
-            </a:r>
-          </a:p>
           <a:p>
             <a:pPr marL="114300" indent="0">
               <a:buNone/>
             </a:pPr>
+            <a:r>
+              <a:rPr lang="en-US" dirty="0" smtClean="0"/>
+              <a:t>Revelation </a:t>
+            </a:r>
+            <a:r>
+              <a:rPr lang="en-US" dirty="0" smtClean="0">
+                <a:hlinkClick r:id="rId2"/>
+              </a:rPr>
+              <a:t>17:1-6</a:t>
+            </a:r>
+            <a:r>
+              <a:rPr lang="en-US" dirty="0" smtClean="0"/>
+              <a:t>; </a:t>
+            </a:r>
+            <a:r>
+              <a:rPr lang="en-US" dirty="0" smtClean="0">
+                <a:hlinkClick r:id="rId3"/>
+              </a:rPr>
+              <a:t>18:1-8</a:t>
+            </a:r>
+            <a:r>
+              <a:rPr lang="en-US" dirty="0" smtClean="0"/>
+              <a:t>; </a:t>
+            </a:r>
+            <a:r>
+              <a:rPr lang="en-US" dirty="0" smtClean="0">
+                <a:hlinkClick r:id="rId4"/>
+              </a:rPr>
+              <a:t>21:22-27</a:t>
+            </a:r>
+            <a:r>
+              <a:rPr lang="en-US" dirty="0" smtClean="0"/>
+              <a:t>; and </a:t>
+            </a:r>
+            <a:r>
+              <a:rPr lang="en-US" dirty="0" smtClean="0">
+                <a:hlinkClick r:id="rId5"/>
+              </a:rPr>
+              <a:t>22:6-7</a:t>
+            </a:r>
             <a:endParaRPr lang="en-US" dirty="0" smtClean="0">
               <a:hlinkClick r:id="rId2"/>
             </a:endParaRPr>
@@ -5911,14 +5969,6 @@
             <a:pPr marL="114300" indent="0">
               <a:buNone/>
             </a:pPr>
-            <a:endParaRPr lang="en-US" dirty="0" smtClean="0">
-              <a:hlinkClick r:id="rId2"/>
-            </a:endParaRPr>
-          </a:p>
-          <a:p>
-            <a:pPr marL="114300" indent="0">
-              <a:buNone/>
-            </a:pPr>
             <a:r>
               <a:rPr lang="en-US" sz="1800" dirty="0" smtClean="0">
                 <a:hlinkClick r:id="rId2"/>
@@ -5929,9 +5979,48 @@
               <a:rPr lang="en-US" sz="1800" dirty="0">
                 <a:hlinkClick r:id="rId2"/>
               </a:rPr>
-              <a:t>://encodingrevelation.github.io/revelation/revelation/chapter/ap17.html</a:t>
-            </a:r>
-            <a:endParaRPr lang="en-US" sz="1800" dirty="0"/>
+              <a:t>://</a:t>
+            </a:r>
+            <a:r>
+              <a:rPr lang="en-US" sz="1800" dirty="0" smtClean="0">
+                <a:hlinkClick r:id="rId2"/>
+              </a:rPr>
+              <a:t>encodingrevelation.github.io/revelation/revelation/chapter/ap17.html</a:t>
+            </a:r>
+            <a:endParaRPr lang="en-US" sz="1800" dirty="0" smtClean="0"/>
+          </a:p>
+          <a:p>
+            <a:pPr marL="114300" indent="0" algn="ctr">
+              <a:buNone/>
+            </a:pPr>
+            <a:r>
+              <a:rPr lang="en-US" sz="1800" dirty="0" smtClean="0"/>
+              <a:t>Or</a:t>
+            </a:r>
+          </a:p>
+          <a:p>
+            <a:pPr marL="114300" indent="0" algn="ctr">
+              <a:buNone/>
+            </a:pPr>
+            <a:r>
+              <a:rPr lang="en-US" sz="1800" dirty="0" smtClean="0">
+                <a:hlinkClick r:id="rId6" action="ppaction://hlinkfile"/>
+              </a:rPr>
+              <a:t>tinyurl.com/</a:t>
+            </a:r>
+            <a:r>
+              <a:rPr lang="en-US" sz="1800" dirty="0" err="1" smtClean="0">
+                <a:hlinkClick r:id="rId6" action="ppaction://hlinkfile"/>
+              </a:rPr>
+              <a:t>ApocalypseAndEmpire</a:t>
+            </a:r>
+            <a:endParaRPr lang="en-US" sz="1800" dirty="0" smtClean="0"/>
+          </a:p>
+          <a:p>
+            <a:pPr marL="114300" indent="0">
+              <a:buNone/>
+            </a:pPr>
+            <a:endParaRPr lang="en-US" sz="1800" dirty="0" smtClean="0"/>
           </a:p>
         </p:txBody>
       </p:sp>
@@ -6077,15 +6166,7 @@
             </a:r>
             <a:r>
               <a:rPr lang="en-US" sz="2400" dirty="0" smtClean="0"/>
-              <a:t> </a:t>
-            </a:r>
-            <a:r>
-              <a:rPr lang="en-US" sz="2400" dirty="0" smtClean="0"/>
-              <a:t>of </a:t>
-            </a:r>
-            <a:r>
-              <a:rPr lang="en-US" sz="2400" dirty="0" smtClean="0"/>
-              <a:t>Jesus </a:t>
+              <a:t> of Jesus </a:t>
             </a:r>
             <a:r>
               <a:rPr lang="en-US" sz="2400" dirty="0"/>
@@ -6093,23 +6174,7 @@
             </a:r>
             <a:r>
               <a:rPr lang="en-US" sz="2400" dirty="0" smtClean="0"/>
-              <a:t>happen </a:t>
-            </a:r>
-            <a:r>
-              <a:rPr lang="en-US" sz="2400" dirty="0" smtClean="0"/>
-              <a:t>soon</a:t>
-            </a:r>
-            <a:r>
-              <a:rPr lang="en-US" sz="2400" dirty="0" smtClean="0"/>
-              <a:t>, and he made it known </a:t>
-            </a:r>
-            <a:r>
-              <a:rPr lang="en-US" sz="2400" dirty="0" smtClean="0"/>
-              <a:t>by </a:t>
-            </a:r>
-            <a:r>
-              <a:rPr lang="en-US" sz="2400" dirty="0" smtClean="0"/>
-              <a:t>sending his angle to his servant John…  Blessed </a:t>
+              <a:t>happen soon, and he made it known by sending his angle to his servant John…  Blessed </a:t>
             </a:r>
             <a:r>
               <a:rPr lang="en-US" sz="2400" dirty="0"/>
@@ -6405,6 +6470,13 @@
   <p:clrMapOvr>
     <a:masterClrMapping/>
   </p:clrMapOvr>
+  <p:timing>
+    <p:tnLst>
+      <p:par>
+        <p:cTn id="1" dur="indefinite" restart="never" nodeType="tmRoot"/>
+      </p:par>
+    </p:tnLst>
+  </p:timing>
 </p:sld>
 </file>
 
@@ -6442,11 +6514,7 @@
           <a:p>
             <a:r>
               <a:rPr lang="en-US" dirty="0" smtClean="0"/>
-              <a:t>A Taxonomy </a:t>
-            </a:r>
-            <a:r>
-              <a:rPr lang="en-US" dirty="0" smtClean="0"/>
-              <a:t>of Intertextuality</a:t>
+              <a:t>A Taxonomy of Intertextuality</a:t>
             </a:r>
             <a:endParaRPr lang="en-US" dirty="0"/>
           </a:p>
@@ -6543,6 +6611,13 @@
   <p:clrMapOvr>
     <a:masterClrMapping/>
   </p:clrMapOvr>
+  <p:timing>
+    <p:tnLst>
+      <p:par>
+        <p:cTn id="1" dur="indefinite" restart="never" nodeType="tmRoot"/>
+      </p:par>
+    </p:tnLst>
+  </p:timing>
 </p:sld>
 </file>
 
